--- a/Django1.pptx
+++ b/Django1.pptx
@@ -5,7 +5,7 @@
     <p:sldMasterId id="2147483857" r:id="rId1"/>
   </p:sldMasterIdLst>
   <p:notesMasterIdLst>
-    <p:notesMasterId r:id="rId27"/>
+    <p:notesMasterId r:id="rId28"/>
   </p:notesMasterIdLst>
   <p:sldIdLst>
     <p:sldId id="523" r:id="rId2"/>
@@ -24,15 +24,16 @@
     <p:sldId id="552" r:id="rId15"/>
     <p:sldId id="553" r:id="rId16"/>
     <p:sldId id="554" r:id="rId17"/>
-    <p:sldId id="556" r:id="rId18"/>
-    <p:sldId id="557" r:id="rId19"/>
-    <p:sldId id="561" r:id="rId20"/>
-    <p:sldId id="558" r:id="rId21"/>
-    <p:sldId id="559" r:id="rId22"/>
-    <p:sldId id="560" r:id="rId23"/>
-    <p:sldId id="562" r:id="rId24"/>
-    <p:sldId id="563" r:id="rId25"/>
-    <p:sldId id="542" r:id="rId26"/>
+    <p:sldId id="564" r:id="rId18"/>
+    <p:sldId id="556" r:id="rId19"/>
+    <p:sldId id="557" r:id="rId20"/>
+    <p:sldId id="561" r:id="rId21"/>
+    <p:sldId id="558" r:id="rId22"/>
+    <p:sldId id="559" r:id="rId23"/>
+    <p:sldId id="560" r:id="rId24"/>
+    <p:sldId id="562" r:id="rId25"/>
+    <p:sldId id="563" r:id="rId26"/>
+    <p:sldId id="542" r:id="rId27"/>
   </p:sldIdLst>
   <p:sldSz cx="12192000" cy="6858000"/>
   <p:notesSz cx="6858000" cy="9144000"/>
@@ -239,7 +240,7 @@
           <a:p>
             <a:fld id="{D6F4137A-32A9-4E3E-80A1-313294284C14}" type="datetimeFigureOut">
               <a:rPr lang="en-US" smtClean="0"/>
-              <a:t>10/13/2020</a:t>
+              <a:t>10/14/2020</a:t>
             </a:fld>
             <a:endParaRPr lang="en-US"/>
           </a:p>
@@ -37667,7 +37668,6 @@
               <a:rPr lang="en-US" dirty="0"/>
               <a:t>2</a:t>
             </a:r>
-            <a:endParaRPr lang="en-US" dirty="0"/>
           </a:p>
         </p:txBody>
       </p:sp>
@@ -37724,7 +37724,7 @@
         <p:spPr>
           <a:xfrm>
             <a:off x="946786" y="992038"/>
-            <a:ext cx="10311765" cy="5188100"/>
+            <a:ext cx="10311765" cy="5417906"/>
           </a:xfrm>
         </p:spPr>
         <p:txBody>
@@ -37732,115 +37732,197 @@
           <a:lstStyle/>
           <a:p>
             <a:r>
-              <a:rPr lang="en-US" dirty="0" smtClean="0"/>
-              <a:t>Web framework: Flask</a:t>
-            </a:r>
-          </a:p>
-          <a:p>
-            <a:r>
-              <a:rPr lang="en-US" dirty="0" smtClean="0"/>
-              <a:t>ORM: Flask-</a:t>
-            </a:r>
-            <a:r>
-              <a:rPr lang="en-US" dirty="0" err="1" smtClean="0"/>
-              <a:t>SQLAlchemy</a:t>
-            </a:r>
-            <a:endParaRPr lang="en-US" dirty="0" smtClean="0"/>
-          </a:p>
-          <a:p>
-            <a:r>
-              <a:rPr lang="en-US" dirty="0" smtClean="0"/>
-              <a:t>Effort: 3-4 days</a:t>
-            </a:r>
-          </a:p>
-          <a:p>
-            <a:r>
-              <a:rPr lang="en-US" dirty="0" smtClean="0"/>
-              <a:t>Compare to Django</a:t>
-            </a:r>
+              <a:rPr lang="zh-CN" altLang="en-US" dirty="0"/>
+              <a:t>两张</a:t>
+            </a:r>
+            <a:r>
+              <a:rPr lang="zh-CN" altLang="en-US" dirty="0" smtClean="0"/>
+              <a:t>表</a:t>
+            </a:r>
+            <a:endParaRPr lang="en-US" altLang="zh-CN" dirty="0"/>
           </a:p>
           <a:p>
             <a:pPr lvl="1"/>
             <a:r>
+              <a:rPr lang="en-US" altLang="zh-CN" dirty="0" smtClean="0"/>
+              <a:t>Organization</a:t>
+            </a:r>
+          </a:p>
+          <a:p>
+            <a:pPr lvl="1"/>
+            <a:r>
+              <a:rPr lang="en-US" altLang="zh-CN" dirty="0" smtClean="0"/>
+              <a:t>User</a:t>
+            </a:r>
+          </a:p>
+          <a:p>
+            <a:r>
               <a:rPr lang="zh-CN" altLang="en-US" dirty="0"/>
-              <a:t>优</a:t>
+              <a:t>关</a:t>
             </a:r>
             <a:r>
               <a:rPr lang="zh-CN" altLang="en-US" dirty="0" smtClean="0"/>
-              <a:t>点</a:t>
+              <a:t>系</a:t>
             </a:r>
             <a:endParaRPr lang="en-US" altLang="zh-CN" dirty="0" smtClean="0"/>
           </a:p>
           <a:p>
-            <a:pPr lvl="2"/>
+            <a:pPr lvl="1"/>
             <a:r>
               <a:rPr lang="en-US" altLang="zh-CN" dirty="0" smtClean="0"/>
-              <a:t>Flask </a:t>
+              <a:t>Organization </a:t>
             </a:r>
             <a:r>
               <a:rPr lang="zh-CN" altLang="en-US" dirty="0" smtClean="0"/>
-              <a:t>可以选择很多插件，比如 </a:t>
+              <a:t>对 </a:t>
             </a:r>
             <a:r>
               <a:rPr lang="en-US" altLang="zh-CN" dirty="0" smtClean="0"/>
-              <a:t>ORM </a:t>
+              <a:t>User </a:t>
             </a:r>
             <a:r>
               <a:rPr lang="zh-CN" altLang="en-US" dirty="0" smtClean="0"/>
-              <a:t>框架就有很多种选择</a:t>
+              <a:t>是 </a:t>
+            </a:r>
+            <a:r>
+              <a:rPr lang="en-US" altLang="zh-CN" dirty="0" smtClean="0"/>
+              <a:t>one to many</a:t>
+            </a:r>
+          </a:p>
+          <a:p>
+            <a:pPr lvl="1"/>
+            <a:r>
+              <a:rPr lang="en-US" altLang="zh-CN" dirty="0" smtClean="0"/>
+              <a:t>Organization </a:t>
+            </a:r>
+            <a:r>
+              <a:rPr lang="zh-CN" altLang="en-US" dirty="0" smtClean="0"/>
+              <a:t>本身也是 </a:t>
+            </a:r>
+            <a:r>
+              <a:rPr lang="en-US" altLang="zh-CN" dirty="0" smtClean="0"/>
+              <a:t>one to many</a:t>
+            </a:r>
+          </a:p>
+          <a:p>
+            <a:r>
+              <a:rPr lang="zh-CN" altLang="en-US" dirty="0"/>
+              <a:t>要</a:t>
+            </a:r>
+            <a:r>
+              <a:rPr lang="zh-CN" altLang="en-US" dirty="0" smtClean="0"/>
+              <a:t>求</a:t>
             </a:r>
             <a:endParaRPr lang="en-US" altLang="zh-CN" dirty="0" smtClean="0"/>
           </a:p>
           <a:p>
-            <a:pPr lvl="2"/>
+            <a:pPr lvl="1"/>
+            <a:r>
+              <a:rPr lang="en-US" altLang="zh-CN" dirty="0" smtClean="0"/>
+              <a:t>Organization </a:t>
+            </a:r>
+            <a:r>
+              <a:rPr lang="zh-CN" altLang="en-US" dirty="0" smtClean="0"/>
+              <a:t>的增删改</a:t>
+            </a:r>
+            <a:endParaRPr lang="en-US" altLang="zh-CN" dirty="0" smtClean="0"/>
+          </a:p>
+          <a:p>
+            <a:pPr lvl="1"/>
+            <a:r>
+              <a:rPr lang="en-US" altLang="zh-CN" dirty="0" smtClean="0"/>
+              <a:t>User </a:t>
+            </a:r>
+            <a:r>
+              <a:rPr lang="zh-CN" altLang="en-US" dirty="0" smtClean="0"/>
+              <a:t>的增删改</a:t>
+            </a:r>
+            <a:endParaRPr lang="en-US" altLang="zh-CN" dirty="0" smtClean="0"/>
+          </a:p>
+          <a:p>
+            <a:pPr lvl="1"/>
+            <a:r>
+              <a:rPr lang="en-US" altLang="zh-CN" dirty="0" smtClean="0"/>
+              <a:t>Organization </a:t>
+            </a:r>
+            <a:r>
+              <a:rPr lang="zh-CN" altLang="en-US" dirty="0" smtClean="0"/>
+              <a:t>页面要展示 父 </a:t>
+            </a:r>
+            <a:r>
+              <a:rPr lang="en-US" altLang="zh-CN" dirty="0" smtClean="0"/>
+              <a:t>Organization </a:t>
+            </a:r>
+            <a:r>
+              <a:rPr lang="zh-CN" altLang="en-US" dirty="0" smtClean="0"/>
+              <a:t>的</a:t>
+            </a:r>
+            <a:r>
+              <a:rPr lang="en-US" altLang="zh-CN" dirty="0" smtClean="0"/>
+              <a:t>name</a:t>
+            </a:r>
+          </a:p>
+          <a:p>
+            <a:pPr lvl="1"/>
+            <a:r>
+              <a:rPr lang="en-US" altLang="zh-CN" dirty="0" smtClean="0"/>
+              <a:t>User </a:t>
+            </a:r>
+            <a:r>
+              <a:rPr lang="zh-CN" altLang="en-US" dirty="0" smtClean="0"/>
+              <a:t>页面展示的 </a:t>
+            </a:r>
+            <a:r>
+              <a:rPr lang="en-US" altLang="zh-CN" dirty="0" smtClean="0"/>
+              <a:t>User </a:t>
+            </a:r>
+            <a:r>
+              <a:rPr lang="zh-CN" altLang="en-US" dirty="0" smtClean="0"/>
+              <a:t>只属于某一个 </a:t>
+            </a:r>
+            <a:r>
+              <a:rPr lang="en-US" altLang="zh-CN" dirty="0" smtClean="0"/>
+              <a:t>Organization</a:t>
+            </a:r>
+          </a:p>
+          <a:p>
+            <a:pPr lvl="1"/>
+            <a:r>
+              <a:rPr lang="en-US" altLang="zh-CN" dirty="0"/>
+              <a:t>User </a:t>
+            </a:r>
             <a:r>
               <a:rPr lang="zh-CN" altLang="en-US" dirty="0"/>
-              <a:t>适</a:t>
+              <a:t>页面展</a:t>
             </a:r>
             <a:r>
               <a:rPr lang="zh-CN" altLang="en-US" dirty="0" smtClean="0"/>
-              <a:t>合很复杂的架构</a:t>
-            </a:r>
-            <a:endParaRPr lang="en-US" dirty="0" smtClean="0"/>
-          </a:p>
-          <a:p>
-            <a:pPr lvl="1"/>
+              <a:t>示所属 </a:t>
+            </a:r>
+            <a:r>
+              <a:rPr lang="en-US" altLang="zh-CN" dirty="0" smtClean="0"/>
+              <a:t>Organization </a:t>
+            </a:r>
             <a:r>
               <a:rPr lang="zh-CN" altLang="en-US" dirty="0" smtClean="0"/>
-              <a:t>缺点</a:t>
+              <a:t>的名字</a:t>
             </a:r>
             <a:endParaRPr lang="en-US" altLang="zh-CN" dirty="0" smtClean="0"/>
           </a:p>
           <a:p>
-            <a:pPr lvl="2"/>
-            <a:r>
-              <a:rPr lang="zh-CN" altLang="en-US" dirty="0"/>
-              <a:t>很明</a:t>
-            </a:r>
-            <a:r>
-              <a:rPr lang="zh-CN" altLang="en-US" dirty="0" smtClean="0"/>
-              <a:t>显代码更多</a:t>
-            </a:r>
+            <a:endParaRPr lang="en-US" altLang="zh-CN" dirty="0"/>
+          </a:p>
+          <a:p>
             <a:endParaRPr lang="en-US" altLang="zh-CN" dirty="0" smtClean="0"/>
           </a:p>
           <a:p>
-            <a:pPr lvl="2"/>
-            <a:r>
-              <a:rPr lang="zh-CN" altLang="en-US" dirty="0"/>
-              <a:t>个</a:t>
-            </a:r>
-            <a:r>
-              <a:rPr lang="zh-CN" altLang="en-US" dirty="0" smtClean="0"/>
-              <a:t>人认为学习成本比较高</a:t>
-            </a:r>
-            <a:endParaRPr lang="en-US" dirty="0" smtClean="0"/>
-          </a:p>
-          <a:p>
-            <a:pPr lvl="1"/>
-            <a:endParaRPr lang="en-US" dirty="0"/>
-          </a:p>
-          <a:p>
-            <a:endParaRPr lang="en-US" dirty="0"/>
+            <a:endParaRPr lang="en-US" altLang="zh-CN" dirty="0" smtClean="0"/>
+          </a:p>
+          <a:p>
+            <a:endParaRPr lang="en-US" altLang="zh-CN" dirty="0"/>
+          </a:p>
+          <a:p>
+            <a:endParaRPr lang="en-US" altLang="zh-CN" dirty="0" smtClean="0"/>
           </a:p>
         </p:txBody>
       </p:sp>
@@ -37889,8 +37971,8 @@
           <a:lstStyle/>
           <a:p>
             <a:r>
-              <a:rPr lang="en-US" dirty="0" smtClean="0"/>
-              <a:t>Flask</a:t>
+              <a:rPr lang="en-US" altLang="zh-CN" dirty="0" smtClean="0"/>
+              <a:t>Demo</a:t>
             </a:r>
             <a:endParaRPr lang="en-US" dirty="0"/>
           </a:p>
@@ -37899,7 +37981,7 @@
     </p:spTree>
     <p:extLst>
       <p:ext uri="{BB962C8B-B14F-4D97-AF65-F5344CB8AC3E}">
-        <p14:creationId xmlns:p14="http://schemas.microsoft.com/office/powerpoint/2010/main" val="2860878503"/>
+        <p14:creationId xmlns:p14="http://schemas.microsoft.com/office/powerpoint/2010/main" val="1557884185"/>
       </p:ext>
     </p:extLst>
   </p:cSld>
@@ -37945,8 +38027,8 @@
         </p:nvSpPr>
         <p:spPr>
           <a:xfrm>
-            <a:off x="946786" y="1104181"/>
-            <a:ext cx="10311765" cy="5075957"/>
+            <a:off x="946786" y="992038"/>
+            <a:ext cx="10311765" cy="5188100"/>
           </a:xfrm>
         </p:spPr>
         <p:txBody>
@@ -37954,116 +38036,114 @@
           <a:lstStyle/>
           <a:p>
             <a:r>
-              <a:rPr lang="en-US" dirty="0"/>
-              <a:t>Web framework: </a:t>
-            </a:r>
+              <a:rPr lang="en-US" dirty="0" smtClean="0"/>
+              <a:t>Web framework: Flask</a:t>
+            </a:r>
+          </a:p>
+          <a:p>
+            <a:r>
+              <a:rPr lang="en-US" dirty="0" smtClean="0"/>
+              <a:t>ORM: Flask-</a:t>
+            </a:r>
+            <a:r>
+              <a:rPr lang="en-US" dirty="0" err="1" smtClean="0"/>
+              <a:t>SQLAlchemy</a:t>
+            </a:r>
+            <a:endParaRPr lang="en-US" dirty="0" smtClean="0"/>
+          </a:p>
+          <a:p>
+            <a:r>
+              <a:rPr lang="en-US" dirty="0" smtClean="0"/>
+              <a:t>Effort: 3-4 days</a:t>
+            </a:r>
+          </a:p>
+          <a:p>
+            <a:r>
+              <a:rPr lang="en-US" dirty="0" smtClean="0"/>
+              <a:t>Compare to Django</a:t>
+            </a:r>
+          </a:p>
+          <a:p>
+            <a:pPr lvl="1"/>
+            <a:r>
+              <a:rPr lang="zh-CN" altLang="en-US" dirty="0"/>
+              <a:t>优</a:t>
+            </a:r>
+            <a:r>
+              <a:rPr lang="zh-CN" altLang="en-US" dirty="0" smtClean="0"/>
+              <a:t>点</a:t>
+            </a:r>
+            <a:endParaRPr lang="en-US" altLang="zh-CN" dirty="0" smtClean="0"/>
+          </a:p>
+          <a:p>
+            <a:pPr lvl="2"/>
             <a:r>
               <a:rPr lang="en-US" altLang="zh-CN" dirty="0" smtClean="0"/>
-              <a:t>Express</a:t>
-            </a:r>
+              <a:t>Flask </a:t>
+            </a:r>
+            <a:r>
+              <a:rPr lang="zh-CN" altLang="en-US" dirty="0" smtClean="0"/>
+              <a:t>可以选择很多插件，比如 </a:t>
+            </a:r>
+            <a:r>
+              <a:rPr lang="en-US" altLang="zh-CN" dirty="0" smtClean="0"/>
+              <a:t>ORM </a:t>
+            </a:r>
+            <a:r>
+              <a:rPr lang="zh-CN" altLang="en-US" dirty="0" smtClean="0"/>
+              <a:t>框架就有很多种选择</a:t>
+            </a:r>
+            <a:endParaRPr lang="en-US" altLang="zh-CN" dirty="0" smtClean="0"/>
+          </a:p>
+          <a:p>
+            <a:pPr lvl="2"/>
+            <a:r>
+              <a:rPr lang="zh-CN" altLang="en-US" dirty="0"/>
+              <a:t>适</a:t>
+            </a:r>
+            <a:r>
+              <a:rPr lang="zh-CN" altLang="en-US" dirty="0" smtClean="0"/>
+              <a:t>合很复杂的架构</a:t>
+            </a:r>
+            <a:endParaRPr lang="en-US" dirty="0" smtClean="0"/>
+          </a:p>
+          <a:p>
+            <a:pPr lvl="1"/>
+            <a:r>
+              <a:rPr lang="zh-CN" altLang="en-US" dirty="0" smtClean="0"/>
+              <a:t>缺点</a:t>
+            </a:r>
+            <a:endParaRPr lang="en-US" altLang="zh-CN" dirty="0" smtClean="0"/>
+          </a:p>
+          <a:p>
+            <a:pPr lvl="2"/>
+            <a:r>
+              <a:rPr lang="zh-CN" altLang="en-US" dirty="0"/>
+              <a:t>很明</a:t>
+            </a:r>
+            <a:r>
+              <a:rPr lang="zh-CN" altLang="en-US" dirty="0" smtClean="0"/>
+              <a:t>显代码更多</a:t>
+            </a:r>
+            <a:endParaRPr lang="en-US" altLang="zh-CN" dirty="0" smtClean="0"/>
+          </a:p>
+          <a:p>
+            <a:pPr lvl="2"/>
+            <a:r>
+              <a:rPr lang="zh-CN" altLang="en-US" dirty="0"/>
+              <a:t>个</a:t>
+            </a:r>
+            <a:r>
+              <a:rPr lang="zh-CN" altLang="en-US" dirty="0" smtClean="0"/>
+              <a:t>人认为学习成本比较高</a:t>
+            </a:r>
+            <a:endParaRPr lang="en-US" dirty="0" smtClean="0"/>
+          </a:p>
+          <a:p>
+            <a:pPr lvl="1"/>
             <a:endParaRPr lang="en-US" dirty="0"/>
           </a:p>
           <a:p>
-            <a:r>
-              <a:rPr lang="en-US" dirty="0"/>
-              <a:t>ORM</a:t>
-            </a:r>
-            <a:r>
-              <a:rPr lang="en-US" dirty="0" smtClean="0"/>
-              <a:t>: None</a:t>
-            </a:r>
-            <a:endParaRPr lang="en-US" dirty="0"/>
-          </a:p>
-          <a:p>
-            <a:r>
-              <a:rPr lang="en-US" dirty="0"/>
-              <a:t>Effort: </a:t>
-            </a:r>
-            <a:r>
-              <a:rPr lang="en-US" dirty="0" smtClean="0"/>
-              <a:t>1-2 </a:t>
-            </a:r>
-            <a:r>
-              <a:rPr lang="en-US" dirty="0"/>
-              <a:t>days</a:t>
-            </a:r>
-          </a:p>
-          <a:p>
-            <a:r>
-              <a:rPr lang="en-US" dirty="0"/>
-              <a:t>Compare to Django</a:t>
-            </a:r>
-          </a:p>
-          <a:p>
-            <a:pPr lvl="1"/>
-            <a:r>
-              <a:rPr lang="zh-CN" altLang="en-US" dirty="0"/>
-              <a:t>优点</a:t>
-            </a:r>
-            <a:endParaRPr lang="en-US" altLang="zh-CN" dirty="0"/>
-          </a:p>
-          <a:p>
-            <a:pPr lvl="2"/>
-            <a:r>
-              <a:rPr lang="zh-CN" altLang="en-US" dirty="0" smtClean="0"/>
-              <a:t>用</a:t>
-            </a:r>
-            <a:r>
-              <a:rPr lang="en-US" altLang="zh-CN" dirty="0"/>
-              <a:t> </a:t>
-            </a:r>
-            <a:r>
-              <a:rPr lang="en-US" altLang="zh-CN" dirty="0" smtClean="0"/>
-              <a:t>JS </a:t>
-            </a:r>
-            <a:r>
-              <a:rPr lang="zh-CN" altLang="en-US" dirty="0" smtClean="0"/>
-              <a:t>编程，学习效率高</a:t>
-            </a:r>
-            <a:endParaRPr lang="en-US" altLang="zh-CN" dirty="0" smtClean="0"/>
-          </a:p>
-          <a:p>
-            <a:pPr lvl="1"/>
-            <a:r>
-              <a:rPr lang="zh-CN" altLang="en-US" dirty="0" smtClean="0"/>
-              <a:t>缺</a:t>
-            </a:r>
-            <a:r>
-              <a:rPr lang="zh-CN" altLang="en-US" dirty="0"/>
-              <a:t>点</a:t>
-            </a:r>
-            <a:endParaRPr lang="en-US" altLang="zh-CN" dirty="0"/>
-          </a:p>
-          <a:p>
-            <a:pPr lvl="2"/>
-            <a:r>
-              <a:rPr lang="zh-CN" altLang="en-US" dirty="0"/>
-              <a:t>社区貌似不是很活</a:t>
-            </a:r>
-            <a:r>
-              <a:rPr lang="zh-CN" altLang="en-US" dirty="0" smtClean="0"/>
-              <a:t>跃</a:t>
-            </a:r>
-            <a:endParaRPr lang="en-US" altLang="zh-CN" dirty="0" smtClean="0"/>
-          </a:p>
-          <a:p>
-            <a:pPr lvl="2"/>
-            <a:r>
-              <a:rPr lang="zh-CN" altLang="en-US" dirty="0" smtClean="0"/>
-              <a:t>性能肯定不高</a:t>
-            </a:r>
-            <a:endParaRPr lang="en-US" altLang="zh-CN" dirty="0" smtClean="0"/>
-          </a:p>
-          <a:p>
-            <a:pPr lvl="2"/>
-            <a:r>
-              <a:rPr lang="zh-CN" altLang="en-US" dirty="0"/>
-              <a:t>代码</a:t>
-            </a:r>
-            <a:r>
-              <a:rPr lang="zh-CN" altLang="en-US" dirty="0" smtClean="0"/>
-              <a:t>量很多</a:t>
-            </a:r>
             <a:endParaRPr lang="en-US" dirty="0"/>
           </a:p>
         </p:txBody>
@@ -38105,7 +38185,7 @@
         <p:spPr>
           <a:xfrm>
             <a:off x="946786" y="429273"/>
-            <a:ext cx="10311765" cy="614523"/>
+            <a:ext cx="10311765" cy="562765"/>
           </a:xfrm>
         </p:spPr>
         <p:txBody>
@@ -38113,12 +38193,8 @@
           <a:lstStyle/>
           <a:p>
             <a:r>
-              <a:rPr lang="en-US" dirty="0" err="1" smtClean="0"/>
-              <a:t>Nodejs</a:t>
-            </a:r>
-            <a:r>
               <a:rPr lang="en-US" dirty="0" smtClean="0"/>
-              <a:t> - Raw</a:t>
+              <a:t>Flask</a:t>
             </a:r>
             <a:endParaRPr lang="en-US" dirty="0"/>
           </a:p>
@@ -38127,7 +38203,7 @@
     </p:spTree>
     <p:extLst>
       <p:ext uri="{BB962C8B-B14F-4D97-AF65-F5344CB8AC3E}">
-        <p14:creationId xmlns:p14="http://schemas.microsoft.com/office/powerpoint/2010/main" val="2248472207"/>
+        <p14:creationId xmlns:p14="http://schemas.microsoft.com/office/powerpoint/2010/main" val="2860878503"/>
       </p:ext>
     </p:extLst>
   </p:cSld>
@@ -38173,8 +38249,8 @@
         </p:nvSpPr>
         <p:spPr>
           <a:xfrm>
-            <a:off x="946786" y="992038"/>
-            <a:ext cx="10311765" cy="5188100"/>
+            <a:off x="946786" y="1104181"/>
+            <a:ext cx="10311765" cy="5075957"/>
           </a:xfrm>
         </p:spPr>
         <p:txBody>
@@ -38186,7 +38262,7 @@
               <a:t>Web framework: </a:t>
             </a:r>
             <a:r>
-              <a:rPr lang="en-US" altLang="zh-CN" dirty="0"/>
+              <a:rPr lang="en-US" altLang="zh-CN" dirty="0" smtClean="0"/>
               <a:t>Express</a:t>
             </a:r>
             <a:endParaRPr lang="en-US" dirty="0"/>
@@ -38194,18 +38270,26 @@
           <a:p>
             <a:r>
               <a:rPr lang="en-US" dirty="0"/>
-              <a:t>ORM: </a:t>
-            </a:r>
-            <a:r>
-              <a:rPr lang="en-US" dirty="0" err="1"/>
-              <a:t>Sequelize</a:t>
+              <a:t>ORM</a:t>
+            </a:r>
+            <a:r>
+              <a:rPr lang="en-US" dirty="0" smtClean="0"/>
+              <a:t>: None</a:t>
             </a:r>
             <a:endParaRPr lang="en-US" dirty="0"/>
           </a:p>
           <a:p>
             <a:r>
               <a:rPr lang="en-US" dirty="0"/>
-              <a:t>Effort: 1-2 days</a:t>
+              <a:t>Effort: </a:t>
+            </a:r>
+            <a:r>
+              <a:rPr lang="en-US" dirty="0" smtClean="0"/>
+              <a:t>1-2 </a:t>
+            </a:r>
+            <a:r>
+              <a:rPr lang="en-US" dirty="0"/>
+              <a:t>days</a:t>
             </a:r>
           </a:p>
           <a:p>
@@ -38225,76 +38309,65 @@
           <a:p>
             <a:pPr lvl="2"/>
             <a:r>
+              <a:rPr lang="zh-CN" altLang="en-US" dirty="0" smtClean="0"/>
+              <a:t>用</a:t>
+            </a:r>
+            <a:r>
+              <a:rPr lang="en-US" altLang="zh-CN" dirty="0"/>
+              <a:t> </a:t>
+            </a:r>
+            <a:r>
+              <a:rPr lang="en-US" altLang="zh-CN" dirty="0" smtClean="0"/>
+              <a:t>JS </a:t>
+            </a:r>
+            <a:r>
+              <a:rPr lang="zh-CN" altLang="en-US" dirty="0" smtClean="0"/>
+              <a:t>编程，学习效率高</a:t>
+            </a:r>
+            <a:endParaRPr lang="en-US" altLang="zh-CN" dirty="0" smtClean="0"/>
+          </a:p>
+          <a:p>
+            <a:pPr lvl="1"/>
+            <a:r>
+              <a:rPr lang="zh-CN" altLang="en-US" dirty="0" smtClean="0"/>
+              <a:t>缺</a:t>
+            </a:r>
+            <a:r>
               <a:rPr lang="zh-CN" altLang="en-US" dirty="0"/>
-              <a:t>用</a:t>
-            </a:r>
-            <a:r>
-              <a:rPr lang="en-US" altLang="zh-CN" dirty="0"/>
-              <a:t> JS </a:t>
-            </a:r>
+              <a:t>点</a:t>
+            </a:r>
+            <a:endParaRPr lang="en-US" altLang="zh-CN" dirty="0"/>
+          </a:p>
+          <a:p>
+            <a:pPr lvl="2"/>
             <a:r>
               <a:rPr lang="zh-CN" altLang="en-US" dirty="0"/>
-              <a:t>编程，学习效率高</a:t>
-            </a:r>
-            <a:endParaRPr lang="en-US" altLang="zh-CN" dirty="0"/>
-          </a:p>
-          <a:p>
-            <a:pPr lvl="1"/>
+              <a:t>社区貌似不是很活</a:t>
+            </a:r>
+            <a:r>
+              <a:rPr lang="zh-CN" altLang="en-US" dirty="0" smtClean="0"/>
+              <a:t>跃</a:t>
+            </a:r>
+            <a:endParaRPr lang="en-US" altLang="zh-CN" dirty="0" smtClean="0"/>
+          </a:p>
+          <a:p>
+            <a:pPr lvl="2"/>
+            <a:r>
+              <a:rPr lang="zh-CN" altLang="en-US" dirty="0" smtClean="0"/>
+              <a:t>性能肯定不高</a:t>
+            </a:r>
+            <a:endParaRPr lang="en-US" altLang="zh-CN" dirty="0" smtClean="0"/>
+          </a:p>
+          <a:p>
+            <a:pPr lvl="2"/>
             <a:r>
               <a:rPr lang="zh-CN" altLang="en-US" dirty="0"/>
-              <a:t>缺点</a:t>
-            </a:r>
-            <a:endParaRPr lang="en-US" altLang="zh-CN" dirty="0"/>
-          </a:p>
-          <a:p>
-            <a:pPr lvl="2"/>
-            <a:r>
-              <a:rPr lang="zh-CN" altLang="en-US" dirty="0"/>
-              <a:t>社区貌似不是很活跃</a:t>
-            </a:r>
-            <a:endParaRPr lang="en-US" altLang="zh-CN" dirty="0"/>
-          </a:p>
-          <a:p>
-            <a:pPr lvl="2"/>
-            <a:r>
-              <a:rPr lang="zh-CN" altLang="en-US" dirty="0"/>
-              <a:t>性能肯定不高</a:t>
-            </a:r>
-            <a:endParaRPr lang="en-US" altLang="zh-CN" dirty="0"/>
-          </a:p>
-          <a:p>
-            <a:pPr lvl="2"/>
-            <a:r>
-              <a:rPr lang="zh-CN" altLang="en-US" dirty="0"/>
-              <a:t>代码量很</a:t>
+              <a:t>代码</a:t>
             </a:r>
             <a:r>
               <a:rPr lang="zh-CN" altLang="en-US" dirty="0" smtClean="0"/>
-              <a:t>多</a:t>
-            </a:r>
-            <a:endParaRPr lang="en-US" altLang="zh-CN" dirty="0" smtClean="0"/>
-          </a:p>
-          <a:p>
-            <a:pPr lvl="2"/>
-            <a:r>
-              <a:rPr lang="zh-CN" altLang="en-US" dirty="0"/>
-              <a:t>对</a:t>
-            </a:r>
-            <a:r>
-              <a:rPr lang="zh-CN" altLang="en-US" dirty="0" smtClean="0"/>
-              <a:t>于我来说，学习 </a:t>
-            </a:r>
-            <a:r>
-              <a:rPr lang="en-US" altLang="zh-CN" dirty="0" smtClean="0"/>
-              <a:t>ORM </a:t>
-            </a:r>
-            <a:r>
-              <a:rPr lang="zh-CN" altLang="en-US" dirty="0" smtClean="0"/>
-              <a:t>框架又花去好些时间</a:t>
-            </a:r>
-            <a:endParaRPr lang="en-US" dirty="0"/>
-          </a:p>
-          <a:p>
+              <a:t>量很多</a:t>
+            </a:r>
             <a:endParaRPr lang="en-US" dirty="0"/>
           </a:p>
         </p:txBody>
@@ -38336,7 +38409,7 @@
         <p:spPr>
           <a:xfrm>
             <a:off x="946786" y="429273"/>
-            <a:ext cx="10311765" cy="657655"/>
+            <a:ext cx="10311765" cy="614523"/>
           </a:xfrm>
         </p:spPr>
         <p:txBody>
@@ -38348,12 +38421,8 @@
               <a:t>Nodejs</a:t>
             </a:r>
             <a:r>
-              <a:rPr lang="en-US" dirty="0"/>
-              <a:t> - </a:t>
-            </a:r>
-            <a:r>
-              <a:rPr lang="en-US" dirty="0" err="1" smtClean="0"/>
-              <a:t>Sequelize</a:t>
+              <a:rPr lang="en-US" dirty="0" smtClean="0"/>
+              <a:t> - Raw</a:t>
             </a:r>
             <a:endParaRPr lang="en-US" dirty="0"/>
           </a:p>
@@ -38362,7 +38431,7 @@
     </p:spTree>
     <p:extLst>
       <p:ext uri="{BB962C8B-B14F-4D97-AF65-F5344CB8AC3E}">
-        <p14:creationId xmlns:p14="http://schemas.microsoft.com/office/powerpoint/2010/main" val="2481380691"/>
+        <p14:creationId xmlns:p14="http://schemas.microsoft.com/office/powerpoint/2010/main" val="2248472207"/>
       </p:ext>
     </p:extLst>
   </p:cSld>
@@ -38625,8 +38694,8 @@
         </p:nvSpPr>
         <p:spPr>
           <a:xfrm>
-            <a:off x="946786" y="1095555"/>
-            <a:ext cx="10311765" cy="5084583"/>
+            <a:off x="946786" y="992038"/>
+            <a:ext cx="10311765" cy="5188100"/>
           </a:xfrm>
         </p:spPr>
         <p:txBody>
@@ -38638,8 +38707,8 @@
               <a:t>Web framework: </a:t>
             </a:r>
             <a:r>
-              <a:rPr lang="en-US" altLang="zh-CN" dirty="0" smtClean="0"/>
-              <a:t>Gin</a:t>
+              <a:rPr lang="en-US" altLang="zh-CN" dirty="0"/>
+              <a:t>Express</a:t>
             </a:r>
             <a:endParaRPr lang="en-US" dirty="0"/>
           </a:p>
@@ -38649,35 +38718,15 @@
               <a:t>ORM: </a:t>
             </a:r>
             <a:r>
-              <a:rPr lang="en-US" dirty="0" err="1" smtClean="0"/>
-              <a:t>Gorm</a:t>
+              <a:rPr lang="en-US" dirty="0" err="1"/>
+              <a:t>Sequelize</a:t>
             </a:r>
             <a:endParaRPr lang="en-US" dirty="0"/>
           </a:p>
           <a:p>
             <a:r>
               <a:rPr lang="en-US" dirty="0"/>
-              <a:t>Effort: </a:t>
-            </a:r>
-            <a:r>
-              <a:rPr lang="en-US" altLang="zh-CN" dirty="0" smtClean="0"/>
-              <a:t>2</a:t>
-            </a:r>
-            <a:r>
-              <a:rPr lang="en-US" dirty="0" smtClean="0"/>
-              <a:t>-</a:t>
-            </a:r>
-            <a:r>
-              <a:rPr lang="en-US" altLang="zh-CN" dirty="0" smtClean="0"/>
-              <a:t>3</a:t>
-            </a:r>
-            <a:r>
-              <a:rPr lang="en-US" dirty="0" smtClean="0"/>
-              <a:t> </a:t>
-            </a:r>
-            <a:r>
-              <a:rPr lang="en-US" dirty="0"/>
-              <a:t>days</a:t>
+              <a:t>Effort: 1-2 days</a:t>
             </a:r>
           </a:p>
           <a:p>
@@ -38697,24 +38746,16 @@
           <a:p>
             <a:pPr lvl="2"/>
             <a:r>
-              <a:rPr lang="en-US" altLang="zh-CN" dirty="0" smtClean="0"/>
-              <a:t>Go </a:t>
-            </a:r>
-            <a:r>
-              <a:rPr lang="zh-CN" altLang="en-US" dirty="0" smtClean="0"/>
-              <a:t>语言现在非常火，可以学习下</a:t>
-            </a:r>
-            <a:endParaRPr lang="en-US" altLang="zh-CN" dirty="0" smtClean="0"/>
-          </a:p>
-          <a:p>
-            <a:pPr lvl="2"/>
-            <a:r>
-              <a:rPr lang="en-US" altLang="zh-CN" dirty="0" smtClean="0"/>
-              <a:t>Go </a:t>
-            </a:r>
-            <a:r>
-              <a:rPr lang="zh-CN" altLang="en-US" dirty="0" smtClean="0"/>
-              <a:t>语言的运行效率高</a:t>
+              <a:rPr lang="zh-CN" altLang="en-US" dirty="0"/>
+              <a:t>用</a:t>
+            </a:r>
+            <a:r>
+              <a:rPr lang="en-US" altLang="zh-CN" dirty="0"/>
+              <a:t> JS </a:t>
+            </a:r>
+            <a:r>
+              <a:rPr lang="zh-CN" altLang="en-US" dirty="0"/>
+              <a:t>编程，学习效率高</a:t>
             </a:r>
             <a:endParaRPr lang="en-US" altLang="zh-CN" dirty="0"/>
           </a:p>
@@ -38729,43 +38770,49 @@
           <a:p>
             <a:pPr lvl="2"/>
             <a:r>
+              <a:rPr lang="zh-CN" altLang="en-US" dirty="0"/>
+              <a:t>社区貌似不是很活跃</a:t>
+            </a:r>
+            <a:endParaRPr lang="en-US" altLang="zh-CN" dirty="0"/>
+          </a:p>
+          <a:p>
+            <a:pPr lvl="2"/>
+            <a:r>
+              <a:rPr lang="zh-CN" altLang="en-US" dirty="0"/>
+              <a:t>性能肯定不高</a:t>
+            </a:r>
+            <a:endParaRPr lang="en-US" altLang="zh-CN" dirty="0"/>
+          </a:p>
+          <a:p>
+            <a:pPr lvl="2"/>
+            <a:r>
+              <a:rPr lang="zh-CN" altLang="en-US" dirty="0"/>
+              <a:t>代码量很</a:t>
+            </a:r>
+            <a:r>
               <a:rPr lang="zh-CN" altLang="en-US" dirty="0" smtClean="0"/>
-              <a:t>学习成本高，会 </a:t>
+              <a:t>多</a:t>
+            </a:r>
+            <a:endParaRPr lang="en-US" altLang="zh-CN" dirty="0" smtClean="0"/>
+          </a:p>
+          <a:p>
+            <a:pPr lvl="2"/>
+            <a:r>
+              <a:rPr lang="zh-CN" altLang="en-US" dirty="0"/>
+              <a:t>对</a:t>
+            </a:r>
+            <a:r>
+              <a:rPr lang="zh-CN" altLang="en-US" dirty="0" smtClean="0"/>
+              <a:t>于我来说，学习 </a:t>
             </a:r>
             <a:r>
               <a:rPr lang="en-US" altLang="zh-CN" dirty="0" smtClean="0"/>
-              <a:t>C </a:t>
+              <a:t>ORM </a:t>
             </a:r>
             <a:r>
               <a:rPr lang="zh-CN" altLang="en-US" dirty="0" smtClean="0"/>
-              <a:t>可能会简单些</a:t>
-            </a:r>
-            <a:endParaRPr lang="en-US" altLang="zh-CN" dirty="0" smtClean="0"/>
-          </a:p>
-          <a:p>
-            <a:pPr lvl="2"/>
-            <a:r>
-              <a:rPr lang="zh-CN" altLang="en-US" dirty="0" smtClean="0"/>
-              <a:t>代码量很多</a:t>
-            </a:r>
-            <a:endParaRPr lang="en-US" altLang="zh-CN" dirty="0" smtClean="0"/>
-          </a:p>
-          <a:p>
-            <a:pPr lvl="2"/>
-            <a:r>
-              <a:rPr lang="en-US" altLang="zh-CN" dirty="0" smtClean="0"/>
-              <a:t>Go </a:t>
-            </a:r>
-            <a:r>
-              <a:rPr lang="zh-CN" altLang="en-US" dirty="0" smtClean="0"/>
-              <a:t>语言好像志不在 </a:t>
-            </a:r>
-            <a:r>
-              <a:rPr lang="en-US" altLang="zh-CN" dirty="0" smtClean="0"/>
-              <a:t>Web</a:t>
-            </a:r>
-          </a:p>
-          <a:p>
+              <a:t>框架又花去好些时间</a:t>
+            </a:r>
             <a:endParaRPr lang="en-US" dirty="0"/>
           </a:p>
           <a:p>
@@ -38810,7 +38857,7 @@
         <p:spPr>
           <a:xfrm>
             <a:off x="946786" y="429273"/>
-            <a:ext cx="10311765" cy="580018"/>
+            <a:ext cx="10311765" cy="657655"/>
           </a:xfrm>
         </p:spPr>
         <p:txBody>
@@ -38818,8 +38865,16 @@
           <a:lstStyle/>
           <a:p>
             <a:r>
-              <a:rPr lang="en-US" dirty="0" smtClean="0"/>
-              <a:t>Gin</a:t>
+              <a:rPr lang="en-US" dirty="0" err="1" smtClean="0"/>
+              <a:t>Nodejs</a:t>
+            </a:r>
+            <a:r>
+              <a:rPr lang="en-US" dirty="0"/>
+              <a:t> - </a:t>
+            </a:r>
+            <a:r>
+              <a:rPr lang="en-US" dirty="0" err="1" smtClean="0"/>
+              <a:t>Sequelize</a:t>
             </a:r>
             <a:endParaRPr lang="en-US" dirty="0"/>
           </a:p>
@@ -38828,7 +38883,7 @@
     </p:spTree>
     <p:extLst>
       <p:ext uri="{BB962C8B-B14F-4D97-AF65-F5344CB8AC3E}">
-        <p14:creationId xmlns:p14="http://schemas.microsoft.com/office/powerpoint/2010/main" val="2964697328"/>
+        <p14:creationId xmlns:p14="http://schemas.microsoft.com/office/powerpoint/2010/main" val="2481380691"/>
       </p:ext>
     </p:extLst>
   </p:cSld>
@@ -38874,8 +38929,8 @@
         </p:nvSpPr>
         <p:spPr>
           <a:xfrm>
-            <a:off x="946786" y="1147313"/>
-            <a:ext cx="10311765" cy="5032825"/>
+            <a:off x="946786" y="1095555"/>
+            <a:ext cx="10311765" cy="5084583"/>
           </a:xfrm>
         </p:spPr>
         <p:txBody>
@@ -38888,7 +38943,7 @@
             </a:r>
             <a:r>
               <a:rPr lang="en-US" altLang="zh-CN" dirty="0" smtClean="0"/>
-              <a:t>Spring MVC</a:t>
+              <a:t>Gin</a:t>
             </a:r>
             <a:endParaRPr lang="en-US" dirty="0"/>
           </a:p>
@@ -38898,8 +38953,8 @@
               <a:t>ORM: </a:t>
             </a:r>
             <a:r>
-              <a:rPr lang="en-US" dirty="0" smtClean="0"/>
-              <a:t>JAP</a:t>
+              <a:rPr lang="en-US" dirty="0" err="1" smtClean="0"/>
+              <a:t>Gorm</a:t>
             </a:r>
             <a:endParaRPr lang="en-US" dirty="0"/>
           </a:p>
@@ -38910,7 +38965,15 @@
             </a:r>
             <a:r>
               <a:rPr lang="en-US" altLang="zh-CN" dirty="0" smtClean="0"/>
-              <a:t>1</a:t>
+              <a:t>2</a:t>
+            </a:r>
+            <a:r>
+              <a:rPr lang="en-US" dirty="0" smtClean="0"/>
+              <a:t>-</a:t>
+            </a:r>
+            <a:r>
+              <a:rPr lang="en-US" altLang="zh-CN" dirty="0" smtClean="0"/>
+              <a:t>3</a:t>
             </a:r>
             <a:r>
               <a:rPr lang="en-US" dirty="0" smtClean="0"/>
@@ -38938,40 +39001,24 @@
           <a:p>
             <a:pPr lvl="2"/>
             <a:r>
+              <a:rPr lang="en-US" altLang="zh-CN" dirty="0" smtClean="0"/>
+              <a:t>Go </a:t>
+            </a:r>
+            <a:r>
               <a:rPr lang="zh-CN" altLang="en-US" dirty="0" smtClean="0"/>
-              <a:t>会 </a:t>
-            </a:r>
+              <a:t>语言现在非常火，可以学习下</a:t>
+            </a:r>
+            <a:endParaRPr lang="en-US" altLang="zh-CN" dirty="0" smtClean="0"/>
+          </a:p>
+          <a:p>
+            <a:pPr lvl="2"/>
             <a:r>
               <a:rPr lang="en-US" altLang="zh-CN" dirty="0" smtClean="0"/>
-              <a:t>Java </a:t>
+              <a:t>Go </a:t>
             </a:r>
             <a:r>
               <a:rPr lang="zh-CN" altLang="en-US" dirty="0" smtClean="0"/>
-              <a:t>学习成本低</a:t>
-            </a:r>
-            <a:endParaRPr lang="en-US" altLang="zh-CN" dirty="0" smtClean="0"/>
-          </a:p>
-          <a:p>
-            <a:pPr lvl="2"/>
-            <a:r>
-              <a:rPr lang="en-US" altLang="zh-CN" dirty="0" smtClean="0"/>
-              <a:t>JPA </a:t>
-            </a:r>
-            <a:r>
-              <a:rPr lang="zh-CN" altLang="en-US" dirty="0" smtClean="0"/>
-              <a:t>封装的比较好，简单的</a:t>
-            </a:r>
-            <a:r>
-              <a:rPr lang="en-US" altLang="zh-CN" dirty="0"/>
-              <a:t> </a:t>
-            </a:r>
-            <a:r>
-              <a:rPr lang="en-US" altLang="zh-CN" dirty="0" smtClean="0"/>
-              <a:t>CRUD </a:t>
-            </a:r>
-            <a:r>
-              <a:rPr lang="zh-CN" altLang="en-US" dirty="0" smtClean="0"/>
-              <a:t>很容易</a:t>
+              <a:t>语言的运行效率高</a:t>
             </a:r>
             <a:endParaRPr lang="en-US" altLang="zh-CN" dirty="0"/>
           </a:p>
@@ -38986,19 +39033,29 @@
           <a:p>
             <a:pPr lvl="2"/>
             <a:r>
-              <a:rPr lang="zh-CN" altLang="en-US" dirty="0"/>
-              <a:t>面</a:t>
-            </a:r>
-            <a:r>
               <a:rPr lang="zh-CN" altLang="en-US" dirty="0" smtClean="0"/>
-              <a:t>向代码行数编程？</a:t>
-            </a:r>
-            <a:endParaRPr lang="en-US" dirty="0"/>
-          </a:p>
-          <a:p>
-            <a:pPr marL="0" indent="0">
-              <a:buNone/>
-            </a:pPr>
+              <a:t>学习成本高，会 </a:t>
+            </a:r>
+            <a:r>
+              <a:rPr lang="en-US" altLang="zh-CN" dirty="0" smtClean="0"/>
+              <a:t>C </a:t>
+            </a:r>
+            <a:r>
+              <a:rPr lang="zh-CN" altLang="en-US" dirty="0" smtClean="0"/>
+              <a:t>可能会简单些</a:t>
+            </a:r>
+            <a:endParaRPr lang="en-US" altLang="zh-CN" dirty="0" smtClean="0"/>
+          </a:p>
+          <a:p>
+            <a:pPr lvl="2"/>
+            <a:r>
+              <a:rPr lang="zh-CN" altLang="en-US" dirty="0" smtClean="0"/>
+              <a:t>代码量很</a:t>
+            </a:r>
+            <a:r>
+              <a:rPr lang="zh-CN" altLang="en-US" dirty="0" smtClean="0"/>
+              <a:t>多</a:t>
+            </a:r>
             <a:endParaRPr lang="en-US" dirty="0"/>
           </a:p>
           <a:p>
@@ -39043,7 +39100,7 @@
         <p:spPr>
           <a:xfrm>
             <a:off x="946786" y="429273"/>
-            <a:ext cx="10311765" cy="657655"/>
+            <a:ext cx="10311765" cy="580018"/>
           </a:xfrm>
         </p:spPr>
         <p:txBody>
@@ -39052,7 +39109,7 @@
           <a:p>
             <a:r>
               <a:rPr lang="en-US" dirty="0" smtClean="0"/>
-              <a:t>Spring Boot JPA</a:t>
+              <a:t>Gin</a:t>
             </a:r>
             <a:endParaRPr lang="en-US" dirty="0"/>
           </a:p>
@@ -39061,7 +39118,7 @@
     </p:spTree>
     <p:extLst>
       <p:ext uri="{BB962C8B-B14F-4D97-AF65-F5344CB8AC3E}">
-        <p14:creationId xmlns:p14="http://schemas.microsoft.com/office/powerpoint/2010/main" val="1252640511"/>
+        <p14:creationId xmlns:p14="http://schemas.microsoft.com/office/powerpoint/2010/main" val="2964697328"/>
       </p:ext>
     </p:extLst>
   </p:cSld>
@@ -39107,8 +39164,8 @@
         </p:nvSpPr>
         <p:spPr>
           <a:xfrm>
-            <a:off x="946786" y="1000664"/>
-            <a:ext cx="10311765" cy="5179474"/>
+            <a:off x="946786" y="1147313"/>
+            <a:ext cx="10311765" cy="5032825"/>
           </a:xfrm>
         </p:spPr>
         <p:txBody>
@@ -39120,7 +39177,7 @@
               <a:t>Web framework: </a:t>
             </a:r>
             <a:r>
-              <a:rPr lang="en-US" altLang="zh-CN" dirty="0"/>
+              <a:rPr lang="en-US" altLang="zh-CN" dirty="0" smtClean="0"/>
               <a:t>Spring MVC</a:t>
             </a:r>
             <a:endParaRPr lang="en-US" dirty="0"/>
@@ -39131,8 +39188,8 @@
               <a:t>ORM: </a:t>
             </a:r>
             <a:r>
-              <a:rPr lang="en-US" altLang="zh-CN" dirty="0" err="1" smtClean="0"/>
-              <a:t>Mybatis</a:t>
+              <a:rPr lang="en-US" dirty="0" smtClean="0"/>
+              <a:t>JAP</a:t>
             </a:r>
             <a:endParaRPr lang="en-US" dirty="0"/>
           </a:p>
@@ -39142,12 +39199,16 @@
               <a:t>Effort: </a:t>
             </a:r>
             <a:r>
-              <a:rPr lang="en-US" altLang="zh-CN" dirty="0"/>
+              <a:rPr lang="en-US" altLang="zh-CN" dirty="0" smtClean="0"/>
               <a:t>1</a:t>
             </a:r>
             <a:r>
+              <a:rPr lang="en-US" dirty="0" smtClean="0"/>
+              <a:t> </a:t>
+            </a:r>
+            <a:r>
               <a:rPr lang="en-US" dirty="0"/>
-              <a:t> days</a:t>
+              <a:t>days</a:t>
             </a:r>
           </a:p>
           <a:p>
@@ -39167,68 +39228,60 @@
           <a:p>
             <a:pPr lvl="2"/>
             <a:r>
+              <a:rPr lang="zh-CN" altLang="en-US" dirty="0" smtClean="0"/>
+              <a:t>会 </a:t>
+            </a:r>
+            <a:r>
+              <a:rPr lang="en-US" altLang="zh-CN" dirty="0" smtClean="0"/>
+              <a:t>Java </a:t>
+            </a:r>
+            <a:r>
+              <a:rPr lang="zh-CN" altLang="en-US" dirty="0" smtClean="0"/>
+              <a:t>学习成本低</a:t>
+            </a:r>
+            <a:endParaRPr lang="en-US" altLang="zh-CN" dirty="0" smtClean="0"/>
+          </a:p>
+          <a:p>
+            <a:pPr lvl="2"/>
+            <a:r>
+              <a:rPr lang="en-US" altLang="zh-CN" dirty="0" smtClean="0"/>
+              <a:t>JPA </a:t>
+            </a:r>
+            <a:r>
+              <a:rPr lang="zh-CN" altLang="en-US" dirty="0" smtClean="0"/>
+              <a:t>封装的比较好，简单的</a:t>
+            </a:r>
+            <a:r>
+              <a:rPr lang="en-US" altLang="zh-CN" dirty="0"/>
+              <a:t> </a:t>
+            </a:r>
+            <a:r>
+              <a:rPr lang="en-US" altLang="zh-CN" dirty="0" smtClean="0"/>
+              <a:t>CRUD </a:t>
+            </a:r>
+            <a:r>
+              <a:rPr lang="zh-CN" altLang="en-US" dirty="0" smtClean="0"/>
+              <a:t>很容易</a:t>
+            </a:r>
+            <a:endParaRPr lang="en-US" altLang="zh-CN" dirty="0"/>
+          </a:p>
+          <a:p>
+            <a:pPr lvl="1"/>
+            <a:r>
               <a:rPr lang="zh-CN" altLang="en-US" dirty="0"/>
-              <a:t>会 </a:t>
-            </a:r>
-            <a:r>
-              <a:rPr lang="en-US" altLang="zh-CN" dirty="0"/>
-              <a:t>Java </a:t>
-            </a:r>
+              <a:t>缺点</a:t>
+            </a:r>
+            <a:endParaRPr lang="en-US" altLang="zh-CN" dirty="0"/>
+          </a:p>
+          <a:p>
+            <a:pPr lvl="2"/>
             <a:r>
               <a:rPr lang="zh-CN" altLang="en-US" dirty="0"/>
-              <a:t>学习成本低</a:t>
-            </a:r>
-            <a:endParaRPr lang="en-US" altLang="zh-CN" dirty="0"/>
-          </a:p>
-          <a:p>
-            <a:pPr lvl="2"/>
-            <a:r>
-              <a:rPr lang="zh-CN" altLang="en-US" dirty="0"/>
-              <a:t>自</a:t>
+              <a:t>面</a:t>
             </a:r>
             <a:r>
               <a:rPr lang="zh-CN" altLang="en-US" dirty="0" smtClean="0"/>
-              <a:t>己写 </a:t>
-            </a:r>
-            <a:r>
-              <a:rPr lang="en-US" altLang="zh-CN" dirty="0" smtClean="0"/>
-              <a:t>SQL</a:t>
-            </a:r>
-            <a:r>
-              <a:rPr lang="zh-CN" altLang="en-US" dirty="0" smtClean="0"/>
-              <a:t>，性能好</a:t>
-            </a:r>
-            <a:endParaRPr lang="en-US" altLang="zh-CN" dirty="0" smtClean="0"/>
-          </a:p>
-          <a:p>
-            <a:pPr lvl="1"/>
-            <a:r>
-              <a:rPr lang="zh-CN" altLang="en-US" dirty="0" smtClean="0"/>
-              <a:t>缺点</a:t>
-            </a:r>
-            <a:endParaRPr lang="en-US" altLang="zh-CN" dirty="0" smtClean="0"/>
-          </a:p>
-          <a:p>
-            <a:pPr lvl="2"/>
-            <a:r>
-              <a:rPr lang="zh-CN" altLang="en-US" dirty="0" smtClean="0"/>
-              <a:t>要自己写 </a:t>
-            </a:r>
-            <a:r>
-              <a:rPr lang="en-US" altLang="zh-CN" dirty="0" smtClean="0"/>
-              <a:t>SQL</a:t>
-            </a:r>
-            <a:r>
-              <a:rPr lang="zh-CN" altLang="en-US" dirty="0" smtClean="0"/>
-              <a:t>，工作效率低</a:t>
-            </a:r>
-            <a:endParaRPr lang="en-US" altLang="zh-CN" dirty="0"/>
-          </a:p>
-          <a:p>
-            <a:pPr lvl="2"/>
-            <a:r>
-              <a:rPr lang="zh-CN" altLang="en-US" dirty="0"/>
-              <a:t>面向代码行数编程？</a:t>
+              <a:t>向代码行数编程？</a:t>
             </a:r>
             <a:endParaRPr lang="en-US" dirty="0"/>
           </a:p>
@@ -39236,9 +39289,6 @@
             <a:pPr marL="0" indent="0">
               <a:buNone/>
             </a:pPr>
-            <a:endParaRPr lang="en-US" dirty="0"/>
-          </a:p>
-          <a:p>
             <a:endParaRPr lang="en-US" dirty="0"/>
           </a:p>
           <a:p>
@@ -39283,7 +39333,7 @@
         <p:spPr>
           <a:xfrm>
             <a:off x="946786" y="429273"/>
-            <a:ext cx="10311765" cy="571391"/>
+            <a:ext cx="10311765" cy="657655"/>
           </a:xfrm>
         </p:spPr>
         <p:txBody>
@@ -39292,11 +39342,7 @@
           <a:p>
             <a:r>
               <a:rPr lang="en-US" dirty="0" smtClean="0"/>
-              <a:t>Spring Boot </a:t>
-            </a:r>
-            <a:r>
-              <a:rPr lang="en-US" dirty="0" err="1" smtClean="0"/>
-              <a:t>Mybatis</a:t>
+              <a:t>Spring Boot JPA</a:t>
             </a:r>
             <a:endParaRPr lang="en-US" dirty="0"/>
           </a:p>
@@ -39305,7 +39351,7 @@
     </p:spTree>
     <p:extLst>
       <p:ext uri="{BB962C8B-B14F-4D97-AF65-F5344CB8AC3E}">
-        <p14:creationId xmlns:p14="http://schemas.microsoft.com/office/powerpoint/2010/main" val="3429922211"/>
+        <p14:creationId xmlns:p14="http://schemas.microsoft.com/office/powerpoint/2010/main" val="1252640511"/>
       </p:ext>
     </p:extLst>
   </p:cSld>
@@ -39351,8 +39397,8 @@
         </p:nvSpPr>
         <p:spPr>
           <a:xfrm>
-            <a:off x="946786" y="1190445"/>
-            <a:ext cx="10311765" cy="4989693"/>
+            <a:off x="946786" y="1000664"/>
+            <a:ext cx="10311765" cy="5179474"/>
           </a:xfrm>
         </p:spPr>
         <p:txBody>
@@ -39360,35 +39406,136 @@
           <a:lstStyle/>
           <a:p>
             <a:r>
+              <a:rPr lang="en-US" dirty="0"/>
+              <a:t>Web framework: </a:t>
+            </a:r>
+            <a:r>
+              <a:rPr lang="en-US" altLang="zh-CN" dirty="0"/>
+              <a:t>Spring MVC</a:t>
+            </a:r>
+            <a:endParaRPr lang="en-US" dirty="0"/>
+          </a:p>
+          <a:p>
+            <a:r>
+              <a:rPr lang="en-US" dirty="0"/>
+              <a:t>ORM: </a:t>
+            </a:r>
+            <a:r>
+              <a:rPr lang="en-US" altLang="zh-CN" dirty="0" err="1" smtClean="0"/>
+              <a:t>Mybatis</a:t>
+            </a:r>
+            <a:endParaRPr lang="en-US" dirty="0"/>
+          </a:p>
+          <a:p>
+            <a:r>
+              <a:rPr lang="en-US" dirty="0"/>
+              <a:t>Effort: </a:t>
+            </a:r>
+            <a:r>
+              <a:rPr lang="en-US" altLang="zh-CN" dirty="0"/>
+              <a:t>1</a:t>
+            </a:r>
+            <a:r>
+              <a:rPr lang="en-US" dirty="0"/>
+              <a:t> days</a:t>
+            </a:r>
+          </a:p>
+          <a:p>
+            <a:r>
+              <a:rPr lang="en-US" dirty="0"/>
+              <a:t>Compare to Django</a:t>
+            </a:r>
+          </a:p>
+          <a:p>
+            <a:pPr lvl="1"/>
+            <a:r>
+              <a:rPr lang="zh-CN" altLang="en-US" dirty="0"/>
+              <a:t>优点</a:t>
+            </a:r>
+            <a:endParaRPr lang="en-US" altLang="zh-CN" dirty="0"/>
+          </a:p>
+          <a:p>
+            <a:pPr lvl="2"/>
+            <a:r>
+              <a:rPr lang="zh-CN" altLang="en-US" dirty="0"/>
+              <a:t>会 </a:t>
+            </a:r>
+            <a:r>
+              <a:rPr lang="en-US" altLang="zh-CN" dirty="0"/>
+              <a:t>Java </a:t>
+            </a:r>
+            <a:r>
+              <a:rPr lang="zh-CN" altLang="en-US" dirty="0"/>
+              <a:t>学习成本低</a:t>
+            </a:r>
+            <a:endParaRPr lang="en-US" altLang="zh-CN" dirty="0"/>
+          </a:p>
+          <a:p>
+            <a:pPr lvl="2"/>
+            <a:r>
+              <a:rPr lang="zh-CN" altLang="en-US" dirty="0"/>
+              <a:t>自</a:t>
+            </a:r>
+            <a:r>
+              <a:rPr lang="zh-CN" altLang="en-US" dirty="0" smtClean="0"/>
+              <a:t>己写 </a:t>
+            </a:r>
+            <a:r>
               <a:rPr lang="en-US" altLang="zh-CN" dirty="0" smtClean="0"/>
-              <a:t>Django </a:t>
+              <a:t>SQL</a:t>
             </a:r>
             <a:r>
               <a:rPr lang="zh-CN" altLang="en-US" dirty="0" smtClean="0"/>
-              <a:t>的代码量最少，但是有学习成本</a:t>
+              <a:t>，性能好</a:t>
             </a:r>
             <a:endParaRPr lang="en-US" altLang="zh-CN" dirty="0" smtClean="0"/>
           </a:p>
           <a:p>
+            <a:pPr lvl="1"/>
             <a:r>
               <a:rPr lang="zh-CN" altLang="en-US" dirty="0" smtClean="0"/>
-              <a:t>没事别瞎折腾，</a:t>
+              <a:t>缺点</a:t>
+            </a:r>
+            <a:endParaRPr lang="en-US" altLang="zh-CN" dirty="0" smtClean="0"/>
+          </a:p>
+          <a:p>
+            <a:pPr lvl="2"/>
+            <a:r>
+              <a:rPr lang="zh-CN" altLang="en-US" dirty="0" smtClean="0"/>
+              <a:t>要自己写 </a:t>
             </a:r>
             <a:r>
               <a:rPr lang="en-US" altLang="zh-CN" dirty="0" smtClean="0"/>
-              <a:t>Java </a:t>
+              <a:t>SQL</a:t>
             </a:r>
             <a:r>
               <a:rPr lang="zh-CN" altLang="en-US" dirty="0" smtClean="0"/>
-              <a:t>挺好的</a:t>
-            </a:r>
-            <a:endParaRPr lang="en-US" altLang="zh-CN" dirty="0" smtClean="0"/>
-          </a:p>
-          <a:p>
+              <a:t>，效</a:t>
+            </a:r>
+            <a:r>
+              <a:rPr lang="zh-CN" altLang="en-US" dirty="0" smtClean="0"/>
+              <a:t>率低</a:t>
+            </a:r>
+            <a:endParaRPr lang="en-US" altLang="zh-CN" dirty="0"/>
+          </a:p>
+          <a:p>
+            <a:pPr lvl="2"/>
             <a:r>
               <a:rPr lang="zh-CN" altLang="en-US" dirty="0"/>
-              <a:t>完</a:t>
-            </a:r>
+              <a:t>面向代码行数编程？</a:t>
+            </a:r>
+            <a:endParaRPr lang="en-US" dirty="0"/>
+          </a:p>
+          <a:p>
+            <a:pPr marL="0" indent="0">
+              <a:buNone/>
+            </a:pPr>
+            <a:endParaRPr lang="en-US" dirty="0"/>
+          </a:p>
+          <a:p>
+            <a:endParaRPr lang="en-US" dirty="0"/>
+          </a:p>
+          <a:p>
             <a:endParaRPr lang="en-US" dirty="0"/>
           </a:p>
         </p:txBody>
@@ -39412,6 +39559,153 @@
               <a:rPr lang="en-US" smtClean="0"/>
               <a:pPr/>
               <a:t>23</a:t>
+            </a:fld>
+            <a:endParaRPr lang="en-US" dirty="0"/>
+          </a:p>
+        </p:txBody>
+      </p:sp>
+      <p:sp>
+        <p:nvSpPr>
+          <p:cNvPr id="4" name="Title 3"/>
+          <p:cNvSpPr>
+            <a:spLocks noGrp="1"/>
+          </p:cNvSpPr>
+          <p:nvPr>
+            <p:ph type="title"/>
+          </p:nvPr>
+        </p:nvSpPr>
+        <p:spPr>
+          <a:xfrm>
+            <a:off x="946786" y="429273"/>
+            <a:ext cx="10311765" cy="571391"/>
+          </a:xfrm>
+        </p:spPr>
+        <p:txBody>
+          <a:bodyPr/>
+          <a:lstStyle/>
+          <a:p>
+            <a:r>
+              <a:rPr lang="en-US" dirty="0" smtClean="0"/>
+              <a:t>Spring Boot </a:t>
+            </a:r>
+            <a:r>
+              <a:rPr lang="en-US" dirty="0" err="1" smtClean="0"/>
+              <a:t>Mybatis</a:t>
+            </a:r>
+            <a:endParaRPr lang="en-US" dirty="0"/>
+          </a:p>
+        </p:txBody>
+      </p:sp>
+    </p:spTree>
+    <p:extLst>
+      <p:ext uri="{BB962C8B-B14F-4D97-AF65-F5344CB8AC3E}">
+        <p14:creationId xmlns:p14="http://schemas.microsoft.com/office/powerpoint/2010/main" val="3429922211"/>
+      </p:ext>
+    </p:extLst>
+  </p:cSld>
+  <p:clrMapOvr>
+    <a:masterClrMapping/>
+  </p:clrMapOvr>
+  <p:timing>
+    <p:tnLst>
+      <p:par>
+        <p:cTn id="1" dur="indefinite" restart="never" nodeType="tmRoot"/>
+      </p:par>
+    </p:tnLst>
+  </p:timing>
+</p:sld>
+</file>
+
+<file path=ppt/slides/slide24.xml><?xml version="1.0" encoding="utf-8"?>
+<p:sld xmlns:a="http://schemas.openxmlformats.org/drawingml/2006/main" xmlns:r="http://schemas.openxmlformats.org/officeDocument/2006/relationships" xmlns:p="http://schemas.openxmlformats.org/presentationml/2006/main">
+  <p:cSld>
+    <p:spTree>
+      <p:nvGrpSpPr>
+        <p:cNvPr id="1" name=""/>
+        <p:cNvGrpSpPr/>
+        <p:nvPr/>
+      </p:nvGrpSpPr>
+      <p:grpSpPr>
+        <a:xfrm>
+          <a:off x="0" y="0"/>
+          <a:ext cx="0" cy="0"/>
+          <a:chOff x="0" y="0"/>
+          <a:chExt cx="0" cy="0"/>
+        </a:xfrm>
+      </p:grpSpPr>
+      <p:sp>
+        <p:nvSpPr>
+          <p:cNvPr id="2" name="Content Placeholder 1"/>
+          <p:cNvSpPr>
+            <a:spLocks noGrp="1"/>
+          </p:cNvSpPr>
+          <p:nvPr>
+            <p:ph idx="1"/>
+          </p:nvPr>
+        </p:nvSpPr>
+        <p:spPr>
+          <a:xfrm>
+            <a:off x="946786" y="1190445"/>
+            <a:ext cx="10311765" cy="4989693"/>
+          </a:xfrm>
+        </p:spPr>
+        <p:txBody>
+          <a:bodyPr/>
+          <a:lstStyle/>
+          <a:p>
+            <a:r>
+              <a:rPr lang="en-US" altLang="zh-CN" dirty="0" smtClean="0"/>
+              <a:t>Django </a:t>
+            </a:r>
+            <a:r>
+              <a:rPr lang="zh-CN" altLang="en-US" dirty="0" smtClean="0"/>
+              <a:t>的代码量最少，但是有学习成本</a:t>
+            </a:r>
+            <a:endParaRPr lang="en-US" altLang="zh-CN" dirty="0" smtClean="0"/>
+          </a:p>
+          <a:p>
+            <a:r>
+              <a:rPr lang="zh-CN" altLang="en-US" dirty="0" smtClean="0"/>
+              <a:t>没事别瞎折腾，</a:t>
+            </a:r>
+            <a:r>
+              <a:rPr lang="en-US" altLang="zh-CN" dirty="0" smtClean="0"/>
+              <a:t>Java </a:t>
+            </a:r>
+            <a:r>
+              <a:rPr lang="zh-CN" altLang="en-US" dirty="0" smtClean="0"/>
+              <a:t>挺好的</a:t>
+            </a:r>
+            <a:endParaRPr lang="en-US" altLang="zh-CN" dirty="0" smtClean="0"/>
+          </a:p>
+          <a:p>
+            <a:r>
+              <a:rPr lang="zh-CN" altLang="en-US" dirty="0"/>
+              <a:t>完</a:t>
+            </a:r>
+            <a:endParaRPr lang="en-US" dirty="0"/>
+          </a:p>
+        </p:txBody>
+      </p:sp>
+      <p:sp>
+        <p:nvSpPr>
+          <p:cNvPr id="3" name="Slide Number Placeholder 2"/>
+          <p:cNvSpPr>
+            <a:spLocks noGrp="1"/>
+          </p:cNvSpPr>
+          <p:nvPr>
+            <p:ph type="sldNum" sz="quarter" idx="4"/>
+          </p:nvPr>
+        </p:nvSpPr>
+        <p:spPr/>
+        <p:txBody>
+          <a:bodyPr/>
+          <a:lstStyle/>
+          <a:p>
+            <a:fld id="{0FB999A9-77CE-4AD1-9911-24A29F08BC34}" type="slidenum">
+              <a:rPr lang="en-US" smtClean="0"/>
+              <a:pPr/>
+              <a:t>24</a:t>
             </a:fld>
             <a:endParaRPr lang="en-US" dirty="0"/>
           </a:p>
@@ -39833,7 +40127,7 @@
 </p:sld>
 </file>
 
-<file path=ppt/slides/slide24.xml><?xml version="1.0" encoding="utf-8"?>
+<file path=ppt/slides/slide25.xml><?xml version="1.0" encoding="utf-8"?>
 <p:sld xmlns:a="http://schemas.openxmlformats.org/drawingml/2006/main" xmlns:r="http://schemas.openxmlformats.org/officeDocument/2006/relationships" xmlns:p="http://schemas.openxmlformats.org/presentationml/2006/main">
   <p:cSld>
     <p:spTree>
@@ -39868,7 +40162,7 @@
             <a:fld id="{0FB999A9-77CE-4AD1-9911-24A29F08BC34}" type="slidenum">
               <a:rPr lang="en-US" smtClean="0"/>
               <a:pPr/>
-              <a:t>24</a:t>
+              <a:t>25</a:t>
             </a:fld>
             <a:endParaRPr lang="en-US" dirty="0"/>
           </a:p>
@@ -39922,7 +40216,7 @@
 </p:sld>
 </file>
 
-<file path=ppt/slides/slide25.xml><?xml version="1.0" encoding="utf-8"?>
+<file path=ppt/slides/slide26.xml><?xml version="1.0" encoding="utf-8"?>
 <p:sld xmlns:a="http://schemas.openxmlformats.org/drawingml/2006/main" xmlns:r="http://schemas.openxmlformats.org/officeDocument/2006/relationships" xmlns:p="http://schemas.openxmlformats.org/presentationml/2006/main">
   <p:cSld>
     <p:spTree>
@@ -40476,11 +40770,7 @@
           <a:p>
             <a:r>
               <a:rPr lang="en-US" altLang="zh-CN" dirty="0" smtClean="0"/>
-              <a:t>Simple Django </a:t>
-            </a:r>
-            <a:r>
-              <a:rPr lang="en-US" altLang="zh-CN" dirty="0" smtClean="0"/>
-              <a:t>Demo - Three steps to create a web project</a:t>
+              <a:t>Simple Django Demo - Three steps to create a web project</a:t>
             </a:r>
             <a:endParaRPr lang="en-US" dirty="0"/>
           </a:p>

--- a/Django1.pptx
+++ b/Django1.pptx
@@ -5,7 +5,7 @@
     <p:sldMasterId id="2147483857" r:id="rId1"/>
   </p:sldMasterIdLst>
   <p:notesMasterIdLst>
-    <p:notesMasterId r:id="rId28"/>
+    <p:notesMasterId r:id="rId31"/>
   </p:notesMasterIdLst>
   <p:sldIdLst>
     <p:sldId id="523" r:id="rId2"/>
@@ -19,21 +19,24 @@
     <p:sldId id="547" r:id="rId10"/>
     <p:sldId id="548" r:id="rId11"/>
     <p:sldId id="549" r:id="rId12"/>
-    <p:sldId id="550" r:id="rId13"/>
-    <p:sldId id="551" r:id="rId14"/>
-    <p:sldId id="552" r:id="rId15"/>
-    <p:sldId id="553" r:id="rId16"/>
-    <p:sldId id="554" r:id="rId17"/>
-    <p:sldId id="564" r:id="rId18"/>
-    <p:sldId id="556" r:id="rId19"/>
-    <p:sldId id="557" r:id="rId20"/>
-    <p:sldId id="561" r:id="rId21"/>
-    <p:sldId id="558" r:id="rId22"/>
-    <p:sldId id="559" r:id="rId23"/>
-    <p:sldId id="560" r:id="rId24"/>
-    <p:sldId id="562" r:id="rId25"/>
-    <p:sldId id="563" r:id="rId26"/>
-    <p:sldId id="542" r:id="rId27"/>
+    <p:sldId id="566" r:id="rId13"/>
+    <p:sldId id="565" r:id="rId14"/>
+    <p:sldId id="550" r:id="rId15"/>
+    <p:sldId id="551" r:id="rId16"/>
+    <p:sldId id="552" r:id="rId17"/>
+    <p:sldId id="553" r:id="rId18"/>
+    <p:sldId id="554" r:id="rId19"/>
+    <p:sldId id="564" r:id="rId20"/>
+    <p:sldId id="567" r:id="rId21"/>
+    <p:sldId id="556" r:id="rId22"/>
+    <p:sldId id="557" r:id="rId23"/>
+    <p:sldId id="561" r:id="rId24"/>
+    <p:sldId id="558" r:id="rId25"/>
+    <p:sldId id="559" r:id="rId26"/>
+    <p:sldId id="560" r:id="rId27"/>
+    <p:sldId id="562" r:id="rId28"/>
+    <p:sldId id="563" r:id="rId29"/>
+    <p:sldId id="542" r:id="rId30"/>
   </p:sldIdLst>
   <p:sldSz cx="12192000" cy="6858000"/>
   <p:notesSz cx="6858000" cy="9144000"/>
@@ -240,7 +243,7 @@
           <a:p>
             <a:fld id="{D6F4137A-32A9-4E3E-80A1-313294284C14}" type="datetimeFigureOut">
               <a:rPr lang="en-US" smtClean="0"/>
-              <a:t>10/14/2020</a:t>
+              <a:t>10/15/2020</a:t>
             </a:fld>
             <a:endParaRPr lang="en-US"/>
           </a:p>
@@ -1172,7 +1175,7 @@
           <a:p>
             <a:fld id="{EF956D5C-5EF9-4233-82C8-1D8C4F6E2EDC}" type="slidenum">
               <a:rPr lang="en-US" smtClean="0"/>
-              <a:t>12</a:t>
+              <a:t>14</a:t>
             </a:fld>
             <a:endParaRPr lang="en-US"/>
           </a:p>
@@ -2399,7 +2402,7 @@
           <a:p>
             <a:fld id="{EF956D5C-5EF9-4233-82C8-1D8C4F6E2EDC}" type="slidenum">
               <a:rPr lang="en-US" smtClean="0"/>
-              <a:t>13</a:t>
+              <a:t>15</a:t>
             </a:fld>
             <a:endParaRPr lang="en-US"/>
           </a:p>
@@ -3238,7 +3241,7 @@
           <a:p>
             <a:fld id="{EF956D5C-5EF9-4233-82C8-1D8C4F6E2EDC}" type="slidenum">
               <a:rPr lang="en-US" smtClean="0"/>
-              <a:t>14</a:t>
+              <a:t>16</a:t>
             </a:fld>
             <a:endParaRPr lang="en-US"/>
           </a:p>
@@ -3248,6 +3251,673 @@
     <p:extLst>
       <p:ext uri="{BB962C8B-B14F-4D97-AF65-F5344CB8AC3E}">
         <p14:creationId xmlns:p14="http://schemas.microsoft.com/office/powerpoint/2010/main" val="2573572835"/>
+      </p:ext>
+    </p:extLst>
+  </p:cSld>
+  <p:clrMapOvr>
+    <a:masterClrMapping/>
+  </p:clrMapOvr>
+</p:notes>
+</file>
+
+<file path=ppt/notesSlides/notesSlide7.xml><?xml version="1.0" encoding="utf-8"?>
+<p:notes xmlns:a="http://schemas.openxmlformats.org/drawingml/2006/main" xmlns:r="http://schemas.openxmlformats.org/officeDocument/2006/relationships" xmlns:p="http://schemas.openxmlformats.org/presentationml/2006/main">
+  <p:cSld>
+    <p:spTree>
+      <p:nvGrpSpPr>
+        <p:cNvPr id="1" name=""/>
+        <p:cNvGrpSpPr/>
+        <p:nvPr/>
+      </p:nvGrpSpPr>
+      <p:grpSpPr>
+        <a:xfrm>
+          <a:off x="0" y="0"/>
+          <a:ext cx="0" cy="0"/>
+          <a:chOff x="0" y="0"/>
+          <a:chExt cx="0" cy="0"/>
+        </a:xfrm>
+      </p:grpSpPr>
+      <p:sp>
+        <p:nvSpPr>
+          <p:cNvPr id="2" name="Slide Image Placeholder 1"/>
+          <p:cNvSpPr>
+            <a:spLocks noGrp="1" noRot="1" noChangeAspect="1"/>
+          </p:cNvSpPr>
+          <p:nvPr>
+            <p:ph type="sldImg"/>
+          </p:nvPr>
+        </p:nvSpPr>
+        <p:spPr/>
+      </p:sp>
+      <p:sp>
+        <p:nvSpPr>
+          <p:cNvPr id="3" name="Notes Placeholder 2"/>
+          <p:cNvSpPr>
+            <a:spLocks noGrp="1"/>
+          </p:cNvSpPr>
+          <p:nvPr>
+            <p:ph type="body" idx="1"/>
+          </p:nvPr>
+        </p:nvSpPr>
+        <p:spPr/>
+        <p:txBody>
+          <a:bodyPr/>
+          <a:lstStyle/>
+          <a:p>
+            <a:r>
+              <a:rPr lang="en-US" dirty="0" smtClean="0"/>
+              <a:t>from flask import Flask</a:t>
+            </a:r>
+          </a:p>
+          <a:p>
+            <a:endParaRPr lang="en-US" dirty="0" smtClean="0"/>
+          </a:p>
+          <a:p>
+            <a:r>
+              <a:rPr lang="en-US" dirty="0" smtClean="0"/>
+              <a:t>app = Flask(__name__)</a:t>
+            </a:r>
+          </a:p>
+          <a:p>
+            <a:endParaRPr lang="en-US" dirty="0" smtClean="0"/>
+          </a:p>
+          <a:p>
+            <a:r>
+              <a:rPr lang="en-US" dirty="0" smtClean="0"/>
+              <a:t>@</a:t>
+            </a:r>
+            <a:r>
+              <a:rPr lang="en-US" dirty="0" err="1" smtClean="0"/>
+              <a:t>app.route</a:t>
+            </a:r>
+            <a:r>
+              <a:rPr lang="en-US" dirty="0" smtClean="0"/>
+              <a:t>("/")</a:t>
+            </a:r>
+          </a:p>
+          <a:p>
+            <a:r>
+              <a:rPr lang="en-US" dirty="0" err="1" smtClean="0"/>
+              <a:t>def</a:t>
+            </a:r>
+            <a:r>
+              <a:rPr lang="en-US" dirty="0" smtClean="0"/>
+              <a:t> hello():</a:t>
+            </a:r>
+          </a:p>
+          <a:p>
+            <a:r>
+              <a:rPr lang="en-US" dirty="0" smtClean="0"/>
+              <a:t>    return "Hello, World1!“</a:t>
+            </a:r>
+          </a:p>
+          <a:p>
+            <a:endParaRPr lang="en-US" dirty="0" smtClean="0"/>
+          </a:p>
+          <a:p>
+            <a:endParaRPr lang="en-US" dirty="0" smtClean="0"/>
+          </a:p>
+          <a:p>
+            <a:r>
+              <a:rPr lang="en-US" dirty="0" smtClean="0"/>
+              <a:t>set FLASK_APP=hello.py</a:t>
+            </a:r>
+          </a:p>
+          <a:p>
+            <a:r>
+              <a:rPr lang="en-US" dirty="0" smtClean="0"/>
+              <a:t>flask run --host 0.0.0.0 --port 5002</a:t>
+            </a:r>
+            <a:endParaRPr lang="en-US" dirty="0"/>
+          </a:p>
+        </p:txBody>
+      </p:sp>
+      <p:sp>
+        <p:nvSpPr>
+          <p:cNvPr id="4" name="Slide Number Placeholder 3"/>
+          <p:cNvSpPr>
+            <a:spLocks noGrp="1"/>
+          </p:cNvSpPr>
+          <p:nvPr>
+            <p:ph type="sldNum" sz="quarter" idx="10"/>
+          </p:nvPr>
+        </p:nvSpPr>
+        <p:spPr/>
+        <p:txBody>
+          <a:bodyPr/>
+          <a:lstStyle/>
+          <a:p>
+            <a:fld id="{EF956D5C-5EF9-4233-82C8-1D8C4F6E2EDC}" type="slidenum">
+              <a:rPr lang="en-US" smtClean="0"/>
+              <a:t>21</a:t>
+            </a:fld>
+            <a:endParaRPr lang="en-US"/>
+          </a:p>
+        </p:txBody>
+      </p:sp>
+    </p:spTree>
+    <p:extLst>
+      <p:ext uri="{BB962C8B-B14F-4D97-AF65-F5344CB8AC3E}">
+        <p14:creationId xmlns:p14="http://schemas.microsoft.com/office/powerpoint/2010/main" val="2277571784"/>
+      </p:ext>
+    </p:extLst>
+  </p:cSld>
+  <p:clrMapOvr>
+    <a:masterClrMapping/>
+  </p:clrMapOvr>
+</p:notes>
+</file>
+
+<file path=ppt/notesSlides/notesSlide8.xml><?xml version="1.0" encoding="utf-8"?>
+<p:notes xmlns:a="http://schemas.openxmlformats.org/drawingml/2006/main" xmlns:r="http://schemas.openxmlformats.org/officeDocument/2006/relationships" xmlns:p="http://schemas.openxmlformats.org/presentationml/2006/main">
+  <p:cSld>
+    <p:spTree>
+      <p:nvGrpSpPr>
+        <p:cNvPr id="1" name=""/>
+        <p:cNvGrpSpPr/>
+        <p:nvPr/>
+      </p:nvGrpSpPr>
+      <p:grpSpPr>
+        <a:xfrm>
+          <a:off x="0" y="0"/>
+          <a:ext cx="0" cy="0"/>
+          <a:chOff x="0" y="0"/>
+          <a:chExt cx="0" cy="0"/>
+        </a:xfrm>
+      </p:grpSpPr>
+      <p:sp>
+        <p:nvSpPr>
+          <p:cNvPr id="2" name="Slide Image Placeholder 1"/>
+          <p:cNvSpPr>
+            <a:spLocks noGrp="1" noRot="1" noChangeAspect="1"/>
+          </p:cNvSpPr>
+          <p:nvPr>
+            <p:ph type="sldImg"/>
+          </p:nvPr>
+        </p:nvSpPr>
+        <p:spPr/>
+      </p:sp>
+      <p:sp>
+        <p:nvSpPr>
+          <p:cNvPr id="3" name="Notes Placeholder 2"/>
+          <p:cNvSpPr>
+            <a:spLocks noGrp="1"/>
+          </p:cNvSpPr>
+          <p:nvPr>
+            <p:ph type="body" idx="1"/>
+          </p:nvPr>
+        </p:nvSpPr>
+        <p:spPr/>
+        <p:txBody>
+          <a:bodyPr/>
+          <a:lstStyle/>
+          <a:p>
+            <a:r>
+              <a:rPr lang="en-US" dirty="0" smtClean="0"/>
+              <a:t>http = require('http')</a:t>
+            </a:r>
+          </a:p>
+          <a:p>
+            <a:endParaRPr lang="en-US" dirty="0" smtClean="0"/>
+          </a:p>
+          <a:p>
+            <a:r>
+              <a:rPr lang="en-US" dirty="0" err="1" smtClean="0"/>
+              <a:t>http.createServer</a:t>
+            </a:r>
+            <a:r>
+              <a:rPr lang="en-US" dirty="0" smtClean="0"/>
+              <a:t>(function (</a:t>
+            </a:r>
+            <a:r>
+              <a:rPr lang="en-US" dirty="0" err="1" smtClean="0"/>
+              <a:t>req</a:t>
+            </a:r>
+            <a:r>
+              <a:rPr lang="en-US" dirty="0" smtClean="0"/>
+              <a:t>, res) {</a:t>
+            </a:r>
+          </a:p>
+          <a:p>
+            <a:r>
+              <a:rPr lang="en-US" dirty="0" smtClean="0"/>
+              <a:t>  </a:t>
+            </a:r>
+            <a:r>
+              <a:rPr lang="en-US" dirty="0" err="1" smtClean="0"/>
+              <a:t>res.writeHead</a:t>
+            </a:r>
+            <a:r>
+              <a:rPr lang="en-US" dirty="0" smtClean="0"/>
+              <a:t>(200, { 'Content-Type': 'text/plain' })</a:t>
+            </a:r>
+          </a:p>
+          <a:p>
+            <a:r>
+              <a:rPr lang="en-US" dirty="0" smtClean="0"/>
+              <a:t>  </a:t>
+            </a:r>
+            <a:r>
+              <a:rPr lang="en-US" dirty="0" err="1" smtClean="0"/>
+              <a:t>res.end</a:t>
+            </a:r>
+            <a:r>
+              <a:rPr lang="en-US" dirty="0" smtClean="0"/>
+              <a:t>('Hello World')</a:t>
+            </a:r>
+          </a:p>
+          <a:p>
+            <a:r>
+              <a:rPr lang="en-US" dirty="0" smtClean="0"/>
+              <a:t>}).listen(3002)</a:t>
+            </a:r>
+          </a:p>
+          <a:p>
+            <a:endParaRPr lang="en-US" dirty="0" smtClean="0"/>
+          </a:p>
+          <a:p>
+            <a:r>
+              <a:rPr lang="en-US" dirty="0" smtClean="0"/>
+              <a:t>console.log('Server is running on port 3002 ...')</a:t>
+            </a:r>
+          </a:p>
+          <a:p>
+            <a:endParaRPr lang="en-US" dirty="0" smtClean="0"/>
+          </a:p>
+          <a:p>
+            <a:r>
+              <a:rPr lang="en-US" altLang="zh-CN" dirty="0" smtClean="0"/>
+              <a:t>---------------------------------------------------------------</a:t>
+            </a:r>
+            <a:endParaRPr lang="en-US" dirty="0" smtClean="0"/>
+          </a:p>
+          <a:p>
+            <a:r>
+              <a:rPr lang="en-US" dirty="0" err="1" smtClean="0"/>
+              <a:t>const</a:t>
+            </a:r>
+            <a:r>
+              <a:rPr lang="en-US" dirty="0" smtClean="0"/>
+              <a:t> express = require('express')</a:t>
+            </a:r>
+          </a:p>
+          <a:p>
+            <a:endParaRPr lang="en-US" dirty="0" smtClean="0"/>
+          </a:p>
+          <a:p>
+            <a:r>
+              <a:rPr lang="en-US" dirty="0" smtClean="0"/>
+              <a:t>app = express()</a:t>
+            </a:r>
+          </a:p>
+          <a:p>
+            <a:endParaRPr lang="en-US" dirty="0" smtClean="0"/>
+          </a:p>
+          <a:p>
+            <a:r>
+              <a:rPr lang="en-US" dirty="0" err="1" smtClean="0"/>
+              <a:t>app.get</a:t>
+            </a:r>
+            <a:r>
+              <a:rPr lang="en-US" dirty="0" smtClean="0"/>
+              <a:t>('/', (</a:t>
+            </a:r>
+            <a:r>
+              <a:rPr lang="en-US" dirty="0" err="1" smtClean="0"/>
+              <a:t>req</a:t>
+            </a:r>
+            <a:r>
+              <a:rPr lang="en-US" dirty="0" smtClean="0"/>
+              <a:t>, res) =&gt; {</a:t>
+            </a:r>
+          </a:p>
+          <a:p>
+            <a:r>
+              <a:rPr lang="en-US" dirty="0" smtClean="0"/>
+              <a:t>  </a:t>
+            </a:r>
+            <a:r>
+              <a:rPr lang="en-US" dirty="0" err="1" smtClean="0"/>
+              <a:t>res.send</a:t>
+            </a:r>
+            <a:r>
+              <a:rPr lang="en-US" dirty="0" smtClean="0"/>
+              <a:t>('hello world')</a:t>
+            </a:r>
+          </a:p>
+          <a:p>
+            <a:r>
+              <a:rPr lang="en-US" dirty="0" smtClean="0"/>
+              <a:t>})</a:t>
+            </a:r>
+          </a:p>
+          <a:p>
+            <a:endParaRPr lang="en-US" dirty="0" smtClean="0"/>
+          </a:p>
+          <a:p>
+            <a:r>
+              <a:rPr lang="en-US" dirty="0" err="1" smtClean="0"/>
+              <a:t>app.listen</a:t>
+            </a:r>
+            <a:r>
+              <a:rPr lang="en-US" dirty="0" smtClean="0"/>
+              <a:t>(3001)</a:t>
+            </a:r>
+            <a:endParaRPr lang="en-US" dirty="0"/>
+          </a:p>
+        </p:txBody>
+      </p:sp>
+      <p:sp>
+        <p:nvSpPr>
+          <p:cNvPr id="4" name="Slide Number Placeholder 3"/>
+          <p:cNvSpPr>
+            <a:spLocks noGrp="1"/>
+          </p:cNvSpPr>
+          <p:nvPr>
+            <p:ph type="sldNum" sz="quarter" idx="10"/>
+          </p:nvPr>
+        </p:nvSpPr>
+        <p:spPr/>
+        <p:txBody>
+          <a:bodyPr/>
+          <a:lstStyle/>
+          <a:p>
+            <a:fld id="{EF956D5C-5EF9-4233-82C8-1D8C4F6E2EDC}" type="slidenum">
+              <a:rPr lang="en-US" smtClean="0"/>
+              <a:t>22</a:t>
+            </a:fld>
+            <a:endParaRPr lang="en-US"/>
+          </a:p>
+        </p:txBody>
+      </p:sp>
+    </p:spTree>
+    <p:extLst>
+      <p:ext uri="{BB962C8B-B14F-4D97-AF65-F5344CB8AC3E}">
+        <p14:creationId xmlns:p14="http://schemas.microsoft.com/office/powerpoint/2010/main" val="678393452"/>
+      </p:ext>
+    </p:extLst>
+  </p:cSld>
+  <p:clrMapOvr>
+    <a:masterClrMapping/>
+  </p:clrMapOvr>
+</p:notes>
+</file>
+
+<file path=ppt/notesSlides/notesSlide9.xml><?xml version="1.0" encoding="utf-8"?>
+<p:notes xmlns:a="http://schemas.openxmlformats.org/drawingml/2006/main" xmlns:r="http://schemas.openxmlformats.org/officeDocument/2006/relationships" xmlns:p="http://schemas.openxmlformats.org/presentationml/2006/main">
+  <p:cSld>
+    <p:spTree>
+      <p:nvGrpSpPr>
+        <p:cNvPr id="1" name=""/>
+        <p:cNvGrpSpPr/>
+        <p:nvPr/>
+      </p:nvGrpSpPr>
+      <p:grpSpPr>
+        <a:xfrm>
+          <a:off x="0" y="0"/>
+          <a:ext cx="0" cy="0"/>
+          <a:chOff x="0" y="0"/>
+          <a:chExt cx="0" cy="0"/>
+        </a:xfrm>
+      </p:grpSpPr>
+      <p:sp>
+        <p:nvSpPr>
+          <p:cNvPr id="2" name="Slide Image Placeholder 1"/>
+          <p:cNvSpPr>
+            <a:spLocks noGrp="1" noRot="1" noChangeAspect="1"/>
+          </p:cNvSpPr>
+          <p:nvPr>
+            <p:ph type="sldImg"/>
+          </p:nvPr>
+        </p:nvSpPr>
+        <p:spPr/>
+      </p:sp>
+      <p:sp>
+        <p:nvSpPr>
+          <p:cNvPr id="3" name="Notes Placeholder 2"/>
+          <p:cNvSpPr>
+            <a:spLocks noGrp="1"/>
+          </p:cNvSpPr>
+          <p:nvPr>
+            <p:ph type="body" idx="1"/>
+          </p:nvPr>
+        </p:nvSpPr>
+        <p:spPr/>
+        <p:txBody>
+          <a:bodyPr/>
+          <a:lstStyle/>
+          <a:p>
+            <a:r>
+              <a:rPr lang="en-US" dirty="0" smtClean="0"/>
+              <a:t>go </a:t>
+            </a:r>
+            <a:r>
+              <a:rPr lang="en-US" dirty="0" err="1" smtClean="0"/>
+              <a:t>env</a:t>
+            </a:r>
+            <a:r>
+              <a:rPr lang="en-US" dirty="0" smtClean="0"/>
+              <a:t> -w GO111MODULE=on </a:t>
+            </a:r>
+          </a:p>
+          <a:p>
+            <a:r>
+              <a:rPr lang="en-US" dirty="0" smtClean="0"/>
+              <a:t>go </a:t>
+            </a:r>
+            <a:r>
+              <a:rPr lang="en-US" dirty="0" err="1" smtClean="0"/>
+              <a:t>env</a:t>
+            </a:r>
+            <a:r>
+              <a:rPr lang="en-US" dirty="0" smtClean="0"/>
+              <a:t> -w GOPROXY=https://goproxy.cn,direct</a:t>
+            </a:r>
+          </a:p>
+          <a:p>
+            <a:r>
+              <a:rPr lang="en-US" dirty="0" smtClean="0"/>
+              <a:t>go mod </a:t>
+            </a:r>
+            <a:r>
+              <a:rPr lang="en-US" dirty="0" err="1" smtClean="0"/>
+              <a:t>init</a:t>
+            </a:r>
+            <a:r>
+              <a:rPr lang="en-US" dirty="0" smtClean="0"/>
+              <a:t> gin-demo</a:t>
+            </a:r>
+          </a:p>
+          <a:p>
+            <a:r>
+              <a:rPr lang="en-US" dirty="0" smtClean="0"/>
+              <a:t>go get -u github.com/gin-</a:t>
+            </a:r>
+            <a:r>
+              <a:rPr lang="en-US" dirty="0" err="1" smtClean="0"/>
+              <a:t>gonic</a:t>
+            </a:r>
+            <a:r>
+              <a:rPr lang="en-US" dirty="0" smtClean="0"/>
+              <a:t>/gin</a:t>
+            </a:r>
+          </a:p>
+          <a:p>
+            <a:endParaRPr lang="en-US" dirty="0" smtClean="0"/>
+          </a:p>
+          <a:p>
+            <a:endParaRPr lang="en-US" dirty="0" smtClean="0"/>
+          </a:p>
+          <a:p>
+            <a:r>
+              <a:rPr lang="en-US" dirty="0" smtClean="0"/>
+              <a:t>package main</a:t>
+            </a:r>
+          </a:p>
+          <a:p>
+            <a:endParaRPr lang="en-US" dirty="0" smtClean="0"/>
+          </a:p>
+          <a:p>
+            <a:r>
+              <a:rPr lang="en-US" dirty="0" smtClean="0"/>
+              <a:t>import (</a:t>
+            </a:r>
+          </a:p>
+          <a:p>
+            <a:r>
+              <a:rPr lang="en-US" dirty="0" smtClean="0"/>
+              <a:t>	"github.com/gin-</a:t>
+            </a:r>
+            <a:r>
+              <a:rPr lang="en-US" dirty="0" err="1" smtClean="0"/>
+              <a:t>gonic</a:t>
+            </a:r>
+            <a:r>
+              <a:rPr lang="en-US" dirty="0" smtClean="0"/>
+              <a:t>/gin"</a:t>
+            </a:r>
+          </a:p>
+          <a:p>
+            <a:r>
+              <a:rPr lang="en-US" dirty="0" smtClean="0"/>
+              <a:t>)</a:t>
+            </a:r>
+          </a:p>
+          <a:p>
+            <a:endParaRPr lang="en-US" dirty="0" smtClean="0"/>
+          </a:p>
+          <a:p>
+            <a:r>
+              <a:rPr lang="en-US" dirty="0" err="1" smtClean="0"/>
+              <a:t>func</a:t>
+            </a:r>
+            <a:r>
+              <a:rPr lang="en-US" dirty="0" smtClean="0"/>
+              <a:t> main() {</a:t>
+            </a:r>
+          </a:p>
+          <a:p>
+            <a:r>
+              <a:rPr lang="en-US" dirty="0" smtClean="0"/>
+              <a:t>	r := </a:t>
+            </a:r>
+            <a:r>
+              <a:rPr lang="en-US" dirty="0" err="1" smtClean="0"/>
+              <a:t>gin.Default</a:t>
+            </a:r>
+            <a:r>
+              <a:rPr lang="en-US" dirty="0" smtClean="0"/>
+              <a:t>()</a:t>
+            </a:r>
+          </a:p>
+          <a:p>
+            <a:r>
+              <a:rPr lang="en-US" dirty="0" smtClean="0"/>
+              <a:t>	</a:t>
+            </a:r>
+            <a:r>
+              <a:rPr lang="en-US" dirty="0" err="1" smtClean="0"/>
+              <a:t>r.GET</a:t>
+            </a:r>
+            <a:r>
+              <a:rPr lang="en-US" dirty="0" smtClean="0"/>
+              <a:t>("/", </a:t>
+            </a:r>
+            <a:r>
+              <a:rPr lang="en-US" dirty="0" err="1" smtClean="0"/>
+              <a:t>func</a:t>
+            </a:r>
+            <a:r>
+              <a:rPr lang="en-US" dirty="0" smtClean="0"/>
+              <a:t>(c *</a:t>
+            </a:r>
+            <a:r>
+              <a:rPr lang="en-US" dirty="0" err="1" smtClean="0"/>
+              <a:t>gin.Context</a:t>
+            </a:r>
+            <a:r>
+              <a:rPr lang="en-US" dirty="0" smtClean="0"/>
+              <a:t>) {</a:t>
+            </a:r>
+          </a:p>
+          <a:p>
+            <a:r>
+              <a:rPr lang="en-US" dirty="0" smtClean="0"/>
+              <a:t>		</a:t>
+            </a:r>
+            <a:r>
+              <a:rPr lang="en-US" dirty="0" err="1" smtClean="0"/>
+              <a:t>c.JSON</a:t>
+            </a:r>
+            <a:r>
+              <a:rPr lang="en-US" dirty="0" smtClean="0"/>
+              <a:t>(200, </a:t>
+            </a:r>
+            <a:r>
+              <a:rPr lang="en-US" dirty="0" err="1" smtClean="0"/>
+              <a:t>gin.H</a:t>
+            </a:r>
+            <a:r>
+              <a:rPr lang="en-US" dirty="0" smtClean="0"/>
+              <a:t>{"message": "GET"})</a:t>
+            </a:r>
+          </a:p>
+          <a:p>
+            <a:r>
+              <a:rPr lang="en-US" dirty="0" smtClean="0"/>
+              <a:t>	})</a:t>
+            </a:r>
+          </a:p>
+          <a:p>
+            <a:r>
+              <a:rPr lang="en-US" dirty="0" smtClean="0"/>
+              <a:t>	</a:t>
+            </a:r>
+            <a:r>
+              <a:rPr lang="en-US" dirty="0" err="1" smtClean="0"/>
+              <a:t>r.Run</a:t>
+            </a:r>
+            <a:r>
+              <a:rPr lang="en-US" dirty="0" smtClean="0"/>
+              <a:t>()</a:t>
+            </a:r>
+          </a:p>
+          <a:p>
+            <a:r>
+              <a:rPr lang="en-US" dirty="0" smtClean="0"/>
+              <a:t>}</a:t>
+            </a:r>
+            <a:endParaRPr lang="en-US" dirty="0"/>
+          </a:p>
+        </p:txBody>
+      </p:sp>
+      <p:sp>
+        <p:nvSpPr>
+          <p:cNvPr id="4" name="Slide Number Placeholder 3"/>
+          <p:cNvSpPr>
+            <a:spLocks noGrp="1"/>
+          </p:cNvSpPr>
+          <p:nvPr>
+            <p:ph type="sldNum" sz="quarter" idx="10"/>
+          </p:nvPr>
+        </p:nvSpPr>
+        <p:spPr/>
+        <p:txBody>
+          <a:bodyPr/>
+          <a:lstStyle/>
+          <a:p>
+            <a:fld id="{EF956D5C-5EF9-4233-82C8-1D8C4F6E2EDC}" type="slidenum">
+              <a:rPr lang="en-US" smtClean="0"/>
+              <a:t>24</a:t>
+            </a:fld>
+            <a:endParaRPr lang="en-US"/>
+          </a:p>
+        </p:txBody>
+      </p:sp>
+    </p:spTree>
+    <p:extLst>
+      <p:ext uri="{BB962C8B-B14F-4D97-AF65-F5344CB8AC3E}">
+        <p14:creationId xmlns:p14="http://schemas.microsoft.com/office/powerpoint/2010/main" val="1113127736"/>
       </p:ext>
     </p:extLst>
   </p:cSld>
@@ -36128,7 +36798,661 @@
   <p:timing>
     <p:tnLst>
       <p:par>
-        <p:cTn id="1" dur="indefinite" restart="never" nodeType="tmRoot"/>
+        <p:cTn id="1" dur="indefinite" restart="never" nodeType="tmRoot">
+          <p:childTnLst>
+            <p:seq concurrent="1" nextAc="seek">
+              <p:cTn id="2" dur="indefinite" nodeType="mainSeq">
+                <p:childTnLst>
+                  <p:par>
+                    <p:cTn id="3" fill="hold">
+                      <p:stCondLst>
+                        <p:cond delay="indefinite"/>
+                      </p:stCondLst>
+                      <p:childTnLst>
+                        <p:par>
+                          <p:cTn id="4" fill="hold">
+                            <p:stCondLst>
+                              <p:cond delay="0"/>
+                            </p:stCondLst>
+                            <p:childTnLst>
+                              <p:par>
+                                <p:cTn id="5" presetID="2" presetClass="entr" presetSubtype="4" fill="hold" nodeType="clickEffect">
+                                  <p:stCondLst>
+                                    <p:cond delay="0"/>
+                                  </p:stCondLst>
+                                  <p:childTnLst>
+                                    <p:set>
+                                      <p:cBhvr>
+                                        <p:cTn id="6" dur="1" fill="hold">
+                                          <p:stCondLst>
+                                            <p:cond delay="0"/>
+                                          </p:stCondLst>
+                                        </p:cTn>
+                                        <p:tgtEl>
+                                          <p:spTgt spid="2">
+                                            <p:txEl>
+                                              <p:pRg st="0" end="0"/>
+                                            </p:txEl>
+                                          </p:spTgt>
+                                        </p:tgtEl>
+                                        <p:attrNameLst>
+                                          <p:attrName>style.visibility</p:attrName>
+                                        </p:attrNameLst>
+                                      </p:cBhvr>
+                                      <p:to>
+                                        <p:strVal val="visible"/>
+                                      </p:to>
+                                    </p:set>
+                                    <p:anim calcmode="lin" valueType="num">
+                                      <p:cBhvr additive="base">
+                                        <p:cTn id="7" dur="500" fill="hold"/>
+                                        <p:tgtEl>
+                                          <p:spTgt spid="2">
+                                            <p:txEl>
+                                              <p:pRg st="0" end="0"/>
+                                            </p:txEl>
+                                          </p:spTgt>
+                                        </p:tgtEl>
+                                        <p:attrNameLst>
+                                          <p:attrName>ppt_x</p:attrName>
+                                        </p:attrNameLst>
+                                      </p:cBhvr>
+                                      <p:tavLst>
+                                        <p:tav tm="0">
+                                          <p:val>
+                                            <p:strVal val="#ppt_x"/>
+                                          </p:val>
+                                        </p:tav>
+                                        <p:tav tm="100000">
+                                          <p:val>
+                                            <p:strVal val="#ppt_x"/>
+                                          </p:val>
+                                        </p:tav>
+                                      </p:tavLst>
+                                    </p:anim>
+                                    <p:anim calcmode="lin" valueType="num">
+                                      <p:cBhvr additive="base">
+                                        <p:cTn id="8" dur="500" fill="hold"/>
+                                        <p:tgtEl>
+                                          <p:spTgt spid="2">
+                                            <p:txEl>
+                                              <p:pRg st="0" end="0"/>
+                                            </p:txEl>
+                                          </p:spTgt>
+                                        </p:tgtEl>
+                                        <p:attrNameLst>
+                                          <p:attrName>ppt_y</p:attrName>
+                                        </p:attrNameLst>
+                                      </p:cBhvr>
+                                      <p:tavLst>
+                                        <p:tav tm="0">
+                                          <p:val>
+                                            <p:strVal val="1+#ppt_h/2"/>
+                                          </p:val>
+                                        </p:tav>
+                                        <p:tav tm="100000">
+                                          <p:val>
+                                            <p:strVal val="#ppt_y"/>
+                                          </p:val>
+                                        </p:tav>
+                                      </p:tavLst>
+                                    </p:anim>
+                                  </p:childTnLst>
+                                </p:cTn>
+                              </p:par>
+                              <p:par>
+                                <p:cTn id="9" presetID="2" presetClass="entr" presetSubtype="4" fill="hold" nodeType="withEffect">
+                                  <p:stCondLst>
+                                    <p:cond delay="0"/>
+                                  </p:stCondLst>
+                                  <p:childTnLst>
+                                    <p:set>
+                                      <p:cBhvr>
+                                        <p:cTn id="10" dur="1" fill="hold">
+                                          <p:stCondLst>
+                                            <p:cond delay="0"/>
+                                          </p:stCondLst>
+                                        </p:cTn>
+                                        <p:tgtEl>
+                                          <p:spTgt spid="2">
+                                            <p:txEl>
+                                              <p:pRg st="1" end="1"/>
+                                            </p:txEl>
+                                          </p:spTgt>
+                                        </p:tgtEl>
+                                        <p:attrNameLst>
+                                          <p:attrName>style.visibility</p:attrName>
+                                        </p:attrNameLst>
+                                      </p:cBhvr>
+                                      <p:to>
+                                        <p:strVal val="visible"/>
+                                      </p:to>
+                                    </p:set>
+                                    <p:anim calcmode="lin" valueType="num">
+                                      <p:cBhvr additive="base">
+                                        <p:cTn id="11" dur="500" fill="hold"/>
+                                        <p:tgtEl>
+                                          <p:spTgt spid="2">
+                                            <p:txEl>
+                                              <p:pRg st="1" end="1"/>
+                                            </p:txEl>
+                                          </p:spTgt>
+                                        </p:tgtEl>
+                                        <p:attrNameLst>
+                                          <p:attrName>ppt_x</p:attrName>
+                                        </p:attrNameLst>
+                                      </p:cBhvr>
+                                      <p:tavLst>
+                                        <p:tav tm="0">
+                                          <p:val>
+                                            <p:strVal val="#ppt_x"/>
+                                          </p:val>
+                                        </p:tav>
+                                        <p:tav tm="100000">
+                                          <p:val>
+                                            <p:strVal val="#ppt_x"/>
+                                          </p:val>
+                                        </p:tav>
+                                      </p:tavLst>
+                                    </p:anim>
+                                    <p:anim calcmode="lin" valueType="num">
+                                      <p:cBhvr additive="base">
+                                        <p:cTn id="12" dur="500" fill="hold"/>
+                                        <p:tgtEl>
+                                          <p:spTgt spid="2">
+                                            <p:txEl>
+                                              <p:pRg st="1" end="1"/>
+                                            </p:txEl>
+                                          </p:spTgt>
+                                        </p:tgtEl>
+                                        <p:attrNameLst>
+                                          <p:attrName>ppt_y</p:attrName>
+                                        </p:attrNameLst>
+                                      </p:cBhvr>
+                                      <p:tavLst>
+                                        <p:tav tm="0">
+                                          <p:val>
+                                            <p:strVal val="1+#ppt_h/2"/>
+                                          </p:val>
+                                        </p:tav>
+                                        <p:tav tm="100000">
+                                          <p:val>
+                                            <p:strVal val="#ppt_y"/>
+                                          </p:val>
+                                        </p:tav>
+                                      </p:tavLst>
+                                    </p:anim>
+                                  </p:childTnLst>
+                                </p:cTn>
+                              </p:par>
+                              <p:par>
+                                <p:cTn id="13" presetID="2" presetClass="entr" presetSubtype="4" fill="hold" nodeType="withEffect">
+                                  <p:stCondLst>
+                                    <p:cond delay="0"/>
+                                  </p:stCondLst>
+                                  <p:childTnLst>
+                                    <p:set>
+                                      <p:cBhvr>
+                                        <p:cTn id="14" dur="1" fill="hold">
+                                          <p:stCondLst>
+                                            <p:cond delay="0"/>
+                                          </p:stCondLst>
+                                        </p:cTn>
+                                        <p:tgtEl>
+                                          <p:spTgt spid="2">
+                                            <p:txEl>
+                                              <p:pRg st="2" end="2"/>
+                                            </p:txEl>
+                                          </p:spTgt>
+                                        </p:tgtEl>
+                                        <p:attrNameLst>
+                                          <p:attrName>style.visibility</p:attrName>
+                                        </p:attrNameLst>
+                                      </p:cBhvr>
+                                      <p:to>
+                                        <p:strVal val="visible"/>
+                                      </p:to>
+                                    </p:set>
+                                    <p:anim calcmode="lin" valueType="num">
+                                      <p:cBhvr additive="base">
+                                        <p:cTn id="15" dur="500" fill="hold"/>
+                                        <p:tgtEl>
+                                          <p:spTgt spid="2">
+                                            <p:txEl>
+                                              <p:pRg st="2" end="2"/>
+                                            </p:txEl>
+                                          </p:spTgt>
+                                        </p:tgtEl>
+                                        <p:attrNameLst>
+                                          <p:attrName>ppt_x</p:attrName>
+                                        </p:attrNameLst>
+                                      </p:cBhvr>
+                                      <p:tavLst>
+                                        <p:tav tm="0">
+                                          <p:val>
+                                            <p:strVal val="#ppt_x"/>
+                                          </p:val>
+                                        </p:tav>
+                                        <p:tav tm="100000">
+                                          <p:val>
+                                            <p:strVal val="#ppt_x"/>
+                                          </p:val>
+                                        </p:tav>
+                                      </p:tavLst>
+                                    </p:anim>
+                                    <p:anim calcmode="lin" valueType="num">
+                                      <p:cBhvr additive="base">
+                                        <p:cTn id="16" dur="500" fill="hold"/>
+                                        <p:tgtEl>
+                                          <p:spTgt spid="2">
+                                            <p:txEl>
+                                              <p:pRg st="2" end="2"/>
+                                            </p:txEl>
+                                          </p:spTgt>
+                                        </p:tgtEl>
+                                        <p:attrNameLst>
+                                          <p:attrName>ppt_y</p:attrName>
+                                        </p:attrNameLst>
+                                      </p:cBhvr>
+                                      <p:tavLst>
+                                        <p:tav tm="0">
+                                          <p:val>
+                                            <p:strVal val="1+#ppt_h/2"/>
+                                          </p:val>
+                                        </p:tav>
+                                        <p:tav tm="100000">
+                                          <p:val>
+                                            <p:strVal val="#ppt_y"/>
+                                          </p:val>
+                                        </p:tav>
+                                      </p:tavLst>
+                                    </p:anim>
+                                  </p:childTnLst>
+                                </p:cTn>
+                              </p:par>
+                              <p:par>
+                                <p:cTn id="17" presetID="2" presetClass="entr" presetSubtype="4" fill="hold" nodeType="withEffect">
+                                  <p:stCondLst>
+                                    <p:cond delay="0"/>
+                                  </p:stCondLst>
+                                  <p:childTnLst>
+                                    <p:set>
+                                      <p:cBhvr>
+                                        <p:cTn id="18" dur="1" fill="hold">
+                                          <p:stCondLst>
+                                            <p:cond delay="0"/>
+                                          </p:stCondLst>
+                                        </p:cTn>
+                                        <p:tgtEl>
+                                          <p:spTgt spid="2">
+                                            <p:txEl>
+                                              <p:pRg st="3" end="3"/>
+                                            </p:txEl>
+                                          </p:spTgt>
+                                        </p:tgtEl>
+                                        <p:attrNameLst>
+                                          <p:attrName>style.visibility</p:attrName>
+                                        </p:attrNameLst>
+                                      </p:cBhvr>
+                                      <p:to>
+                                        <p:strVal val="visible"/>
+                                      </p:to>
+                                    </p:set>
+                                    <p:anim calcmode="lin" valueType="num">
+                                      <p:cBhvr additive="base">
+                                        <p:cTn id="19" dur="500" fill="hold"/>
+                                        <p:tgtEl>
+                                          <p:spTgt spid="2">
+                                            <p:txEl>
+                                              <p:pRg st="3" end="3"/>
+                                            </p:txEl>
+                                          </p:spTgt>
+                                        </p:tgtEl>
+                                        <p:attrNameLst>
+                                          <p:attrName>ppt_x</p:attrName>
+                                        </p:attrNameLst>
+                                      </p:cBhvr>
+                                      <p:tavLst>
+                                        <p:tav tm="0">
+                                          <p:val>
+                                            <p:strVal val="#ppt_x"/>
+                                          </p:val>
+                                        </p:tav>
+                                        <p:tav tm="100000">
+                                          <p:val>
+                                            <p:strVal val="#ppt_x"/>
+                                          </p:val>
+                                        </p:tav>
+                                      </p:tavLst>
+                                    </p:anim>
+                                    <p:anim calcmode="lin" valueType="num">
+                                      <p:cBhvr additive="base">
+                                        <p:cTn id="20" dur="500" fill="hold"/>
+                                        <p:tgtEl>
+                                          <p:spTgt spid="2">
+                                            <p:txEl>
+                                              <p:pRg st="3" end="3"/>
+                                            </p:txEl>
+                                          </p:spTgt>
+                                        </p:tgtEl>
+                                        <p:attrNameLst>
+                                          <p:attrName>ppt_y</p:attrName>
+                                        </p:attrNameLst>
+                                      </p:cBhvr>
+                                      <p:tavLst>
+                                        <p:tav tm="0">
+                                          <p:val>
+                                            <p:strVal val="1+#ppt_h/2"/>
+                                          </p:val>
+                                        </p:tav>
+                                        <p:tav tm="100000">
+                                          <p:val>
+                                            <p:strVal val="#ppt_y"/>
+                                          </p:val>
+                                        </p:tav>
+                                      </p:tavLst>
+                                    </p:anim>
+                                  </p:childTnLst>
+                                </p:cTn>
+                              </p:par>
+                            </p:childTnLst>
+                          </p:cTn>
+                        </p:par>
+                      </p:childTnLst>
+                    </p:cTn>
+                  </p:par>
+                  <p:par>
+                    <p:cTn id="21" fill="hold">
+                      <p:stCondLst>
+                        <p:cond delay="indefinite"/>
+                      </p:stCondLst>
+                      <p:childTnLst>
+                        <p:par>
+                          <p:cTn id="22" fill="hold">
+                            <p:stCondLst>
+                              <p:cond delay="0"/>
+                            </p:stCondLst>
+                            <p:childTnLst>
+                              <p:par>
+                                <p:cTn id="23" presetID="2" presetClass="entr" presetSubtype="4" fill="hold" nodeType="clickEffect">
+                                  <p:stCondLst>
+                                    <p:cond delay="0"/>
+                                  </p:stCondLst>
+                                  <p:childTnLst>
+                                    <p:set>
+                                      <p:cBhvr>
+                                        <p:cTn id="24" dur="1" fill="hold">
+                                          <p:stCondLst>
+                                            <p:cond delay="0"/>
+                                          </p:stCondLst>
+                                        </p:cTn>
+                                        <p:tgtEl>
+                                          <p:spTgt spid="2">
+                                            <p:txEl>
+                                              <p:pRg st="4" end="4"/>
+                                            </p:txEl>
+                                          </p:spTgt>
+                                        </p:tgtEl>
+                                        <p:attrNameLst>
+                                          <p:attrName>style.visibility</p:attrName>
+                                        </p:attrNameLst>
+                                      </p:cBhvr>
+                                      <p:to>
+                                        <p:strVal val="visible"/>
+                                      </p:to>
+                                    </p:set>
+                                    <p:anim calcmode="lin" valueType="num">
+                                      <p:cBhvr additive="base">
+                                        <p:cTn id="25" dur="500" fill="hold"/>
+                                        <p:tgtEl>
+                                          <p:spTgt spid="2">
+                                            <p:txEl>
+                                              <p:pRg st="4" end="4"/>
+                                            </p:txEl>
+                                          </p:spTgt>
+                                        </p:tgtEl>
+                                        <p:attrNameLst>
+                                          <p:attrName>ppt_x</p:attrName>
+                                        </p:attrNameLst>
+                                      </p:cBhvr>
+                                      <p:tavLst>
+                                        <p:tav tm="0">
+                                          <p:val>
+                                            <p:strVal val="#ppt_x"/>
+                                          </p:val>
+                                        </p:tav>
+                                        <p:tav tm="100000">
+                                          <p:val>
+                                            <p:strVal val="#ppt_x"/>
+                                          </p:val>
+                                        </p:tav>
+                                      </p:tavLst>
+                                    </p:anim>
+                                    <p:anim calcmode="lin" valueType="num">
+                                      <p:cBhvr additive="base">
+                                        <p:cTn id="26" dur="500" fill="hold"/>
+                                        <p:tgtEl>
+                                          <p:spTgt spid="2">
+                                            <p:txEl>
+                                              <p:pRg st="4" end="4"/>
+                                            </p:txEl>
+                                          </p:spTgt>
+                                        </p:tgtEl>
+                                        <p:attrNameLst>
+                                          <p:attrName>ppt_y</p:attrName>
+                                        </p:attrNameLst>
+                                      </p:cBhvr>
+                                      <p:tavLst>
+                                        <p:tav tm="0">
+                                          <p:val>
+                                            <p:strVal val="1+#ppt_h/2"/>
+                                          </p:val>
+                                        </p:tav>
+                                        <p:tav tm="100000">
+                                          <p:val>
+                                            <p:strVal val="#ppt_y"/>
+                                          </p:val>
+                                        </p:tav>
+                                      </p:tavLst>
+                                    </p:anim>
+                                  </p:childTnLst>
+                                </p:cTn>
+                              </p:par>
+                              <p:par>
+                                <p:cTn id="27" presetID="2" presetClass="entr" presetSubtype="4" fill="hold" nodeType="withEffect">
+                                  <p:stCondLst>
+                                    <p:cond delay="0"/>
+                                  </p:stCondLst>
+                                  <p:childTnLst>
+                                    <p:set>
+                                      <p:cBhvr>
+                                        <p:cTn id="28" dur="1" fill="hold">
+                                          <p:stCondLst>
+                                            <p:cond delay="0"/>
+                                          </p:stCondLst>
+                                        </p:cTn>
+                                        <p:tgtEl>
+                                          <p:spTgt spid="2">
+                                            <p:txEl>
+                                              <p:pRg st="5" end="5"/>
+                                            </p:txEl>
+                                          </p:spTgt>
+                                        </p:tgtEl>
+                                        <p:attrNameLst>
+                                          <p:attrName>style.visibility</p:attrName>
+                                        </p:attrNameLst>
+                                      </p:cBhvr>
+                                      <p:to>
+                                        <p:strVal val="visible"/>
+                                      </p:to>
+                                    </p:set>
+                                    <p:anim calcmode="lin" valueType="num">
+                                      <p:cBhvr additive="base">
+                                        <p:cTn id="29" dur="500" fill="hold"/>
+                                        <p:tgtEl>
+                                          <p:spTgt spid="2">
+                                            <p:txEl>
+                                              <p:pRg st="5" end="5"/>
+                                            </p:txEl>
+                                          </p:spTgt>
+                                        </p:tgtEl>
+                                        <p:attrNameLst>
+                                          <p:attrName>ppt_x</p:attrName>
+                                        </p:attrNameLst>
+                                      </p:cBhvr>
+                                      <p:tavLst>
+                                        <p:tav tm="0">
+                                          <p:val>
+                                            <p:strVal val="#ppt_x"/>
+                                          </p:val>
+                                        </p:tav>
+                                        <p:tav tm="100000">
+                                          <p:val>
+                                            <p:strVal val="#ppt_x"/>
+                                          </p:val>
+                                        </p:tav>
+                                      </p:tavLst>
+                                    </p:anim>
+                                    <p:anim calcmode="lin" valueType="num">
+                                      <p:cBhvr additive="base">
+                                        <p:cTn id="30" dur="500" fill="hold"/>
+                                        <p:tgtEl>
+                                          <p:spTgt spid="2">
+                                            <p:txEl>
+                                              <p:pRg st="5" end="5"/>
+                                            </p:txEl>
+                                          </p:spTgt>
+                                        </p:tgtEl>
+                                        <p:attrNameLst>
+                                          <p:attrName>ppt_y</p:attrName>
+                                        </p:attrNameLst>
+                                      </p:cBhvr>
+                                      <p:tavLst>
+                                        <p:tav tm="0">
+                                          <p:val>
+                                            <p:strVal val="1+#ppt_h/2"/>
+                                          </p:val>
+                                        </p:tav>
+                                        <p:tav tm="100000">
+                                          <p:val>
+                                            <p:strVal val="#ppt_y"/>
+                                          </p:val>
+                                        </p:tav>
+                                      </p:tavLst>
+                                    </p:anim>
+                                  </p:childTnLst>
+                                </p:cTn>
+                              </p:par>
+                              <p:par>
+                                <p:cTn id="31" presetID="2" presetClass="entr" presetSubtype="4" fill="hold" nodeType="withEffect">
+                                  <p:stCondLst>
+                                    <p:cond delay="0"/>
+                                  </p:stCondLst>
+                                  <p:childTnLst>
+                                    <p:set>
+                                      <p:cBhvr>
+                                        <p:cTn id="32" dur="1" fill="hold">
+                                          <p:stCondLst>
+                                            <p:cond delay="0"/>
+                                          </p:stCondLst>
+                                        </p:cTn>
+                                        <p:tgtEl>
+                                          <p:spTgt spid="2">
+                                            <p:txEl>
+                                              <p:pRg st="6" end="6"/>
+                                            </p:txEl>
+                                          </p:spTgt>
+                                        </p:tgtEl>
+                                        <p:attrNameLst>
+                                          <p:attrName>style.visibility</p:attrName>
+                                        </p:attrNameLst>
+                                      </p:cBhvr>
+                                      <p:to>
+                                        <p:strVal val="visible"/>
+                                      </p:to>
+                                    </p:set>
+                                    <p:anim calcmode="lin" valueType="num">
+                                      <p:cBhvr additive="base">
+                                        <p:cTn id="33" dur="500" fill="hold"/>
+                                        <p:tgtEl>
+                                          <p:spTgt spid="2">
+                                            <p:txEl>
+                                              <p:pRg st="6" end="6"/>
+                                            </p:txEl>
+                                          </p:spTgt>
+                                        </p:tgtEl>
+                                        <p:attrNameLst>
+                                          <p:attrName>ppt_x</p:attrName>
+                                        </p:attrNameLst>
+                                      </p:cBhvr>
+                                      <p:tavLst>
+                                        <p:tav tm="0">
+                                          <p:val>
+                                            <p:strVal val="#ppt_x"/>
+                                          </p:val>
+                                        </p:tav>
+                                        <p:tav tm="100000">
+                                          <p:val>
+                                            <p:strVal val="#ppt_x"/>
+                                          </p:val>
+                                        </p:tav>
+                                      </p:tavLst>
+                                    </p:anim>
+                                    <p:anim calcmode="lin" valueType="num">
+                                      <p:cBhvr additive="base">
+                                        <p:cTn id="34" dur="500" fill="hold"/>
+                                        <p:tgtEl>
+                                          <p:spTgt spid="2">
+                                            <p:txEl>
+                                              <p:pRg st="6" end="6"/>
+                                            </p:txEl>
+                                          </p:spTgt>
+                                        </p:tgtEl>
+                                        <p:attrNameLst>
+                                          <p:attrName>ppt_y</p:attrName>
+                                        </p:attrNameLst>
+                                      </p:cBhvr>
+                                      <p:tavLst>
+                                        <p:tav tm="0">
+                                          <p:val>
+                                            <p:strVal val="1+#ppt_h/2"/>
+                                          </p:val>
+                                        </p:tav>
+                                        <p:tav tm="100000">
+                                          <p:val>
+                                            <p:strVal val="#ppt_y"/>
+                                          </p:val>
+                                        </p:tav>
+                                      </p:tavLst>
+                                    </p:anim>
+                                  </p:childTnLst>
+                                </p:cTn>
+                              </p:par>
+                            </p:childTnLst>
+                          </p:cTn>
+                        </p:par>
+                      </p:childTnLst>
+                    </p:cTn>
+                  </p:par>
+                </p:childTnLst>
+              </p:cTn>
+              <p:prevCondLst>
+                <p:cond evt="onPrev" delay="0">
+                  <p:tgtEl>
+                    <p:sldTgt/>
+                  </p:tgtEl>
+                </p:cond>
+              </p:prevCondLst>
+              <p:nextCondLst>
+                <p:cond evt="onNext" delay="0">
+                  <p:tgtEl>
+                    <p:sldTgt/>
+                  </p:tgtEl>
+                </p:cond>
+              </p:nextCondLst>
+            </p:seq>
+          </p:childTnLst>
+        </p:cTn>
       </p:par>
     </p:tnLst>
   </p:timing>
@@ -36503,8 +37827,8 @@
         </p:nvSpPr>
         <p:spPr>
           <a:xfrm>
-            <a:off x="946786" y="1043796"/>
-            <a:ext cx="10311765" cy="5136342"/>
+            <a:off x="946786" y="1078302"/>
+            <a:ext cx="10311765" cy="5101836"/>
           </a:xfrm>
         </p:spPr>
         <p:txBody>
@@ -36521,44 +37845,18 @@
             </a:r>
             <a:r>
               <a:rPr lang="en-US" dirty="0"/>
-              <a:t>==</a:t>
-            </a:r>
-            <a:r>
-              <a:rPr lang="en-US" dirty="0" smtClean="0"/>
-              <a:t>3.9.1</a:t>
-            </a:r>
-          </a:p>
-          <a:p>
-            <a:r>
-              <a:rPr lang="en-US" dirty="0" err="1" smtClean="0"/>
+              <a:t>==3.9.1</a:t>
+            </a:r>
+          </a:p>
+          <a:p>
+            <a:r>
+              <a:rPr lang="en-US" dirty="0" err="1"/>
               <a:t>Config</a:t>
             </a:r>
             <a:r>
-              <a:rPr lang="en-US" dirty="0" smtClean="0"/>
+              <a:rPr lang="en-US" dirty="0"/>
               <a:t> settings.py</a:t>
             </a:r>
-          </a:p>
-          <a:p>
-            <a:r>
-              <a:rPr lang="en-US" dirty="0" smtClean="0"/>
-              <a:t> </a:t>
-            </a:r>
-            <a:endParaRPr lang="en-US" dirty="0"/>
-          </a:p>
-          <a:p>
-            <a:endParaRPr lang="en-US" dirty="0" smtClean="0"/>
-          </a:p>
-          <a:p>
-            <a:endParaRPr lang="en-US" dirty="0"/>
-          </a:p>
-          <a:p>
-            <a:endParaRPr lang="en-US" dirty="0" smtClean="0"/>
-          </a:p>
-          <a:p>
-            <a:endParaRPr lang="en-US" dirty="0"/>
-          </a:p>
-          <a:p>
-            <a:endParaRPr lang="en-US" dirty="0" smtClean="0"/>
           </a:p>
           <a:p>
             <a:endParaRPr lang="en-US" dirty="0"/>
@@ -36602,7 +37900,7 @@
         <p:spPr>
           <a:xfrm>
             <a:off x="946786" y="429273"/>
-            <a:ext cx="10311765" cy="502380"/>
+            <a:ext cx="10311765" cy="580018"/>
           </a:xfrm>
         </p:spPr>
         <p:txBody>
@@ -36611,36 +37909,12 @@
           <a:p>
             <a:r>
               <a:rPr lang="en-US" dirty="0" smtClean="0"/>
-              <a:t>DRF Demo</a:t>
+              <a:t>Prepare for DRF</a:t>
             </a:r>
             <a:endParaRPr lang="en-US" dirty="0"/>
           </a:p>
         </p:txBody>
       </p:sp>
-      <p:pic>
-        <p:nvPicPr>
-          <p:cNvPr id="5" name="Picture 4"/>
-          <p:cNvPicPr>
-            <a:picLocks noChangeAspect="1"/>
-          </p:cNvPicPr>
-          <p:nvPr/>
-        </p:nvPicPr>
-        <p:blipFill>
-          <a:blip r:embed="rId3"/>
-          <a:stretch>
-            <a:fillRect/>
-          </a:stretch>
-        </p:blipFill>
-        <p:spPr>
-          <a:xfrm>
-            <a:off x="4262054" y="1483315"/>
-            <a:ext cx="2667231" cy="1562235"/>
-          </a:xfrm>
-          <a:prstGeom prst="rect">
-            <a:avLst/>
-          </a:prstGeom>
-        </p:spPr>
-      </p:pic>
       <p:pic>
         <p:nvPicPr>
           <p:cNvPr id="6" name="Picture 5"/>
@@ -36650,141 +37924,15 @@
           <p:nvPr/>
         </p:nvPicPr>
         <p:blipFill>
-          <a:blip r:embed="rId4">
-            <a:extLst>
-              <a:ext uri="{28A0092B-C50C-407E-A947-70E740481C1C}">
-                <a14:useLocalDpi xmlns:a14="http://schemas.microsoft.com/office/drawing/2010/main" val="0"/>
-              </a:ext>
-            </a:extLst>
-          </a:blip>
+          <a:blip r:embed="rId2"/>
           <a:stretch>
             <a:fillRect/>
           </a:stretch>
         </p:blipFill>
         <p:spPr>
           <a:xfrm>
-            <a:off x="886401" y="8627"/>
-            <a:ext cx="10289512" cy="6858000"/>
-          </a:xfrm>
-          <a:prstGeom prst="rect">
-            <a:avLst/>
-          </a:prstGeom>
-        </p:spPr>
-      </p:pic>
-      <p:pic>
-        <p:nvPicPr>
-          <p:cNvPr id="7" name="Picture 6"/>
-          <p:cNvPicPr>
-            <a:picLocks noChangeAspect="1"/>
-          </p:cNvPicPr>
-          <p:nvPr/>
-        </p:nvPicPr>
-        <p:blipFill>
-          <a:blip r:embed="rId5"/>
-          <a:stretch>
-            <a:fillRect/>
-          </a:stretch>
-        </p:blipFill>
-        <p:spPr>
-          <a:xfrm>
-            <a:off x="886401" y="838716"/>
-            <a:ext cx="10289512" cy="4813539"/>
-          </a:xfrm>
-          <a:prstGeom prst="rect">
-            <a:avLst/>
-          </a:prstGeom>
-        </p:spPr>
-      </p:pic>
-      <p:pic>
-        <p:nvPicPr>
-          <p:cNvPr id="8" name="Picture 7"/>
-          <p:cNvPicPr>
-            <a:picLocks noChangeAspect="1"/>
-          </p:cNvPicPr>
-          <p:nvPr/>
-        </p:nvPicPr>
-        <p:blipFill>
-          <a:blip r:embed="rId6"/>
-          <a:stretch>
-            <a:fillRect/>
-          </a:stretch>
-        </p:blipFill>
-        <p:spPr>
-          <a:xfrm rot="1534090">
-            <a:off x="1589752" y="1323480"/>
-            <a:ext cx="6311173" cy="3255979"/>
-          </a:xfrm>
-          <a:prstGeom prst="rect">
-            <a:avLst/>
-          </a:prstGeom>
-        </p:spPr>
-      </p:pic>
-      <p:pic>
-        <p:nvPicPr>
-          <p:cNvPr id="9" name="Picture 8"/>
-          <p:cNvPicPr>
-            <a:picLocks noChangeAspect="1"/>
-          </p:cNvPicPr>
-          <p:nvPr/>
-        </p:nvPicPr>
-        <p:blipFill>
-          <a:blip r:embed="rId7"/>
-          <a:stretch>
-            <a:fillRect/>
-          </a:stretch>
-        </p:blipFill>
-        <p:spPr>
-          <a:xfrm rot="20955651">
-            <a:off x="4091330" y="758657"/>
-            <a:ext cx="6847114" cy="4573786"/>
-          </a:xfrm>
-          <a:prstGeom prst="rect">
-            <a:avLst/>
-          </a:prstGeom>
-        </p:spPr>
-      </p:pic>
-      <p:pic>
-        <p:nvPicPr>
-          <p:cNvPr id="10" name="Picture 9"/>
-          <p:cNvPicPr>
-            <a:picLocks noChangeAspect="1"/>
-          </p:cNvPicPr>
-          <p:nvPr/>
-        </p:nvPicPr>
-        <p:blipFill>
-          <a:blip r:embed="rId8"/>
-          <a:stretch>
-            <a:fillRect/>
-          </a:stretch>
-        </p:blipFill>
-        <p:spPr>
-          <a:xfrm>
-            <a:off x="1486240" y="259037"/>
-            <a:ext cx="9089834" cy="6128063"/>
-          </a:xfrm>
-          <a:prstGeom prst="rect">
-            <a:avLst/>
-          </a:prstGeom>
-        </p:spPr>
-      </p:pic>
-      <p:pic>
-        <p:nvPicPr>
-          <p:cNvPr id="11" name="Picture 10"/>
-          <p:cNvPicPr>
-            <a:picLocks noChangeAspect="1"/>
-          </p:cNvPicPr>
-          <p:nvPr/>
-        </p:nvPicPr>
-        <p:blipFill>
-          <a:blip r:embed="rId9"/>
-          <a:stretch>
-            <a:fillRect/>
-          </a:stretch>
-        </p:blipFill>
-        <p:spPr>
-          <a:xfrm>
-            <a:off x="124770" y="825118"/>
-            <a:ext cx="11955796" cy="3828421"/>
+            <a:off x="1097646" y="2209365"/>
+            <a:ext cx="5734475" cy="3124109"/>
           </a:xfrm>
           <a:prstGeom prst="rect">
             <a:avLst/>
@@ -36794,7 +37942,7 @@
     </p:spTree>
     <p:extLst>
       <p:ext uri="{BB962C8B-B14F-4D97-AF65-F5344CB8AC3E}">
-        <p14:creationId xmlns:p14="http://schemas.microsoft.com/office/powerpoint/2010/main" val="1477084441"/>
+        <p14:creationId xmlns:p14="http://schemas.microsoft.com/office/powerpoint/2010/main" val="2096954777"/>
       </p:ext>
     </p:extLst>
   </p:cSld>
@@ -36822,7 +37970,7 @@
                             </p:stCondLst>
                             <p:childTnLst>
                               <p:par>
-                                <p:cTn id="5" presetID="1" presetClass="entr" presetSubtype="0" fill="hold" nodeType="clickEffect">
+                                <p:cTn id="5" presetID="2" presetClass="entr" presetSubtype="4" fill="hold" nodeType="clickEffect">
                                   <p:stCondLst>
                                     <p:cond delay="0"/>
                                   </p:stCondLst>
@@ -36835,52 +37983,11 @@
                                           </p:stCondLst>
                                         </p:cTn>
                                         <p:tgtEl>
-                                          <p:spTgt spid="6"/>
-                                        </p:tgtEl>
-                                        <p:attrNameLst>
-                                          <p:attrName>style.visibility</p:attrName>
-                                        </p:attrNameLst>
-                                      </p:cBhvr>
-                                      <p:to>
-                                        <p:strVal val="visible"/>
-                                      </p:to>
-                                    </p:set>
-                                  </p:childTnLst>
-                                </p:cTn>
-                              </p:par>
-                            </p:childTnLst>
-                          </p:cTn>
-                        </p:par>
-                      </p:childTnLst>
-                    </p:cTn>
-                  </p:par>
-                  <p:par>
-                    <p:cTn id="7" fill="hold">
-                      <p:stCondLst>
-                        <p:cond delay="indefinite"/>
-                      </p:stCondLst>
-                      <p:childTnLst>
-                        <p:par>
-                          <p:cTn id="8" fill="hold">
-                            <p:stCondLst>
-                              <p:cond delay="0"/>
-                            </p:stCondLst>
-                            <p:childTnLst>
-                              <p:par>
-                                <p:cTn id="9" presetID="2" presetClass="entr" presetSubtype="4" fill="hold" nodeType="clickEffect">
-                                  <p:stCondLst>
-                                    <p:cond delay="0"/>
-                                  </p:stCondLst>
-                                  <p:childTnLst>
-                                    <p:set>
-                                      <p:cBhvr>
-                                        <p:cTn id="10" dur="1" fill="hold">
-                                          <p:stCondLst>
-                                            <p:cond delay="0"/>
-                                          </p:stCondLst>
-                                        </p:cTn>
-                                        <p:tgtEl>
-                                          <p:spTgt spid="7"/>
+                                          <p:spTgt spid="2">
+                                            <p:txEl>
+                                              <p:pRg st="0" end="0"/>
+                                            </p:txEl>
+                                          </p:spTgt>
                                         </p:tgtEl>
                                         <p:attrNameLst>
                                           <p:attrName>style.visibility</p:attrName>
@@ -36892,9 +37999,13 @@
                                     </p:set>
                                     <p:anim calcmode="lin" valueType="num">
                                       <p:cBhvr additive="base">
-                                        <p:cTn id="11" dur="500" fill="hold"/>
+                                        <p:cTn id="7" dur="500" fill="hold"/>
                                         <p:tgtEl>
-                                          <p:spTgt spid="7"/>
+                                          <p:spTgt spid="2">
+                                            <p:txEl>
+                                              <p:pRg st="0" end="0"/>
+                                            </p:txEl>
+                                          </p:spTgt>
                                         </p:tgtEl>
                                         <p:attrNameLst>
                                           <p:attrName>ppt_x</p:attrName>
@@ -36915,9 +38026,13 @@
                                     </p:anim>
                                     <p:anim calcmode="lin" valueType="num">
                                       <p:cBhvr additive="base">
-                                        <p:cTn id="12" dur="500" fill="hold"/>
+                                        <p:cTn id="8" dur="500" fill="hold"/>
                                         <p:tgtEl>
-                                          <p:spTgt spid="7"/>
+                                          <p:spTgt spid="2">
+                                            <p:txEl>
+                                              <p:pRg st="0" end="0"/>
+                                            </p:txEl>
+                                          </p:spTgt>
                                         </p:tgtEl>
                                         <p:attrNameLst>
                                           <p:attrName>ppt_y</p:attrName>
@@ -36946,32 +38061,36 @@
                     </p:cTn>
                   </p:par>
                   <p:par>
-                    <p:cTn id="13" fill="hold">
+                    <p:cTn id="9" fill="hold">
                       <p:stCondLst>
                         <p:cond delay="indefinite"/>
                       </p:stCondLst>
                       <p:childTnLst>
                         <p:par>
-                          <p:cTn id="14" fill="hold">
+                          <p:cTn id="10" fill="hold">
                             <p:stCondLst>
                               <p:cond delay="0"/>
                             </p:stCondLst>
                             <p:childTnLst>
                               <p:par>
-                                <p:cTn id="15" presetID="42" presetClass="entr" presetSubtype="0" fill="hold" nodeType="clickEffect">
+                                <p:cTn id="11" presetID="2" presetClass="entr" presetSubtype="4" fill="hold" nodeType="clickEffect">
                                   <p:stCondLst>
                                     <p:cond delay="0"/>
                                   </p:stCondLst>
                                   <p:childTnLst>
                                     <p:set>
                                       <p:cBhvr>
-                                        <p:cTn id="16" dur="1" fill="hold">
+                                        <p:cTn id="12" dur="1" fill="hold">
                                           <p:stCondLst>
                                             <p:cond delay="0"/>
                                           </p:stCondLst>
                                         </p:cTn>
                                         <p:tgtEl>
-                                          <p:spTgt spid="8"/>
+                                          <p:spTgt spid="2">
+                                            <p:txEl>
+                                              <p:pRg st="1" end="1"/>
+                                            </p:txEl>
+                                          </p:spTgt>
                                         </p:tgtEl>
                                         <p:attrNameLst>
                                           <p:attrName>style.visibility</p:attrName>
@@ -36981,19 +38100,15 @@
                                         <p:strVal val="visible"/>
                                       </p:to>
                                     </p:set>
-                                    <p:animEffect transition="in" filter="fade">
-                                      <p:cBhvr>
-                                        <p:cTn id="17" dur="500"/>
+                                    <p:anim calcmode="lin" valueType="num">
+                                      <p:cBhvr additive="base">
+                                        <p:cTn id="13" dur="500" fill="hold"/>
                                         <p:tgtEl>
-                                          <p:spTgt spid="8"/>
-                                        </p:tgtEl>
-                                      </p:cBhvr>
-                                    </p:animEffect>
-                                    <p:anim calcmode="lin" valueType="num">
-                                      <p:cBhvr>
-                                        <p:cTn id="18" dur="500" fill="hold"/>
-                                        <p:tgtEl>
-                                          <p:spTgt spid="8"/>
+                                          <p:spTgt spid="2">
+                                            <p:txEl>
+                                              <p:pRg st="1" end="1"/>
+                                            </p:txEl>
+                                          </p:spTgt>
                                         </p:tgtEl>
                                         <p:attrNameLst>
                                           <p:attrName>ppt_x</p:attrName>
@@ -37013,10 +38128,14 @@
                                       </p:tavLst>
                                     </p:anim>
                                     <p:anim calcmode="lin" valueType="num">
-                                      <p:cBhvr>
-                                        <p:cTn id="19" dur="500" fill="hold"/>
+                                      <p:cBhvr additive="base">
+                                        <p:cTn id="14" dur="500" fill="hold"/>
                                         <p:tgtEl>
-                                          <p:spTgt spid="8"/>
+                                          <p:spTgt spid="2">
+                                            <p:txEl>
+                                              <p:pRg st="1" end="1"/>
+                                            </p:txEl>
+                                          </p:spTgt>
                                         </p:tgtEl>
                                         <p:attrNameLst>
                                           <p:attrName>ppt_y</p:attrName>
@@ -37025,7 +38144,7 @@
                                       <p:tavLst>
                                         <p:tav tm="0">
                                           <p:val>
-                                            <p:strVal val="#ppt_y+.1"/>
+                                            <p:strVal val="1+#ppt_h/2"/>
                                           </p:val>
                                         </p:tav>
                                         <p:tav tm="100000">
@@ -37045,32 +38164,32 @@
                     </p:cTn>
                   </p:par>
                   <p:par>
-                    <p:cTn id="20" fill="hold">
+                    <p:cTn id="15" fill="hold">
                       <p:stCondLst>
                         <p:cond delay="indefinite"/>
                       </p:stCondLst>
                       <p:childTnLst>
                         <p:par>
-                          <p:cTn id="21" fill="hold">
+                          <p:cTn id="16" fill="hold">
                             <p:stCondLst>
                               <p:cond delay="0"/>
                             </p:stCondLst>
                             <p:childTnLst>
                               <p:par>
-                                <p:cTn id="22" presetID="14" presetClass="entr" presetSubtype="10" fill="hold" nodeType="clickEffect">
+                                <p:cTn id="17" presetID="2" presetClass="entr" presetSubtype="4" fill="hold" nodeType="clickEffect">
                                   <p:stCondLst>
                                     <p:cond delay="0"/>
                                   </p:stCondLst>
                                   <p:childTnLst>
                                     <p:set>
                                       <p:cBhvr>
-                                        <p:cTn id="23" dur="1" fill="hold">
+                                        <p:cTn id="18" dur="1" fill="hold">
                                           <p:stCondLst>
                                             <p:cond delay="0"/>
                                           </p:stCondLst>
                                         </p:cTn>
                                         <p:tgtEl>
-                                          <p:spTgt spid="9"/>
+                                          <p:spTgt spid="6"/>
                                         </p:tgtEl>
                                         <p:attrNameLst>
                                           <p:attrName>style.visibility</p:attrName>
@@ -37080,120 +38199,52 @@
                                         <p:strVal val="visible"/>
                                       </p:to>
                                     </p:set>
-                                    <p:animEffect transition="in" filter="randombar(horizontal)">
-                                      <p:cBhvr>
-                                        <p:cTn id="24" dur="500"/>
+                                    <p:anim calcmode="lin" valueType="num">
+                                      <p:cBhvr additive="base">
+                                        <p:cTn id="19" dur="500" fill="hold"/>
                                         <p:tgtEl>
-                                          <p:spTgt spid="9"/>
-                                        </p:tgtEl>
-                                      </p:cBhvr>
-                                    </p:animEffect>
-                                  </p:childTnLst>
-                                </p:cTn>
-                              </p:par>
-                            </p:childTnLst>
-                          </p:cTn>
-                        </p:par>
-                      </p:childTnLst>
-                    </p:cTn>
-                  </p:par>
-                  <p:par>
-                    <p:cTn id="25" fill="hold">
-                      <p:stCondLst>
-                        <p:cond delay="indefinite"/>
-                      </p:stCondLst>
-                      <p:childTnLst>
-                        <p:par>
-                          <p:cTn id="26" fill="hold">
-                            <p:stCondLst>
-                              <p:cond delay="0"/>
-                            </p:stCondLst>
-                            <p:childTnLst>
-                              <p:par>
-                                <p:cTn id="27" presetID="22" presetClass="entr" presetSubtype="4" fill="hold" nodeType="clickEffect">
-                                  <p:stCondLst>
-                                    <p:cond delay="0"/>
-                                  </p:stCondLst>
-                                  <p:childTnLst>
-                                    <p:set>
-                                      <p:cBhvr>
-                                        <p:cTn id="28" dur="1" fill="hold">
-                                          <p:stCondLst>
-                                            <p:cond delay="0"/>
-                                          </p:stCondLst>
-                                        </p:cTn>
-                                        <p:tgtEl>
-                                          <p:spTgt spid="10"/>
+                                          <p:spTgt spid="6"/>
                                         </p:tgtEl>
                                         <p:attrNameLst>
-                                          <p:attrName>style.visibility</p:attrName>
+                                          <p:attrName>ppt_x</p:attrName>
                                         </p:attrNameLst>
                                       </p:cBhvr>
-                                      <p:to>
-                                        <p:strVal val="visible"/>
-                                      </p:to>
-                                    </p:set>
-                                    <p:animEffect transition="in" filter="wipe(down)">
-                                      <p:cBhvr>
-                                        <p:cTn id="29" dur="500"/>
+                                      <p:tavLst>
+                                        <p:tav tm="0">
+                                          <p:val>
+                                            <p:strVal val="#ppt_x"/>
+                                          </p:val>
+                                        </p:tav>
+                                        <p:tav tm="100000">
+                                          <p:val>
+                                            <p:strVal val="#ppt_x"/>
+                                          </p:val>
+                                        </p:tav>
+                                      </p:tavLst>
+                                    </p:anim>
+                                    <p:anim calcmode="lin" valueType="num">
+                                      <p:cBhvr additive="base">
+                                        <p:cTn id="20" dur="500" fill="hold"/>
                                         <p:tgtEl>
-                                          <p:spTgt spid="10"/>
-                                        </p:tgtEl>
-                                      </p:cBhvr>
-                                    </p:animEffect>
-                                  </p:childTnLst>
-                                </p:cTn>
-                              </p:par>
-                            </p:childTnLst>
-                          </p:cTn>
-                        </p:par>
-                      </p:childTnLst>
-                    </p:cTn>
-                  </p:par>
-                  <p:par>
-                    <p:cTn id="30" fill="hold">
-                      <p:stCondLst>
-                        <p:cond delay="indefinite"/>
-                      </p:stCondLst>
-                      <p:childTnLst>
-                        <p:par>
-                          <p:cTn id="31" fill="hold">
-                            <p:stCondLst>
-                              <p:cond delay="0"/>
-                            </p:stCondLst>
-                            <p:childTnLst>
-                              <p:par>
-                                <p:cTn id="32" presetID="10" presetClass="entr" presetSubtype="0" fill="hold" nodeType="clickEffect">
-                                  <p:stCondLst>
-                                    <p:cond delay="0"/>
-                                  </p:stCondLst>
-                                  <p:childTnLst>
-                                    <p:set>
-                                      <p:cBhvr>
-                                        <p:cTn id="33" dur="1" fill="hold">
-                                          <p:stCondLst>
-                                            <p:cond delay="0"/>
-                                          </p:stCondLst>
-                                        </p:cTn>
-                                        <p:tgtEl>
-                                          <p:spTgt spid="11"/>
+                                          <p:spTgt spid="6"/>
                                         </p:tgtEl>
                                         <p:attrNameLst>
-                                          <p:attrName>style.visibility</p:attrName>
+                                          <p:attrName>ppt_y</p:attrName>
                                         </p:attrNameLst>
                                       </p:cBhvr>
-                                      <p:to>
-                                        <p:strVal val="visible"/>
-                                      </p:to>
-                                    </p:set>
-                                    <p:animEffect transition="in" filter="fade">
-                                      <p:cBhvr>
-                                        <p:cTn id="34" dur="500"/>
-                                        <p:tgtEl>
-                                          <p:spTgt spid="11"/>
-                                        </p:tgtEl>
-                                      </p:cBhvr>
-                                    </p:animEffect>
+                                      <p:tavLst>
+                                        <p:tav tm="0">
+                                          <p:val>
+                                            <p:strVal val="1+#ppt_h/2"/>
+                                          </p:val>
+                                        </p:tav>
+                                        <p:tav tm="100000">
+                                          <p:val>
+                                            <p:strVal val="#ppt_y"/>
+                                          </p:val>
+                                        </p:tav>
+                                      </p:tavLst>
+                                    </p:anim>
                                   </p:childTnLst>
                                 </p:cTn>
                               </p:par>
@@ -37247,6 +38298,76 @@
       </p:grpSpPr>
       <p:sp>
         <p:nvSpPr>
+          <p:cNvPr id="2" name="Content Placeholder 1"/>
+          <p:cNvSpPr>
+            <a:spLocks noGrp="1"/>
+          </p:cNvSpPr>
+          <p:nvPr>
+            <p:ph idx="1"/>
+          </p:nvPr>
+        </p:nvSpPr>
+        <p:spPr>
+          <a:xfrm>
+            <a:off x="946786" y="1069675"/>
+            <a:ext cx="10311765" cy="5110463"/>
+          </a:xfrm>
+        </p:spPr>
+        <p:txBody>
+          <a:bodyPr/>
+          <a:lstStyle/>
+          <a:p>
+            <a:r>
+              <a:rPr lang="en-US" dirty="0" smtClean="0"/>
+              <a:t>GET</a:t>
+            </a:r>
+          </a:p>
+          <a:p>
+            <a:r>
+              <a:rPr lang="en-US" dirty="0" smtClean="0"/>
+              <a:t>POST</a:t>
+            </a:r>
+          </a:p>
+          <a:p>
+            <a:r>
+              <a:rPr lang="en-US" dirty="0" smtClean="0"/>
+              <a:t>PUT</a:t>
+            </a:r>
+          </a:p>
+          <a:p>
+            <a:r>
+              <a:rPr lang="en-US" dirty="0" smtClean="0"/>
+              <a:t>DELETE</a:t>
+            </a:r>
+          </a:p>
+          <a:p>
+            <a:r>
+              <a:rPr lang="en-US" dirty="0" smtClean="0"/>
+              <a:t>PATCH</a:t>
+            </a:r>
+          </a:p>
+          <a:p>
+            <a:r>
+              <a:rPr lang="en-US" dirty="0" smtClean="0"/>
+              <a:t>HEAD</a:t>
+            </a:r>
+          </a:p>
+          <a:p>
+            <a:r>
+              <a:rPr lang="en-US" dirty="0" smtClean="0"/>
+              <a:t>OPTIONS</a:t>
+            </a:r>
+          </a:p>
+          <a:p>
+            <a:r>
+              <a:rPr lang="en-US" dirty="0" smtClean="0"/>
+              <a:t>TRACE</a:t>
+            </a:r>
+            <a:endParaRPr lang="en-US" dirty="0"/>
+          </a:p>
+        </p:txBody>
+      </p:sp>
+      <p:sp>
+        <p:nvSpPr>
           <p:cNvPr id="3" name="Slide Number Placeholder 2"/>
           <p:cNvSpPr>
             <a:spLocks noGrp="1"/>
@@ -37264,6 +38385,725 @@
               <a:rPr lang="en-US" smtClean="0"/>
               <a:pPr/>
               <a:t>13</a:t>
+            </a:fld>
+            <a:endParaRPr lang="en-US" dirty="0"/>
+          </a:p>
+        </p:txBody>
+      </p:sp>
+      <p:sp>
+        <p:nvSpPr>
+          <p:cNvPr id="4" name="Title 3"/>
+          <p:cNvSpPr>
+            <a:spLocks noGrp="1"/>
+          </p:cNvSpPr>
+          <p:nvPr>
+            <p:ph type="title"/>
+          </p:nvPr>
+        </p:nvSpPr>
+        <p:spPr>
+          <a:xfrm>
+            <a:off x="946786" y="429273"/>
+            <a:ext cx="10311765" cy="554138"/>
+          </a:xfrm>
+        </p:spPr>
+        <p:txBody>
+          <a:bodyPr/>
+          <a:lstStyle/>
+          <a:p>
+            <a:r>
+              <a:rPr lang="en-US" dirty="0" err="1" smtClean="0"/>
+              <a:t>APIView</a:t>
+            </a:r>
+            <a:endParaRPr lang="en-US" dirty="0"/>
+          </a:p>
+        </p:txBody>
+      </p:sp>
+    </p:spTree>
+    <p:extLst>
+      <p:ext uri="{BB962C8B-B14F-4D97-AF65-F5344CB8AC3E}">
+        <p14:creationId xmlns:p14="http://schemas.microsoft.com/office/powerpoint/2010/main" val="4259926788"/>
+      </p:ext>
+    </p:extLst>
+  </p:cSld>
+  <p:clrMapOvr>
+    <a:masterClrMapping/>
+  </p:clrMapOvr>
+  <p:timing>
+    <p:tnLst>
+      <p:par>
+        <p:cTn id="1" dur="indefinite" restart="never" nodeType="tmRoot"/>
+      </p:par>
+    </p:tnLst>
+  </p:timing>
+</p:sld>
+</file>
+
+<file path=ppt/slides/slide14.xml><?xml version="1.0" encoding="utf-8"?>
+<p:sld xmlns:a="http://schemas.openxmlformats.org/drawingml/2006/main" xmlns:r="http://schemas.openxmlformats.org/officeDocument/2006/relationships" xmlns:p="http://schemas.openxmlformats.org/presentationml/2006/main">
+  <p:cSld>
+    <p:spTree>
+      <p:nvGrpSpPr>
+        <p:cNvPr id="1" name=""/>
+        <p:cNvGrpSpPr/>
+        <p:nvPr/>
+      </p:nvGrpSpPr>
+      <p:grpSpPr>
+        <a:xfrm>
+          <a:off x="0" y="0"/>
+          <a:ext cx="0" cy="0"/>
+          <a:chOff x="0" y="0"/>
+          <a:chExt cx="0" cy="0"/>
+        </a:xfrm>
+      </p:grpSpPr>
+      <p:sp>
+        <p:nvSpPr>
+          <p:cNvPr id="2" name="Content Placeholder 1"/>
+          <p:cNvSpPr>
+            <a:spLocks noGrp="1"/>
+          </p:cNvSpPr>
+          <p:nvPr>
+            <p:ph idx="1"/>
+          </p:nvPr>
+        </p:nvSpPr>
+        <p:spPr>
+          <a:xfrm>
+            <a:off x="946786" y="1043796"/>
+            <a:ext cx="10311765" cy="5136342"/>
+          </a:xfrm>
+        </p:spPr>
+        <p:txBody>
+          <a:bodyPr/>
+          <a:lstStyle/>
+          <a:p>
+            <a:pPr marL="0" indent="0">
+              <a:buNone/>
+            </a:pPr>
+            <a:r>
+              <a:rPr lang="en-US" dirty="0" smtClean="0"/>
+              <a:t> </a:t>
+            </a:r>
+            <a:endParaRPr lang="en-US" dirty="0"/>
+          </a:p>
+          <a:p>
+            <a:endParaRPr lang="en-US" dirty="0" smtClean="0"/>
+          </a:p>
+          <a:p>
+            <a:endParaRPr lang="en-US" dirty="0"/>
+          </a:p>
+          <a:p>
+            <a:endParaRPr lang="en-US" dirty="0" smtClean="0"/>
+          </a:p>
+          <a:p>
+            <a:endParaRPr lang="en-US" dirty="0"/>
+          </a:p>
+          <a:p>
+            <a:endParaRPr lang="en-US" dirty="0" smtClean="0"/>
+          </a:p>
+          <a:p>
+            <a:endParaRPr lang="en-US" dirty="0"/>
+          </a:p>
+        </p:txBody>
+      </p:sp>
+      <p:sp>
+        <p:nvSpPr>
+          <p:cNvPr id="3" name="Slide Number Placeholder 2"/>
+          <p:cNvSpPr>
+            <a:spLocks noGrp="1"/>
+          </p:cNvSpPr>
+          <p:nvPr>
+            <p:ph type="sldNum" sz="quarter" idx="4"/>
+          </p:nvPr>
+        </p:nvSpPr>
+        <p:spPr/>
+        <p:txBody>
+          <a:bodyPr/>
+          <a:lstStyle/>
+          <a:p>
+            <a:fld id="{0FB999A9-77CE-4AD1-9911-24A29F08BC34}" type="slidenum">
+              <a:rPr lang="en-US" smtClean="0"/>
+              <a:pPr/>
+              <a:t>14</a:t>
+            </a:fld>
+            <a:endParaRPr lang="en-US" dirty="0"/>
+          </a:p>
+        </p:txBody>
+      </p:sp>
+      <p:sp>
+        <p:nvSpPr>
+          <p:cNvPr id="4" name="Title 3"/>
+          <p:cNvSpPr>
+            <a:spLocks noGrp="1"/>
+          </p:cNvSpPr>
+          <p:nvPr>
+            <p:ph type="title"/>
+          </p:nvPr>
+        </p:nvSpPr>
+        <p:spPr>
+          <a:xfrm>
+            <a:off x="946786" y="429273"/>
+            <a:ext cx="10311765" cy="502380"/>
+          </a:xfrm>
+        </p:spPr>
+        <p:txBody>
+          <a:bodyPr/>
+          <a:lstStyle/>
+          <a:p>
+            <a:r>
+              <a:rPr lang="en-US" dirty="0" err="1" smtClean="0"/>
+              <a:t>ModelViewSet</a:t>
+            </a:r>
+            <a:endParaRPr lang="en-US" dirty="0"/>
+          </a:p>
+        </p:txBody>
+      </p:sp>
+      <p:pic>
+        <p:nvPicPr>
+          <p:cNvPr id="7" name="Picture 6"/>
+          <p:cNvPicPr>
+            <a:picLocks noChangeAspect="1"/>
+          </p:cNvPicPr>
+          <p:nvPr/>
+        </p:nvPicPr>
+        <p:blipFill>
+          <a:blip r:embed="rId3"/>
+          <a:stretch>
+            <a:fillRect/>
+          </a:stretch>
+        </p:blipFill>
+        <p:spPr>
+          <a:xfrm>
+            <a:off x="548640" y="887683"/>
+            <a:ext cx="10289512" cy="4813539"/>
+          </a:xfrm>
+          <a:prstGeom prst="rect">
+            <a:avLst/>
+          </a:prstGeom>
+        </p:spPr>
+      </p:pic>
+      <p:pic>
+        <p:nvPicPr>
+          <p:cNvPr id="8" name="Picture 7"/>
+          <p:cNvPicPr>
+            <a:picLocks noChangeAspect="1"/>
+          </p:cNvPicPr>
+          <p:nvPr/>
+        </p:nvPicPr>
+        <p:blipFill>
+          <a:blip r:embed="rId4"/>
+          <a:stretch>
+            <a:fillRect/>
+          </a:stretch>
+        </p:blipFill>
+        <p:spPr>
+          <a:xfrm rot="1534090">
+            <a:off x="1622329" y="1740374"/>
+            <a:ext cx="6311173" cy="3255979"/>
+          </a:xfrm>
+          <a:prstGeom prst="rect">
+            <a:avLst/>
+          </a:prstGeom>
+        </p:spPr>
+      </p:pic>
+      <p:pic>
+        <p:nvPicPr>
+          <p:cNvPr id="9" name="Picture 8"/>
+          <p:cNvPicPr>
+            <a:picLocks noChangeAspect="1"/>
+          </p:cNvPicPr>
+          <p:nvPr/>
+        </p:nvPicPr>
+        <p:blipFill>
+          <a:blip r:embed="rId5"/>
+          <a:stretch>
+            <a:fillRect/>
+          </a:stretch>
+        </p:blipFill>
+        <p:spPr>
+          <a:xfrm rot="20955651">
+            <a:off x="3052417" y="597885"/>
+            <a:ext cx="6847114" cy="4573786"/>
+          </a:xfrm>
+          <a:prstGeom prst="rect">
+            <a:avLst/>
+          </a:prstGeom>
+        </p:spPr>
+      </p:pic>
+      <p:pic>
+        <p:nvPicPr>
+          <p:cNvPr id="10" name="Picture 9"/>
+          <p:cNvPicPr>
+            <a:picLocks noChangeAspect="1"/>
+          </p:cNvPicPr>
+          <p:nvPr/>
+        </p:nvPicPr>
+        <p:blipFill>
+          <a:blip r:embed="rId6"/>
+          <a:stretch>
+            <a:fillRect/>
+          </a:stretch>
+        </p:blipFill>
+        <p:spPr>
+          <a:xfrm>
+            <a:off x="1402655" y="419041"/>
+            <a:ext cx="9089834" cy="6128063"/>
+          </a:xfrm>
+          <a:prstGeom prst="rect">
+            <a:avLst/>
+          </a:prstGeom>
+        </p:spPr>
+      </p:pic>
+      <p:pic>
+        <p:nvPicPr>
+          <p:cNvPr id="11" name="Picture 10"/>
+          <p:cNvPicPr>
+            <a:picLocks noChangeAspect="1"/>
+          </p:cNvPicPr>
+          <p:nvPr/>
+        </p:nvPicPr>
+        <p:blipFill>
+          <a:blip r:embed="rId7"/>
+          <a:stretch>
+            <a:fillRect/>
+          </a:stretch>
+        </p:blipFill>
+        <p:spPr>
+          <a:xfrm>
+            <a:off x="0" y="1040276"/>
+            <a:ext cx="11955796" cy="3828421"/>
+          </a:xfrm>
+          <a:prstGeom prst="rect">
+            <a:avLst/>
+          </a:prstGeom>
+        </p:spPr>
+      </p:pic>
+    </p:spTree>
+    <p:extLst>
+      <p:ext uri="{BB962C8B-B14F-4D97-AF65-F5344CB8AC3E}">
+        <p14:creationId xmlns:p14="http://schemas.microsoft.com/office/powerpoint/2010/main" val="1477084441"/>
+      </p:ext>
+    </p:extLst>
+  </p:cSld>
+  <p:clrMapOvr>
+    <a:masterClrMapping/>
+  </p:clrMapOvr>
+  <p:timing>
+    <p:tnLst>
+      <p:par>
+        <p:cTn id="1" dur="indefinite" restart="never" nodeType="tmRoot">
+          <p:childTnLst>
+            <p:seq concurrent="1" nextAc="seek">
+              <p:cTn id="2" dur="indefinite" nodeType="mainSeq">
+                <p:childTnLst>
+                  <p:par>
+                    <p:cTn id="3" fill="hold">
+                      <p:stCondLst>
+                        <p:cond delay="indefinite"/>
+                      </p:stCondLst>
+                      <p:childTnLst>
+                        <p:par>
+                          <p:cTn id="4" fill="hold">
+                            <p:stCondLst>
+                              <p:cond delay="0"/>
+                            </p:stCondLst>
+                            <p:childTnLst>
+                              <p:par>
+                                <p:cTn id="5" presetID="2" presetClass="entr" presetSubtype="4" fill="hold" nodeType="clickEffect">
+                                  <p:stCondLst>
+                                    <p:cond delay="0"/>
+                                  </p:stCondLst>
+                                  <p:childTnLst>
+                                    <p:set>
+                                      <p:cBhvr>
+                                        <p:cTn id="6" dur="1" fill="hold">
+                                          <p:stCondLst>
+                                            <p:cond delay="0"/>
+                                          </p:stCondLst>
+                                        </p:cTn>
+                                        <p:tgtEl>
+                                          <p:spTgt spid="7"/>
+                                        </p:tgtEl>
+                                        <p:attrNameLst>
+                                          <p:attrName>style.visibility</p:attrName>
+                                        </p:attrNameLst>
+                                      </p:cBhvr>
+                                      <p:to>
+                                        <p:strVal val="visible"/>
+                                      </p:to>
+                                    </p:set>
+                                    <p:anim calcmode="lin" valueType="num">
+                                      <p:cBhvr additive="base">
+                                        <p:cTn id="7" dur="500" fill="hold"/>
+                                        <p:tgtEl>
+                                          <p:spTgt spid="7"/>
+                                        </p:tgtEl>
+                                        <p:attrNameLst>
+                                          <p:attrName>ppt_x</p:attrName>
+                                        </p:attrNameLst>
+                                      </p:cBhvr>
+                                      <p:tavLst>
+                                        <p:tav tm="0">
+                                          <p:val>
+                                            <p:strVal val="#ppt_x"/>
+                                          </p:val>
+                                        </p:tav>
+                                        <p:tav tm="100000">
+                                          <p:val>
+                                            <p:strVal val="#ppt_x"/>
+                                          </p:val>
+                                        </p:tav>
+                                      </p:tavLst>
+                                    </p:anim>
+                                    <p:anim calcmode="lin" valueType="num">
+                                      <p:cBhvr additive="base">
+                                        <p:cTn id="8" dur="500" fill="hold"/>
+                                        <p:tgtEl>
+                                          <p:spTgt spid="7"/>
+                                        </p:tgtEl>
+                                        <p:attrNameLst>
+                                          <p:attrName>ppt_y</p:attrName>
+                                        </p:attrNameLst>
+                                      </p:cBhvr>
+                                      <p:tavLst>
+                                        <p:tav tm="0">
+                                          <p:val>
+                                            <p:strVal val="1+#ppt_h/2"/>
+                                          </p:val>
+                                        </p:tav>
+                                        <p:tav tm="100000">
+                                          <p:val>
+                                            <p:strVal val="#ppt_y"/>
+                                          </p:val>
+                                        </p:tav>
+                                      </p:tavLst>
+                                    </p:anim>
+                                  </p:childTnLst>
+                                </p:cTn>
+                              </p:par>
+                            </p:childTnLst>
+                          </p:cTn>
+                        </p:par>
+                      </p:childTnLst>
+                    </p:cTn>
+                  </p:par>
+                  <p:par>
+                    <p:cTn id="9" fill="hold">
+                      <p:stCondLst>
+                        <p:cond delay="indefinite"/>
+                      </p:stCondLst>
+                      <p:childTnLst>
+                        <p:par>
+                          <p:cTn id="10" fill="hold">
+                            <p:stCondLst>
+                              <p:cond delay="0"/>
+                            </p:stCondLst>
+                            <p:childTnLst>
+                              <p:par>
+                                <p:cTn id="11" presetID="42" presetClass="entr" presetSubtype="0" fill="hold" nodeType="clickEffect">
+                                  <p:stCondLst>
+                                    <p:cond delay="0"/>
+                                  </p:stCondLst>
+                                  <p:childTnLst>
+                                    <p:set>
+                                      <p:cBhvr>
+                                        <p:cTn id="12" dur="1" fill="hold">
+                                          <p:stCondLst>
+                                            <p:cond delay="0"/>
+                                          </p:stCondLst>
+                                        </p:cTn>
+                                        <p:tgtEl>
+                                          <p:spTgt spid="8"/>
+                                        </p:tgtEl>
+                                        <p:attrNameLst>
+                                          <p:attrName>style.visibility</p:attrName>
+                                        </p:attrNameLst>
+                                      </p:cBhvr>
+                                      <p:to>
+                                        <p:strVal val="visible"/>
+                                      </p:to>
+                                    </p:set>
+                                    <p:animEffect transition="in" filter="fade">
+                                      <p:cBhvr>
+                                        <p:cTn id="13" dur="500"/>
+                                        <p:tgtEl>
+                                          <p:spTgt spid="8"/>
+                                        </p:tgtEl>
+                                      </p:cBhvr>
+                                    </p:animEffect>
+                                    <p:anim calcmode="lin" valueType="num">
+                                      <p:cBhvr>
+                                        <p:cTn id="14" dur="500" fill="hold"/>
+                                        <p:tgtEl>
+                                          <p:spTgt spid="8"/>
+                                        </p:tgtEl>
+                                        <p:attrNameLst>
+                                          <p:attrName>ppt_x</p:attrName>
+                                        </p:attrNameLst>
+                                      </p:cBhvr>
+                                      <p:tavLst>
+                                        <p:tav tm="0">
+                                          <p:val>
+                                            <p:strVal val="#ppt_x"/>
+                                          </p:val>
+                                        </p:tav>
+                                        <p:tav tm="100000">
+                                          <p:val>
+                                            <p:strVal val="#ppt_x"/>
+                                          </p:val>
+                                        </p:tav>
+                                      </p:tavLst>
+                                    </p:anim>
+                                    <p:anim calcmode="lin" valueType="num">
+                                      <p:cBhvr>
+                                        <p:cTn id="15" dur="500" fill="hold"/>
+                                        <p:tgtEl>
+                                          <p:spTgt spid="8"/>
+                                        </p:tgtEl>
+                                        <p:attrNameLst>
+                                          <p:attrName>ppt_y</p:attrName>
+                                        </p:attrNameLst>
+                                      </p:cBhvr>
+                                      <p:tavLst>
+                                        <p:tav tm="0">
+                                          <p:val>
+                                            <p:strVal val="#ppt_y+.1"/>
+                                          </p:val>
+                                        </p:tav>
+                                        <p:tav tm="100000">
+                                          <p:val>
+                                            <p:strVal val="#ppt_y"/>
+                                          </p:val>
+                                        </p:tav>
+                                      </p:tavLst>
+                                    </p:anim>
+                                  </p:childTnLst>
+                                </p:cTn>
+                              </p:par>
+                            </p:childTnLst>
+                          </p:cTn>
+                        </p:par>
+                      </p:childTnLst>
+                    </p:cTn>
+                  </p:par>
+                  <p:par>
+                    <p:cTn id="16" fill="hold">
+                      <p:stCondLst>
+                        <p:cond delay="indefinite"/>
+                      </p:stCondLst>
+                      <p:childTnLst>
+                        <p:par>
+                          <p:cTn id="17" fill="hold">
+                            <p:stCondLst>
+                              <p:cond delay="0"/>
+                            </p:stCondLst>
+                            <p:childTnLst>
+                              <p:par>
+                                <p:cTn id="18" presetID="14" presetClass="entr" presetSubtype="10" fill="hold" nodeType="clickEffect">
+                                  <p:stCondLst>
+                                    <p:cond delay="0"/>
+                                  </p:stCondLst>
+                                  <p:childTnLst>
+                                    <p:set>
+                                      <p:cBhvr>
+                                        <p:cTn id="19" dur="1" fill="hold">
+                                          <p:stCondLst>
+                                            <p:cond delay="0"/>
+                                          </p:stCondLst>
+                                        </p:cTn>
+                                        <p:tgtEl>
+                                          <p:spTgt spid="9"/>
+                                        </p:tgtEl>
+                                        <p:attrNameLst>
+                                          <p:attrName>style.visibility</p:attrName>
+                                        </p:attrNameLst>
+                                      </p:cBhvr>
+                                      <p:to>
+                                        <p:strVal val="visible"/>
+                                      </p:to>
+                                    </p:set>
+                                    <p:animEffect transition="in" filter="randombar(horizontal)">
+                                      <p:cBhvr>
+                                        <p:cTn id="20" dur="500"/>
+                                        <p:tgtEl>
+                                          <p:spTgt spid="9"/>
+                                        </p:tgtEl>
+                                      </p:cBhvr>
+                                    </p:animEffect>
+                                  </p:childTnLst>
+                                </p:cTn>
+                              </p:par>
+                            </p:childTnLst>
+                          </p:cTn>
+                        </p:par>
+                      </p:childTnLst>
+                    </p:cTn>
+                  </p:par>
+                  <p:par>
+                    <p:cTn id="21" fill="hold">
+                      <p:stCondLst>
+                        <p:cond delay="indefinite"/>
+                      </p:stCondLst>
+                      <p:childTnLst>
+                        <p:par>
+                          <p:cTn id="22" fill="hold">
+                            <p:stCondLst>
+                              <p:cond delay="0"/>
+                            </p:stCondLst>
+                            <p:childTnLst>
+                              <p:par>
+                                <p:cTn id="23" presetID="22" presetClass="entr" presetSubtype="4" fill="hold" nodeType="clickEffect">
+                                  <p:stCondLst>
+                                    <p:cond delay="0"/>
+                                  </p:stCondLst>
+                                  <p:childTnLst>
+                                    <p:set>
+                                      <p:cBhvr>
+                                        <p:cTn id="24" dur="1" fill="hold">
+                                          <p:stCondLst>
+                                            <p:cond delay="0"/>
+                                          </p:stCondLst>
+                                        </p:cTn>
+                                        <p:tgtEl>
+                                          <p:spTgt spid="10"/>
+                                        </p:tgtEl>
+                                        <p:attrNameLst>
+                                          <p:attrName>style.visibility</p:attrName>
+                                        </p:attrNameLst>
+                                      </p:cBhvr>
+                                      <p:to>
+                                        <p:strVal val="visible"/>
+                                      </p:to>
+                                    </p:set>
+                                    <p:animEffect transition="in" filter="wipe(down)">
+                                      <p:cBhvr>
+                                        <p:cTn id="25" dur="500"/>
+                                        <p:tgtEl>
+                                          <p:spTgt spid="10"/>
+                                        </p:tgtEl>
+                                      </p:cBhvr>
+                                    </p:animEffect>
+                                  </p:childTnLst>
+                                </p:cTn>
+                              </p:par>
+                            </p:childTnLst>
+                          </p:cTn>
+                        </p:par>
+                      </p:childTnLst>
+                    </p:cTn>
+                  </p:par>
+                  <p:par>
+                    <p:cTn id="26" fill="hold">
+                      <p:stCondLst>
+                        <p:cond delay="indefinite"/>
+                      </p:stCondLst>
+                      <p:childTnLst>
+                        <p:par>
+                          <p:cTn id="27" fill="hold">
+                            <p:stCondLst>
+                              <p:cond delay="0"/>
+                            </p:stCondLst>
+                            <p:childTnLst>
+                              <p:par>
+                                <p:cTn id="28" presetID="10" presetClass="entr" presetSubtype="0" fill="hold" nodeType="clickEffect">
+                                  <p:stCondLst>
+                                    <p:cond delay="0"/>
+                                  </p:stCondLst>
+                                  <p:childTnLst>
+                                    <p:set>
+                                      <p:cBhvr>
+                                        <p:cTn id="29" dur="1" fill="hold">
+                                          <p:stCondLst>
+                                            <p:cond delay="0"/>
+                                          </p:stCondLst>
+                                        </p:cTn>
+                                        <p:tgtEl>
+                                          <p:spTgt spid="11"/>
+                                        </p:tgtEl>
+                                        <p:attrNameLst>
+                                          <p:attrName>style.visibility</p:attrName>
+                                        </p:attrNameLst>
+                                      </p:cBhvr>
+                                      <p:to>
+                                        <p:strVal val="visible"/>
+                                      </p:to>
+                                    </p:set>
+                                    <p:animEffect transition="in" filter="fade">
+                                      <p:cBhvr>
+                                        <p:cTn id="30" dur="500"/>
+                                        <p:tgtEl>
+                                          <p:spTgt spid="11"/>
+                                        </p:tgtEl>
+                                      </p:cBhvr>
+                                    </p:animEffect>
+                                  </p:childTnLst>
+                                </p:cTn>
+                              </p:par>
+                            </p:childTnLst>
+                          </p:cTn>
+                        </p:par>
+                      </p:childTnLst>
+                    </p:cTn>
+                  </p:par>
+                </p:childTnLst>
+              </p:cTn>
+              <p:prevCondLst>
+                <p:cond evt="onPrev" delay="0">
+                  <p:tgtEl>
+                    <p:sldTgt/>
+                  </p:tgtEl>
+                </p:cond>
+              </p:prevCondLst>
+              <p:nextCondLst>
+                <p:cond evt="onNext" delay="0">
+                  <p:tgtEl>
+                    <p:sldTgt/>
+                  </p:tgtEl>
+                </p:cond>
+              </p:nextCondLst>
+            </p:seq>
+          </p:childTnLst>
+        </p:cTn>
+      </p:par>
+    </p:tnLst>
+  </p:timing>
+</p:sld>
+</file>
+
+<file path=ppt/slides/slide15.xml><?xml version="1.0" encoding="utf-8"?>
+<p:sld xmlns:a="http://schemas.openxmlformats.org/drawingml/2006/main" xmlns:r="http://schemas.openxmlformats.org/officeDocument/2006/relationships" xmlns:p="http://schemas.openxmlformats.org/presentationml/2006/main">
+  <p:cSld>
+    <p:spTree>
+      <p:nvGrpSpPr>
+        <p:cNvPr id="1" name=""/>
+        <p:cNvGrpSpPr/>
+        <p:nvPr/>
+      </p:nvGrpSpPr>
+      <p:grpSpPr>
+        <a:xfrm>
+          <a:off x="0" y="0"/>
+          <a:ext cx="0" cy="0"/>
+          <a:chOff x="0" y="0"/>
+          <a:chExt cx="0" cy="0"/>
+        </a:xfrm>
+      </p:grpSpPr>
+      <p:sp>
+        <p:nvSpPr>
+          <p:cNvPr id="3" name="Slide Number Placeholder 2"/>
+          <p:cNvSpPr>
+            <a:spLocks noGrp="1"/>
+          </p:cNvSpPr>
+          <p:nvPr>
+            <p:ph type="sldNum" sz="quarter" idx="4"/>
+          </p:nvPr>
+        </p:nvSpPr>
+        <p:spPr/>
+        <p:txBody>
+          <a:bodyPr/>
+          <a:lstStyle/>
+          <a:p>
+            <a:fld id="{0FB999A9-77CE-4AD1-9911-24A29F08BC34}" type="slidenum">
+              <a:rPr lang="en-US" smtClean="0"/>
+              <a:pPr/>
+              <a:t>15</a:t>
             </a:fld>
             <a:endParaRPr lang="en-US" dirty="0"/>
           </a:p>
@@ -37337,7 +39177,7 @@
 </p:sld>
 </file>
 
-<file path=ppt/slides/slide14.xml><?xml version="1.0" encoding="utf-8"?>
+<file path=ppt/slides/slide16.xml><?xml version="1.0" encoding="utf-8"?>
 <p:sld xmlns:a="http://schemas.openxmlformats.org/drawingml/2006/main" xmlns:r="http://schemas.openxmlformats.org/officeDocument/2006/relationships" xmlns:p="http://schemas.openxmlformats.org/presentationml/2006/main">
   <p:cSld>
     <p:spTree>
@@ -37376,7 +39216,7 @@
           <a:p>
             <a:r>
               <a:rPr lang="en-US" altLang="zh-CN" dirty="0" smtClean="0"/>
-              <a:t>Four lines</a:t>
+              <a:t>Four lines of code</a:t>
             </a:r>
           </a:p>
           <a:p>
@@ -37417,7 +39257,7 @@
             <a:fld id="{0FB999A9-77CE-4AD1-9911-24A29F08BC34}" type="slidenum">
               <a:rPr lang="en-US" smtClean="0"/>
               <a:pPr/>
-              <a:t>14</a:t>
+              <a:t>16</a:t>
             </a:fld>
             <a:endParaRPr lang="en-US" dirty="0"/>
           </a:p>
@@ -37495,7 +39335,7 @@
 </p:sld>
 </file>
 
-<file path=ppt/slides/slide15.xml><?xml version="1.0" encoding="utf-8"?>
+<file path=ppt/slides/slide17.xml><?xml version="1.0" encoding="utf-8"?>
 <p:sld xmlns:a="http://schemas.openxmlformats.org/drawingml/2006/main" xmlns:r="http://schemas.openxmlformats.org/officeDocument/2006/relationships" xmlns:p="http://schemas.openxmlformats.org/presentationml/2006/main">
   <p:cSld>
     <p:spTree>
@@ -37556,7 +39396,7 @@
             <a:fld id="{0FB999A9-77CE-4AD1-9911-24A29F08BC34}" type="slidenum">
               <a:rPr lang="en-US" smtClean="0"/>
               <a:pPr/>
-              <a:t>15</a:t>
+              <a:t>17</a:t>
             </a:fld>
             <a:endParaRPr lang="en-US" dirty="0"/>
           </a:p>
@@ -37593,395 +39433,6 @@
     <p:extLst>
       <p:ext uri="{BB962C8B-B14F-4D97-AF65-F5344CB8AC3E}">
         <p14:creationId xmlns:p14="http://schemas.microsoft.com/office/powerpoint/2010/main" val="1585066465"/>
-      </p:ext>
-    </p:extLst>
-  </p:cSld>
-  <p:clrMapOvr>
-    <a:masterClrMapping/>
-  </p:clrMapOvr>
-  <p:timing>
-    <p:tnLst>
-      <p:par>
-        <p:cTn id="1" dur="indefinite" restart="never" nodeType="tmRoot"/>
-      </p:par>
-    </p:tnLst>
-  </p:timing>
-</p:sld>
-</file>
-
-<file path=ppt/slides/slide16.xml><?xml version="1.0" encoding="utf-8"?>
-<p:sld xmlns:a="http://schemas.openxmlformats.org/drawingml/2006/main" xmlns:r="http://schemas.openxmlformats.org/officeDocument/2006/relationships" xmlns:p="http://schemas.openxmlformats.org/presentationml/2006/main">
-  <p:cSld>
-    <p:spTree>
-      <p:nvGrpSpPr>
-        <p:cNvPr id="1" name=""/>
-        <p:cNvGrpSpPr/>
-        <p:nvPr/>
-      </p:nvGrpSpPr>
-      <p:grpSpPr>
-        <a:xfrm>
-          <a:off x="0" y="0"/>
-          <a:ext cx="0" cy="0"/>
-          <a:chOff x="0" y="0"/>
-          <a:chExt cx="0" cy="0"/>
-        </a:xfrm>
-      </p:grpSpPr>
-      <p:sp>
-        <p:nvSpPr>
-          <p:cNvPr id="2" name="Title 1"/>
-          <p:cNvSpPr>
-            <a:spLocks noGrp="1"/>
-          </p:cNvSpPr>
-          <p:nvPr>
-            <p:ph type="title"/>
-          </p:nvPr>
-        </p:nvSpPr>
-        <p:spPr/>
-        <p:txBody>
-          <a:bodyPr/>
-          <a:lstStyle/>
-          <a:p>
-            <a:r>
-              <a:rPr lang="en-US" altLang="zh-CN" dirty="0" smtClean="0"/>
-              <a:t>Other web frameworks</a:t>
-            </a:r>
-            <a:endParaRPr lang="en-US" dirty="0"/>
-          </a:p>
-        </p:txBody>
-      </p:sp>
-      <p:sp>
-        <p:nvSpPr>
-          <p:cNvPr id="3" name="Text Placeholder 2"/>
-          <p:cNvSpPr>
-            <a:spLocks noGrp="1"/>
-          </p:cNvSpPr>
-          <p:nvPr>
-            <p:ph type="body" sz="quarter" idx="10"/>
-          </p:nvPr>
-        </p:nvSpPr>
-        <p:spPr/>
-        <p:txBody>
-          <a:bodyPr/>
-          <a:lstStyle/>
-          <a:p>
-            <a:r>
-              <a:rPr lang="en-US" dirty="0"/>
-              <a:t>2</a:t>
-            </a:r>
-          </a:p>
-        </p:txBody>
-      </p:sp>
-    </p:spTree>
-    <p:extLst>
-      <p:ext uri="{BB962C8B-B14F-4D97-AF65-F5344CB8AC3E}">
-        <p14:creationId xmlns:p14="http://schemas.microsoft.com/office/powerpoint/2010/main" val="3595483918"/>
-      </p:ext>
-    </p:extLst>
-  </p:cSld>
-  <p:clrMapOvr>
-    <a:masterClrMapping/>
-  </p:clrMapOvr>
-  <p:transition spd="slow">
-    <p:push/>
-  </p:transition>
-  <p:timing>
-    <p:tnLst>
-      <p:par>
-        <p:cTn id="1" dur="indefinite" restart="never" nodeType="tmRoot"/>
-      </p:par>
-    </p:tnLst>
-  </p:timing>
-</p:sld>
-</file>
-
-<file path=ppt/slides/slide17.xml><?xml version="1.0" encoding="utf-8"?>
-<p:sld xmlns:a="http://schemas.openxmlformats.org/drawingml/2006/main" xmlns:r="http://schemas.openxmlformats.org/officeDocument/2006/relationships" xmlns:p="http://schemas.openxmlformats.org/presentationml/2006/main">
-  <p:cSld>
-    <p:spTree>
-      <p:nvGrpSpPr>
-        <p:cNvPr id="1" name=""/>
-        <p:cNvGrpSpPr/>
-        <p:nvPr/>
-      </p:nvGrpSpPr>
-      <p:grpSpPr>
-        <a:xfrm>
-          <a:off x="0" y="0"/>
-          <a:ext cx="0" cy="0"/>
-          <a:chOff x="0" y="0"/>
-          <a:chExt cx="0" cy="0"/>
-        </a:xfrm>
-      </p:grpSpPr>
-      <p:sp>
-        <p:nvSpPr>
-          <p:cNvPr id="2" name="Content Placeholder 1"/>
-          <p:cNvSpPr>
-            <a:spLocks noGrp="1"/>
-          </p:cNvSpPr>
-          <p:nvPr>
-            <p:ph idx="1"/>
-          </p:nvPr>
-        </p:nvSpPr>
-        <p:spPr>
-          <a:xfrm>
-            <a:off x="946786" y="992038"/>
-            <a:ext cx="10311765" cy="5417906"/>
-          </a:xfrm>
-        </p:spPr>
-        <p:txBody>
-          <a:bodyPr/>
-          <a:lstStyle/>
-          <a:p>
-            <a:r>
-              <a:rPr lang="zh-CN" altLang="en-US" dirty="0"/>
-              <a:t>两张</a:t>
-            </a:r>
-            <a:r>
-              <a:rPr lang="zh-CN" altLang="en-US" dirty="0" smtClean="0"/>
-              <a:t>表</a:t>
-            </a:r>
-            <a:endParaRPr lang="en-US" altLang="zh-CN" dirty="0"/>
-          </a:p>
-          <a:p>
-            <a:pPr lvl="1"/>
-            <a:r>
-              <a:rPr lang="en-US" altLang="zh-CN" dirty="0" smtClean="0"/>
-              <a:t>Organization</a:t>
-            </a:r>
-          </a:p>
-          <a:p>
-            <a:pPr lvl="1"/>
-            <a:r>
-              <a:rPr lang="en-US" altLang="zh-CN" dirty="0" smtClean="0"/>
-              <a:t>User</a:t>
-            </a:r>
-          </a:p>
-          <a:p>
-            <a:r>
-              <a:rPr lang="zh-CN" altLang="en-US" dirty="0"/>
-              <a:t>关</a:t>
-            </a:r>
-            <a:r>
-              <a:rPr lang="zh-CN" altLang="en-US" dirty="0" smtClean="0"/>
-              <a:t>系</a:t>
-            </a:r>
-            <a:endParaRPr lang="en-US" altLang="zh-CN" dirty="0" smtClean="0"/>
-          </a:p>
-          <a:p>
-            <a:pPr lvl="1"/>
-            <a:r>
-              <a:rPr lang="en-US" altLang="zh-CN" dirty="0" smtClean="0"/>
-              <a:t>Organization </a:t>
-            </a:r>
-            <a:r>
-              <a:rPr lang="zh-CN" altLang="en-US" dirty="0" smtClean="0"/>
-              <a:t>对 </a:t>
-            </a:r>
-            <a:r>
-              <a:rPr lang="en-US" altLang="zh-CN" dirty="0" smtClean="0"/>
-              <a:t>User </a:t>
-            </a:r>
-            <a:r>
-              <a:rPr lang="zh-CN" altLang="en-US" dirty="0" smtClean="0"/>
-              <a:t>是 </a:t>
-            </a:r>
-            <a:r>
-              <a:rPr lang="en-US" altLang="zh-CN" dirty="0" smtClean="0"/>
-              <a:t>one to many</a:t>
-            </a:r>
-          </a:p>
-          <a:p>
-            <a:pPr lvl="1"/>
-            <a:r>
-              <a:rPr lang="en-US" altLang="zh-CN" dirty="0" smtClean="0"/>
-              <a:t>Organization </a:t>
-            </a:r>
-            <a:r>
-              <a:rPr lang="zh-CN" altLang="en-US" dirty="0" smtClean="0"/>
-              <a:t>本身也是 </a:t>
-            </a:r>
-            <a:r>
-              <a:rPr lang="en-US" altLang="zh-CN" dirty="0" smtClean="0"/>
-              <a:t>one to many</a:t>
-            </a:r>
-          </a:p>
-          <a:p>
-            <a:r>
-              <a:rPr lang="zh-CN" altLang="en-US" dirty="0"/>
-              <a:t>要</a:t>
-            </a:r>
-            <a:r>
-              <a:rPr lang="zh-CN" altLang="en-US" dirty="0" smtClean="0"/>
-              <a:t>求</a:t>
-            </a:r>
-            <a:endParaRPr lang="en-US" altLang="zh-CN" dirty="0" smtClean="0"/>
-          </a:p>
-          <a:p>
-            <a:pPr lvl="1"/>
-            <a:r>
-              <a:rPr lang="en-US" altLang="zh-CN" dirty="0" smtClean="0"/>
-              <a:t>Organization </a:t>
-            </a:r>
-            <a:r>
-              <a:rPr lang="zh-CN" altLang="en-US" dirty="0" smtClean="0"/>
-              <a:t>的增删改</a:t>
-            </a:r>
-            <a:endParaRPr lang="en-US" altLang="zh-CN" dirty="0" smtClean="0"/>
-          </a:p>
-          <a:p>
-            <a:pPr lvl="1"/>
-            <a:r>
-              <a:rPr lang="en-US" altLang="zh-CN" dirty="0" smtClean="0"/>
-              <a:t>User </a:t>
-            </a:r>
-            <a:r>
-              <a:rPr lang="zh-CN" altLang="en-US" dirty="0" smtClean="0"/>
-              <a:t>的增删改</a:t>
-            </a:r>
-            <a:endParaRPr lang="en-US" altLang="zh-CN" dirty="0" smtClean="0"/>
-          </a:p>
-          <a:p>
-            <a:pPr lvl="1"/>
-            <a:r>
-              <a:rPr lang="en-US" altLang="zh-CN" dirty="0" smtClean="0"/>
-              <a:t>Organization </a:t>
-            </a:r>
-            <a:r>
-              <a:rPr lang="zh-CN" altLang="en-US" dirty="0" smtClean="0"/>
-              <a:t>页面要展示 父 </a:t>
-            </a:r>
-            <a:r>
-              <a:rPr lang="en-US" altLang="zh-CN" dirty="0" smtClean="0"/>
-              <a:t>Organization </a:t>
-            </a:r>
-            <a:r>
-              <a:rPr lang="zh-CN" altLang="en-US" dirty="0" smtClean="0"/>
-              <a:t>的</a:t>
-            </a:r>
-            <a:r>
-              <a:rPr lang="en-US" altLang="zh-CN" dirty="0" smtClean="0"/>
-              <a:t>name</a:t>
-            </a:r>
-          </a:p>
-          <a:p>
-            <a:pPr lvl="1"/>
-            <a:r>
-              <a:rPr lang="en-US" altLang="zh-CN" dirty="0" smtClean="0"/>
-              <a:t>User </a:t>
-            </a:r>
-            <a:r>
-              <a:rPr lang="zh-CN" altLang="en-US" dirty="0" smtClean="0"/>
-              <a:t>页面展示的 </a:t>
-            </a:r>
-            <a:r>
-              <a:rPr lang="en-US" altLang="zh-CN" dirty="0" smtClean="0"/>
-              <a:t>User </a:t>
-            </a:r>
-            <a:r>
-              <a:rPr lang="zh-CN" altLang="en-US" dirty="0" smtClean="0"/>
-              <a:t>只属于某一个 </a:t>
-            </a:r>
-            <a:r>
-              <a:rPr lang="en-US" altLang="zh-CN" dirty="0" smtClean="0"/>
-              <a:t>Organization</a:t>
-            </a:r>
-          </a:p>
-          <a:p>
-            <a:pPr lvl="1"/>
-            <a:r>
-              <a:rPr lang="en-US" altLang="zh-CN" dirty="0"/>
-              <a:t>User </a:t>
-            </a:r>
-            <a:r>
-              <a:rPr lang="zh-CN" altLang="en-US" dirty="0"/>
-              <a:t>页面展</a:t>
-            </a:r>
-            <a:r>
-              <a:rPr lang="zh-CN" altLang="en-US" dirty="0" smtClean="0"/>
-              <a:t>示所属 </a:t>
-            </a:r>
-            <a:r>
-              <a:rPr lang="en-US" altLang="zh-CN" dirty="0" smtClean="0"/>
-              <a:t>Organization </a:t>
-            </a:r>
-            <a:r>
-              <a:rPr lang="zh-CN" altLang="en-US" dirty="0" smtClean="0"/>
-              <a:t>的名字</a:t>
-            </a:r>
-            <a:endParaRPr lang="en-US" altLang="zh-CN" dirty="0" smtClean="0"/>
-          </a:p>
-          <a:p>
-            <a:endParaRPr lang="en-US" altLang="zh-CN" dirty="0"/>
-          </a:p>
-          <a:p>
-            <a:endParaRPr lang="en-US" altLang="zh-CN" dirty="0" smtClean="0"/>
-          </a:p>
-          <a:p>
-            <a:endParaRPr lang="en-US" altLang="zh-CN" dirty="0" smtClean="0"/>
-          </a:p>
-          <a:p>
-            <a:endParaRPr lang="en-US" altLang="zh-CN" dirty="0"/>
-          </a:p>
-          <a:p>
-            <a:endParaRPr lang="en-US" altLang="zh-CN" dirty="0" smtClean="0"/>
-          </a:p>
-        </p:txBody>
-      </p:sp>
-      <p:sp>
-        <p:nvSpPr>
-          <p:cNvPr id="3" name="Slide Number Placeholder 2"/>
-          <p:cNvSpPr>
-            <a:spLocks noGrp="1"/>
-          </p:cNvSpPr>
-          <p:nvPr>
-            <p:ph type="sldNum" sz="quarter" idx="4"/>
-          </p:nvPr>
-        </p:nvSpPr>
-        <p:spPr/>
-        <p:txBody>
-          <a:bodyPr/>
-          <a:lstStyle/>
-          <a:p>
-            <a:fld id="{0FB999A9-77CE-4AD1-9911-24A29F08BC34}" type="slidenum">
-              <a:rPr lang="en-US" smtClean="0"/>
-              <a:pPr/>
-              <a:t>17</a:t>
-            </a:fld>
-            <a:endParaRPr lang="en-US" dirty="0"/>
-          </a:p>
-        </p:txBody>
-      </p:sp>
-      <p:sp>
-        <p:nvSpPr>
-          <p:cNvPr id="4" name="Title 3"/>
-          <p:cNvSpPr>
-            <a:spLocks noGrp="1"/>
-          </p:cNvSpPr>
-          <p:nvPr>
-            <p:ph type="title"/>
-          </p:nvPr>
-        </p:nvSpPr>
-        <p:spPr>
-          <a:xfrm>
-            <a:off x="946786" y="429273"/>
-            <a:ext cx="10311765" cy="562765"/>
-          </a:xfrm>
-        </p:spPr>
-        <p:txBody>
-          <a:bodyPr/>
-          <a:lstStyle/>
-          <a:p>
-            <a:r>
-              <a:rPr lang="en-US" altLang="zh-CN" dirty="0" smtClean="0"/>
-              <a:t>Demo</a:t>
-            </a:r>
-            <a:endParaRPr lang="en-US" dirty="0"/>
-          </a:p>
-        </p:txBody>
-      </p:sp>
-    </p:spTree>
-    <p:extLst>
-      <p:ext uri="{BB962C8B-B14F-4D97-AF65-F5344CB8AC3E}">
-        <p14:creationId xmlns:p14="http://schemas.microsoft.com/office/powerpoint/2010/main" val="1557884185"/>
       </p:ext>
     </p:extLst>
   </p:cSld>
@@ -38017,164 +39468,7 @@
       </p:grpSpPr>
       <p:sp>
         <p:nvSpPr>
-          <p:cNvPr id="2" name="Content Placeholder 1"/>
-          <p:cNvSpPr>
-            <a:spLocks noGrp="1"/>
-          </p:cNvSpPr>
-          <p:nvPr>
-            <p:ph idx="1"/>
-          </p:nvPr>
-        </p:nvSpPr>
-        <p:spPr>
-          <a:xfrm>
-            <a:off x="946786" y="992038"/>
-            <a:ext cx="10311765" cy="5188100"/>
-          </a:xfrm>
-        </p:spPr>
-        <p:txBody>
-          <a:bodyPr/>
-          <a:lstStyle/>
-          <a:p>
-            <a:r>
-              <a:rPr lang="en-US" dirty="0" smtClean="0"/>
-              <a:t>Web framework: Flask</a:t>
-            </a:r>
-          </a:p>
-          <a:p>
-            <a:r>
-              <a:rPr lang="en-US" dirty="0" smtClean="0"/>
-              <a:t>ORM: Flask-</a:t>
-            </a:r>
-            <a:r>
-              <a:rPr lang="en-US" dirty="0" err="1" smtClean="0"/>
-              <a:t>SQLAlchemy</a:t>
-            </a:r>
-            <a:endParaRPr lang="en-US" dirty="0" smtClean="0"/>
-          </a:p>
-          <a:p>
-            <a:r>
-              <a:rPr lang="en-US" dirty="0" smtClean="0"/>
-              <a:t>Effort: 3-4 days</a:t>
-            </a:r>
-          </a:p>
-          <a:p>
-            <a:r>
-              <a:rPr lang="en-US" dirty="0" smtClean="0"/>
-              <a:t>Compare to Django</a:t>
-            </a:r>
-          </a:p>
-          <a:p>
-            <a:pPr lvl="1"/>
-            <a:r>
-              <a:rPr lang="zh-CN" altLang="en-US" dirty="0"/>
-              <a:t>优</a:t>
-            </a:r>
-            <a:r>
-              <a:rPr lang="zh-CN" altLang="en-US" dirty="0" smtClean="0"/>
-              <a:t>点</a:t>
-            </a:r>
-            <a:endParaRPr lang="en-US" altLang="zh-CN" dirty="0" smtClean="0"/>
-          </a:p>
-          <a:p>
-            <a:pPr lvl="2"/>
-            <a:r>
-              <a:rPr lang="en-US" altLang="zh-CN" dirty="0" smtClean="0"/>
-              <a:t>Flask </a:t>
-            </a:r>
-            <a:r>
-              <a:rPr lang="zh-CN" altLang="en-US" dirty="0" smtClean="0"/>
-              <a:t>可以选择很多插件，比如 </a:t>
-            </a:r>
-            <a:r>
-              <a:rPr lang="en-US" altLang="zh-CN" dirty="0" smtClean="0"/>
-              <a:t>ORM </a:t>
-            </a:r>
-            <a:r>
-              <a:rPr lang="zh-CN" altLang="en-US" dirty="0" smtClean="0"/>
-              <a:t>框架就有很多种选择</a:t>
-            </a:r>
-            <a:endParaRPr lang="en-US" altLang="zh-CN" dirty="0" smtClean="0"/>
-          </a:p>
-          <a:p>
-            <a:pPr lvl="2"/>
-            <a:r>
-              <a:rPr lang="zh-CN" altLang="en-US" dirty="0"/>
-              <a:t>适</a:t>
-            </a:r>
-            <a:r>
-              <a:rPr lang="zh-CN" altLang="en-US" dirty="0" smtClean="0"/>
-              <a:t>合很复杂的架构</a:t>
-            </a:r>
-            <a:endParaRPr lang="en-US" dirty="0" smtClean="0"/>
-          </a:p>
-          <a:p>
-            <a:pPr lvl="1"/>
-            <a:r>
-              <a:rPr lang="zh-CN" altLang="en-US" dirty="0" smtClean="0"/>
-              <a:t>缺点</a:t>
-            </a:r>
-            <a:endParaRPr lang="en-US" altLang="zh-CN" dirty="0" smtClean="0"/>
-          </a:p>
-          <a:p>
-            <a:pPr lvl="2"/>
-            <a:r>
-              <a:rPr lang="zh-CN" altLang="en-US" dirty="0"/>
-              <a:t>很明</a:t>
-            </a:r>
-            <a:r>
-              <a:rPr lang="zh-CN" altLang="en-US" dirty="0" smtClean="0"/>
-              <a:t>显代码更多</a:t>
-            </a:r>
-            <a:endParaRPr lang="en-US" altLang="zh-CN" dirty="0" smtClean="0"/>
-          </a:p>
-          <a:p>
-            <a:pPr lvl="2"/>
-            <a:r>
-              <a:rPr lang="zh-CN" altLang="en-US" dirty="0"/>
-              <a:t>个</a:t>
-            </a:r>
-            <a:r>
-              <a:rPr lang="zh-CN" altLang="en-US" dirty="0" smtClean="0"/>
-              <a:t>人认为学习成本比较高</a:t>
-            </a:r>
-            <a:endParaRPr lang="en-US" dirty="0" smtClean="0"/>
-          </a:p>
-          <a:p>
-            <a:pPr lvl="1"/>
-            <a:endParaRPr lang="en-US" dirty="0"/>
-          </a:p>
-          <a:p>
-            <a:endParaRPr lang="en-US" dirty="0"/>
-          </a:p>
-        </p:txBody>
-      </p:sp>
-      <p:sp>
-        <p:nvSpPr>
-          <p:cNvPr id="3" name="Slide Number Placeholder 2"/>
-          <p:cNvSpPr>
-            <a:spLocks noGrp="1"/>
-          </p:cNvSpPr>
-          <p:nvPr>
-            <p:ph type="sldNum" sz="quarter" idx="4"/>
-          </p:nvPr>
-        </p:nvSpPr>
-        <p:spPr/>
-        <p:txBody>
-          <a:bodyPr/>
-          <a:lstStyle/>
-          <a:p>
-            <a:fld id="{0FB999A9-77CE-4AD1-9911-24A29F08BC34}" type="slidenum">
-              <a:rPr lang="en-US" smtClean="0"/>
-              <a:pPr/>
-              <a:t>18</a:t>
-            </a:fld>
-            <a:endParaRPr lang="en-US" dirty="0"/>
-          </a:p>
-        </p:txBody>
-      </p:sp>
-      <p:sp>
-        <p:nvSpPr>
-          <p:cNvPr id="4" name="Title 3"/>
+          <p:cNvPr id="2" name="Title 1"/>
           <p:cNvSpPr>
             <a:spLocks noGrp="1"/>
           </p:cNvSpPr>
@@ -38182,34 +39476,54 @@
             <p:ph type="title"/>
           </p:nvPr>
         </p:nvSpPr>
-        <p:spPr>
-          <a:xfrm>
-            <a:off x="946786" y="429273"/>
-            <a:ext cx="10311765" cy="562765"/>
-          </a:xfrm>
-        </p:spPr>
+        <p:spPr/>
         <p:txBody>
           <a:bodyPr/>
           <a:lstStyle/>
           <a:p>
             <a:r>
-              <a:rPr lang="en-US" dirty="0" smtClean="0"/>
-              <a:t>Flask</a:t>
+              <a:rPr lang="en-US" altLang="zh-CN" dirty="0" smtClean="0"/>
+              <a:t>Other web frameworks</a:t>
             </a:r>
             <a:endParaRPr lang="en-US" dirty="0"/>
+          </a:p>
+        </p:txBody>
+      </p:sp>
+      <p:sp>
+        <p:nvSpPr>
+          <p:cNvPr id="3" name="Text Placeholder 2"/>
+          <p:cNvSpPr>
+            <a:spLocks noGrp="1"/>
+          </p:cNvSpPr>
+          <p:nvPr>
+            <p:ph type="body" sz="quarter" idx="10"/>
+          </p:nvPr>
+        </p:nvSpPr>
+        <p:spPr/>
+        <p:txBody>
+          <a:bodyPr/>
+          <a:lstStyle/>
+          <a:p>
+            <a:r>
+              <a:rPr lang="en-US" dirty="0"/>
+              <a:t>2</a:t>
+            </a:r>
           </a:p>
         </p:txBody>
       </p:sp>
     </p:spTree>
     <p:extLst>
       <p:ext uri="{BB962C8B-B14F-4D97-AF65-F5344CB8AC3E}">
-        <p14:creationId xmlns:p14="http://schemas.microsoft.com/office/powerpoint/2010/main" val="2860878503"/>
+        <p14:creationId xmlns:p14="http://schemas.microsoft.com/office/powerpoint/2010/main" val="3595483918"/>
       </p:ext>
     </p:extLst>
   </p:cSld>
   <p:clrMapOvr>
     <a:masterClrMapping/>
   </p:clrMapOvr>
+  <p:transition spd="slow">
+    <p:push/>
+  </p:transition>
   <p:timing>
     <p:tnLst>
       <p:par>
@@ -38249,8 +39563,8 @@
         </p:nvSpPr>
         <p:spPr>
           <a:xfrm>
-            <a:off x="946786" y="1104181"/>
-            <a:ext cx="10311765" cy="5075957"/>
+            <a:off x="946786" y="992038"/>
+            <a:ext cx="10311765" cy="5417906"/>
           </a:xfrm>
         </p:spPr>
         <p:txBody>
@@ -38258,117 +39572,197 @@
           <a:lstStyle/>
           <a:p>
             <a:r>
-              <a:rPr lang="en-US" dirty="0"/>
-              <a:t>Web framework: </a:t>
-            </a:r>
+              <a:rPr lang="zh-CN" altLang="en-US" dirty="0"/>
+              <a:t>两张</a:t>
+            </a:r>
+            <a:r>
+              <a:rPr lang="zh-CN" altLang="en-US" dirty="0" smtClean="0"/>
+              <a:t>表</a:t>
+            </a:r>
+            <a:endParaRPr lang="en-US" altLang="zh-CN" dirty="0"/>
+          </a:p>
+          <a:p>
+            <a:pPr lvl="1"/>
             <a:r>
               <a:rPr lang="en-US" altLang="zh-CN" dirty="0" smtClean="0"/>
-              <a:t>Express</a:t>
-            </a:r>
-            <a:endParaRPr lang="en-US" dirty="0"/>
-          </a:p>
-          <a:p>
-            <a:r>
-              <a:rPr lang="en-US" dirty="0"/>
-              <a:t>ORM</a:t>
-            </a:r>
-            <a:r>
-              <a:rPr lang="en-US" dirty="0" smtClean="0"/>
-              <a:t>: None</a:t>
-            </a:r>
-            <a:endParaRPr lang="en-US" dirty="0"/>
-          </a:p>
-          <a:p>
-            <a:r>
-              <a:rPr lang="en-US" dirty="0"/>
-              <a:t>Effort: </a:t>
-            </a:r>
-            <a:r>
-              <a:rPr lang="en-US" dirty="0" smtClean="0"/>
-              <a:t>1-2 </a:t>
-            </a:r>
-            <a:r>
-              <a:rPr lang="en-US" dirty="0"/>
-              <a:t>days</a:t>
-            </a:r>
-          </a:p>
-          <a:p>
-            <a:r>
-              <a:rPr lang="en-US" dirty="0"/>
-              <a:t>Compare to Django</a:t>
+              <a:t>Organization</a:t>
             </a:r>
           </a:p>
           <a:p>
             <a:pPr lvl="1"/>
             <a:r>
+              <a:rPr lang="en-US" altLang="zh-CN" dirty="0" smtClean="0"/>
+              <a:t>User</a:t>
+            </a:r>
+          </a:p>
+          <a:p>
+            <a:r>
               <a:rPr lang="zh-CN" altLang="en-US" dirty="0"/>
-              <a:t>优点</a:t>
-            </a:r>
+              <a:t>关</a:t>
+            </a:r>
+            <a:r>
+              <a:rPr lang="zh-CN" altLang="en-US" dirty="0" smtClean="0"/>
+              <a:t>系</a:t>
+            </a:r>
+            <a:endParaRPr lang="en-US" altLang="zh-CN" dirty="0" smtClean="0"/>
+          </a:p>
+          <a:p>
+            <a:pPr lvl="1"/>
+            <a:r>
+              <a:rPr lang="en-US" altLang="zh-CN" dirty="0" smtClean="0"/>
+              <a:t>Organization </a:t>
+            </a:r>
+            <a:r>
+              <a:rPr lang="zh-CN" altLang="en-US" dirty="0" smtClean="0"/>
+              <a:t>对 </a:t>
+            </a:r>
+            <a:r>
+              <a:rPr lang="en-US" altLang="zh-CN" dirty="0" smtClean="0"/>
+              <a:t>User </a:t>
+            </a:r>
+            <a:r>
+              <a:rPr lang="zh-CN" altLang="en-US" dirty="0" smtClean="0"/>
+              <a:t>是 </a:t>
+            </a:r>
+            <a:r>
+              <a:rPr lang="en-US" altLang="zh-CN" dirty="0" smtClean="0"/>
+              <a:t>one to many</a:t>
+            </a:r>
+          </a:p>
+          <a:p>
+            <a:pPr lvl="1"/>
+            <a:r>
+              <a:rPr lang="en-US" altLang="zh-CN" dirty="0" smtClean="0"/>
+              <a:t>Organization </a:t>
+            </a:r>
+            <a:r>
+              <a:rPr lang="zh-CN" altLang="en-US" dirty="0" smtClean="0"/>
+              <a:t>本身也是 </a:t>
+            </a:r>
+            <a:r>
+              <a:rPr lang="en-US" altLang="zh-CN" dirty="0" smtClean="0"/>
+              <a:t>one to many</a:t>
+            </a:r>
+          </a:p>
+          <a:p>
+            <a:r>
+              <a:rPr lang="zh-CN" altLang="en-US" dirty="0"/>
+              <a:t>要</a:t>
+            </a:r>
+            <a:r>
+              <a:rPr lang="zh-CN" altLang="en-US" dirty="0" smtClean="0"/>
+              <a:t>求</a:t>
+            </a:r>
+            <a:endParaRPr lang="en-US" altLang="zh-CN" dirty="0" smtClean="0"/>
+          </a:p>
+          <a:p>
+            <a:pPr lvl="1"/>
+            <a:r>
+              <a:rPr lang="en-US" altLang="zh-CN" dirty="0" smtClean="0"/>
+              <a:t>Organization </a:t>
+            </a:r>
+            <a:r>
+              <a:rPr lang="zh-CN" altLang="en-US" dirty="0" smtClean="0"/>
+              <a:t>的增删改</a:t>
+            </a:r>
+            <a:endParaRPr lang="en-US" altLang="zh-CN" dirty="0" smtClean="0"/>
+          </a:p>
+          <a:p>
+            <a:pPr lvl="1"/>
+            <a:r>
+              <a:rPr lang="en-US" altLang="zh-CN" dirty="0" smtClean="0"/>
+              <a:t>User </a:t>
+            </a:r>
+            <a:r>
+              <a:rPr lang="zh-CN" altLang="en-US" dirty="0" smtClean="0"/>
+              <a:t>的增删改</a:t>
+            </a:r>
+            <a:endParaRPr lang="en-US" altLang="zh-CN" dirty="0" smtClean="0"/>
+          </a:p>
+          <a:p>
+            <a:pPr lvl="1"/>
+            <a:r>
+              <a:rPr lang="en-US" altLang="zh-CN" dirty="0" smtClean="0"/>
+              <a:t>Organization </a:t>
+            </a:r>
+            <a:r>
+              <a:rPr lang="zh-CN" altLang="en-US" dirty="0" smtClean="0"/>
+              <a:t>页面要展示 父 </a:t>
+            </a:r>
+            <a:r>
+              <a:rPr lang="en-US" altLang="zh-CN" dirty="0" smtClean="0"/>
+              <a:t>Organization </a:t>
+            </a:r>
+            <a:r>
+              <a:rPr lang="zh-CN" altLang="en-US" dirty="0" smtClean="0"/>
+              <a:t>的</a:t>
+            </a:r>
+            <a:r>
+              <a:rPr lang="en-US" altLang="zh-CN" dirty="0" smtClean="0"/>
+              <a:t>name</a:t>
+            </a:r>
+          </a:p>
+          <a:p>
+            <a:pPr lvl="1"/>
+            <a:r>
+              <a:rPr lang="en-US" altLang="zh-CN" dirty="0" smtClean="0"/>
+              <a:t>User </a:t>
+            </a:r>
+            <a:r>
+              <a:rPr lang="zh-CN" altLang="en-US" dirty="0" smtClean="0"/>
+              <a:t>页面展示的 </a:t>
+            </a:r>
+            <a:r>
+              <a:rPr lang="en-US" altLang="zh-CN" dirty="0" smtClean="0"/>
+              <a:t>User </a:t>
+            </a:r>
+            <a:r>
+              <a:rPr lang="zh-CN" altLang="en-US" dirty="0" smtClean="0"/>
+              <a:t>只属于某一个 </a:t>
+            </a:r>
+            <a:r>
+              <a:rPr lang="en-US" altLang="zh-CN" dirty="0" smtClean="0"/>
+              <a:t>Organization</a:t>
+            </a:r>
+          </a:p>
+          <a:p>
+            <a:pPr lvl="1"/>
+            <a:r>
+              <a:rPr lang="en-US" altLang="zh-CN" dirty="0"/>
+              <a:t>User </a:t>
+            </a:r>
+            <a:r>
+              <a:rPr lang="zh-CN" altLang="en-US" dirty="0"/>
+              <a:t>页面展</a:t>
+            </a:r>
+            <a:r>
+              <a:rPr lang="zh-CN" altLang="en-US" dirty="0" smtClean="0"/>
+              <a:t>示所属 </a:t>
+            </a:r>
+            <a:r>
+              <a:rPr lang="en-US" altLang="zh-CN" dirty="0" smtClean="0"/>
+              <a:t>Organization </a:t>
+            </a:r>
+            <a:r>
+              <a:rPr lang="zh-CN" altLang="en-US" dirty="0" smtClean="0"/>
+              <a:t>的名字</a:t>
+            </a:r>
+            <a:endParaRPr lang="en-US" altLang="zh-CN" dirty="0" smtClean="0"/>
+          </a:p>
+          <a:p>
             <a:endParaRPr lang="en-US" altLang="zh-CN" dirty="0"/>
           </a:p>
           <a:p>
-            <a:pPr lvl="2"/>
-            <a:r>
-              <a:rPr lang="zh-CN" altLang="en-US" dirty="0" smtClean="0"/>
-              <a:t>用</a:t>
-            </a:r>
-            <a:r>
-              <a:rPr lang="en-US" altLang="zh-CN" dirty="0"/>
-              <a:t> </a:t>
-            </a:r>
-            <a:r>
-              <a:rPr lang="en-US" altLang="zh-CN" dirty="0" smtClean="0"/>
-              <a:t>JS </a:t>
-            </a:r>
-            <a:r>
-              <a:rPr lang="zh-CN" altLang="en-US" dirty="0" smtClean="0"/>
-              <a:t>编程，学习效率高</a:t>
-            </a:r>
             <a:endParaRPr lang="en-US" altLang="zh-CN" dirty="0" smtClean="0"/>
           </a:p>
           <a:p>
-            <a:pPr lvl="1"/>
-            <a:r>
-              <a:rPr lang="zh-CN" altLang="en-US" dirty="0" smtClean="0"/>
-              <a:t>缺</a:t>
-            </a:r>
-            <a:r>
-              <a:rPr lang="zh-CN" altLang="en-US" dirty="0"/>
-              <a:t>点</a:t>
-            </a:r>
+            <a:endParaRPr lang="en-US" altLang="zh-CN" dirty="0" smtClean="0"/>
+          </a:p>
+          <a:p>
             <a:endParaRPr lang="en-US" altLang="zh-CN" dirty="0"/>
           </a:p>
           <a:p>
-            <a:pPr lvl="2"/>
-            <a:r>
-              <a:rPr lang="zh-CN" altLang="en-US" dirty="0"/>
-              <a:t>社区貌似不是很活</a:t>
-            </a:r>
-            <a:r>
-              <a:rPr lang="zh-CN" altLang="en-US" dirty="0" smtClean="0"/>
-              <a:t>跃</a:t>
-            </a:r>
             <a:endParaRPr lang="en-US" altLang="zh-CN" dirty="0" smtClean="0"/>
-          </a:p>
-          <a:p>
-            <a:pPr lvl="2"/>
-            <a:r>
-              <a:rPr lang="zh-CN" altLang="en-US" dirty="0" smtClean="0"/>
-              <a:t>性能肯定不高</a:t>
-            </a:r>
-            <a:endParaRPr lang="en-US" altLang="zh-CN" dirty="0" smtClean="0"/>
-          </a:p>
-          <a:p>
-            <a:pPr lvl="2"/>
-            <a:r>
-              <a:rPr lang="zh-CN" altLang="en-US" dirty="0"/>
-              <a:t>代码</a:t>
-            </a:r>
-            <a:r>
-              <a:rPr lang="zh-CN" altLang="en-US" dirty="0" smtClean="0"/>
-              <a:t>量很多</a:t>
-            </a:r>
-            <a:endParaRPr lang="en-US" dirty="0"/>
           </a:p>
         </p:txBody>
       </p:sp>
@@ -38409,7 +39803,7 @@
         <p:spPr>
           <a:xfrm>
             <a:off x="946786" y="429273"/>
-            <a:ext cx="10311765" cy="614523"/>
+            <a:ext cx="10311765" cy="562765"/>
           </a:xfrm>
         </p:spPr>
         <p:txBody>
@@ -38417,12 +39811,8 @@
           <a:lstStyle/>
           <a:p>
             <a:r>
-              <a:rPr lang="en-US" dirty="0" err="1" smtClean="0"/>
-              <a:t>Nodejs</a:t>
-            </a:r>
-            <a:r>
-              <a:rPr lang="en-US" dirty="0" smtClean="0"/>
-              <a:t> - Raw</a:t>
+              <a:rPr lang="en-US" altLang="zh-CN" dirty="0" smtClean="0"/>
+              <a:t>Demo</a:t>
             </a:r>
             <a:endParaRPr lang="en-US" dirty="0"/>
           </a:p>
@@ -38431,7 +39821,7 @@
     </p:spTree>
     <p:extLst>
       <p:ext uri="{BB962C8B-B14F-4D97-AF65-F5344CB8AC3E}">
-        <p14:creationId xmlns:p14="http://schemas.microsoft.com/office/powerpoint/2010/main" val="2248472207"/>
+        <p14:creationId xmlns:p14="http://schemas.microsoft.com/office/powerpoint/2010/main" val="1557884185"/>
       </p:ext>
     </p:extLst>
   </p:cSld>
@@ -38684,7 +40074,7 @@
       </p:grpSpPr>
       <p:sp>
         <p:nvSpPr>
-          <p:cNvPr id="2" name="Content Placeholder 1"/>
+          <p:cNvPr id="8" name="Content Placeholder 1"/>
           <p:cNvSpPr>
             <a:spLocks noGrp="1"/>
           </p:cNvSpPr>
@@ -38703,115 +40093,31 @@
           <a:lstStyle/>
           <a:p>
             <a:r>
-              <a:rPr lang="en-US" dirty="0"/>
+              <a:rPr lang="en-US" dirty="0" smtClean="0"/>
               <a:t>Web framework: </a:t>
             </a:r>
             <a:r>
-              <a:rPr lang="en-US" altLang="zh-CN" dirty="0"/>
-              <a:t>Express</a:t>
-            </a:r>
-            <a:endParaRPr lang="en-US" dirty="0"/>
-          </a:p>
-          <a:p>
-            <a:r>
-              <a:rPr lang="en-US" dirty="0"/>
-              <a:t>ORM: </a:t>
-            </a:r>
-            <a:r>
-              <a:rPr lang="en-US" dirty="0" err="1"/>
-              <a:t>Sequelize</a:t>
-            </a:r>
-            <a:endParaRPr lang="en-US" dirty="0"/>
-          </a:p>
-          <a:p>
-            <a:r>
-              <a:rPr lang="en-US" dirty="0"/>
-              <a:t>Effort: 1-2 days</a:t>
-            </a:r>
-          </a:p>
-          <a:p>
-            <a:r>
-              <a:rPr lang="en-US" dirty="0"/>
-              <a:t>Compare to Django</a:t>
-            </a:r>
-          </a:p>
-          <a:p>
-            <a:pPr lvl="1"/>
-            <a:r>
-              <a:rPr lang="zh-CN" altLang="en-US" dirty="0"/>
-              <a:t>优点</a:t>
-            </a:r>
-            <a:endParaRPr lang="en-US" altLang="zh-CN" dirty="0"/>
-          </a:p>
-          <a:p>
-            <a:pPr lvl="2"/>
-            <a:r>
-              <a:rPr lang="zh-CN" altLang="en-US" dirty="0"/>
-              <a:t>用</a:t>
-            </a:r>
-            <a:r>
-              <a:rPr lang="en-US" altLang="zh-CN" dirty="0"/>
-              <a:t> JS </a:t>
-            </a:r>
-            <a:r>
-              <a:rPr lang="zh-CN" altLang="en-US" dirty="0"/>
-              <a:t>编程，学习效率高</a:t>
-            </a:r>
-            <a:endParaRPr lang="en-US" altLang="zh-CN" dirty="0"/>
-          </a:p>
-          <a:p>
-            <a:pPr lvl="1"/>
-            <a:r>
-              <a:rPr lang="zh-CN" altLang="en-US" dirty="0"/>
-              <a:t>缺点</a:t>
-            </a:r>
-            <a:endParaRPr lang="en-US" altLang="zh-CN" dirty="0"/>
-          </a:p>
-          <a:p>
-            <a:pPr lvl="2"/>
-            <a:r>
-              <a:rPr lang="zh-CN" altLang="en-US" dirty="0"/>
-              <a:t>社区貌似不是很活跃</a:t>
-            </a:r>
-            <a:endParaRPr lang="en-US" altLang="zh-CN" dirty="0"/>
-          </a:p>
-          <a:p>
-            <a:pPr lvl="2"/>
-            <a:r>
-              <a:rPr lang="zh-CN" altLang="en-US" dirty="0"/>
-              <a:t>性能肯定不高</a:t>
-            </a:r>
-            <a:endParaRPr lang="en-US" altLang="zh-CN" dirty="0"/>
-          </a:p>
-          <a:p>
-            <a:pPr lvl="2"/>
-            <a:r>
-              <a:rPr lang="zh-CN" altLang="en-US" dirty="0"/>
-              <a:t>代码量很</a:t>
-            </a:r>
-            <a:r>
-              <a:rPr lang="zh-CN" altLang="en-US" dirty="0" smtClean="0"/>
-              <a:t>多</a:t>
-            </a:r>
-            <a:endParaRPr lang="en-US" altLang="zh-CN" dirty="0" smtClean="0"/>
-          </a:p>
-          <a:p>
-            <a:pPr lvl="2"/>
-            <a:r>
-              <a:rPr lang="zh-CN" altLang="en-US" dirty="0"/>
-              <a:t>对</a:t>
-            </a:r>
-            <a:r>
-              <a:rPr lang="zh-CN" altLang="en-US" dirty="0" smtClean="0"/>
-              <a:t>于我来说，学习 </a:t>
+              <a:rPr lang="en-US" dirty="0" smtClean="0"/>
+              <a:t>DRF</a:t>
+            </a:r>
+            <a:endParaRPr lang="en-US" dirty="0" smtClean="0"/>
+          </a:p>
+          <a:p>
+            <a:r>
+              <a:rPr lang="en-US" dirty="0" smtClean="0"/>
+              <a:t>Effort</a:t>
+            </a:r>
+            <a:r>
+              <a:rPr lang="en-US" dirty="0" smtClean="0"/>
+              <a:t>: </a:t>
             </a:r>
             <a:r>
               <a:rPr lang="en-US" altLang="zh-CN" dirty="0" smtClean="0"/>
-              <a:t>ORM </a:t>
-            </a:r>
-            <a:r>
-              <a:rPr lang="zh-CN" altLang="en-US" dirty="0" smtClean="0"/>
-              <a:t>框架又花去好些时间</a:t>
+              <a:t>1</a:t>
+            </a:r>
+            <a:r>
+              <a:rPr lang="en-US" dirty="0" smtClean="0"/>
+              <a:t> day</a:t>
             </a:r>
             <a:endParaRPr lang="en-US" dirty="0"/>
           </a:p>
@@ -38822,7 +40128,7 @@
       </p:sp>
       <p:sp>
         <p:nvSpPr>
-          <p:cNvPr id="3" name="Slide Number Placeholder 2"/>
+          <p:cNvPr id="9" name="Slide Number Placeholder 2"/>
           <p:cNvSpPr>
             <a:spLocks noGrp="1"/>
           </p:cNvSpPr>
@@ -38830,7 +40136,12 @@
             <p:ph type="sldNum" sz="quarter" idx="4"/>
           </p:nvPr>
         </p:nvSpPr>
-        <p:spPr/>
+        <p:spPr>
+          <a:xfrm>
+            <a:off x="182880" y="6409944"/>
+            <a:ext cx="365760" cy="274320"/>
+          </a:xfrm>
+        </p:spPr>
         <p:txBody>
           <a:bodyPr/>
           <a:lstStyle/>
@@ -38838,7 +40149,7 @@
             <a:fld id="{0FB999A9-77CE-4AD1-9911-24A29F08BC34}" type="slidenum">
               <a:rPr lang="en-US" smtClean="0"/>
               <a:pPr/>
-              <a:t>20</a:t>
+              <a:t>21</a:t>
             </a:fld>
             <a:endParaRPr lang="en-US" dirty="0"/>
           </a:p>
@@ -38846,7 +40157,7 @@
       </p:sp>
       <p:sp>
         <p:nvSpPr>
-          <p:cNvPr id="4" name="Title 3"/>
+          <p:cNvPr id="10" name="Title 3"/>
           <p:cNvSpPr>
             <a:spLocks noGrp="1"/>
           </p:cNvSpPr>
@@ -38857,7 +40168,7 @@
         <p:spPr>
           <a:xfrm>
             <a:off x="946786" y="429273"/>
-            <a:ext cx="10311765" cy="657655"/>
+            <a:ext cx="10311765" cy="562765"/>
           </a:xfrm>
         </p:spPr>
         <p:txBody>
@@ -38865,16 +40176,8 @@
           <a:lstStyle/>
           <a:p>
             <a:r>
-              <a:rPr lang="en-US" dirty="0" err="1" smtClean="0"/>
-              <a:t>Nodejs</a:t>
-            </a:r>
-            <a:r>
-              <a:rPr lang="en-US" dirty="0"/>
-              <a:t> - </a:t>
-            </a:r>
-            <a:r>
-              <a:rPr lang="en-US" dirty="0" err="1" smtClean="0"/>
-              <a:t>Sequelize</a:t>
+              <a:rPr lang="en-US" dirty="0" smtClean="0"/>
+              <a:t>Django</a:t>
             </a:r>
             <a:endParaRPr lang="en-US" dirty="0"/>
           </a:p>
@@ -38883,7 +40186,7 @@
     </p:spTree>
     <p:extLst>
       <p:ext uri="{BB962C8B-B14F-4D97-AF65-F5344CB8AC3E}">
-        <p14:creationId xmlns:p14="http://schemas.microsoft.com/office/powerpoint/2010/main" val="2481380691"/>
+        <p14:creationId xmlns:p14="http://schemas.microsoft.com/office/powerpoint/2010/main" val="3376036971"/>
       </p:ext>
     </p:extLst>
   </p:cSld>
@@ -38929,8 +40232,8 @@
         </p:nvSpPr>
         <p:spPr>
           <a:xfrm>
-            <a:off x="946786" y="1095555"/>
-            <a:ext cx="10311765" cy="5084583"/>
+            <a:off x="946786" y="992038"/>
+            <a:ext cx="10311765" cy="5188100"/>
           </a:xfrm>
         </p:spPr>
         <p:txBody>
@@ -38938,124 +40241,120 @@
           <a:lstStyle/>
           <a:p>
             <a:r>
-              <a:rPr lang="en-US" dirty="0"/>
+              <a:rPr lang="en-US" dirty="0" smtClean="0"/>
               <a:t>Web framework: </a:t>
             </a:r>
             <a:r>
+              <a:rPr lang="en-US" dirty="0" smtClean="0"/>
+              <a:t>Flask, </a:t>
+            </a:r>
+            <a:r>
+              <a:rPr lang="en-US" dirty="0" smtClean="0"/>
+              <a:t>Flask-RESTful</a:t>
+            </a:r>
+            <a:endParaRPr lang="en-US" dirty="0" smtClean="0"/>
+          </a:p>
+          <a:p>
+            <a:r>
+              <a:rPr lang="en-US" dirty="0" smtClean="0"/>
+              <a:t>ORM: Flask-</a:t>
+            </a:r>
+            <a:r>
+              <a:rPr lang="en-US" dirty="0" err="1" smtClean="0"/>
+              <a:t>SQLAlchemy</a:t>
+            </a:r>
+            <a:endParaRPr lang="en-US" dirty="0" smtClean="0"/>
+          </a:p>
+          <a:p>
+            <a:r>
+              <a:rPr lang="en-US" dirty="0" smtClean="0"/>
+              <a:t>Effort: 3-4 days</a:t>
+            </a:r>
+          </a:p>
+          <a:p>
+            <a:r>
+              <a:rPr lang="en-US" dirty="0" smtClean="0"/>
+              <a:t>Compare to Django</a:t>
+            </a:r>
+          </a:p>
+          <a:p>
+            <a:pPr lvl="1"/>
+            <a:r>
+              <a:rPr lang="zh-CN" altLang="en-US" dirty="0"/>
+              <a:t>优</a:t>
+            </a:r>
+            <a:r>
+              <a:rPr lang="zh-CN" altLang="en-US" dirty="0" smtClean="0"/>
+              <a:t>点</a:t>
+            </a:r>
+            <a:endParaRPr lang="en-US" altLang="zh-CN" dirty="0" smtClean="0"/>
+          </a:p>
+          <a:p>
+            <a:pPr lvl="2"/>
+            <a:r>
               <a:rPr lang="en-US" altLang="zh-CN" dirty="0" smtClean="0"/>
-              <a:t>Gin</a:t>
-            </a:r>
-            <a:endParaRPr lang="en-US" dirty="0"/>
-          </a:p>
-          <a:p>
-            <a:r>
-              <a:rPr lang="en-US" dirty="0"/>
-              <a:t>ORM: </a:t>
-            </a:r>
-            <a:r>
-              <a:rPr lang="en-US" dirty="0" err="1" smtClean="0"/>
-              <a:t>Gorm</a:t>
-            </a:r>
-            <a:endParaRPr lang="en-US" dirty="0"/>
-          </a:p>
-          <a:p>
-            <a:r>
-              <a:rPr lang="en-US" dirty="0"/>
-              <a:t>Effort: </a:t>
+              <a:t>Flask </a:t>
+            </a:r>
+            <a:r>
+              <a:rPr lang="zh-CN" altLang="en-US" dirty="0" smtClean="0"/>
+              <a:t>可以选择很多插件，比如 </a:t>
             </a:r>
             <a:r>
               <a:rPr lang="en-US" altLang="zh-CN" dirty="0" smtClean="0"/>
-              <a:t>2</a:t>
-            </a:r>
-            <a:r>
-              <a:rPr lang="en-US" dirty="0" smtClean="0"/>
-              <a:t>-</a:t>
-            </a:r>
-            <a:r>
-              <a:rPr lang="en-US" altLang="zh-CN" dirty="0" smtClean="0"/>
-              <a:t>3</a:t>
-            </a:r>
-            <a:r>
-              <a:rPr lang="en-US" dirty="0" smtClean="0"/>
-              <a:t> </a:t>
-            </a:r>
-            <a:r>
-              <a:rPr lang="en-US" dirty="0"/>
-              <a:t>days</a:t>
-            </a:r>
-          </a:p>
-          <a:p>
-            <a:r>
-              <a:rPr lang="en-US" dirty="0"/>
-              <a:t>Compare to Django</a:t>
-            </a:r>
+              <a:t>ORM </a:t>
+            </a:r>
+            <a:r>
+              <a:rPr lang="zh-CN" altLang="en-US" dirty="0" smtClean="0"/>
+              <a:t>框架就有很多种选择</a:t>
+            </a:r>
+            <a:endParaRPr lang="en-US" altLang="zh-CN" dirty="0" smtClean="0"/>
+          </a:p>
+          <a:p>
+            <a:pPr lvl="2"/>
+            <a:r>
+              <a:rPr lang="zh-CN" altLang="en-US" dirty="0"/>
+              <a:t>适</a:t>
+            </a:r>
+            <a:r>
+              <a:rPr lang="zh-CN" altLang="en-US" dirty="0" smtClean="0"/>
+              <a:t>合很复杂的架构</a:t>
+            </a:r>
+            <a:endParaRPr lang="en-US" dirty="0" smtClean="0"/>
           </a:p>
           <a:p>
             <a:pPr lvl="1"/>
             <a:r>
+              <a:rPr lang="zh-CN" altLang="en-US" dirty="0" smtClean="0"/>
+              <a:t>缺点</a:t>
+            </a:r>
+            <a:endParaRPr lang="en-US" altLang="zh-CN" dirty="0" smtClean="0"/>
+          </a:p>
+          <a:p>
+            <a:pPr lvl="2"/>
+            <a:r>
               <a:rPr lang="zh-CN" altLang="en-US" dirty="0"/>
-              <a:t>优点</a:t>
-            </a:r>
-            <a:endParaRPr lang="en-US" altLang="zh-CN" dirty="0"/>
+              <a:t>很明</a:t>
+            </a:r>
+            <a:r>
+              <a:rPr lang="zh-CN" altLang="en-US" dirty="0" smtClean="0"/>
+              <a:t>显代码更多</a:t>
+            </a:r>
+            <a:endParaRPr lang="en-US" altLang="zh-CN" dirty="0" smtClean="0"/>
           </a:p>
           <a:p>
             <a:pPr lvl="2"/>
             <a:r>
-              <a:rPr lang="en-US" altLang="zh-CN" dirty="0" smtClean="0"/>
-              <a:t>Go </a:t>
+              <a:rPr lang="zh-CN" altLang="en-US" dirty="0"/>
+              <a:t>个</a:t>
             </a:r>
             <a:r>
               <a:rPr lang="zh-CN" altLang="en-US" dirty="0" smtClean="0"/>
-              <a:t>语言现在非常火，可以学习下</a:t>
-            </a:r>
-            <a:endParaRPr lang="en-US" altLang="zh-CN" dirty="0" smtClean="0"/>
-          </a:p>
-          <a:p>
-            <a:pPr lvl="2"/>
-            <a:r>
-              <a:rPr lang="en-US" altLang="zh-CN" dirty="0" smtClean="0"/>
-              <a:t>Go </a:t>
-            </a:r>
-            <a:r>
-              <a:rPr lang="zh-CN" altLang="en-US" dirty="0" smtClean="0"/>
-              <a:t>语言的运行效率高</a:t>
-            </a:r>
-            <a:endParaRPr lang="en-US" altLang="zh-CN" dirty="0"/>
+              <a:t>人认为学习成本比较高</a:t>
+            </a:r>
+            <a:endParaRPr lang="en-US" dirty="0" smtClean="0"/>
           </a:p>
           <a:p>
             <a:pPr lvl="1"/>
-            <a:r>
-              <a:rPr lang="zh-CN" altLang="en-US" dirty="0"/>
-              <a:t>缺点</a:t>
-            </a:r>
-            <a:endParaRPr lang="en-US" altLang="zh-CN" dirty="0"/>
-          </a:p>
-          <a:p>
-            <a:pPr lvl="2"/>
-            <a:r>
-              <a:rPr lang="zh-CN" altLang="en-US" dirty="0" smtClean="0"/>
-              <a:t>学习成本高，会 </a:t>
-            </a:r>
-            <a:r>
-              <a:rPr lang="en-US" altLang="zh-CN" dirty="0" smtClean="0"/>
-              <a:t>C </a:t>
-            </a:r>
-            <a:r>
-              <a:rPr lang="zh-CN" altLang="en-US" dirty="0" smtClean="0"/>
-              <a:t>可能会简单些</a:t>
-            </a:r>
-            <a:endParaRPr lang="en-US" altLang="zh-CN" dirty="0" smtClean="0"/>
-          </a:p>
-          <a:p>
-            <a:pPr lvl="2"/>
-            <a:r>
-              <a:rPr lang="zh-CN" altLang="en-US" dirty="0" smtClean="0"/>
-              <a:t>代码量很</a:t>
-            </a:r>
-            <a:r>
-              <a:rPr lang="zh-CN" altLang="en-US" dirty="0" smtClean="0"/>
-              <a:t>多</a:t>
-            </a:r>
             <a:endParaRPr lang="en-US" dirty="0"/>
           </a:p>
           <a:p>
@@ -39100,7 +40399,7 @@
         <p:spPr>
           <a:xfrm>
             <a:off x="946786" y="429273"/>
-            <a:ext cx="10311765" cy="580018"/>
+            <a:ext cx="10311765" cy="562765"/>
           </a:xfrm>
         </p:spPr>
         <p:txBody>
@@ -39109,7 +40408,7 @@
           <a:p>
             <a:r>
               <a:rPr lang="en-US" dirty="0" smtClean="0"/>
-              <a:t>Gin</a:t>
+              <a:t>Flask</a:t>
             </a:r>
             <a:endParaRPr lang="en-US" dirty="0"/>
           </a:p>
@@ -39118,7 +40417,7 @@
     </p:spTree>
     <p:extLst>
       <p:ext uri="{BB962C8B-B14F-4D97-AF65-F5344CB8AC3E}">
-        <p14:creationId xmlns:p14="http://schemas.microsoft.com/office/powerpoint/2010/main" val="2964697328"/>
+        <p14:creationId xmlns:p14="http://schemas.microsoft.com/office/powerpoint/2010/main" val="2860878503"/>
       </p:ext>
     </p:extLst>
   </p:cSld>
@@ -39164,8 +40463,8 @@
         </p:nvSpPr>
         <p:spPr>
           <a:xfrm>
-            <a:off x="946786" y="1147313"/>
-            <a:ext cx="10311765" cy="5032825"/>
+            <a:off x="946786" y="1104181"/>
+            <a:ext cx="10311765" cy="5075957"/>
           </a:xfrm>
         </p:spPr>
         <p:txBody>
@@ -39178,18 +40477,18 @@
             </a:r>
             <a:r>
               <a:rPr lang="en-US" altLang="zh-CN" dirty="0" smtClean="0"/>
-              <a:t>Spring MVC</a:t>
+              <a:t>Express</a:t>
             </a:r>
             <a:endParaRPr lang="en-US" dirty="0"/>
           </a:p>
           <a:p>
             <a:r>
               <a:rPr lang="en-US" dirty="0"/>
-              <a:t>ORM: </a:t>
+              <a:t>ORM</a:t>
             </a:r>
             <a:r>
               <a:rPr lang="en-US" dirty="0" smtClean="0"/>
-              <a:t>JAP</a:t>
+              <a:t>: None</a:t>
             </a:r>
             <a:endParaRPr lang="en-US" dirty="0"/>
           </a:p>
@@ -39199,12 +40498,8 @@
               <a:t>Effort: </a:t>
             </a:r>
             <a:r>
-              <a:rPr lang="en-US" altLang="zh-CN" dirty="0" smtClean="0"/>
-              <a:t>1</a:t>
-            </a:r>
-            <a:r>
               <a:rPr lang="en-US" dirty="0" smtClean="0"/>
-              <a:t> </a:t>
+              <a:t>1-2 </a:t>
             </a:r>
             <a:r>
               <a:rPr lang="en-US" dirty="0"/>
@@ -39229,27 +40524,7 @@
             <a:pPr lvl="2"/>
             <a:r>
               <a:rPr lang="zh-CN" altLang="en-US" dirty="0" smtClean="0"/>
-              <a:t>会 </a:t>
-            </a:r>
-            <a:r>
-              <a:rPr lang="en-US" altLang="zh-CN" dirty="0" smtClean="0"/>
-              <a:t>Java </a:t>
-            </a:r>
-            <a:r>
-              <a:rPr lang="zh-CN" altLang="en-US" dirty="0" smtClean="0"/>
-              <a:t>学习成本低</a:t>
-            </a:r>
-            <a:endParaRPr lang="en-US" altLang="zh-CN" dirty="0" smtClean="0"/>
-          </a:p>
-          <a:p>
-            <a:pPr lvl="2"/>
-            <a:r>
-              <a:rPr lang="en-US" altLang="zh-CN" dirty="0" smtClean="0"/>
-              <a:t>JPA </a:t>
-            </a:r>
-            <a:r>
-              <a:rPr lang="zh-CN" altLang="en-US" dirty="0" smtClean="0"/>
-              <a:t>封装的比较好，简单的</a:t>
+              <a:t>用</a:t>
             </a:r>
             <a:r>
               <a:rPr lang="en-US" altLang="zh-CN" dirty="0"/>
@@ -39257,41 +40532,56 @@
             </a:r>
             <a:r>
               <a:rPr lang="en-US" altLang="zh-CN" dirty="0" smtClean="0"/>
-              <a:t>CRUD </a:t>
+              <a:t>JS </a:t>
             </a:r>
             <a:r>
               <a:rPr lang="zh-CN" altLang="en-US" dirty="0" smtClean="0"/>
-              <a:t>很容易</a:t>
+              <a:t>编程，学习效率高</a:t>
+            </a:r>
+            <a:endParaRPr lang="en-US" altLang="zh-CN" dirty="0" smtClean="0"/>
+          </a:p>
+          <a:p>
+            <a:pPr lvl="1"/>
+            <a:r>
+              <a:rPr lang="zh-CN" altLang="en-US" dirty="0" smtClean="0"/>
+              <a:t>缺</a:t>
+            </a:r>
+            <a:r>
+              <a:rPr lang="zh-CN" altLang="en-US" dirty="0"/>
+              <a:t>点</a:t>
             </a:r>
             <a:endParaRPr lang="en-US" altLang="zh-CN" dirty="0"/>
           </a:p>
           <a:p>
-            <a:pPr lvl="1"/>
+            <a:pPr lvl="2"/>
             <a:r>
               <a:rPr lang="zh-CN" altLang="en-US" dirty="0"/>
-              <a:t>缺点</a:t>
-            </a:r>
-            <a:endParaRPr lang="en-US" altLang="zh-CN" dirty="0"/>
+              <a:t>社区貌似不是很活</a:t>
+            </a:r>
+            <a:r>
+              <a:rPr lang="zh-CN" altLang="en-US" dirty="0" smtClean="0"/>
+              <a:t>跃</a:t>
+            </a:r>
+            <a:endParaRPr lang="en-US" altLang="zh-CN" dirty="0" smtClean="0"/>
           </a:p>
           <a:p>
             <a:pPr lvl="2"/>
             <a:r>
+              <a:rPr lang="zh-CN" altLang="en-US" dirty="0" smtClean="0"/>
+              <a:t>性能肯定不高</a:t>
+            </a:r>
+            <a:endParaRPr lang="en-US" altLang="zh-CN" dirty="0" smtClean="0"/>
+          </a:p>
+          <a:p>
+            <a:pPr lvl="2"/>
+            <a:r>
               <a:rPr lang="zh-CN" altLang="en-US" dirty="0"/>
-              <a:t>面</a:t>
+              <a:t>代码</a:t>
             </a:r>
             <a:r>
               <a:rPr lang="zh-CN" altLang="en-US" dirty="0" smtClean="0"/>
-              <a:t>向代码行数编程？</a:t>
-            </a:r>
-            <a:endParaRPr lang="en-US" dirty="0"/>
-          </a:p>
-          <a:p>
-            <a:pPr marL="0" indent="0">
-              <a:buNone/>
-            </a:pPr>
-            <a:endParaRPr lang="en-US" dirty="0"/>
-          </a:p>
-          <a:p>
+              <a:t>量很多</a:t>
+            </a:r>
             <a:endParaRPr lang="en-US" dirty="0"/>
           </a:p>
         </p:txBody>
@@ -39333,7 +40623,7 @@
         <p:spPr>
           <a:xfrm>
             <a:off x="946786" y="429273"/>
-            <a:ext cx="10311765" cy="657655"/>
+            <a:ext cx="10311765" cy="614523"/>
           </a:xfrm>
         </p:spPr>
         <p:txBody>
@@ -39341,8 +40631,12 @@
           <a:lstStyle/>
           <a:p>
             <a:r>
+              <a:rPr lang="en-US" dirty="0" err="1" smtClean="0"/>
+              <a:t>Nodejs</a:t>
+            </a:r>
+            <a:r>
               <a:rPr lang="en-US" dirty="0" smtClean="0"/>
-              <a:t>Spring Boot JPA</a:t>
+              <a:t> - Raw</a:t>
             </a:r>
             <a:endParaRPr lang="en-US" dirty="0"/>
           </a:p>
@@ -39351,7 +40645,7 @@
     </p:spTree>
     <p:extLst>
       <p:ext uri="{BB962C8B-B14F-4D97-AF65-F5344CB8AC3E}">
-        <p14:creationId xmlns:p14="http://schemas.microsoft.com/office/powerpoint/2010/main" val="1252640511"/>
+        <p14:creationId xmlns:p14="http://schemas.microsoft.com/office/powerpoint/2010/main" val="2248472207"/>
       </p:ext>
     </p:extLst>
   </p:cSld>
@@ -39397,8 +40691,8 @@
         </p:nvSpPr>
         <p:spPr>
           <a:xfrm>
-            <a:off x="946786" y="1000664"/>
-            <a:ext cx="10311765" cy="5179474"/>
+            <a:off x="946786" y="992038"/>
+            <a:ext cx="10311765" cy="5188100"/>
           </a:xfrm>
         </p:spPr>
         <p:txBody>
@@ -39411,7 +40705,7 @@
             </a:r>
             <a:r>
               <a:rPr lang="en-US" altLang="zh-CN" dirty="0"/>
-              <a:t>Spring MVC</a:t>
+              <a:t>Express</a:t>
             </a:r>
             <a:endParaRPr lang="en-US" dirty="0"/>
           </a:p>
@@ -39421,23 +40715,15 @@
               <a:t>ORM: </a:t>
             </a:r>
             <a:r>
-              <a:rPr lang="en-US" altLang="zh-CN" dirty="0" err="1" smtClean="0"/>
-              <a:t>Mybatis</a:t>
+              <a:rPr lang="en-US" dirty="0" err="1"/>
+              <a:t>Sequelize</a:t>
             </a:r>
             <a:endParaRPr lang="en-US" dirty="0"/>
           </a:p>
           <a:p>
             <a:r>
               <a:rPr lang="en-US" dirty="0"/>
-              <a:t>Effort: </a:t>
-            </a:r>
-            <a:r>
-              <a:rPr lang="en-US" altLang="zh-CN" dirty="0"/>
-              <a:t>1</a:t>
-            </a:r>
-            <a:r>
-              <a:rPr lang="en-US" dirty="0"/>
-              <a:t> days</a:t>
+              <a:t>Effort: 1-2 days</a:t>
             </a:r>
           </a:p>
           <a:p>
@@ -39458,81 +40744,72 @@
             <a:pPr lvl="2"/>
             <a:r>
               <a:rPr lang="zh-CN" altLang="en-US" dirty="0"/>
-              <a:t>会 </a:t>
+              <a:t>用</a:t>
             </a:r>
             <a:r>
               <a:rPr lang="en-US" altLang="zh-CN" dirty="0"/>
-              <a:t>Java </a:t>
+              <a:t> JS </a:t>
             </a:r>
             <a:r>
               <a:rPr lang="zh-CN" altLang="en-US" dirty="0"/>
-              <a:t>学习成本低</a:t>
+              <a:t>编程，学习效率高</a:t>
             </a:r>
             <a:endParaRPr lang="en-US" altLang="zh-CN" dirty="0"/>
           </a:p>
           <a:p>
+            <a:pPr lvl="1"/>
+            <a:r>
+              <a:rPr lang="zh-CN" altLang="en-US" dirty="0"/>
+              <a:t>缺点</a:t>
+            </a:r>
+            <a:endParaRPr lang="en-US" altLang="zh-CN" dirty="0"/>
+          </a:p>
+          <a:p>
             <a:pPr lvl="2"/>
             <a:r>
               <a:rPr lang="zh-CN" altLang="en-US" dirty="0"/>
-              <a:t>自</a:t>
+              <a:t>社区貌似不是很活跃</a:t>
+            </a:r>
+            <a:endParaRPr lang="en-US" altLang="zh-CN" dirty="0"/>
+          </a:p>
+          <a:p>
+            <a:pPr lvl="2"/>
+            <a:r>
+              <a:rPr lang="zh-CN" altLang="en-US" dirty="0"/>
+              <a:t>性能肯定不高</a:t>
+            </a:r>
+            <a:endParaRPr lang="en-US" altLang="zh-CN" dirty="0"/>
+          </a:p>
+          <a:p>
+            <a:pPr lvl="2"/>
+            <a:r>
+              <a:rPr lang="zh-CN" altLang="en-US" dirty="0"/>
+              <a:t>代码量很</a:t>
             </a:r>
             <a:r>
               <a:rPr lang="zh-CN" altLang="en-US" dirty="0" smtClean="0"/>
-              <a:t>己写 </a:t>
+              <a:t>多</a:t>
+            </a:r>
+            <a:endParaRPr lang="en-US" altLang="zh-CN" dirty="0" smtClean="0"/>
+          </a:p>
+          <a:p>
+            <a:pPr lvl="2"/>
+            <a:r>
+              <a:rPr lang="zh-CN" altLang="en-US" dirty="0"/>
+              <a:t>对</a:t>
+            </a:r>
+            <a:r>
+              <a:rPr lang="zh-CN" altLang="en-US" dirty="0" smtClean="0"/>
+              <a:t>于我来说，学习 </a:t>
             </a:r>
             <a:r>
               <a:rPr lang="en-US" altLang="zh-CN" dirty="0" smtClean="0"/>
-              <a:t>SQL</a:t>
+              <a:t>ORM </a:t>
             </a:r>
             <a:r>
               <a:rPr lang="zh-CN" altLang="en-US" dirty="0" smtClean="0"/>
-              <a:t>，性能好</a:t>
-            </a:r>
-            <a:endParaRPr lang="en-US" altLang="zh-CN" dirty="0" smtClean="0"/>
-          </a:p>
-          <a:p>
-            <a:pPr lvl="1"/>
-            <a:r>
-              <a:rPr lang="zh-CN" altLang="en-US" dirty="0" smtClean="0"/>
-              <a:t>缺点</a:t>
-            </a:r>
-            <a:endParaRPr lang="en-US" altLang="zh-CN" dirty="0" smtClean="0"/>
-          </a:p>
-          <a:p>
-            <a:pPr lvl="2"/>
-            <a:r>
-              <a:rPr lang="zh-CN" altLang="en-US" dirty="0" smtClean="0"/>
-              <a:t>要自己写 </a:t>
-            </a:r>
-            <a:r>
-              <a:rPr lang="en-US" altLang="zh-CN" dirty="0" smtClean="0"/>
-              <a:t>SQL</a:t>
-            </a:r>
-            <a:r>
-              <a:rPr lang="zh-CN" altLang="en-US" dirty="0" smtClean="0"/>
-              <a:t>，效</a:t>
-            </a:r>
-            <a:r>
-              <a:rPr lang="zh-CN" altLang="en-US" dirty="0" smtClean="0"/>
-              <a:t>率低</a:t>
-            </a:r>
-            <a:endParaRPr lang="en-US" altLang="zh-CN" dirty="0"/>
-          </a:p>
-          <a:p>
-            <a:pPr lvl="2"/>
-            <a:r>
-              <a:rPr lang="zh-CN" altLang="en-US" dirty="0"/>
-              <a:t>面向代码行数编程？</a:t>
-            </a:r>
-            <a:endParaRPr lang="en-US" dirty="0"/>
-          </a:p>
-          <a:p>
-            <a:pPr marL="0" indent="0">
-              <a:buNone/>
-            </a:pPr>
-            <a:endParaRPr lang="en-US" dirty="0"/>
-          </a:p>
-          <a:p>
+              <a:t>框架又花去好些时间</a:t>
+            </a:r>
             <a:endParaRPr lang="en-US" dirty="0"/>
           </a:p>
           <a:p>
@@ -39577,7 +40854,7 @@
         <p:spPr>
           <a:xfrm>
             <a:off x="946786" y="429273"/>
-            <a:ext cx="10311765" cy="571391"/>
+            <a:ext cx="10311765" cy="657655"/>
           </a:xfrm>
         </p:spPr>
         <p:txBody>
@@ -39585,12 +40862,16 @@
           <a:lstStyle/>
           <a:p>
             <a:r>
-              <a:rPr lang="en-US" dirty="0" smtClean="0"/>
-              <a:t>Spring Boot </a:t>
-            </a:r>
-            <a:r>
               <a:rPr lang="en-US" dirty="0" err="1" smtClean="0"/>
-              <a:t>Mybatis</a:t>
+              <a:t>Nodejs</a:t>
+            </a:r>
+            <a:r>
+              <a:rPr lang="en-US" dirty="0"/>
+              <a:t> - </a:t>
+            </a:r>
+            <a:r>
+              <a:rPr lang="en-US" dirty="0" err="1" smtClean="0"/>
+              <a:t>Sequelize</a:t>
             </a:r>
             <a:endParaRPr lang="en-US" dirty="0"/>
           </a:p>
@@ -39599,7 +40880,7 @@
     </p:spTree>
     <p:extLst>
       <p:ext uri="{BB962C8B-B14F-4D97-AF65-F5344CB8AC3E}">
-        <p14:creationId xmlns:p14="http://schemas.microsoft.com/office/powerpoint/2010/main" val="3429922211"/>
+        <p14:creationId xmlns:p14="http://schemas.microsoft.com/office/powerpoint/2010/main" val="2481380691"/>
       </p:ext>
     </p:extLst>
   </p:cSld>
@@ -39645,8 +40926,8 @@
         </p:nvSpPr>
         <p:spPr>
           <a:xfrm>
-            <a:off x="946786" y="1190445"/>
-            <a:ext cx="10311765" cy="4989693"/>
+            <a:off x="946786" y="1095555"/>
+            <a:ext cx="10311765" cy="5084583"/>
           </a:xfrm>
         </p:spPr>
         <p:txBody>
@@ -39654,35 +40935,123 @@
           <a:lstStyle/>
           <a:p>
             <a:r>
+              <a:rPr lang="en-US" dirty="0"/>
+              <a:t>Web framework: </a:t>
+            </a:r>
+            <a:r>
               <a:rPr lang="en-US" altLang="zh-CN" dirty="0" smtClean="0"/>
-              <a:t>Django </a:t>
+              <a:t>Gin</a:t>
+            </a:r>
+            <a:endParaRPr lang="en-US" dirty="0"/>
+          </a:p>
+          <a:p>
+            <a:r>
+              <a:rPr lang="en-US" dirty="0"/>
+              <a:t>ORM: </a:t>
+            </a:r>
+            <a:r>
+              <a:rPr lang="en-US" dirty="0" err="1" smtClean="0"/>
+              <a:t>Gorm</a:t>
+            </a:r>
+            <a:endParaRPr lang="en-US" dirty="0"/>
+          </a:p>
+          <a:p>
+            <a:r>
+              <a:rPr lang="en-US" dirty="0"/>
+              <a:t>Effort: </a:t>
+            </a:r>
+            <a:r>
+              <a:rPr lang="en-US" altLang="zh-CN" dirty="0" smtClean="0"/>
+              <a:t>2</a:t>
+            </a:r>
+            <a:r>
+              <a:rPr lang="en-US" dirty="0" smtClean="0"/>
+              <a:t>-</a:t>
+            </a:r>
+            <a:r>
+              <a:rPr lang="en-US" altLang="zh-CN" dirty="0" smtClean="0"/>
+              <a:t>3</a:t>
+            </a:r>
+            <a:r>
+              <a:rPr lang="en-US" dirty="0" smtClean="0"/>
+              <a:t> </a:t>
+            </a:r>
+            <a:r>
+              <a:rPr lang="en-US" dirty="0"/>
+              <a:t>days</a:t>
+            </a:r>
+          </a:p>
+          <a:p>
+            <a:r>
+              <a:rPr lang="en-US" dirty="0"/>
+              <a:t>Compare to Django</a:t>
+            </a:r>
+          </a:p>
+          <a:p>
+            <a:pPr lvl="1"/>
+            <a:r>
+              <a:rPr lang="zh-CN" altLang="en-US" dirty="0"/>
+              <a:t>优点</a:t>
+            </a:r>
+            <a:endParaRPr lang="en-US" altLang="zh-CN" dirty="0"/>
+          </a:p>
+          <a:p>
+            <a:pPr lvl="2"/>
+            <a:r>
+              <a:rPr lang="en-US" altLang="zh-CN" dirty="0" smtClean="0"/>
+              <a:t>Go </a:t>
             </a:r>
             <a:r>
               <a:rPr lang="zh-CN" altLang="en-US" dirty="0" smtClean="0"/>
-              <a:t>的代码量最少，但是有学习成本</a:t>
+              <a:t>语言现在非常火，可以学习下</a:t>
             </a:r>
             <a:endParaRPr lang="en-US" altLang="zh-CN" dirty="0" smtClean="0"/>
           </a:p>
           <a:p>
+            <a:pPr lvl="2"/>
+            <a:r>
+              <a:rPr lang="en-US" altLang="zh-CN" dirty="0" smtClean="0"/>
+              <a:t>Go </a:t>
+            </a:r>
             <a:r>
               <a:rPr lang="zh-CN" altLang="en-US" dirty="0" smtClean="0"/>
-              <a:t>没事别瞎折腾，</a:t>
+              <a:t>语言的运行效率高</a:t>
+            </a:r>
+            <a:endParaRPr lang="en-US" altLang="zh-CN" dirty="0"/>
+          </a:p>
+          <a:p>
+            <a:pPr lvl="1"/>
+            <a:r>
+              <a:rPr lang="zh-CN" altLang="en-US" dirty="0"/>
+              <a:t>缺点</a:t>
+            </a:r>
+            <a:endParaRPr lang="en-US" altLang="zh-CN" dirty="0"/>
+          </a:p>
+          <a:p>
+            <a:pPr lvl="2"/>
+            <a:r>
+              <a:rPr lang="zh-CN" altLang="en-US" dirty="0" smtClean="0"/>
+              <a:t>学习成本高，会 </a:t>
             </a:r>
             <a:r>
               <a:rPr lang="en-US" altLang="zh-CN" dirty="0" smtClean="0"/>
-              <a:t>Java </a:t>
+              <a:t>C </a:t>
             </a:r>
             <a:r>
               <a:rPr lang="zh-CN" altLang="en-US" dirty="0" smtClean="0"/>
-              <a:t>挺好的</a:t>
+              <a:t>可能会简单些</a:t>
             </a:r>
             <a:endParaRPr lang="en-US" altLang="zh-CN" dirty="0" smtClean="0"/>
           </a:p>
           <a:p>
-            <a:r>
-              <a:rPr lang="zh-CN" altLang="en-US" dirty="0"/>
-              <a:t>完</a:t>
-            </a:r>
+            <a:pPr lvl="2"/>
+            <a:r>
+              <a:rPr lang="zh-CN" altLang="en-US" dirty="0" smtClean="0"/>
+              <a:t>代码量很多</a:t>
+            </a:r>
+            <a:endParaRPr lang="en-US" dirty="0"/>
+          </a:p>
+          <a:p>
             <a:endParaRPr lang="en-US" dirty="0"/>
           </a:p>
         </p:txBody>
@@ -39706,6 +41075,626 @@
               <a:rPr lang="en-US" smtClean="0"/>
               <a:pPr/>
               <a:t>24</a:t>
+            </a:fld>
+            <a:endParaRPr lang="en-US" dirty="0"/>
+          </a:p>
+        </p:txBody>
+      </p:sp>
+      <p:sp>
+        <p:nvSpPr>
+          <p:cNvPr id="4" name="Title 3"/>
+          <p:cNvSpPr>
+            <a:spLocks noGrp="1"/>
+          </p:cNvSpPr>
+          <p:nvPr>
+            <p:ph type="title"/>
+          </p:nvPr>
+        </p:nvSpPr>
+        <p:spPr>
+          <a:xfrm>
+            <a:off x="946786" y="429273"/>
+            <a:ext cx="10311765" cy="580018"/>
+          </a:xfrm>
+        </p:spPr>
+        <p:txBody>
+          <a:bodyPr/>
+          <a:lstStyle/>
+          <a:p>
+            <a:r>
+              <a:rPr lang="en-US" dirty="0" smtClean="0"/>
+              <a:t>Gin</a:t>
+            </a:r>
+            <a:endParaRPr lang="en-US" dirty="0"/>
+          </a:p>
+        </p:txBody>
+      </p:sp>
+    </p:spTree>
+    <p:extLst>
+      <p:ext uri="{BB962C8B-B14F-4D97-AF65-F5344CB8AC3E}">
+        <p14:creationId xmlns:p14="http://schemas.microsoft.com/office/powerpoint/2010/main" val="2964697328"/>
+      </p:ext>
+    </p:extLst>
+  </p:cSld>
+  <p:clrMapOvr>
+    <a:masterClrMapping/>
+  </p:clrMapOvr>
+  <p:timing>
+    <p:tnLst>
+      <p:par>
+        <p:cTn id="1" dur="indefinite" restart="never" nodeType="tmRoot"/>
+      </p:par>
+    </p:tnLst>
+  </p:timing>
+</p:sld>
+</file>
+
+<file path=ppt/slides/slide25.xml><?xml version="1.0" encoding="utf-8"?>
+<p:sld xmlns:a="http://schemas.openxmlformats.org/drawingml/2006/main" xmlns:r="http://schemas.openxmlformats.org/officeDocument/2006/relationships" xmlns:p="http://schemas.openxmlformats.org/presentationml/2006/main">
+  <p:cSld>
+    <p:spTree>
+      <p:nvGrpSpPr>
+        <p:cNvPr id="1" name=""/>
+        <p:cNvGrpSpPr/>
+        <p:nvPr/>
+      </p:nvGrpSpPr>
+      <p:grpSpPr>
+        <a:xfrm>
+          <a:off x="0" y="0"/>
+          <a:ext cx="0" cy="0"/>
+          <a:chOff x="0" y="0"/>
+          <a:chExt cx="0" cy="0"/>
+        </a:xfrm>
+      </p:grpSpPr>
+      <p:sp>
+        <p:nvSpPr>
+          <p:cNvPr id="2" name="Content Placeholder 1"/>
+          <p:cNvSpPr>
+            <a:spLocks noGrp="1"/>
+          </p:cNvSpPr>
+          <p:nvPr>
+            <p:ph idx="1"/>
+          </p:nvPr>
+        </p:nvSpPr>
+        <p:spPr>
+          <a:xfrm>
+            <a:off x="946786" y="1147313"/>
+            <a:ext cx="10311765" cy="5032825"/>
+          </a:xfrm>
+        </p:spPr>
+        <p:txBody>
+          <a:bodyPr/>
+          <a:lstStyle/>
+          <a:p>
+            <a:r>
+              <a:rPr lang="en-US" dirty="0"/>
+              <a:t>Web framework: </a:t>
+            </a:r>
+            <a:r>
+              <a:rPr lang="en-US" altLang="zh-CN" dirty="0" smtClean="0"/>
+              <a:t>Spring MVC</a:t>
+            </a:r>
+            <a:endParaRPr lang="en-US" dirty="0"/>
+          </a:p>
+          <a:p>
+            <a:r>
+              <a:rPr lang="en-US" dirty="0"/>
+              <a:t>ORM: </a:t>
+            </a:r>
+            <a:r>
+              <a:rPr lang="en-US" dirty="0" smtClean="0"/>
+              <a:t>JAP</a:t>
+            </a:r>
+            <a:endParaRPr lang="en-US" dirty="0"/>
+          </a:p>
+          <a:p>
+            <a:r>
+              <a:rPr lang="en-US" dirty="0"/>
+              <a:t>Effort: </a:t>
+            </a:r>
+            <a:r>
+              <a:rPr lang="en-US" altLang="zh-CN" dirty="0" smtClean="0"/>
+              <a:t>1</a:t>
+            </a:r>
+            <a:r>
+              <a:rPr lang="en-US" dirty="0" smtClean="0"/>
+              <a:t> </a:t>
+            </a:r>
+            <a:r>
+              <a:rPr lang="en-US" dirty="0"/>
+              <a:t>days</a:t>
+            </a:r>
+          </a:p>
+          <a:p>
+            <a:r>
+              <a:rPr lang="en-US" dirty="0"/>
+              <a:t>Compare to Django</a:t>
+            </a:r>
+          </a:p>
+          <a:p>
+            <a:pPr lvl="1"/>
+            <a:r>
+              <a:rPr lang="zh-CN" altLang="en-US" dirty="0"/>
+              <a:t>优点</a:t>
+            </a:r>
+            <a:endParaRPr lang="en-US" altLang="zh-CN" dirty="0"/>
+          </a:p>
+          <a:p>
+            <a:pPr lvl="2"/>
+            <a:r>
+              <a:rPr lang="zh-CN" altLang="en-US" dirty="0" smtClean="0"/>
+              <a:t>会 </a:t>
+            </a:r>
+            <a:r>
+              <a:rPr lang="en-US" altLang="zh-CN" dirty="0" smtClean="0"/>
+              <a:t>Java </a:t>
+            </a:r>
+            <a:r>
+              <a:rPr lang="zh-CN" altLang="en-US" dirty="0" smtClean="0"/>
+              <a:t>学习成本低</a:t>
+            </a:r>
+            <a:endParaRPr lang="en-US" altLang="zh-CN" dirty="0" smtClean="0"/>
+          </a:p>
+          <a:p>
+            <a:pPr lvl="2"/>
+            <a:r>
+              <a:rPr lang="en-US" altLang="zh-CN" dirty="0" smtClean="0"/>
+              <a:t>JPA </a:t>
+            </a:r>
+            <a:r>
+              <a:rPr lang="zh-CN" altLang="en-US" dirty="0" smtClean="0"/>
+              <a:t>封装的比较好，简单的</a:t>
+            </a:r>
+            <a:r>
+              <a:rPr lang="en-US" altLang="zh-CN" dirty="0"/>
+              <a:t> </a:t>
+            </a:r>
+            <a:r>
+              <a:rPr lang="en-US" altLang="zh-CN" dirty="0" smtClean="0"/>
+              <a:t>CRUD </a:t>
+            </a:r>
+            <a:r>
+              <a:rPr lang="zh-CN" altLang="en-US" dirty="0" smtClean="0"/>
+              <a:t>很容易</a:t>
+            </a:r>
+            <a:endParaRPr lang="en-US" altLang="zh-CN" dirty="0"/>
+          </a:p>
+          <a:p>
+            <a:pPr lvl="1"/>
+            <a:r>
+              <a:rPr lang="zh-CN" altLang="en-US" dirty="0"/>
+              <a:t>缺点</a:t>
+            </a:r>
+            <a:endParaRPr lang="en-US" altLang="zh-CN" dirty="0"/>
+          </a:p>
+          <a:p>
+            <a:pPr lvl="2"/>
+            <a:r>
+              <a:rPr lang="zh-CN" altLang="en-US" dirty="0"/>
+              <a:t>面</a:t>
+            </a:r>
+            <a:r>
+              <a:rPr lang="zh-CN" altLang="en-US" dirty="0" smtClean="0"/>
+              <a:t>向代码行数编程？</a:t>
+            </a:r>
+            <a:endParaRPr lang="en-US" dirty="0"/>
+          </a:p>
+          <a:p>
+            <a:pPr marL="0" indent="0">
+              <a:buNone/>
+            </a:pPr>
+            <a:endParaRPr lang="en-US" dirty="0"/>
+          </a:p>
+          <a:p>
+            <a:endParaRPr lang="en-US" dirty="0"/>
+          </a:p>
+        </p:txBody>
+      </p:sp>
+      <p:sp>
+        <p:nvSpPr>
+          <p:cNvPr id="3" name="Slide Number Placeholder 2"/>
+          <p:cNvSpPr>
+            <a:spLocks noGrp="1"/>
+          </p:cNvSpPr>
+          <p:nvPr>
+            <p:ph type="sldNum" sz="quarter" idx="4"/>
+          </p:nvPr>
+        </p:nvSpPr>
+        <p:spPr/>
+        <p:txBody>
+          <a:bodyPr/>
+          <a:lstStyle/>
+          <a:p>
+            <a:fld id="{0FB999A9-77CE-4AD1-9911-24A29F08BC34}" type="slidenum">
+              <a:rPr lang="en-US" smtClean="0"/>
+              <a:pPr/>
+              <a:t>25</a:t>
+            </a:fld>
+            <a:endParaRPr lang="en-US" dirty="0"/>
+          </a:p>
+        </p:txBody>
+      </p:sp>
+      <p:sp>
+        <p:nvSpPr>
+          <p:cNvPr id="4" name="Title 3"/>
+          <p:cNvSpPr>
+            <a:spLocks noGrp="1"/>
+          </p:cNvSpPr>
+          <p:nvPr>
+            <p:ph type="title"/>
+          </p:nvPr>
+        </p:nvSpPr>
+        <p:spPr>
+          <a:xfrm>
+            <a:off x="946786" y="429273"/>
+            <a:ext cx="10311765" cy="657655"/>
+          </a:xfrm>
+        </p:spPr>
+        <p:txBody>
+          <a:bodyPr/>
+          <a:lstStyle/>
+          <a:p>
+            <a:r>
+              <a:rPr lang="en-US" dirty="0" smtClean="0"/>
+              <a:t>Spring Boot JPA</a:t>
+            </a:r>
+            <a:endParaRPr lang="en-US" dirty="0"/>
+          </a:p>
+        </p:txBody>
+      </p:sp>
+    </p:spTree>
+    <p:extLst>
+      <p:ext uri="{BB962C8B-B14F-4D97-AF65-F5344CB8AC3E}">
+        <p14:creationId xmlns:p14="http://schemas.microsoft.com/office/powerpoint/2010/main" val="1252640511"/>
+      </p:ext>
+    </p:extLst>
+  </p:cSld>
+  <p:clrMapOvr>
+    <a:masterClrMapping/>
+  </p:clrMapOvr>
+  <p:timing>
+    <p:tnLst>
+      <p:par>
+        <p:cTn id="1" dur="indefinite" restart="never" nodeType="tmRoot"/>
+      </p:par>
+    </p:tnLst>
+  </p:timing>
+</p:sld>
+</file>
+
+<file path=ppt/slides/slide26.xml><?xml version="1.0" encoding="utf-8"?>
+<p:sld xmlns:a="http://schemas.openxmlformats.org/drawingml/2006/main" xmlns:r="http://schemas.openxmlformats.org/officeDocument/2006/relationships" xmlns:p="http://schemas.openxmlformats.org/presentationml/2006/main">
+  <p:cSld>
+    <p:spTree>
+      <p:nvGrpSpPr>
+        <p:cNvPr id="1" name=""/>
+        <p:cNvGrpSpPr/>
+        <p:nvPr/>
+      </p:nvGrpSpPr>
+      <p:grpSpPr>
+        <a:xfrm>
+          <a:off x="0" y="0"/>
+          <a:ext cx="0" cy="0"/>
+          <a:chOff x="0" y="0"/>
+          <a:chExt cx="0" cy="0"/>
+        </a:xfrm>
+      </p:grpSpPr>
+      <p:sp>
+        <p:nvSpPr>
+          <p:cNvPr id="2" name="Content Placeholder 1"/>
+          <p:cNvSpPr>
+            <a:spLocks noGrp="1"/>
+          </p:cNvSpPr>
+          <p:nvPr>
+            <p:ph idx="1"/>
+          </p:nvPr>
+        </p:nvSpPr>
+        <p:spPr>
+          <a:xfrm>
+            <a:off x="946786" y="1000664"/>
+            <a:ext cx="10311765" cy="5179474"/>
+          </a:xfrm>
+        </p:spPr>
+        <p:txBody>
+          <a:bodyPr/>
+          <a:lstStyle/>
+          <a:p>
+            <a:r>
+              <a:rPr lang="en-US" dirty="0"/>
+              <a:t>Web framework: </a:t>
+            </a:r>
+            <a:r>
+              <a:rPr lang="en-US" altLang="zh-CN" dirty="0"/>
+              <a:t>Spring MVC</a:t>
+            </a:r>
+            <a:endParaRPr lang="en-US" dirty="0"/>
+          </a:p>
+          <a:p>
+            <a:r>
+              <a:rPr lang="en-US" dirty="0"/>
+              <a:t>ORM: </a:t>
+            </a:r>
+            <a:r>
+              <a:rPr lang="en-US" altLang="zh-CN" dirty="0" err="1" smtClean="0"/>
+              <a:t>Mybatis</a:t>
+            </a:r>
+            <a:endParaRPr lang="en-US" dirty="0"/>
+          </a:p>
+          <a:p>
+            <a:r>
+              <a:rPr lang="en-US" dirty="0"/>
+              <a:t>Effort: </a:t>
+            </a:r>
+            <a:r>
+              <a:rPr lang="en-US" altLang="zh-CN" dirty="0"/>
+              <a:t>1</a:t>
+            </a:r>
+            <a:r>
+              <a:rPr lang="en-US" dirty="0"/>
+              <a:t> days</a:t>
+            </a:r>
+          </a:p>
+          <a:p>
+            <a:r>
+              <a:rPr lang="en-US" dirty="0"/>
+              <a:t>Compare to Django</a:t>
+            </a:r>
+          </a:p>
+          <a:p>
+            <a:pPr lvl="1"/>
+            <a:r>
+              <a:rPr lang="zh-CN" altLang="en-US" dirty="0"/>
+              <a:t>优点</a:t>
+            </a:r>
+            <a:endParaRPr lang="en-US" altLang="zh-CN" dirty="0"/>
+          </a:p>
+          <a:p>
+            <a:pPr lvl="2"/>
+            <a:r>
+              <a:rPr lang="zh-CN" altLang="en-US" dirty="0"/>
+              <a:t>会 </a:t>
+            </a:r>
+            <a:r>
+              <a:rPr lang="en-US" altLang="zh-CN" dirty="0"/>
+              <a:t>Java </a:t>
+            </a:r>
+            <a:r>
+              <a:rPr lang="zh-CN" altLang="en-US" dirty="0"/>
+              <a:t>学习成本低</a:t>
+            </a:r>
+            <a:endParaRPr lang="en-US" altLang="zh-CN" dirty="0"/>
+          </a:p>
+          <a:p>
+            <a:pPr lvl="2"/>
+            <a:r>
+              <a:rPr lang="zh-CN" altLang="en-US" dirty="0"/>
+              <a:t>自</a:t>
+            </a:r>
+            <a:r>
+              <a:rPr lang="zh-CN" altLang="en-US" dirty="0" smtClean="0"/>
+              <a:t>己写 </a:t>
+            </a:r>
+            <a:r>
+              <a:rPr lang="en-US" altLang="zh-CN" dirty="0" smtClean="0"/>
+              <a:t>SQL</a:t>
+            </a:r>
+            <a:r>
+              <a:rPr lang="zh-CN" altLang="en-US" dirty="0" smtClean="0"/>
+              <a:t>，性能好</a:t>
+            </a:r>
+            <a:endParaRPr lang="en-US" altLang="zh-CN" dirty="0" smtClean="0"/>
+          </a:p>
+          <a:p>
+            <a:pPr lvl="1"/>
+            <a:r>
+              <a:rPr lang="zh-CN" altLang="en-US" dirty="0" smtClean="0"/>
+              <a:t>缺点</a:t>
+            </a:r>
+            <a:endParaRPr lang="en-US" altLang="zh-CN" dirty="0" smtClean="0"/>
+          </a:p>
+          <a:p>
+            <a:pPr lvl="2"/>
+            <a:r>
+              <a:rPr lang="zh-CN" altLang="en-US" dirty="0" smtClean="0"/>
+              <a:t>要自己写 </a:t>
+            </a:r>
+            <a:r>
+              <a:rPr lang="en-US" altLang="zh-CN" dirty="0" smtClean="0"/>
+              <a:t>SQL</a:t>
+            </a:r>
+            <a:r>
+              <a:rPr lang="zh-CN" altLang="en-US" dirty="0" smtClean="0"/>
+              <a:t>，效率低</a:t>
+            </a:r>
+            <a:endParaRPr lang="en-US" altLang="zh-CN" dirty="0"/>
+          </a:p>
+          <a:p>
+            <a:pPr lvl="2"/>
+            <a:r>
+              <a:rPr lang="zh-CN" altLang="en-US" dirty="0"/>
+              <a:t>面向代码行数编程？</a:t>
+            </a:r>
+            <a:endParaRPr lang="en-US" dirty="0"/>
+          </a:p>
+          <a:p>
+            <a:pPr marL="0" indent="0">
+              <a:buNone/>
+            </a:pPr>
+            <a:endParaRPr lang="en-US" dirty="0"/>
+          </a:p>
+          <a:p>
+            <a:endParaRPr lang="en-US" dirty="0"/>
+          </a:p>
+          <a:p>
+            <a:endParaRPr lang="en-US" dirty="0"/>
+          </a:p>
+        </p:txBody>
+      </p:sp>
+      <p:sp>
+        <p:nvSpPr>
+          <p:cNvPr id="3" name="Slide Number Placeholder 2"/>
+          <p:cNvSpPr>
+            <a:spLocks noGrp="1"/>
+          </p:cNvSpPr>
+          <p:nvPr>
+            <p:ph type="sldNum" sz="quarter" idx="4"/>
+          </p:nvPr>
+        </p:nvSpPr>
+        <p:spPr/>
+        <p:txBody>
+          <a:bodyPr/>
+          <a:lstStyle/>
+          <a:p>
+            <a:fld id="{0FB999A9-77CE-4AD1-9911-24A29F08BC34}" type="slidenum">
+              <a:rPr lang="en-US" smtClean="0"/>
+              <a:pPr/>
+              <a:t>26</a:t>
+            </a:fld>
+            <a:endParaRPr lang="en-US" dirty="0"/>
+          </a:p>
+        </p:txBody>
+      </p:sp>
+      <p:sp>
+        <p:nvSpPr>
+          <p:cNvPr id="4" name="Title 3"/>
+          <p:cNvSpPr>
+            <a:spLocks noGrp="1"/>
+          </p:cNvSpPr>
+          <p:nvPr>
+            <p:ph type="title"/>
+          </p:nvPr>
+        </p:nvSpPr>
+        <p:spPr>
+          <a:xfrm>
+            <a:off x="946786" y="429273"/>
+            <a:ext cx="10311765" cy="571391"/>
+          </a:xfrm>
+        </p:spPr>
+        <p:txBody>
+          <a:bodyPr/>
+          <a:lstStyle/>
+          <a:p>
+            <a:r>
+              <a:rPr lang="en-US" dirty="0" smtClean="0"/>
+              <a:t>Spring Boot </a:t>
+            </a:r>
+            <a:r>
+              <a:rPr lang="en-US" dirty="0" err="1" smtClean="0"/>
+              <a:t>Mybatis</a:t>
+            </a:r>
+            <a:endParaRPr lang="en-US" dirty="0"/>
+          </a:p>
+        </p:txBody>
+      </p:sp>
+    </p:spTree>
+    <p:extLst>
+      <p:ext uri="{BB962C8B-B14F-4D97-AF65-F5344CB8AC3E}">
+        <p14:creationId xmlns:p14="http://schemas.microsoft.com/office/powerpoint/2010/main" val="3429922211"/>
+      </p:ext>
+    </p:extLst>
+  </p:cSld>
+  <p:clrMapOvr>
+    <a:masterClrMapping/>
+  </p:clrMapOvr>
+  <p:timing>
+    <p:tnLst>
+      <p:par>
+        <p:cTn id="1" dur="indefinite" restart="never" nodeType="tmRoot"/>
+      </p:par>
+    </p:tnLst>
+  </p:timing>
+</p:sld>
+</file>
+
+<file path=ppt/slides/slide27.xml><?xml version="1.0" encoding="utf-8"?>
+<p:sld xmlns:a="http://schemas.openxmlformats.org/drawingml/2006/main" xmlns:r="http://schemas.openxmlformats.org/officeDocument/2006/relationships" xmlns:p="http://schemas.openxmlformats.org/presentationml/2006/main">
+  <p:cSld>
+    <p:spTree>
+      <p:nvGrpSpPr>
+        <p:cNvPr id="1" name=""/>
+        <p:cNvGrpSpPr/>
+        <p:nvPr/>
+      </p:nvGrpSpPr>
+      <p:grpSpPr>
+        <a:xfrm>
+          <a:off x="0" y="0"/>
+          <a:ext cx="0" cy="0"/>
+          <a:chOff x="0" y="0"/>
+          <a:chExt cx="0" cy="0"/>
+        </a:xfrm>
+      </p:grpSpPr>
+      <p:sp>
+        <p:nvSpPr>
+          <p:cNvPr id="2" name="Content Placeholder 1"/>
+          <p:cNvSpPr>
+            <a:spLocks noGrp="1"/>
+          </p:cNvSpPr>
+          <p:nvPr>
+            <p:ph idx="1"/>
+          </p:nvPr>
+        </p:nvSpPr>
+        <p:spPr>
+          <a:xfrm>
+            <a:off x="946786" y="1190445"/>
+            <a:ext cx="10311765" cy="4989693"/>
+          </a:xfrm>
+        </p:spPr>
+        <p:txBody>
+          <a:bodyPr/>
+          <a:lstStyle/>
+          <a:p>
+            <a:r>
+              <a:rPr lang="en-US" altLang="zh-CN" dirty="0" smtClean="0"/>
+              <a:t>Django </a:t>
+            </a:r>
+            <a:r>
+              <a:rPr lang="zh-CN" altLang="en-US" dirty="0" smtClean="0"/>
+              <a:t>的代码量最少，但是有学习成本</a:t>
+            </a:r>
+            <a:endParaRPr lang="en-US" altLang="zh-CN" dirty="0" smtClean="0"/>
+          </a:p>
+          <a:p>
+            <a:r>
+              <a:rPr lang="zh-CN" altLang="en-US" dirty="0" smtClean="0"/>
+              <a:t>没事别瞎折腾，</a:t>
+            </a:r>
+            <a:r>
+              <a:rPr lang="en-US" altLang="zh-CN" dirty="0" smtClean="0"/>
+              <a:t>Java </a:t>
+            </a:r>
+            <a:r>
+              <a:rPr lang="zh-CN" altLang="en-US" dirty="0" smtClean="0"/>
+              <a:t>挺好的</a:t>
+            </a:r>
+            <a:endParaRPr lang="en-US" altLang="zh-CN" dirty="0" smtClean="0"/>
+          </a:p>
+          <a:p>
+            <a:r>
+              <a:rPr lang="zh-CN" altLang="en-US" dirty="0"/>
+              <a:t>完</a:t>
+            </a:r>
+            <a:endParaRPr lang="en-US" dirty="0"/>
+          </a:p>
+        </p:txBody>
+      </p:sp>
+      <p:sp>
+        <p:nvSpPr>
+          <p:cNvPr id="3" name="Slide Number Placeholder 2"/>
+          <p:cNvSpPr>
+            <a:spLocks noGrp="1"/>
+          </p:cNvSpPr>
+          <p:nvPr>
+            <p:ph type="sldNum" sz="quarter" idx="4"/>
+          </p:nvPr>
+        </p:nvSpPr>
+        <p:spPr/>
+        <p:txBody>
+          <a:bodyPr/>
+          <a:lstStyle/>
+          <a:p>
+            <a:fld id="{0FB999A9-77CE-4AD1-9911-24A29F08BC34}" type="slidenum">
+              <a:rPr lang="en-US" smtClean="0"/>
+              <a:pPr/>
+              <a:t>27</a:t>
             </a:fld>
             <a:endParaRPr lang="en-US" dirty="0"/>
           </a:p>
@@ -40127,7 +42116,7 @@
 </p:sld>
 </file>
 
-<file path=ppt/slides/slide25.xml><?xml version="1.0" encoding="utf-8"?>
+<file path=ppt/slides/slide28.xml><?xml version="1.0" encoding="utf-8"?>
 <p:sld xmlns:a="http://schemas.openxmlformats.org/drawingml/2006/main" xmlns:r="http://schemas.openxmlformats.org/officeDocument/2006/relationships" xmlns:p="http://schemas.openxmlformats.org/presentationml/2006/main">
   <p:cSld>
     <p:spTree>
@@ -40162,7 +42151,7 @@
             <a:fld id="{0FB999A9-77CE-4AD1-9911-24A29F08BC34}" type="slidenum">
               <a:rPr lang="en-US" smtClean="0"/>
               <a:pPr/>
-              <a:t>25</a:t>
+              <a:t>28</a:t>
             </a:fld>
             <a:endParaRPr lang="en-US" dirty="0"/>
           </a:p>
@@ -40216,7 +42205,7 @@
 </p:sld>
 </file>
 
-<file path=ppt/slides/slide26.xml><?xml version="1.0" encoding="utf-8"?>
+<file path=ppt/slides/slide29.xml><?xml version="1.0" encoding="utf-8"?>
 <p:sld xmlns:a="http://schemas.openxmlformats.org/drawingml/2006/main" xmlns:r="http://schemas.openxmlformats.org/officeDocument/2006/relationships" xmlns:p="http://schemas.openxmlformats.org/presentationml/2006/main">
   <p:cSld>
     <p:spTree>
@@ -40381,9 +42370,33 @@
           <a:chExt cx="0" cy="0"/>
         </a:xfrm>
       </p:grpSpPr>
+      <p:sp>
+        <p:nvSpPr>
+          <p:cNvPr id="3" name="Slide Number Placeholder 2"/>
+          <p:cNvSpPr>
+            <a:spLocks noGrp="1"/>
+          </p:cNvSpPr>
+          <p:nvPr>
+            <p:ph type="sldNum" sz="quarter" idx="4"/>
+          </p:nvPr>
+        </p:nvSpPr>
+        <p:spPr/>
+        <p:txBody>
+          <a:bodyPr/>
+          <a:lstStyle/>
+          <a:p>
+            <a:fld id="{0FB999A9-77CE-4AD1-9911-24A29F08BC34}" type="slidenum">
+              <a:rPr lang="en-US" smtClean="0"/>
+              <a:pPr/>
+              <a:t>4</a:t>
+            </a:fld>
+            <a:endParaRPr lang="en-US" dirty="0"/>
+          </a:p>
+        </p:txBody>
+      </p:sp>
       <p:pic>
         <p:nvPicPr>
-          <p:cNvPr id="5" name="Content Placeholder 4"/>
+          <p:cNvPr id="4" name="Content Placeholder 3"/>
           <p:cNvPicPr>
             <a:picLocks noGrp="1" noChangeAspect="1"/>
           </p:cNvPicPr>
@@ -40405,38 +42418,14 @@
         </p:blipFill>
         <p:spPr>
           <a:xfrm>
-            <a:off x="1119314" y="351295"/>
-            <a:ext cx="8016059" cy="6058649"/>
+            <a:off x="1589327" y="87519"/>
+            <a:ext cx="8910679" cy="6683010"/>
           </a:xfrm>
         </p:spPr>
       </p:pic>
-      <p:sp>
-        <p:nvSpPr>
-          <p:cNvPr id="3" name="Slide Number Placeholder 2"/>
-          <p:cNvSpPr>
-            <a:spLocks noGrp="1"/>
-          </p:cNvSpPr>
-          <p:nvPr>
-            <p:ph type="sldNum" sz="quarter" idx="4"/>
-          </p:nvPr>
-        </p:nvSpPr>
-        <p:spPr/>
-        <p:txBody>
-          <a:bodyPr/>
-          <a:lstStyle/>
-          <a:p>
-            <a:fld id="{0FB999A9-77CE-4AD1-9911-24A29F08BC34}" type="slidenum">
-              <a:rPr lang="en-US" smtClean="0"/>
-              <a:pPr/>
-              <a:t>4</a:t>
-            </a:fld>
-            <a:endParaRPr lang="en-US" dirty="0"/>
-          </a:p>
-        </p:txBody>
-      </p:sp>
       <p:pic>
         <p:nvPicPr>
-          <p:cNvPr id="6" name="Picture 5"/>
+          <p:cNvPr id="7" name="Picture 6"/>
           <p:cNvPicPr>
             <a:picLocks noChangeAspect="1"/>
           </p:cNvPicPr>
@@ -40456,8 +42445,8 @@
         </p:blipFill>
         <p:spPr>
           <a:xfrm>
-            <a:off x="1683840" y="446185"/>
-            <a:ext cx="9116512" cy="5661834"/>
+            <a:off x="626275" y="169586"/>
+            <a:ext cx="10489736" cy="6514678"/>
           </a:xfrm>
           <a:prstGeom prst="rect">
             <a:avLst/>
@@ -40495,7 +42484,7 @@
                             </p:stCondLst>
                             <p:childTnLst>
                               <p:par>
-                                <p:cTn id="5" presetID="21" presetClass="entr" presetSubtype="1" fill="hold" nodeType="clickEffect">
+                                <p:cTn id="5" presetID="42" presetClass="entr" presetSubtype="0" fill="hold" nodeType="clickEffect">
                                   <p:stCondLst>
                                     <p:cond delay="0"/>
                                   </p:stCondLst>
@@ -40508,7 +42497,7 @@
                                           </p:stCondLst>
                                         </p:cTn>
                                         <p:tgtEl>
-                                          <p:spTgt spid="6"/>
+                                          <p:spTgt spid="7"/>
                                         </p:tgtEl>
                                         <p:attrNameLst>
                                           <p:attrName>style.visibility</p:attrName>
@@ -40518,14 +42507,60 @@
                                         <p:strVal val="visible"/>
                                       </p:to>
                                     </p:set>
-                                    <p:animEffect transition="in" filter="wheel(1)">
+                                    <p:animEffect transition="in" filter="fade">
                                       <p:cBhvr>
-                                        <p:cTn id="7" dur="2000"/>
+                                        <p:cTn id="7" dur="500"/>
                                         <p:tgtEl>
-                                          <p:spTgt spid="6"/>
+                                          <p:spTgt spid="7"/>
                                         </p:tgtEl>
                                       </p:cBhvr>
                                     </p:animEffect>
+                                    <p:anim calcmode="lin" valueType="num">
+                                      <p:cBhvr>
+                                        <p:cTn id="8" dur="500" fill="hold"/>
+                                        <p:tgtEl>
+                                          <p:spTgt spid="7"/>
+                                        </p:tgtEl>
+                                        <p:attrNameLst>
+                                          <p:attrName>ppt_x</p:attrName>
+                                        </p:attrNameLst>
+                                      </p:cBhvr>
+                                      <p:tavLst>
+                                        <p:tav tm="0">
+                                          <p:val>
+                                            <p:strVal val="#ppt_x"/>
+                                          </p:val>
+                                        </p:tav>
+                                        <p:tav tm="100000">
+                                          <p:val>
+                                            <p:strVal val="#ppt_x"/>
+                                          </p:val>
+                                        </p:tav>
+                                      </p:tavLst>
+                                    </p:anim>
+                                    <p:anim calcmode="lin" valueType="num">
+                                      <p:cBhvr>
+                                        <p:cTn id="9" dur="500" fill="hold"/>
+                                        <p:tgtEl>
+                                          <p:spTgt spid="7"/>
+                                        </p:tgtEl>
+                                        <p:attrNameLst>
+                                          <p:attrName>ppt_y</p:attrName>
+                                        </p:attrNameLst>
+                                      </p:cBhvr>
+                                      <p:tavLst>
+                                        <p:tav tm="0">
+                                          <p:val>
+                                            <p:strVal val="#ppt_y+.1"/>
+                                          </p:val>
+                                        </p:tav>
+                                        <p:tav tm="100000">
+                                          <p:val>
+                                            <p:strVal val="#ppt_y"/>
+                                          </p:val>
+                                        </p:tav>
+                                      </p:tavLst>
+                                    </p:anim>
                                   </p:childTnLst>
                                 </p:cTn>
                               </p:par>
@@ -40792,7 +42827,885 @@
   <p:timing>
     <p:tnLst>
       <p:par>
-        <p:cTn id="1" dur="indefinite" restart="never" nodeType="tmRoot"/>
+        <p:cTn id="1" dur="indefinite" restart="never" nodeType="tmRoot">
+          <p:childTnLst>
+            <p:seq concurrent="1" nextAc="seek">
+              <p:cTn id="2" dur="indefinite" nodeType="mainSeq">
+                <p:childTnLst>
+                  <p:par>
+                    <p:cTn id="3" fill="hold">
+                      <p:stCondLst>
+                        <p:cond delay="indefinite"/>
+                      </p:stCondLst>
+                      <p:childTnLst>
+                        <p:par>
+                          <p:cTn id="4" fill="hold">
+                            <p:stCondLst>
+                              <p:cond delay="0"/>
+                            </p:stCondLst>
+                            <p:childTnLst>
+                              <p:par>
+                                <p:cTn id="5" presetID="2" presetClass="entr" presetSubtype="4" fill="hold" nodeType="clickEffect">
+                                  <p:stCondLst>
+                                    <p:cond delay="0"/>
+                                  </p:stCondLst>
+                                  <p:childTnLst>
+                                    <p:set>
+                                      <p:cBhvr>
+                                        <p:cTn id="6" dur="1" fill="hold">
+                                          <p:stCondLst>
+                                            <p:cond delay="0"/>
+                                          </p:stCondLst>
+                                        </p:cTn>
+                                        <p:tgtEl>
+                                          <p:spTgt spid="3">
+                                            <p:txEl>
+                                              <p:pRg st="0" end="0"/>
+                                            </p:txEl>
+                                          </p:spTgt>
+                                        </p:tgtEl>
+                                        <p:attrNameLst>
+                                          <p:attrName>style.visibility</p:attrName>
+                                        </p:attrNameLst>
+                                      </p:cBhvr>
+                                      <p:to>
+                                        <p:strVal val="visible"/>
+                                      </p:to>
+                                    </p:set>
+                                    <p:anim calcmode="lin" valueType="num">
+                                      <p:cBhvr additive="base">
+                                        <p:cTn id="7" dur="500" fill="hold"/>
+                                        <p:tgtEl>
+                                          <p:spTgt spid="3">
+                                            <p:txEl>
+                                              <p:pRg st="0" end="0"/>
+                                            </p:txEl>
+                                          </p:spTgt>
+                                        </p:tgtEl>
+                                        <p:attrNameLst>
+                                          <p:attrName>ppt_x</p:attrName>
+                                        </p:attrNameLst>
+                                      </p:cBhvr>
+                                      <p:tavLst>
+                                        <p:tav tm="0">
+                                          <p:val>
+                                            <p:strVal val="#ppt_x"/>
+                                          </p:val>
+                                        </p:tav>
+                                        <p:tav tm="100000">
+                                          <p:val>
+                                            <p:strVal val="#ppt_x"/>
+                                          </p:val>
+                                        </p:tav>
+                                      </p:tavLst>
+                                    </p:anim>
+                                    <p:anim calcmode="lin" valueType="num">
+                                      <p:cBhvr additive="base">
+                                        <p:cTn id="8" dur="500" fill="hold"/>
+                                        <p:tgtEl>
+                                          <p:spTgt spid="3">
+                                            <p:txEl>
+                                              <p:pRg st="0" end="0"/>
+                                            </p:txEl>
+                                          </p:spTgt>
+                                        </p:tgtEl>
+                                        <p:attrNameLst>
+                                          <p:attrName>ppt_y</p:attrName>
+                                        </p:attrNameLst>
+                                      </p:cBhvr>
+                                      <p:tavLst>
+                                        <p:tav tm="0">
+                                          <p:val>
+                                            <p:strVal val="1+#ppt_h/2"/>
+                                          </p:val>
+                                        </p:tav>
+                                        <p:tav tm="100000">
+                                          <p:val>
+                                            <p:strVal val="#ppt_y"/>
+                                          </p:val>
+                                        </p:tav>
+                                      </p:tavLst>
+                                    </p:anim>
+                                  </p:childTnLst>
+                                </p:cTn>
+                              </p:par>
+                              <p:par>
+                                <p:cTn id="9" presetID="2" presetClass="entr" presetSubtype="4" fill="hold" nodeType="withEffect">
+                                  <p:stCondLst>
+                                    <p:cond delay="0"/>
+                                  </p:stCondLst>
+                                  <p:childTnLst>
+                                    <p:set>
+                                      <p:cBhvr>
+                                        <p:cTn id="10" dur="1" fill="hold">
+                                          <p:stCondLst>
+                                            <p:cond delay="0"/>
+                                          </p:stCondLst>
+                                        </p:cTn>
+                                        <p:tgtEl>
+                                          <p:spTgt spid="3">
+                                            <p:txEl>
+                                              <p:pRg st="1" end="1"/>
+                                            </p:txEl>
+                                          </p:spTgt>
+                                        </p:tgtEl>
+                                        <p:attrNameLst>
+                                          <p:attrName>style.visibility</p:attrName>
+                                        </p:attrNameLst>
+                                      </p:cBhvr>
+                                      <p:to>
+                                        <p:strVal val="visible"/>
+                                      </p:to>
+                                    </p:set>
+                                    <p:anim calcmode="lin" valueType="num">
+                                      <p:cBhvr additive="base">
+                                        <p:cTn id="11" dur="500" fill="hold"/>
+                                        <p:tgtEl>
+                                          <p:spTgt spid="3">
+                                            <p:txEl>
+                                              <p:pRg st="1" end="1"/>
+                                            </p:txEl>
+                                          </p:spTgt>
+                                        </p:tgtEl>
+                                        <p:attrNameLst>
+                                          <p:attrName>ppt_x</p:attrName>
+                                        </p:attrNameLst>
+                                      </p:cBhvr>
+                                      <p:tavLst>
+                                        <p:tav tm="0">
+                                          <p:val>
+                                            <p:strVal val="#ppt_x"/>
+                                          </p:val>
+                                        </p:tav>
+                                        <p:tav tm="100000">
+                                          <p:val>
+                                            <p:strVal val="#ppt_x"/>
+                                          </p:val>
+                                        </p:tav>
+                                      </p:tavLst>
+                                    </p:anim>
+                                    <p:anim calcmode="lin" valueType="num">
+                                      <p:cBhvr additive="base">
+                                        <p:cTn id="12" dur="500" fill="hold"/>
+                                        <p:tgtEl>
+                                          <p:spTgt spid="3">
+                                            <p:txEl>
+                                              <p:pRg st="1" end="1"/>
+                                            </p:txEl>
+                                          </p:spTgt>
+                                        </p:tgtEl>
+                                        <p:attrNameLst>
+                                          <p:attrName>ppt_y</p:attrName>
+                                        </p:attrNameLst>
+                                      </p:cBhvr>
+                                      <p:tavLst>
+                                        <p:tav tm="0">
+                                          <p:val>
+                                            <p:strVal val="1+#ppt_h/2"/>
+                                          </p:val>
+                                        </p:tav>
+                                        <p:tav tm="100000">
+                                          <p:val>
+                                            <p:strVal val="#ppt_y"/>
+                                          </p:val>
+                                        </p:tav>
+                                      </p:tavLst>
+                                    </p:anim>
+                                  </p:childTnLst>
+                                </p:cTn>
+                              </p:par>
+                            </p:childTnLst>
+                          </p:cTn>
+                        </p:par>
+                      </p:childTnLst>
+                    </p:cTn>
+                  </p:par>
+                  <p:par>
+                    <p:cTn id="13" fill="hold">
+                      <p:stCondLst>
+                        <p:cond delay="indefinite"/>
+                      </p:stCondLst>
+                      <p:childTnLst>
+                        <p:par>
+                          <p:cTn id="14" fill="hold">
+                            <p:stCondLst>
+                              <p:cond delay="0"/>
+                            </p:stCondLst>
+                            <p:childTnLst>
+                              <p:par>
+                                <p:cTn id="15" presetID="2" presetClass="entr" presetSubtype="4" fill="hold" nodeType="clickEffect">
+                                  <p:stCondLst>
+                                    <p:cond delay="0"/>
+                                  </p:stCondLst>
+                                  <p:childTnLst>
+                                    <p:set>
+                                      <p:cBhvr>
+                                        <p:cTn id="16" dur="1" fill="hold">
+                                          <p:stCondLst>
+                                            <p:cond delay="0"/>
+                                          </p:stCondLst>
+                                        </p:cTn>
+                                        <p:tgtEl>
+                                          <p:spTgt spid="3">
+                                            <p:txEl>
+                                              <p:pRg st="2" end="2"/>
+                                            </p:txEl>
+                                          </p:spTgt>
+                                        </p:tgtEl>
+                                        <p:attrNameLst>
+                                          <p:attrName>style.visibility</p:attrName>
+                                        </p:attrNameLst>
+                                      </p:cBhvr>
+                                      <p:to>
+                                        <p:strVal val="visible"/>
+                                      </p:to>
+                                    </p:set>
+                                    <p:anim calcmode="lin" valueType="num">
+                                      <p:cBhvr additive="base">
+                                        <p:cTn id="17" dur="500" fill="hold"/>
+                                        <p:tgtEl>
+                                          <p:spTgt spid="3">
+                                            <p:txEl>
+                                              <p:pRg st="2" end="2"/>
+                                            </p:txEl>
+                                          </p:spTgt>
+                                        </p:tgtEl>
+                                        <p:attrNameLst>
+                                          <p:attrName>ppt_x</p:attrName>
+                                        </p:attrNameLst>
+                                      </p:cBhvr>
+                                      <p:tavLst>
+                                        <p:tav tm="0">
+                                          <p:val>
+                                            <p:strVal val="#ppt_x"/>
+                                          </p:val>
+                                        </p:tav>
+                                        <p:tav tm="100000">
+                                          <p:val>
+                                            <p:strVal val="#ppt_x"/>
+                                          </p:val>
+                                        </p:tav>
+                                      </p:tavLst>
+                                    </p:anim>
+                                    <p:anim calcmode="lin" valueType="num">
+                                      <p:cBhvr additive="base">
+                                        <p:cTn id="18" dur="500" fill="hold"/>
+                                        <p:tgtEl>
+                                          <p:spTgt spid="3">
+                                            <p:txEl>
+                                              <p:pRg st="2" end="2"/>
+                                            </p:txEl>
+                                          </p:spTgt>
+                                        </p:tgtEl>
+                                        <p:attrNameLst>
+                                          <p:attrName>ppt_y</p:attrName>
+                                        </p:attrNameLst>
+                                      </p:cBhvr>
+                                      <p:tavLst>
+                                        <p:tav tm="0">
+                                          <p:val>
+                                            <p:strVal val="1+#ppt_h/2"/>
+                                          </p:val>
+                                        </p:tav>
+                                        <p:tav tm="100000">
+                                          <p:val>
+                                            <p:strVal val="#ppt_y"/>
+                                          </p:val>
+                                        </p:tav>
+                                      </p:tavLst>
+                                    </p:anim>
+                                  </p:childTnLst>
+                                </p:cTn>
+                              </p:par>
+                              <p:par>
+                                <p:cTn id="19" presetID="2" presetClass="entr" presetSubtype="4" fill="hold" nodeType="withEffect">
+                                  <p:stCondLst>
+                                    <p:cond delay="0"/>
+                                  </p:stCondLst>
+                                  <p:childTnLst>
+                                    <p:set>
+                                      <p:cBhvr>
+                                        <p:cTn id="20" dur="1" fill="hold">
+                                          <p:stCondLst>
+                                            <p:cond delay="0"/>
+                                          </p:stCondLst>
+                                        </p:cTn>
+                                        <p:tgtEl>
+                                          <p:spTgt spid="3">
+                                            <p:txEl>
+                                              <p:pRg st="3" end="3"/>
+                                            </p:txEl>
+                                          </p:spTgt>
+                                        </p:tgtEl>
+                                        <p:attrNameLst>
+                                          <p:attrName>style.visibility</p:attrName>
+                                        </p:attrNameLst>
+                                      </p:cBhvr>
+                                      <p:to>
+                                        <p:strVal val="visible"/>
+                                      </p:to>
+                                    </p:set>
+                                    <p:anim calcmode="lin" valueType="num">
+                                      <p:cBhvr additive="base">
+                                        <p:cTn id="21" dur="500" fill="hold"/>
+                                        <p:tgtEl>
+                                          <p:spTgt spid="3">
+                                            <p:txEl>
+                                              <p:pRg st="3" end="3"/>
+                                            </p:txEl>
+                                          </p:spTgt>
+                                        </p:tgtEl>
+                                        <p:attrNameLst>
+                                          <p:attrName>ppt_x</p:attrName>
+                                        </p:attrNameLst>
+                                      </p:cBhvr>
+                                      <p:tavLst>
+                                        <p:tav tm="0">
+                                          <p:val>
+                                            <p:strVal val="#ppt_x"/>
+                                          </p:val>
+                                        </p:tav>
+                                        <p:tav tm="100000">
+                                          <p:val>
+                                            <p:strVal val="#ppt_x"/>
+                                          </p:val>
+                                        </p:tav>
+                                      </p:tavLst>
+                                    </p:anim>
+                                    <p:anim calcmode="lin" valueType="num">
+                                      <p:cBhvr additive="base">
+                                        <p:cTn id="22" dur="500" fill="hold"/>
+                                        <p:tgtEl>
+                                          <p:spTgt spid="3">
+                                            <p:txEl>
+                                              <p:pRg st="3" end="3"/>
+                                            </p:txEl>
+                                          </p:spTgt>
+                                        </p:tgtEl>
+                                        <p:attrNameLst>
+                                          <p:attrName>ppt_y</p:attrName>
+                                        </p:attrNameLst>
+                                      </p:cBhvr>
+                                      <p:tavLst>
+                                        <p:tav tm="0">
+                                          <p:val>
+                                            <p:strVal val="1+#ppt_h/2"/>
+                                          </p:val>
+                                        </p:tav>
+                                        <p:tav tm="100000">
+                                          <p:val>
+                                            <p:strVal val="#ppt_y"/>
+                                          </p:val>
+                                        </p:tav>
+                                      </p:tavLst>
+                                    </p:anim>
+                                  </p:childTnLst>
+                                </p:cTn>
+                              </p:par>
+                            </p:childTnLst>
+                          </p:cTn>
+                        </p:par>
+                      </p:childTnLst>
+                    </p:cTn>
+                  </p:par>
+                  <p:par>
+                    <p:cTn id="23" fill="hold">
+                      <p:stCondLst>
+                        <p:cond delay="indefinite"/>
+                      </p:stCondLst>
+                      <p:childTnLst>
+                        <p:par>
+                          <p:cTn id="24" fill="hold">
+                            <p:stCondLst>
+                              <p:cond delay="0"/>
+                            </p:stCondLst>
+                            <p:childTnLst>
+                              <p:par>
+                                <p:cTn id="25" presetID="2" presetClass="entr" presetSubtype="4" fill="hold" nodeType="clickEffect">
+                                  <p:stCondLst>
+                                    <p:cond delay="0"/>
+                                  </p:stCondLst>
+                                  <p:childTnLst>
+                                    <p:set>
+                                      <p:cBhvr>
+                                        <p:cTn id="26" dur="1" fill="hold">
+                                          <p:stCondLst>
+                                            <p:cond delay="0"/>
+                                          </p:stCondLst>
+                                        </p:cTn>
+                                        <p:tgtEl>
+                                          <p:spTgt spid="3">
+                                            <p:txEl>
+                                              <p:pRg st="4" end="4"/>
+                                            </p:txEl>
+                                          </p:spTgt>
+                                        </p:tgtEl>
+                                        <p:attrNameLst>
+                                          <p:attrName>style.visibility</p:attrName>
+                                        </p:attrNameLst>
+                                      </p:cBhvr>
+                                      <p:to>
+                                        <p:strVal val="visible"/>
+                                      </p:to>
+                                    </p:set>
+                                    <p:anim calcmode="lin" valueType="num">
+                                      <p:cBhvr additive="base">
+                                        <p:cTn id="27" dur="500" fill="hold"/>
+                                        <p:tgtEl>
+                                          <p:spTgt spid="3">
+                                            <p:txEl>
+                                              <p:pRg st="4" end="4"/>
+                                            </p:txEl>
+                                          </p:spTgt>
+                                        </p:tgtEl>
+                                        <p:attrNameLst>
+                                          <p:attrName>ppt_x</p:attrName>
+                                        </p:attrNameLst>
+                                      </p:cBhvr>
+                                      <p:tavLst>
+                                        <p:tav tm="0">
+                                          <p:val>
+                                            <p:strVal val="#ppt_x"/>
+                                          </p:val>
+                                        </p:tav>
+                                        <p:tav tm="100000">
+                                          <p:val>
+                                            <p:strVal val="#ppt_x"/>
+                                          </p:val>
+                                        </p:tav>
+                                      </p:tavLst>
+                                    </p:anim>
+                                    <p:anim calcmode="lin" valueType="num">
+                                      <p:cBhvr additive="base">
+                                        <p:cTn id="28" dur="500" fill="hold"/>
+                                        <p:tgtEl>
+                                          <p:spTgt spid="3">
+                                            <p:txEl>
+                                              <p:pRg st="4" end="4"/>
+                                            </p:txEl>
+                                          </p:spTgt>
+                                        </p:tgtEl>
+                                        <p:attrNameLst>
+                                          <p:attrName>ppt_y</p:attrName>
+                                        </p:attrNameLst>
+                                      </p:cBhvr>
+                                      <p:tavLst>
+                                        <p:tav tm="0">
+                                          <p:val>
+                                            <p:strVal val="1+#ppt_h/2"/>
+                                          </p:val>
+                                        </p:tav>
+                                        <p:tav tm="100000">
+                                          <p:val>
+                                            <p:strVal val="#ppt_y"/>
+                                          </p:val>
+                                        </p:tav>
+                                      </p:tavLst>
+                                    </p:anim>
+                                  </p:childTnLst>
+                                </p:cTn>
+                              </p:par>
+                              <p:par>
+                                <p:cTn id="29" presetID="2" presetClass="entr" presetSubtype="4" fill="hold" nodeType="withEffect">
+                                  <p:stCondLst>
+                                    <p:cond delay="0"/>
+                                  </p:stCondLst>
+                                  <p:childTnLst>
+                                    <p:set>
+                                      <p:cBhvr>
+                                        <p:cTn id="30" dur="1" fill="hold">
+                                          <p:stCondLst>
+                                            <p:cond delay="0"/>
+                                          </p:stCondLst>
+                                        </p:cTn>
+                                        <p:tgtEl>
+                                          <p:spTgt spid="3">
+                                            <p:txEl>
+                                              <p:pRg st="5" end="5"/>
+                                            </p:txEl>
+                                          </p:spTgt>
+                                        </p:tgtEl>
+                                        <p:attrNameLst>
+                                          <p:attrName>style.visibility</p:attrName>
+                                        </p:attrNameLst>
+                                      </p:cBhvr>
+                                      <p:to>
+                                        <p:strVal val="visible"/>
+                                      </p:to>
+                                    </p:set>
+                                    <p:anim calcmode="lin" valueType="num">
+                                      <p:cBhvr additive="base">
+                                        <p:cTn id="31" dur="500" fill="hold"/>
+                                        <p:tgtEl>
+                                          <p:spTgt spid="3">
+                                            <p:txEl>
+                                              <p:pRg st="5" end="5"/>
+                                            </p:txEl>
+                                          </p:spTgt>
+                                        </p:tgtEl>
+                                        <p:attrNameLst>
+                                          <p:attrName>ppt_x</p:attrName>
+                                        </p:attrNameLst>
+                                      </p:cBhvr>
+                                      <p:tavLst>
+                                        <p:tav tm="0">
+                                          <p:val>
+                                            <p:strVal val="#ppt_x"/>
+                                          </p:val>
+                                        </p:tav>
+                                        <p:tav tm="100000">
+                                          <p:val>
+                                            <p:strVal val="#ppt_x"/>
+                                          </p:val>
+                                        </p:tav>
+                                      </p:tavLst>
+                                    </p:anim>
+                                    <p:anim calcmode="lin" valueType="num">
+                                      <p:cBhvr additive="base">
+                                        <p:cTn id="32" dur="500" fill="hold"/>
+                                        <p:tgtEl>
+                                          <p:spTgt spid="3">
+                                            <p:txEl>
+                                              <p:pRg st="5" end="5"/>
+                                            </p:txEl>
+                                          </p:spTgt>
+                                        </p:tgtEl>
+                                        <p:attrNameLst>
+                                          <p:attrName>ppt_y</p:attrName>
+                                        </p:attrNameLst>
+                                      </p:cBhvr>
+                                      <p:tavLst>
+                                        <p:tav tm="0">
+                                          <p:val>
+                                            <p:strVal val="1+#ppt_h/2"/>
+                                          </p:val>
+                                        </p:tav>
+                                        <p:tav tm="100000">
+                                          <p:val>
+                                            <p:strVal val="#ppt_y"/>
+                                          </p:val>
+                                        </p:tav>
+                                      </p:tavLst>
+                                    </p:anim>
+                                  </p:childTnLst>
+                                </p:cTn>
+                              </p:par>
+                            </p:childTnLst>
+                          </p:cTn>
+                        </p:par>
+                      </p:childTnLst>
+                    </p:cTn>
+                  </p:par>
+                  <p:par>
+                    <p:cTn id="33" fill="hold">
+                      <p:stCondLst>
+                        <p:cond delay="indefinite"/>
+                      </p:stCondLst>
+                      <p:childTnLst>
+                        <p:par>
+                          <p:cTn id="34" fill="hold">
+                            <p:stCondLst>
+                              <p:cond delay="0"/>
+                            </p:stCondLst>
+                            <p:childTnLst>
+                              <p:par>
+                                <p:cTn id="35" presetID="2" presetClass="entr" presetSubtype="4" fill="hold" nodeType="clickEffect">
+                                  <p:stCondLst>
+                                    <p:cond delay="0"/>
+                                  </p:stCondLst>
+                                  <p:childTnLst>
+                                    <p:set>
+                                      <p:cBhvr>
+                                        <p:cTn id="36" dur="1" fill="hold">
+                                          <p:stCondLst>
+                                            <p:cond delay="0"/>
+                                          </p:stCondLst>
+                                        </p:cTn>
+                                        <p:tgtEl>
+                                          <p:spTgt spid="3">
+                                            <p:txEl>
+                                              <p:pRg st="6" end="6"/>
+                                            </p:txEl>
+                                          </p:spTgt>
+                                        </p:tgtEl>
+                                        <p:attrNameLst>
+                                          <p:attrName>style.visibility</p:attrName>
+                                        </p:attrNameLst>
+                                      </p:cBhvr>
+                                      <p:to>
+                                        <p:strVal val="visible"/>
+                                      </p:to>
+                                    </p:set>
+                                    <p:anim calcmode="lin" valueType="num">
+                                      <p:cBhvr additive="base">
+                                        <p:cTn id="37" dur="500" fill="hold"/>
+                                        <p:tgtEl>
+                                          <p:spTgt spid="3">
+                                            <p:txEl>
+                                              <p:pRg st="6" end="6"/>
+                                            </p:txEl>
+                                          </p:spTgt>
+                                        </p:tgtEl>
+                                        <p:attrNameLst>
+                                          <p:attrName>ppt_x</p:attrName>
+                                        </p:attrNameLst>
+                                      </p:cBhvr>
+                                      <p:tavLst>
+                                        <p:tav tm="0">
+                                          <p:val>
+                                            <p:strVal val="#ppt_x"/>
+                                          </p:val>
+                                        </p:tav>
+                                        <p:tav tm="100000">
+                                          <p:val>
+                                            <p:strVal val="#ppt_x"/>
+                                          </p:val>
+                                        </p:tav>
+                                      </p:tavLst>
+                                    </p:anim>
+                                    <p:anim calcmode="lin" valueType="num">
+                                      <p:cBhvr additive="base">
+                                        <p:cTn id="38" dur="500" fill="hold"/>
+                                        <p:tgtEl>
+                                          <p:spTgt spid="3">
+                                            <p:txEl>
+                                              <p:pRg st="6" end="6"/>
+                                            </p:txEl>
+                                          </p:spTgt>
+                                        </p:tgtEl>
+                                        <p:attrNameLst>
+                                          <p:attrName>ppt_y</p:attrName>
+                                        </p:attrNameLst>
+                                      </p:cBhvr>
+                                      <p:tavLst>
+                                        <p:tav tm="0">
+                                          <p:val>
+                                            <p:strVal val="1+#ppt_h/2"/>
+                                          </p:val>
+                                        </p:tav>
+                                        <p:tav tm="100000">
+                                          <p:val>
+                                            <p:strVal val="#ppt_y"/>
+                                          </p:val>
+                                        </p:tav>
+                                      </p:tavLst>
+                                    </p:anim>
+                                  </p:childTnLst>
+                                </p:cTn>
+                              </p:par>
+                              <p:par>
+                                <p:cTn id="39" presetID="2" presetClass="entr" presetSubtype="4" fill="hold" nodeType="withEffect">
+                                  <p:stCondLst>
+                                    <p:cond delay="0"/>
+                                  </p:stCondLst>
+                                  <p:childTnLst>
+                                    <p:set>
+                                      <p:cBhvr>
+                                        <p:cTn id="40" dur="1" fill="hold">
+                                          <p:stCondLst>
+                                            <p:cond delay="0"/>
+                                          </p:stCondLst>
+                                        </p:cTn>
+                                        <p:tgtEl>
+                                          <p:spTgt spid="3">
+                                            <p:txEl>
+                                              <p:pRg st="7" end="7"/>
+                                            </p:txEl>
+                                          </p:spTgt>
+                                        </p:tgtEl>
+                                        <p:attrNameLst>
+                                          <p:attrName>style.visibility</p:attrName>
+                                        </p:attrNameLst>
+                                      </p:cBhvr>
+                                      <p:to>
+                                        <p:strVal val="visible"/>
+                                      </p:to>
+                                    </p:set>
+                                    <p:anim calcmode="lin" valueType="num">
+                                      <p:cBhvr additive="base">
+                                        <p:cTn id="41" dur="500" fill="hold"/>
+                                        <p:tgtEl>
+                                          <p:spTgt spid="3">
+                                            <p:txEl>
+                                              <p:pRg st="7" end="7"/>
+                                            </p:txEl>
+                                          </p:spTgt>
+                                        </p:tgtEl>
+                                        <p:attrNameLst>
+                                          <p:attrName>ppt_x</p:attrName>
+                                        </p:attrNameLst>
+                                      </p:cBhvr>
+                                      <p:tavLst>
+                                        <p:tav tm="0">
+                                          <p:val>
+                                            <p:strVal val="#ppt_x"/>
+                                          </p:val>
+                                        </p:tav>
+                                        <p:tav tm="100000">
+                                          <p:val>
+                                            <p:strVal val="#ppt_x"/>
+                                          </p:val>
+                                        </p:tav>
+                                      </p:tavLst>
+                                    </p:anim>
+                                    <p:anim calcmode="lin" valueType="num">
+                                      <p:cBhvr additive="base">
+                                        <p:cTn id="42" dur="500" fill="hold"/>
+                                        <p:tgtEl>
+                                          <p:spTgt spid="3">
+                                            <p:txEl>
+                                              <p:pRg st="7" end="7"/>
+                                            </p:txEl>
+                                          </p:spTgt>
+                                        </p:tgtEl>
+                                        <p:attrNameLst>
+                                          <p:attrName>ppt_y</p:attrName>
+                                        </p:attrNameLst>
+                                      </p:cBhvr>
+                                      <p:tavLst>
+                                        <p:tav tm="0">
+                                          <p:val>
+                                            <p:strVal val="1+#ppt_h/2"/>
+                                          </p:val>
+                                        </p:tav>
+                                        <p:tav tm="100000">
+                                          <p:val>
+                                            <p:strVal val="#ppt_y"/>
+                                          </p:val>
+                                        </p:tav>
+                                      </p:tavLst>
+                                    </p:anim>
+                                  </p:childTnLst>
+                                </p:cTn>
+                              </p:par>
+                            </p:childTnLst>
+                          </p:cTn>
+                        </p:par>
+                      </p:childTnLst>
+                    </p:cTn>
+                  </p:par>
+                  <p:par>
+                    <p:cTn id="43" fill="hold">
+                      <p:stCondLst>
+                        <p:cond delay="indefinite"/>
+                      </p:stCondLst>
+                      <p:childTnLst>
+                        <p:par>
+                          <p:cTn id="44" fill="hold">
+                            <p:stCondLst>
+                              <p:cond delay="0"/>
+                            </p:stCondLst>
+                            <p:childTnLst>
+                              <p:par>
+                                <p:cTn id="45" presetID="2" presetClass="entr" presetSubtype="4" fill="hold" nodeType="clickEffect">
+                                  <p:stCondLst>
+                                    <p:cond delay="0"/>
+                                  </p:stCondLst>
+                                  <p:childTnLst>
+                                    <p:set>
+                                      <p:cBhvr>
+                                        <p:cTn id="46" dur="1" fill="hold">
+                                          <p:stCondLst>
+                                            <p:cond delay="0"/>
+                                          </p:stCondLst>
+                                        </p:cTn>
+                                        <p:tgtEl>
+                                          <p:spTgt spid="3">
+                                            <p:txEl>
+                                              <p:pRg st="8" end="8"/>
+                                            </p:txEl>
+                                          </p:spTgt>
+                                        </p:tgtEl>
+                                        <p:attrNameLst>
+                                          <p:attrName>style.visibility</p:attrName>
+                                        </p:attrNameLst>
+                                      </p:cBhvr>
+                                      <p:to>
+                                        <p:strVal val="visible"/>
+                                      </p:to>
+                                    </p:set>
+                                    <p:anim calcmode="lin" valueType="num">
+                                      <p:cBhvr additive="base">
+                                        <p:cTn id="47" dur="500" fill="hold"/>
+                                        <p:tgtEl>
+                                          <p:spTgt spid="3">
+                                            <p:txEl>
+                                              <p:pRg st="8" end="8"/>
+                                            </p:txEl>
+                                          </p:spTgt>
+                                        </p:tgtEl>
+                                        <p:attrNameLst>
+                                          <p:attrName>ppt_x</p:attrName>
+                                        </p:attrNameLst>
+                                      </p:cBhvr>
+                                      <p:tavLst>
+                                        <p:tav tm="0">
+                                          <p:val>
+                                            <p:strVal val="#ppt_x"/>
+                                          </p:val>
+                                        </p:tav>
+                                        <p:tav tm="100000">
+                                          <p:val>
+                                            <p:strVal val="#ppt_x"/>
+                                          </p:val>
+                                        </p:tav>
+                                      </p:tavLst>
+                                    </p:anim>
+                                    <p:anim calcmode="lin" valueType="num">
+                                      <p:cBhvr additive="base">
+                                        <p:cTn id="48" dur="500" fill="hold"/>
+                                        <p:tgtEl>
+                                          <p:spTgt spid="3">
+                                            <p:txEl>
+                                              <p:pRg st="8" end="8"/>
+                                            </p:txEl>
+                                          </p:spTgt>
+                                        </p:tgtEl>
+                                        <p:attrNameLst>
+                                          <p:attrName>ppt_y</p:attrName>
+                                        </p:attrNameLst>
+                                      </p:cBhvr>
+                                      <p:tavLst>
+                                        <p:tav tm="0">
+                                          <p:val>
+                                            <p:strVal val="1+#ppt_h/2"/>
+                                          </p:val>
+                                        </p:tav>
+                                        <p:tav tm="100000">
+                                          <p:val>
+                                            <p:strVal val="#ppt_y"/>
+                                          </p:val>
+                                        </p:tav>
+                                      </p:tavLst>
+                                    </p:anim>
+                                  </p:childTnLst>
+                                </p:cTn>
+                              </p:par>
+                            </p:childTnLst>
+                          </p:cTn>
+                        </p:par>
+                      </p:childTnLst>
+                    </p:cTn>
+                  </p:par>
+                </p:childTnLst>
+              </p:cTn>
+              <p:prevCondLst>
+                <p:cond evt="onPrev" delay="0">
+                  <p:tgtEl>
+                    <p:sldTgt/>
+                  </p:tgtEl>
+                </p:cond>
+              </p:prevCondLst>
+              <p:nextCondLst>
+                <p:cond evt="onNext" delay="0">
+                  <p:tgtEl>
+                    <p:sldTgt/>
+                  </p:tgtEl>
+                </p:cond>
+              </p:nextCondLst>
+            </p:seq>
+          </p:childTnLst>
+        </p:cTn>
       </p:par>
     </p:tnLst>
   </p:timing>
@@ -40998,7 +43911,867 @@
   <p:timing>
     <p:tnLst>
       <p:par>
-        <p:cTn id="1" dur="indefinite" restart="never" nodeType="tmRoot"/>
+        <p:cTn id="1" dur="indefinite" restart="never" nodeType="tmRoot">
+          <p:childTnLst>
+            <p:seq concurrent="1" nextAc="seek">
+              <p:cTn id="2" dur="indefinite" nodeType="mainSeq">
+                <p:childTnLst>
+                  <p:par>
+                    <p:cTn id="3" fill="hold">
+                      <p:stCondLst>
+                        <p:cond delay="indefinite"/>
+                      </p:stCondLst>
+                      <p:childTnLst>
+                        <p:par>
+                          <p:cTn id="4" fill="hold">
+                            <p:stCondLst>
+                              <p:cond delay="0"/>
+                            </p:stCondLst>
+                            <p:childTnLst>
+                              <p:par>
+                                <p:cTn id="5" presetID="2" presetClass="entr" presetSubtype="4" fill="hold" nodeType="clickEffect">
+                                  <p:stCondLst>
+                                    <p:cond delay="0"/>
+                                  </p:stCondLst>
+                                  <p:childTnLst>
+                                    <p:set>
+                                      <p:cBhvr>
+                                        <p:cTn id="6" dur="1" fill="hold">
+                                          <p:stCondLst>
+                                            <p:cond delay="0"/>
+                                          </p:stCondLst>
+                                        </p:cTn>
+                                        <p:tgtEl>
+                                          <p:spTgt spid="2">
+                                            <p:txEl>
+                                              <p:pRg st="0" end="0"/>
+                                            </p:txEl>
+                                          </p:spTgt>
+                                        </p:tgtEl>
+                                        <p:attrNameLst>
+                                          <p:attrName>style.visibility</p:attrName>
+                                        </p:attrNameLst>
+                                      </p:cBhvr>
+                                      <p:to>
+                                        <p:strVal val="visible"/>
+                                      </p:to>
+                                    </p:set>
+                                    <p:anim calcmode="lin" valueType="num">
+                                      <p:cBhvr additive="base">
+                                        <p:cTn id="7" dur="500" fill="hold"/>
+                                        <p:tgtEl>
+                                          <p:spTgt spid="2">
+                                            <p:txEl>
+                                              <p:pRg st="0" end="0"/>
+                                            </p:txEl>
+                                          </p:spTgt>
+                                        </p:tgtEl>
+                                        <p:attrNameLst>
+                                          <p:attrName>ppt_x</p:attrName>
+                                        </p:attrNameLst>
+                                      </p:cBhvr>
+                                      <p:tavLst>
+                                        <p:tav tm="0">
+                                          <p:val>
+                                            <p:strVal val="#ppt_x"/>
+                                          </p:val>
+                                        </p:tav>
+                                        <p:tav tm="100000">
+                                          <p:val>
+                                            <p:strVal val="#ppt_x"/>
+                                          </p:val>
+                                        </p:tav>
+                                      </p:tavLst>
+                                    </p:anim>
+                                    <p:anim calcmode="lin" valueType="num">
+                                      <p:cBhvr additive="base">
+                                        <p:cTn id="8" dur="500" fill="hold"/>
+                                        <p:tgtEl>
+                                          <p:spTgt spid="2">
+                                            <p:txEl>
+                                              <p:pRg st="0" end="0"/>
+                                            </p:txEl>
+                                          </p:spTgt>
+                                        </p:tgtEl>
+                                        <p:attrNameLst>
+                                          <p:attrName>ppt_y</p:attrName>
+                                        </p:attrNameLst>
+                                      </p:cBhvr>
+                                      <p:tavLst>
+                                        <p:tav tm="0">
+                                          <p:val>
+                                            <p:strVal val="1+#ppt_h/2"/>
+                                          </p:val>
+                                        </p:tav>
+                                        <p:tav tm="100000">
+                                          <p:val>
+                                            <p:strVal val="#ppt_y"/>
+                                          </p:val>
+                                        </p:tav>
+                                      </p:tavLst>
+                                    </p:anim>
+                                  </p:childTnLst>
+                                </p:cTn>
+                              </p:par>
+                              <p:par>
+                                <p:cTn id="9" presetID="2" presetClass="entr" presetSubtype="4" fill="hold" nodeType="withEffect">
+                                  <p:stCondLst>
+                                    <p:cond delay="0"/>
+                                  </p:stCondLst>
+                                  <p:childTnLst>
+                                    <p:set>
+                                      <p:cBhvr>
+                                        <p:cTn id="10" dur="1" fill="hold">
+                                          <p:stCondLst>
+                                            <p:cond delay="0"/>
+                                          </p:stCondLst>
+                                        </p:cTn>
+                                        <p:tgtEl>
+                                          <p:spTgt spid="2">
+                                            <p:txEl>
+                                              <p:pRg st="1" end="1"/>
+                                            </p:txEl>
+                                          </p:spTgt>
+                                        </p:tgtEl>
+                                        <p:attrNameLst>
+                                          <p:attrName>style.visibility</p:attrName>
+                                        </p:attrNameLst>
+                                      </p:cBhvr>
+                                      <p:to>
+                                        <p:strVal val="visible"/>
+                                      </p:to>
+                                    </p:set>
+                                    <p:anim calcmode="lin" valueType="num">
+                                      <p:cBhvr additive="base">
+                                        <p:cTn id="11" dur="500" fill="hold"/>
+                                        <p:tgtEl>
+                                          <p:spTgt spid="2">
+                                            <p:txEl>
+                                              <p:pRg st="1" end="1"/>
+                                            </p:txEl>
+                                          </p:spTgt>
+                                        </p:tgtEl>
+                                        <p:attrNameLst>
+                                          <p:attrName>ppt_x</p:attrName>
+                                        </p:attrNameLst>
+                                      </p:cBhvr>
+                                      <p:tavLst>
+                                        <p:tav tm="0">
+                                          <p:val>
+                                            <p:strVal val="#ppt_x"/>
+                                          </p:val>
+                                        </p:tav>
+                                        <p:tav tm="100000">
+                                          <p:val>
+                                            <p:strVal val="#ppt_x"/>
+                                          </p:val>
+                                        </p:tav>
+                                      </p:tavLst>
+                                    </p:anim>
+                                    <p:anim calcmode="lin" valueType="num">
+                                      <p:cBhvr additive="base">
+                                        <p:cTn id="12" dur="500" fill="hold"/>
+                                        <p:tgtEl>
+                                          <p:spTgt spid="2">
+                                            <p:txEl>
+                                              <p:pRg st="1" end="1"/>
+                                            </p:txEl>
+                                          </p:spTgt>
+                                        </p:tgtEl>
+                                        <p:attrNameLst>
+                                          <p:attrName>ppt_y</p:attrName>
+                                        </p:attrNameLst>
+                                      </p:cBhvr>
+                                      <p:tavLst>
+                                        <p:tav tm="0">
+                                          <p:val>
+                                            <p:strVal val="1+#ppt_h/2"/>
+                                          </p:val>
+                                        </p:tav>
+                                        <p:tav tm="100000">
+                                          <p:val>
+                                            <p:strVal val="#ppt_y"/>
+                                          </p:val>
+                                        </p:tav>
+                                      </p:tavLst>
+                                    </p:anim>
+                                  </p:childTnLst>
+                                </p:cTn>
+                              </p:par>
+                              <p:par>
+                                <p:cTn id="13" presetID="2" presetClass="entr" presetSubtype="4" fill="hold" nodeType="withEffect">
+                                  <p:stCondLst>
+                                    <p:cond delay="0"/>
+                                  </p:stCondLst>
+                                  <p:childTnLst>
+                                    <p:set>
+                                      <p:cBhvr>
+                                        <p:cTn id="14" dur="1" fill="hold">
+                                          <p:stCondLst>
+                                            <p:cond delay="0"/>
+                                          </p:stCondLst>
+                                        </p:cTn>
+                                        <p:tgtEl>
+                                          <p:spTgt spid="2">
+                                            <p:txEl>
+                                              <p:pRg st="2" end="2"/>
+                                            </p:txEl>
+                                          </p:spTgt>
+                                        </p:tgtEl>
+                                        <p:attrNameLst>
+                                          <p:attrName>style.visibility</p:attrName>
+                                        </p:attrNameLst>
+                                      </p:cBhvr>
+                                      <p:to>
+                                        <p:strVal val="visible"/>
+                                      </p:to>
+                                    </p:set>
+                                    <p:anim calcmode="lin" valueType="num">
+                                      <p:cBhvr additive="base">
+                                        <p:cTn id="15" dur="500" fill="hold"/>
+                                        <p:tgtEl>
+                                          <p:spTgt spid="2">
+                                            <p:txEl>
+                                              <p:pRg st="2" end="2"/>
+                                            </p:txEl>
+                                          </p:spTgt>
+                                        </p:tgtEl>
+                                        <p:attrNameLst>
+                                          <p:attrName>ppt_x</p:attrName>
+                                        </p:attrNameLst>
+                                      </p:cBhvr>
+                                      <p:tavLst>
+                                        <p:tav tm="0">
+                                          <p:val>
+                                            <p:strVal val="#ppt_x"/>
+                                          </p:val>
+                                        </p:tav>
+                                        <p:tav tm="100000">
+                                          <p:val>
+                                            <p:strVal val="#ppt_x"/>
+                                          </p:val>
+                                        </p:tav>
+                                      </p:tavLst>
+                                    </p:anim>
+                                    <p:anim calcmode="lin" valueType="num">
+                                      <p:cBhvr additive="base">
+                                        <p:cTn id="16" dur="500" fill="hold"/>
+                                        <p:tgtEl>
+                                          <p:spTgt spid="2">
+                                            <p:txEl>
+                                              <p:pRg st="2" end="2"/>
+                                            </p:txEl>
+                                          </p:spTgt>
+                                        </p:tgtEl>
+                                        <p:attrNameLst>
+                                          <p:attrName>ppt_y</p:attrName>
+                                        </p:attrNameLst>
+                                      </p:cBhvr>
+                                      <p:tavLst>
+                                        <p:tav tm="0">
+                                          <p:val>
+                                            <p:strVal val="1+#ppt_h/2"/>
+                                          </p:val>
+                                        </p:tav>
+                                        <p:tav tm="100000">
+                                          <p:val>
+                                            <p:strVal val="#ppt_y"/>
+                                          </p:val>
+                                        </p:tav>
+                                      </p:tavLst>
+                                    </p:anim>
+                                  </p:childTnLst>
+                                </p:cTn>
+                              </p:par>
+                            </p:childTnLst>
+                          </p:cTn>
+                        </p:par>
+                      </p:childTnLst>
+                    </p:cTn>
+                  </p:par>
+                  <p:par>
+                    <p:cTn id="17" fill="hold">
+                      <p:stCondLst>
+                        <p:cond delay="indefinite"/>
+                      </p:stCondLst>
+                      <p:childTnLst>
+                        <p:par>
+                          <p:cTn id="18" fill="hold">
+                            <p:stCondLst>
+                              <p:cond delay="0"/>
+                            </p:stCondLst>
+                            <p:childTnLst>
+                              <p:par>
+                                <p:cTn id="19" presetID="2" presetClass="entr" presetSubtype="4" fill="hold" nodeType="clickEffect">
+                                  <p:stCondLst>
+                                    <p:cond delay="0"/>
+                                  </p:stCondLst>
+                                  <p:childTnLst>
+                                    <p:set>
+                                      <p:cBhvr>
+                                        <p:cTn id="20" dur="1" fill="hold">
+                                          <p:stCondLst>
+                                            <p:cond delay="0"/>
+                                          </p:stCondLst>
+                                        </p:cTn>
+                                        <p:tgtEl>
+                                          <p:spTgt spid="2">
+                                            <p:txEl>
+                                              <p:pRg st="3" end="3"/>
+                                            </p:txEl>
+                                          </p:spTgt>
+                                        </p:tgtEl>
+                                        <p:attrNameLst>
+                                          <p:attrName>style.visibility</p:attrName>
+                                        </p:attrNameLst>
+                                      </p:cBhvr>
+                                      <p:to>
+                                        <p:strVal val="visible"/>
+                                      </p:to>
+                                    </p:set>
+                                    <p:anim calcmode="lin" valueType="num">
+                                      <p:cBhvr additive="base">
+                                        <p:cTn id="21" dur="500" fill="hold"/>
+                                        <p:tgtEl>
+                                          <p:spTgt spid="2">
+                                            <p:txEl>
+                                              <p:pRg st="3" end="3"/>
+                                            </p:txEl>
+                                          </p:spTgt>
+                                        </p:tgtEl>
+                                        <p:attrNameLst>
+                                          <p:attrName>ppt_x</p:attrName>
+                                        </p:attrNameLst>
+                                      </p:cBhvr>
+                                      <p:tavLst>
+                                        <p:tav tm="0">
+                                          <p:val>
+                                            <p:strVal val="#ppt_x"/>
+                                          </p:val>
+                                        </p:tav>
+                                        <p:tav tm="100000">
+                                          <p:val>
+                                            <p:strVal val="#ppt_x"/>
+                                          </p:val>
+                                        </p:tav>
+                                      </p:tavLst>
+                                    </p:anim>
+                                    <p:anim calcmode="lin" valueType="num">
+                                      <p:cBhvr additive="base">
+                                        <p:cTn id="22" dur="500" fill="hold"/>
+                                        <p:tgtEl>
+                                          <p:spTgt spid="2">
+                                            <p:txEl>
+                                              <p:pRg st="3" end="3"/>
+                                            </p:txEl>
+                                          </p:spTgt>
+                                        </p:tgtEl>
+                                        <p:attrNameLst>
+                                          <p:attrName>ppt_y</p:attrName>
+                                        </p:attrNameLst>
+                                      </p:cBhvr>
+                                      <p:tavLst>
+                                        <p:tav tm="0">
+                                          <p:val>
+                                            <p:strVal val="1+#ppt_h/2"/>
+                                          </p:val>
+                                        </p:tav>
+                                        <p:tav tm="100000">
+                                          <p:val>
+                                            <p:strVal val="#ppt_y"/>
+                                          </p:val>
+                                        </p:tav>
+                                      </p:tavLst>
+                                    </p:anim>
+                                  </p:childTnLst>
+                                </p:cTn>
+                              </p:par>
+                              <p:par>
+                                <p:cTn id="23" presetID="2" presetClass="entr" presetSubtype="4" fill="hold" nodeType="withEffect">
+                                  <p:stCondLst>
+                                    <p:cond delay="0"/>
+                                  </p:stCondLst>
+                                  <p:childTnLst>
+                                    <p:set>
+                                      <p:cBhvr>
+                                        <p:cTn id="24" dur="1" fill="hold">
+                                          <p:stCondLst>
+                                            <p:cond delay="0"/>
+                                          </p:stCondLst>
+                                        </p:cTn>
+                                        <p:tgtEl>
+                                          <p:spTgt spid="2">
+                                            <p:txEl>
+                                              <p:pRg st="4" end="4"/>
+                                            </p:txEl>
+                                          </p:spTgt>
+                                        </p:tgtEl>
+                                        <p:attrNameLst>
+                                          <p:attrName>style.visibility</p:attrName>
+                                        </p:attrNameLst>
+                                      </p:cBhvr>
+                                      <p:to>
+                                        <p:strVal val="visible"/>
+                                      </p:to>
+                                    </p:set>
+                                    <p:anim calcmode="lin" valueType="num">
+                                      <p:cBhvr additive="base">
+                                        <p:cTn id="25" dur="500" fill="hold"/>
+                                        <p:tgtEl>
+                                          <p:spTgt spid="2">
+                                            <p:txEl>
+                                              <p:pRg st="4" end="4"/>
+                                            </p:txEl>
+                                          </p:spTgt>
+                                        </p:tgtEl>
+                                        <p:attrNameLst>
+                                          <p:attrName>ppt_x</p:attrName>
+                                        </p:attrNameLst>
+                                      </p:cBhvr>
+                                      <p:tavLst>
+                                        <p:tav tm="0">
+                                          <p:val>
+                                            <p:strVal val="#ppt_x"/>
+                                          </p:val>
+                                        </p:tav>
+                                        <p:tav tm="100000">
+                                          <p:val>
+                                            <p:strVal val="#ppt_x"/>
+                                          </p:val>
+                                        </p:tav>
+                                      </p:tavLst>
+                                    </p:anim>
+                                    <p:anim calcmode="lin" valueType="num">
+                                      <p:cBhvr additive="base">
+                                        <p:cTn id="26" dur="500" fill="hold"/>
+                                        <p:tgtEl>
+                                          <p:spTgt spid="2">
+                                            <p:txEl>
+                                              <p:pRg st="4" end="4"/>
+                                            </p:txEl>
+                                          </p:spTgt>
+                                        </p:tgtEl>
+                                        <p:attrNameLst>
+                                          <p:attrName>ppt_y</p:attrName>
+                                        </p:attrNameLst>
+                                      </p:cBhvr>
+                                      <p:tavLst>
+                                        <p:tav tm="0">
+                                          <p:val>
+                                            <p:strVal val="1+#ppt_h/2"/>
+                                          </p:val>
+                                        </p:tav>
+                                        <p:tav tm="100000">
+                                          <p:val>
+                                            <p:strVal val="#ppt_y"/>
+                                          </p:val>
+                                        </p:tav>
+                                      </p:tavLst>
+                                    </p:anim>
+                                  </p:childTnLst>
+                                </p:cTn>
+                              </p:par>
+                            </p:childTnLst>
+                          </p:cTn>
+                        </p:par>
+                      </p:childTnLst>
+                    </p:cTn>
+                  </p:par>
+                  <p:par>
+                    <p:cTn id="27" fill="hold">
+                      <p:stCondLst>
+                        <p:cond delay="indefinite"/>
+                      </p:stCondLst>
+                      <p:childTnLst>
+                        <p:par>
+                          <p:cTn id="28" fill="hold">
+                            <p:stCondLst>
+                              <p:cond delay="0"/>
+                            </p:stCondLst>
+                            <p:childTnLst>
+                              <p:par>
+                                <p:cTn id="29" presetID="2" presetClass="entr" presetSubtype="4" fill="hold" nodeType="clickEffect">
+                                  <p:stCondLst>
+                                    <p:cond delay="0"/>
+                                  </p:stCondLst>
+                                  <p:childTnLst>
+                                    <p:set>
+                                      <p:cBhvr>
+                                        <p:cTn id="30" dur="1" fill="hold">
+                                          <p:stCondLst>
+                                            <p:cond delay="0"/>
+                                          </p:stCondLst>
+                                        </p:cTn>
+                                        <p:tgtEl>
+                                          <p:spTgt spid="2">
+                                            <p:txEl>
+                                              <p:pRg st="5" end="5"/>
+                                            </p:txEl>
+                                          </p:spTgt>
+                                        </p:tgtEl>
+                                        <p:attrNameLst>
+                                          <p:attrName>style.visibility</p:attrName>
+                                        </p:attrNameLst>
+                                      </p:cBhvr>
+                                      <p:to>
+                                        <p:strVal val="visible"/>
+                                      </p:to>
+                                    </p:set>
+                                    <p:anim calcmode="lin" valueType="num">
+                                      <p:cBhvr additive="base">
+                                        <p:cTn id="31" dur="500" fill="hold"/>
+                                        <p:tgtEl>
+                                          <p:spTgt spid="2">
+                                            <p:txEl>
+                                              <p:pRg st="5" end="5"/>
+                                            </p:txEl>
+                                          </p:spTgt>
+                                        </p:tgtEl>
+                                        <p:attrNameLst>
+                                          <p:attrName>ppt_x</p:attrName>
+                                        </p:attrNameLst>
+                                      </p:cBhvr>
+                                      <p:tavLst>
+                                        <p:tav tm="0">
+                                          <p:val>
+                                            <p:strVal val="#ppt_x"/>
+                                          </p:val>
+                                        </p:tav>
+                                        <p:tav tm="100000">
+                                          <p:val>
+                                            <p:strVal val="#ppt_x"/>
+                                          </p:val>
+                                        </p:tav>
+                                      </p:tavLst>
+                                    </p:anim>
+                                    <p:anim calcmode="lin" valueType="num">
+                                      <p:cBhvr additive="base">
+                                        <p:cTn id="32" dur="500" fill="hold"/>
+                                        <p:tgtEl>
+                                          <p:spTgt spid="2">
+                                            <p:txEl>
+                                              <p:pRg st="5" end="5"/>
+                                            </p:txEl>
+                                          </p:spTgt>
+                                        </p:tgtEl>
+                                        <p:attrNameLst>
+                                          <p:attrName>ppt_y</p:attrName>
+                                        </p:attrNameLst>
+                                      </p:cBhvr>
+                                      <p:tavLst>
+                                        <p:tav tm="0">
+                                          <p:val>
+                                            <p:strVal val="1+#ppt_h/2"/>
+                                          </p:val>
+                                        </p:tav>
+                                        <p:tav tm="100000">
+                                          <p:val>
+                                            <p:strVal val="#ppt_y"/>
+                                          </p:val>
+                                        </p:tav>
+                                      </p:tavLst>
+                                    </p:anim>
+                                  </p:childTnLst>
+                                </p:cTn>
+                              </p:par>
+                              <p:par>
+                                <p:cTn id="33" presetID="2" presetClass="entr" presetSubtype="4" fill="hold" nodeType="withEffect">
+                                  <p:stCondLst>
+                                    <p:cond delay="0"/>
+                                  </p:stCondLst>
+                                  <p:childTnLst>
+                                    <p:set>
+                                      <p:cBhvr>
+                                        <p:cTn id="34" dur="1" fill="hold">
+                                          <p:stCondLst>
+                                            <p:cond delay="0"/>
+                                          </p:stCondLst>
+                                        </p:cTn>
+                                        <p:tgtEl>
+                                          <p:spTgt spid="2">
+                                            <p:txEl>
+                                              <p:pRg st="6" end="6"/>
+                                            </p:txEl>
+                                          </p:spTgt>
+                                        </p:tgtEl>
+                                        <p:attrNameLst>
+                                          <p:attrName>style.visibility</p:attrName>
+                                        </p:attrNameLst>
+                                      </p:cBhvr>
+                                      <p:to>
+                                        <p:strVal val="visible"/>
+                                      </p:to>
+                                    </p:set>
+                                    <p:anim calcmode="lin" valueType="num">
+                                      <p:cBhvr additive="base">
+                                        <p:cTn id="35" dur="500" fill="hold"/>
+                                        <p:tgtEl>
+                                          <p:spTgt spid="2">
+                                            <p:txEl>
+                                              <p:pRg st="6" end="6"/>
+                                            </p:txEl>
+                                          </p:spTgt>
+                                        </p:tgtEl>
+                                        <p:attrNameLst>
+                                          <p:attrName>ppt_x</p:attrName>
+                                        </p:attrNameLst>
+                                      </p:cBhvr>
+                                      <p:tavLst>
+                                        <p:tav tm="0">
+                                          <p:val>
+                                            <p:strVal val="#ppt_x"/>
+                                          </p:val>
+                                        </p:tav>
+                                        <p:tav tm="100000">
+                                          <p:val>
+                                            <p:strVal val="#ppt_x"/>
+                                          </p:val>
+                                        </p:tav>
+                                      </p:tavLst>
+                                    </p:anim>
+                                    <p:anim calcmode="lin" valueType="num">
+                                      <p:cBhvr additive="base">
+                                        <p:cTn id="36" dur="500" fill="hold"/>
+                                        <p:tgtEl>
+                                          <p:spTgt spid="2">
+                                            <p:txEl>
+                                              <p:pRg st="6" end="6"/>
+                                            </p:txEl>
+                                          </p:spTgt>
+                                        </p:tgtEl>
+                                        <p:attrNameLst>
+                                          <p:attrName>ppt_y</p:attrName>
+                                        </p:attrNameLst>
+                                      </p:cBhvr>
+                                      <p:tavLst>
+                                        <p:tav tm="0">
+                                          <p:val>
+                                            <p:strVal val="1+#ppt_h/2"/>
+                                          </p:val>
+                                        </p:tav>
+                                        <p:tav tm="100000">
+                                          <p:val>
+                                            <p:strVal val="#ppt_y"/>
+                                          </p:val>
+                                        </p:tav>
+                                      </p:tavLst>
+                                    </p:anim>
+                                  </p:childTnLst>
+                                </p:cTn>
+                              </p:par>
+                            </p:childTnLst>
+                          </p:cTn>
+                        </p:par>
+                      </p:childTnLst>
+                    </p:cTn>
+                  </p:par>
+                  <p:par>
+                    <p:cTn id="37" fill="hold">
+                      <p:stCondLst>
+                        <p:cond delay="indefinite"/>
+                      </p:stCondLst>
+                      <p:childTnLst>
+                        <p:par>
+                          <p:cTn id="38" fill="hold">
+                            <p:stCondLst>
+                              <p:cond delay="0"/>
+                            </p:stCondLst>
+                            <p:childTnLst>
+                              <p:par>
+                                <p:cTn id="39" presetID="2" presetClass="entr" presetSubtype="4" fill="hold" nodeType="clickEffect">
+                                  <p:stCondLst>
+                                    <p:cond delay="0"/>
+                                  </p:stCondLst>
+                                  <p:childTnLst>
+                                    <p:set>
+                                      <p:cBhvr>
+                                        <p:cTn id="40" dur="1" fill="hold">
+                                          <p:stCondLst>
+                                            <p:cond delay="0"/>
+                                          </p:stCondLst>
+                                        </p:cTn>
+                                        <p:tgtEl>
+                                          <p:spTgt spid="2">
+                                            <p:txEl>
+                                              <p:pRg st="7" end="7"/>
+                                            </p:txEl>
+                                          </p:spTgt>
+                                        </p:tgtEl>
+                                        <p:attrNameLst>
+                                          <p:attrName>style.visibility</p:attrName>
+                                        </p:attrNameLst>
+                                      </p:cBhvr>
+                                      <p:to>
+                                        <p:strVal val="visible"/>
+                                      </p:to>
+                                    </p:set>
+                                    <p:anim calcmode="lin" valueType="num">
+                                      <p:cBhvr additive="base">
+                                        <p:cTn id="41" dur="500" fill="hold"/>
+                                        <p:tgtEl>
+                                          <p:spTgt spid="2">
+                                            <p:txEl>
+                                              <p:pRg st="7" end="7"/>
+                                            </p:txEl>
+                                          </p:spTgt>
+                                        </p:tgtEl>
+                                        <p:attrNameLst>
+                                          <p:attrName>ppt_x</p:attrName>
+                                        </p:attrNameLst>
+                                      </p:cBhvr>
+                                      <p:tavLst>
+                                        <p:tav tm="0">
+                                          <p:val>
+                                            <p:strVal val="#ppt_x"/>
+                                          </p:val>
+                                        </p:tav>
+                                        <p:tav tm="100000">
+                                          <p:val>
+                                            <p:strVal val="#ppt_x"/>
+                                          </p:val>
+                                        </p:tav>
+                                      </p:tavLst>
+                                    </p:anim>
+                                    <p:anim calcmode="lin" valueType="num">
+                                      <p:cBhvr additive="base">
+                                        <p:cTn id="42" dur="500" fill="hold"/>
+                                        <p:tgtEl>
+                                          <p:spTgt spid="2">
+                                            <p:txEl>
+                                              <p:pRg st="7" end="7"/>
+                                            </p:txEl>
+                                          </p:spTgt>
+                                        </p:tgtEl>
+                                        <p:attrNameLst>
+                                          <p:attrName>ppt_y</p:attrName>
+                                        </p:attrNameLst>
+                                      </p:cBhvr>
+                                      <p:tavLst>
+                                        <p:tav tm="0">
+                                          <p:val>
+                                            <p:strVal val="1+#ppt_h/2"/>
+                                          </p:val>
+                                        </p:tav>
+                                        <p:tav tm="100000">
+                                          <p:val>
+                                            <p:strVal val="#ppt_y"/>
+                                          </p:val>
+                                        </p:tav>
+                                      </p:tavLst>
+                                    </p:anim>
+                                  </p:childTnLst>
+                                </p:cTn>
+                              </p:par>
+                              <p:par>
+                                <p:cTn id="43" presetID="2" presetClass="entr" presetSubtype="4" fill="hold" nodeType="withEffect">
+                                  <p:stCondLst>
+                                    <p:cond delay="0"/>
+                                  </p:stCondLst>
+                                  <p:childTnLst>
+                                    <p:set>
+                                      <p:cBhvr>
+                                        <p:cTn id="44" dur="1" fill="hold">
+                                          <p:stCondLst>
+                                            <p:cond delay="0"/>
+                                          </p:stCondLst>
+                                        </p:cTn>
+                                        <p:tgtEl>
+                                          <p:spTgt spid="2">
+                                            <p:txEl>
+                                              <p:pRg st="8" end="8"/>
+                                            </p:txEl>
+                                          </p:spTgt>
+                                        </p:tgtEl>
+                                        <p:attrNameLst>
+                                          <p:attrName>style.visibility</p:attrName>
+                                        </p:attrNameLst>
+                                      </p:cBhvr>
+                                      <p:to>
+                                        <p:strVal val="visible"/>
+                                      </p:to>
+                                    </p:set>
+                                    <p:anim calcmode="lin" valueType="num">
+                                      <p:cBhvr additive="base">
+                                        <p:cTn id="45" dur="500" fill="hold"/>
+                                        <p:tgtEl>
+                                          <p:spTgt spid="2">
+                                            <p:txEl>
+                                              <p:pRg st="8" end="8"/>
+                                            </p:txEl>
+                                          </p:spTgt>
+                                        </p:tgtEl>
+                                        <p:attrNameLst>
+                                          <p:attrName>ppt_x</p:attrName>
+                                        </p:attrNameLst>
+                                      </p:cBhvr>
+                                      <p:tavLst>
+                                        <p:tav tm="0">
+                                          <p:val>
+                                            <p:strVal val="#ppt_x"/>
+                                          </p:val>
+                                        </p:tav>
+                                        <p:tav tm="100000">
+                                          <p:val>
+                                            <p:strVal val="#ppt_x"/>
+                                          </p:val>
+                                        </p:tav>
+                                      </p:tavLst>
+                                    </p:anim>
+                                    <p:anim calcmode="lin" valueType="num">
+                                      <p:cBhvr additive="base">
+                                        <p:cTn id="46" dur="500" fill="hold"/>
+                                        <p:tgtEl>
+                                          <p:spTgt spid="2">
+                                            <p:txEl>
+                                              <p:pRg st="8" end="8"/>
+                                            </p:txEl>
+                                          </p:spTgt>
+                                        </p:tgtEl>
+                                        <p:attrNameLst>
+                                          <p:attrName>ppt_y</p:attrName>
+                                        </p:attrNameLst>
+                                      </p:cBhvr>
+                                      <p:tavLst>
+                                        <p:tav tm="0">
+                                          <p:val>
+                                            <p:strVal val="1+#ppt_h/2"/>
+                                          </p:val>
+                                        </p:tav>
+                                        <p:tav tm="100000">
+                                          <p:val>
+                                            <p:strVal val="#ppt_y"/>
+                                          </p:val>
+                                        </p:tav>
+                                      </p:tavLst>
+                                    </p:anim>
+                                  </p:childTnLst>
+                                </p:cTn>
+                              </p:par>
+                            </p:childTnLst>
+                          </p:cTn>
+                        </p:par>
+                      </p:childTnLst>
+                    </p:cTn>
+                  </p:par>
+                </p:childTnLst>
+              </p:cTn>
+              <p:prevCondLst>
+                <p:cond evt="onPrev" delay="0">
+                  <p:tgtEl>
+                    <p:sldTgt/>
+                  </p:tgtEl>
+                </p:cond>
+              </p:prevCondLst>
+              <p:nextCondLst>
+                <p:cond evt="onNext" delay="0">
+                  <p:tgtEl>
+                    <p:sldTgt/>
+                  </p:tgtEl>
+                </p:cond>
+              </p:nextCondLst>
+            </p:seq>
+          </p:childTnLst>
+        </p:cTn>
       </p:par>
     </p:tnLst>
   </p:timing>
@@ -41144,7 +44917,7 @@
       </p:sp>
       <p:pic>
         <p:nvPicPr>
-          <p:cNvPr id="5" name="Picture 4"/>
+          <p:cNvPr id="6" name="Picture 5"/>
           <p:cNvPicPr>
             <a:picLocks noChangeAspect="1"/>
           </p:cNvPicPr>
@@ -41158,8 +44931,8 @@
         </p:blipFill>
         <p:spPr>
           <a:xfrm>
-            <a:off x="1120043" y="2760663"/>
-            <a:ext cx="5792368" cy="2640136"/>
+            <a:off x="1151898" y="2780083"/>
+            <a:ext cx="6915955" cy="2922641"/>
           </a:xfrm>
           <a:prstGeom prst="rect">
             <a:avLst/>
@@ -41179,7 +44952,412 @@
   <p:timing>
     <p:tnLst>
       <p:par>
-        <p:cTn id="1" dur="indefinite" restart="never" nodeType="tmRoot"/>
+        <p:cTn id="1" dur="indefinite" restart="never" nodeType="tmRoot">
+          <p:childTnLst>
+            <p:seq concurrent="1" nextAc="seek">
+              <p:cTn id="2" dur="indefinite" nodeType="mainSeq">
+                <p:childTnLst>
+                  <p:par>
+                    <p:cTn id="3" fill="hold">
+                      <p:stCondLst>
+                        <p:cond delay="indefinite"/>
+                      </p:stCondLst>
+                      <p:childTnLst>
+                        <p:par>
+                          <p:cTn id="4" fill="hold">
+                            <p:stCondLst>
+                              <p:cond delay="0"/>
+                            </p:stCondLst>
+                            <p:childTnLst>
+                              <p:par>
+                                <p:cTn id="5" presetID="2" presetClass="entr" presetSubtype="4" fill="hold" nodeType="clickEffect">
+                                  <p:stCondLst>
+                                    <p:cond delay="0"/>
+                                  </p:stCondLst>
+                                  <p:childTnLst>
+                                    <p:set>
+                                      <p:cBhvr>
+                                        <p:cTn id="6" dur="1" fill="hold">
+                                          <p:stCondLst>
+                                            <p:cond delay="0"/>
+                                          </p:stCondLst>
+                                        </p:cTn>
+                                        <p:tgtEl>
+                                          <p:spTgt spid="2">
+                                            <p:txEl>
+                                              <p:pRg st="0" end="0"/>
+                                            </p:txEl>
+                                          </p:spTgt>
+                                        </p:tgtEl>
+                                        <p:attrNameLst>
+                                          <p:attrName>style.visibility</p:attrName>
+                                        </p:attrNameLst>
+                                      </p:cBhvr>
+                                      <p:to>
+                                        <p:strVal val="visible"/>
+                                      </p:to>
+                                    </p:set>
+                                    <p:anim calcmode="lin" valueType="num">
+                                      <p:cBhvr additive="base">
+                                        <p:cTn id="7" dur="500" fill="hold"/>
+                                        <p:tgtEl>
+                                          <p:spTgt spid="2">
+                                            <p:txEl>
+                                              <p:pRg st="0" end="0"/>
+                                            </p:txEl>
+                                          </p:spTgt>
+                                        </p:tgtEl>
+                                        <p:attrNameLst>
+                                          <p:attrName>ppt_x</p:attrName>
+                                        </p:attrNameLst>
+                                      </p:cBhvr>
+                                      <p:tavLst>
+                                        <p:tav tm="0">
+                                          <p:val>
+                                            <p:strVal val="#ppt_x"/>
+                                          </p:val>
+                                        </p:tav>
+                                        <p:tav tm="100000">
+                                          <p:val>
+                                            <p:strVal val="#ppt_x"/>
+                                          </p:val>
+                                        </p:tav>
+                                      </p:tavLst>
+                                    </p:anim>
+                                    <p:anim calcmode="lin" valueType="num">
+                                      <p:cBhvr additive="base">
+                                        <p:cTn id="8" dur="500" fill="hold"/>
+                                        <p:tgtEl>
+                                          <p:spTgt spid="2">
+                                            <p:txEl>
+                                              <p:pRg st="0" end="0"/>
+                                            </p:txEl>
+                                          </p:spTgt>
+                                        </p:tgtEl>
+                                        <p:attrNameLst>
+                                          <p:attrName>ppt_y</p:attrName>
+                                        </p:attrNameLst>
+                                      </p:cBhvr>
+                                      <p:tavLst>
+                                        <p:tav tm="0">
+                                          <p:val>
+                                            <p:strVal val="1+#ppt_h/2"/>
+                                          </p:val>
+                                        </p:tav>
+                                        <p:tav tm="100000">
+                                          <p:val>
+                                            <p:strVal val="#ppt_y"/>
+                                          </p:val>
+                                        </p:tav>
+                                      </p:tavLst>
+                                    </p:anim>
+                                  </p:childTnLst>
+                                </p:cTn>
+                              </p:par>
+                              <p:par>
+                                <p:cTn id="9" presetID="2" presetClass="entr" presetSubtype="4" fill="hold" nodeType="withEffect">
+                                  <p:stCondLst>
+                                    <p:cond delay="0"/>
+                                  </p:stCondLst>
+                                  <p:childTnLst>
+                                    <p:set>
+                                      <p:cBhvr>
+                                        <p:cTn id="10" dur="1" fill="hold">
+                                          <p:stCondLst>
+                                            <p:cond delay="0"/>
+                                          </p:stCondLst>
+                                        </p:cTn>
+                                        <p:tgtEl>
+                                          <p:spTgt spid="2">
+                                            <p:txEl>
+                                              <p:pRg st="1" end="1"/>
+                                            </p:txEl>
+                                          </p:spTgt>
+                                        </p:tgtEl>
+                                        <p:attrNameLst>
+                                          <p:attrName>style.visibility</p:attrName>
+                                        </p:attrNameLst>
+                                      </p:cBhvr>
+                                      <p:to>
+                                        <p:strVal val="visible"/>
+                                      </p:to>
+                                    </p:set>
+                                    <p:anim calcmode="lin" valueType="num">
+                                      <p:cBhvr additive="base">
+                                        <p:cTn id="11" dur="500" fill="hold"/>
+                                        <p:tgtEl>
+                                          <p:spTgt spid="2">
+                                            <p:txEl>
+                                              <p:pRg st="1" end="1"/>
+                                            </p:txEl>
+                                          </p:spTgt>
+                                        </p:tgtEl>
+                                        <p:attrNameLst>
+                                          <p:attrName>ppt_x</p:attrName>
+                                        </p:attrNameLst>
+                                      </p:cBhvr>
+                                      <p:tavLst>
+                                        <p:tav tm="0">
+                                          <p:val>
+                                            <p:strVal val="#ppt_x"/>
+                                          </p:val>
+                                        </p:tav>
+                                        <p:tav tm="100000">
+                                          <p:val>
+                                            <p:strVal val="#ppt_x"/>
+                                          </p:val>
+                                        </p:tav>
+                                      </p:tavLst>
+                                    </p:anim>
+                                    <p:anim calcmode="lin" valueType="num">
+                                      <p:cBhvr additive="base">
+                                        <p:cTn id="12" dur="500" fill="hold"/>
+                                        <p:tgtEl>
+                                          <p:spTgt spid="2">
+                                            <p:txEl>
+                                              <p:pRg st="1" end="1"/>
+                                            </p:txEl>
+                                          </p:spTgt>
+                                        </p:tgtEl>
+                                        <p:attrNameLst>
+                                          <p:attrName>ppt_y</p:attrName>
+                                        </p:attrNameLst>
+                                      </p:cBhvr>
+                                      <p:tavLst>
+                                        <p:tav tm="0">
+                                          <p:val>
+                                            <p:strVal val="1+#ppt_h/2"/>
+                                          </p:val>
+                                        </p:tav>
+                                        <p:tav tm="100000">
+                                          <p:val>
+                                            <p:strVal val="#ppt_y"/>
+                                          </p:val>
+                                        </p:tav>
+                                      </p:tavLst>
+                                    </p:anim>
+                                  </p:childTnLst>
+                                </p:cTn>
+                              </p:par>
+                            </p:childTnLst>
+                          </p:cTn>
+                        </p:par>
+                      </p:childTnLst>
+                    </p:cTn>
+                  </p:par>
+                  <p:par>
+                    <p:cTn id="13" fill="hold">
+                      <p:stCondLst>
+                        <p:cond delay="indefinite"/>
+                      </p:stCondLst>
+                      <p:childTnLst>
+                        <p:par>
+                          <p:cTn id="14" fill="hold">
+                            <p:stCondLst>
+                              <p:cond delay="0"/>
+                            </p:stCondLst>
+                            <p:childTnLst>
+                              <p:par>
+                                <p:cTn id="15" presetID="2" presetClass="entr" presetSubtype="4" fill="hold" nodeType="clickEffect">
+                                  <p:stCondLst>
+                                    <p:cond delay="0"/>
+                                  </p:stCondLst>
+                                  <p:childTnLst>
+                                    <p:set>
+                                      <p:cBhvr>
+                                        <p:cTn id="16" dur="1" fill="hold">
+                                          <p:stCondLst>
+                                            <p:cond delay="0"/>
+                                          </p:stCondLst>
+                                        </p:cTn>
+                                        <p:tgtEl>
+                                          <p:spTgt spid="2">
+                                            <p:txEl>
+                                              <p:pRg st="2" end="2"/>
+                                            </p:txEl>
+                                          </p:spTgt>
+                                        </p:tgtEl>
+                                        <p:attrNameLst>
+                                          <p:attrName>style.visibility</p:attrName>
+                                        </p:attrNameLst>
+                                      </p:cBhvr>
+                                      <p:to>
+                                        <p:strVal val="visible"/>
+                                      </p:to>
+                                    </p:set>
+                                    <p:anim calcmode="lin" valueType="num">
+                                      <p:cBhvr additive="base">
+                                        <p:cTn id="17" dur="500" fill="hold"/>
+                                        <p:tgtEl>
+                                          <p:spTgt spid="2">
+                                            <p:txEl>
+                                              <p:pRg st="2" end="2"/>
+                                            </p:txEl>
+                                          </p:spTgt>
+                                        </p:tgtEl>
+                                        <p:attrNameLst>
+                                          <p:attrName>ppt_x</p:attrName>
+                                        </p:attrNameLst>
+                                      </p:cBhvr>
+                                      <p:tavLst>
+                                        <p:tav tm="0">
+                                          <p:val>
+                                            <p:strVal val="#ppt_x"/>
+                                          </p:val>
+                                        </p:tav>
+                                        <p:tav tm="100000">
+                                          <p:val>
+                                            <p:strVal val="#ppt_x"/>
+                                          </p:val>
+                                        </p:tav>
+                                      </p:tavLst>
+                                    </p:anim>
+                                    <p:anim calcmode="lin" valueType="num">
+                                      <p:cBhvr additive="base">
+                                        <p:cTn id="18" dur="500" fill="hold"/>
+                                        <p:tgtEl>
+                                          <p:spTgt spid="2">
+                                            <p:txEl>
+                                              <p:pRg st="2" end="2"/>
+                                            </p:txEl>
+                                          </p:spTgt>
+                                        </p:tgtEl>
+                                        <p:attrNameLst>
+                                          <p:attrName>ppt_y</p:attrName>
+                                        </p:attrNameLst>
+                                      </p:cBhvr>
+                                      <p:tavLst>
+                                        <p:tav tm="0">
+                                          <p:val>
+                                            <p:strVal val="1+#ppt_h/2"/>
+                                          </p:val>
+                                        </p:tav>
+                                        <p:tav tm="100000">
+                                          <p:val>
+                                            <p:strVal val="#ppt_y"/>
+                                          </p:val>
+                                        </p:tav>
+                                      </p:tavLst>
+                                    </p:anim>
+                                  </p:childTnLst>
+                                </p:cTn>
+                              </p:par>
+                            </p:childTnLst>
+                          </p:cTn>
+                        </p:par>
+                      </p:childTnLst>
+                    </p:cTn>
+                  </p:par>
+                  <p:par>
+                    <p:cTn id="19" fill="hold">
+                      <p:stCondLst>
+                        <p:cond delay="indefinite"/>
+                      </p:stCondLst>
+                      <p:childTnLst>
+                        <p:par>
+                          <p:cTn id="20" fill="hold">
+                            <p:stCondLst>
+                              <p:cond delay="0"/>
+                            </p:stCondLst>
+                            <p:childTnLst>
+                              <p:par>
+                                <p:cTn id="21" presetID="2" presetClass="entr" presetSubtype="4" fill="hold" nodeType="clickEffect">
+                                  <p:stCondLst>
+                                    <p:cond delay="0"/>
+                                  </p:stCondLst>
+                                  <p:childTnLst>
+                                    <p:set>
+                                      <p:cBhvr>
+                                        <p:cTn id="22" dur="1" fill="hold">
+                                          <p:stCondLst>
+                                            <p:cond delay="0"/>
+                                          </p:stCondLst>
+                                        </p:cTn>
+                                        <p:tgtEl>
+                                          <p:spTgt spid="6"/>
+                                        </p:tgtEl>
+                                        <p:attrNameLst>
+                                          <p:attrName>style.visibility</p:attrName>
+                                        </p:attrNameLst>
+                                      </p:cBhvr>
+                                      <p:to>
+                                        <p:strVal val="visible"/>
+                                      </p:to>
+                                    </p:set>
+                                    <p:anim calcmode="lin" valueType="num">
+                                      <p:cBhvr additive="base">
+                                        <p:cTn id="23" dur="500" fill="hold"/>
+                                        <p:tgtEl>
+                                          <p:spTgt spid="6"/>
+                                        </p:tgtEl>
+                                        <p:attrNameLst>
+                                          <p:attrName>ppt_x</p:attrName>
+                                        </p:attrNameLst>
+                                      </p:cBhvr>
+                                      <p:tavLst>
+                                        <p:tav tm="0">
+                                          <p:val>
+                                            <p:strVal val="#ppt_x"/>
+                                          </p:val>
+                                        </p:tav>
+                                        <p:tav tm="100000">
+                                          <p:val>
+                                            <p:strVal val="#ppt_x"/>
+                                          </p:val>
+                                        </p:tav>
+                                      </p:tavLst>
+                                    </p:anim>
+                                    <p:anim calcmode="lin" valueType="num">
+                                      <p:cBhvr additive="base">
+                                        <p:cTn id="24" dur="500" fill="hold"/>
+                                        <p:tgtEl>
+                                          <p:spTgt spid="6"/>
+                                        </p:tgtEl>
+                                        <p:attrNameLst>
+                                          <p:attrName>ppt_y</p:attrName>
+                                        </p:attrNameLst>
+                                      </p:cBhvr>
+                                      <p:tavLst>
+                                        <p:tav tm="0">
+                                          <p:val>
+                                            <p:strVal val="1+#ppt_h/2"/>
+                                          </p:val>
+                                        </p:tav>
+                                        <p:tav tm="100000">
+                                          <p:val>
+                                            <p:strVal val="#ppt_y"/>
+                                          </p:val>
+                                        </p:tav>
+                                      </p:tavLst>
+                                    </p:anim>
+                                  </p:childTnLst>
+                                </p:cTn>
+                              </p:par>
+                            </p:childTnLst>
+                          </p:cTn>
+                        </p:par>
+                      </p:childTnLst>
+                    </p:cTn>
+                  </p:par>
+                </p:childTnLst>
+              </p:cTn>
+              <p:prevCondLst>
+                <p:cond evt="onPrev" delay="0">
+                  <p:tgtEl>
+                    <p:sldTgt/>
+                  </p:tgtEl>
+                </p:cond>
+              </p:prevCondLst>
+              <p:nextCondLst>
+                <p:cond evt="onNext" delay="0">
+                  <p:tgtEl>
+                    <p:sldTgt/>
+                  </p:tgtEl>
+                </p:cond>
+              </p:nextCondLst>
+            </p:seq>
+          </p:childTnLst>
+        </p:cTn>
       </p:par>
     </p:tnLst>
   </p:timing>
@@ -41357,7 +45535,533 @@
   <p:timing>
     <p:tnLst>
       <p:par>
-        <p:cTn id="1" dur="indefinite" restart="never" nodeType="tmRoot"/>
+        <p:cTn id="1" dur="indefinite" restart="never" nodeType="tmRoot">
+          <p:childTnLst>
+            <p:seq concurrent="1" nextAc="seek">
+              <p:cTn id="2" dur="indefinite" nodeType="mainSeq">
+                <p:childTnLst>
+                  <p:par>
+                    <p:cTn id="3" fill="hold">
+                      <p:stCondLst>
+                        <p:cond delay="indefinite"/>
+                      </p:stCondLst>
+                      <p:childTnLst>
+                        <p:par>
+                          <p:cTn id="4" fill="hold">
+                            <p:stCondLst>
+                              <p:cond delay="0"/>
+                            </p:stCondLst>
+                            <p:childTnLst>
+                              <p:par>
+                                <p:cTn id="5" presetID="2" presetClass="entr" presetSubtype="4" fill="hold" nodeType="clickEffect">
+                                  <p:stCondLst>
+                                    <p:cond delay="0"/>
+                                  </p:stCondLst>
+                                  <p:childTnLst>
+                                    <p:set>
+                                      <p:cBhvr>
+                                        <p:cTn id="6" dur="1" fill="hold">
+                                          <p:stCondLst>
+                                            <p:cond delay="0"/>
+                                          </p:stCondLst>
+                                        </p:cTn>
+                                        <p:tgtEl>
+                                          <p:spTgt spid="2">
+                                            <p:txEl>
+                                              <p:pRg st="0" end="0"/>
+                                            </p:txEl>
+                                          </p:spTgt>
+                                        </p:tgtEl>
+                                        <p:attrNameLst>
+                                          <p:attrName>style.visibility</p:attrName>
+                                        </p:attrNameLst>
+                                      </p:cBhvr>
+                                      <p:to>
+                                        <p:strVal val="visible"/>
+                                      </p:to>
+                                    </p:set>
+                                    <p:anim calcmode="lin" valueType="num">
+                                      <p:cBhvr additive="base">
+                                        <p:cTn id="7" dur="500" fill="hold"/>
+                                        <p:tgtEl>
+                                          <p:spTgt spid="2">
+                                            <p:txEl>
+                                              <p:pRg st="0" end="0"/>
+                                            </p:txEl>
+                                          </p:spTgt>
+                                        </p:tgtEl>
+                                        <p:attrNameLst>
+                                          <p:attrName>ppt_x</p:attrName>
+                                        </p:attrNameLst>
+                                      </p:cBhvr>
+                                      <p:tavLst>
+                                        <p:tav tm="0">
+                                          <p:val>
+                                            <p:strVal val="#ppt_x"/>
+                                          </p:val>
+                                        </p:tav>
+                                        <p:tav tm="100000">
+                                          <p:val>
+                                            <p:strVal val="#ppt_x"/>
+                                          </p:val>
+                                        </p:tav>
+                                      </p:tavLst>
+                                    </p:anim>
+                                    <p:anim calcmode="lin" valueType="num">
+                                      <p:cBhvr additive="base">
+                                        <p:cTn id="8" dur="500" fill="hold"/>
+                                        <p:tgtEl>
+                                          <p:spTgt spid="2">
+                                            <p:txEl>
+                                              <p:pRg st="0" end="0"/>
+                                            </p:txEl>
+                                          </p:spTgt>
+                                        </p:tgtEl>
+                                        <p:attrNameLst>
+                                          <p:attrName>ppt_y</p:attrName>
+                                        </p:attrNameLst>
+                                      </p:cBhvr>
+                                      <p:tavLst>
+                                        <p:tav tm="0">
+                                          <p:val>
+                                            <p:strVal val="1+#ppt_h/2"/>
+                                          </p:val>
+                                        </p:tav>
+                                        <p:tav tm="100000">
+                                          <p:val>
+                                            <p:strVal val="#ppt_y"/>
+                                          </p:val>
+                                        </p:tav>
+                                      </p:tavLst>
+                                    </p:anim>
+                                  </p:childTnLst>
+                                </p:cTn>
+                              </p:par>
+                            </p:childTnLst>
+                          </p:cTn>
+                        </p:par>
+                      </p:childTnLst>
+                    </p:cTn>
+                  </p:par>
+                  <p:par>
+                    <p:cTn id="9" fill="hold">
+                      <p:stCondLst>
+                        <p:cond delay="indefinite"/>
+                      </p:stCondLst>
+                      <p:childTnLst>
+                        <p:par>
+                          <p:cTn id="10" fill="hold">
+                            <p:stCondLst>
+                              <p:cond delay="0"/>
+                            </p:stCondLst>
+                            <p:childTnLst>
+                              <p:par>
+                                <p:cTn id="11" presetID="2" presetClass="entr" presetSubtype="4" fill="hold" nodeType="clickEffect">
+                                  <p:stCondLst>
+                                    <p:cond delay="0"/>
+                                  </p:stCondLst>
+                                  <p:childTnLst>
+                                    <p:set>
+                                      <p:cBhvr>
+                                        <p:cTn id="12" dur="1" fill="hold">
+                                          <p:stCondLst>
+                                            <p:cond delay="0"/>
+                                          </p:stCondLst>
+                                        </p:cTn>
+                                        <p:tgtEl>
+                                          <p:spTgt spid="5"/>
+                                        </p:tgtEl>
+                                        <p:attrNameLst>
+                                          <p:attrName>style.visibility</p:attrName>
+                                        </p:attrNameLst>
+                                      </p:cBhvr>
+                                      <p:to>
+                                        <p:strVal val="visible"/>
+                                      </p:to>
+                                    </p:set>
+                                    <p:anim calcmode="lin" valueType="num">
+                                      <p:cBhvr additive="base">
+                                        <p:cTn id="13" dur="500" fill="hold"/>
+                                        <p:tgtEl>
+                                          <p:spTgt spid="5"/>
+                                        </p:tgtEl>
+                                        <p:attrNameLst>
+                                          <p:attrName>ppt_x</p:attrName>
+                                        </p:attrNameLst>
+                                      </p:cBhvr>
+                                      <p:tavLst>
+                                        <p:tav tm="0">
+                                          <p:val>
+                                            <p:strVal val="#ppt_x"/>
+                                          </p:val>
+                                        </p:tav>
+                                        <p:tav tm="100000">
+                                          <p:val>
+                                            <p:strVal val="#ppt_x"/>
+                                          </p:val>
+                                        </p:tav>
+                                      </p:tavLst>
+                                    </p:anim>
+                                    <p:anim calcmode="lin" valueType="num">
+                                      <p:cBhvr additive="base">
+                                        <p:cTn id="14" dur="500" fill="hold"/>
+                                        <p:tgtEl>
+                                          <p:spTgt spid="5"/>
+                                        </p:tgtEl>
+                                        <p:attrNameLst>
+                                          <p:attrName>ppt_y</p:attrName>
+                                        </p:attrNameLst>
+                                      </p:cBhvr>
+                                      <p:tavLst>
+                                        <p:tav tm="0">
+                                          <p:val>
+                                            <p:strVal val="1+#ppt_h/2"/>
+                                          </p:val>
+                                        </p:tav>
+                                        <p:tav tm="100000">
+                                          <p:val>
+                                            <p:strVal val="#ppt_y"/>
+                                          </p:val>
+                                        </p:tav>
+                                      </p:tavLst>
+                                    </p:anim>
+                                  </p:childTnLst>
+                                </p:cTn>
+                              </p:par>
+                            </p:childTnLst>
+                          </p:cTn>
+                        </p:par>
+                      </p:childTnLst>
+                    </p:cTn>
+                  </p:par>
+                  <p:par>
+                    <p:cTn id="15" fill="hold">
+                      <p:stCondLst>
+                        <p:cond delay="indefinite"/>
+                      </p:stCondLst>
+                      <p:childTnLst>
+                        <p:par>
+                          <p:cTn id="16" fill="hold">
+                            <p:stCondLst>
+                              <p:cond delay="0"/>
+                            </p:stCondLst>
+                            <p:childTnLst>
+                              <p:par>
+                                <p:cTn id="17" presetID="2" presetClass="entr" presetSubtype="4" fill="hold" nodeType="clickEffect">
+                                  <p:stCondLst>
+                                    <p:cond delay="0"/>
+                                  </p:stCondLst>
+                                  <p:childTnLst>
+                                    <p:set>
+                                      <p:cBhvr>
+                                        <p:cTn id="18" dur="1" fill="hold">
+                                          <p:stCondLst>
+                                            <p:cond delay="0"/>
+                                          </p:stCondLst>
+                                        </p:cTn>
+                                        <p:tgtEl>
+                                          <p:spTgt spid="2">
+                                            <p:txEl>
+                                              <p:pRg st="6" end="6"/>
+                                            </p:txEl>
+                                          </p:spTgt>
+                                        </p:tgtEl>
+                                        <p:attrNameLst>
+                                          <p:attrName>style.visibility</p:attrName>
+                                        </p:attrNameLst>
+                                      </p:cBhvr>
+                                      <p:to>
+                                        <p:strVal val="visible"/>
+                                      </p:to>
+                                    </p:set>
+                                    <p:anim calcmode="lin" valueType="num">
+                                      <p:cBhvr additive="base">
+                                        <p:cTn id="19" dur="500" fill="hold"/>
+                                        <p:tgtEl>
+                                          <p:spTgt spid="2">
+                                            <p:txEl>
+                                              <p:pRg st="6" end="6"/>
+                                            </p:txEl>
+                                          </p:spTgt>
+                                        </p:tgtEl>
+                                        <p:attrNameLst>
+                                          <p:attrName>ppt_x</p:attrName>
+                                        </p:attrNameLst>
+                                      </p:cBhvr>
+                                      <p:tavLst>
+                                        <p:tav tm="0">
+                                          <p:val>
+                                            <p:strVal val="#ppt_x"/>
+                                          </p:val>
+                                        </p:tav>
+                                        <p:tav tm="100000">
+                                          <p:val>
+                                            <p:strVal val="#ppt_x"/>
+                                          </p:val>
+                                        </p:tav>
+                                      </p:tavLst>
+                                    </p:anim>
+                                    <p:anim calcmode="lin" valueType="num">
+                                      <p:cBhvr additive="base">
+                                        <p:cTn id="20" dur="500" fill="hold"/>
+                                        <p:tgtEl>
+                                          <p:spTgt spid="2">
+                                            <p:txEl>
+                                              <p:pRg st="6" end="6"/>
+                                            </p:txEl>
+                                          </p:spTgt>
+                                        </p:tgtEl>
+                                        <p:attrNameLst>
+                                          <p:attrName>ppt_y</p:attrName>
+                                        </p:attrNameLst>
+                                      </p:cBhvr>
+                                      <p:tavLst>
+                                        <p:tav tm="0">
+                                          <p:val>
+                                            <p:strVal val="1+#ppt_h/2"/>
+                                          </p:val>
+                                        </p:tav>
+                                        <p:tav tm="100000">
+                                          <p:val>
+                                            <p:strVal val="#ppt_y"/>
+                                          </p:val>
+                                        </p:tav>
+                                      </p:tavLst>
+                                    </p:anim>
+                                  </p:childTnLst>
+                                </p:cTn>
+                              </p:par>
+                            </p:childTnLst>
+                          </p:cTn>
+                        </p:par>
+                      </p:childTnLst>
+                    </p:cTn>
+                  </p:par>
+                  <p:par>
+                    <p:cTn id="21" fill="hold">
+                      <p:stCondLst>
+                        <p:cond delay="indefinite"/>
+                      </p:stCondLst>
+                      <p:childTnLst>
+                        <p:par>
+                          <p:cTn id="22" fill="hold">
+                            <p:stCondLst>
+                              <p:cond delay="0"/>
+                            </p:stCondLst>
+                            <p:childTnLst>
+                              <p:par>
+                                <p:cTn id="23" presetID="2" presetClass="entr" presetSubtype="4" fill="hold" nodeType="clickEffect">
+                                  <p:stCondLst>
+                                    <p:cond delay="0"/>
+                                  </p:stCondLst>
+                                  <p:childTnLst>
+                                    <p:set>
+                                      <p:cBhvr>
+                                        <p:cTn id="24" dur="1" fill="hold">
+                                          <p:stCondLst>
+                                            <p:cond delay="0"/>
+                                          </p:stCondLst>
+                                        </p:cTn>
+                                        <p:tgtEl>
+                                          <p:spTgt spid="2">
+                                            <p:txEl>
+                                              <p:pRg st="7" end="7"/>
+                                            </p:txEl>
+                                          </p:spTgt>
+                                        </p:tgtEl>
+                                        <p:attrNameLst>
+                                          <p:attrName>style.visibility</p:attrName>
+                                        </p:attrNameLst>
+                                      </p:cBhvr>
+                                      <p:to>
+                                        <p:strVal val="visible"/>
+                                      </p:to>
+                                    </p:set>
+                                    <p:anim calcmode="lin" valueType="num">
+                                      <p:cBhvr additive="base">
+                                        <p:cTn id="25" dur="500" fill="hold"/>
+                                        <p:tgtEl>
+                                          <p:spTgt spid="2">
+                                            <p:txEl>
+                                              <p:pRg st="7" end="7"/>
+                                            </p:txEl>
+                                          </p:spTgt>
+                                        </p:tgtEl>
+                                        <p:attrNameLst>
+                                          <p:attrName>ppt_x</p:attrName>
+                                        </p:attrNameLst>
+                                      </p:cBhvr>
+                                      <p:tavLst>
+                                        <p:tav tm="0">
+                                          <p:val>
+                                            <p:strVal val="#ppt_x"/>
+                                          </p:val>
+                                        </p:tav>
+                                        <p:tav tm="100000">
+                                          <p:val>
+                                            <p:strVal val="#ppt_x"/>
+                                          </p:val>
+                                        </p:tav>
+                                      </p:tavLst>
+                                    </p:anim>
+                                    <p:anim calcmode="lin" valueType="num">
+                                      <p:cBhvr additive="base">
+                                        <p:cTn id="26" dur="500" fill="hold"/>
+                                        <p:tgtEl>
+                                          <p:spTgt spid="2">
+                                            <p:txEl>
+                                              <p:pRg st="7" end="7"/>
+                                            </p:txEl>
+                                          </p:spTgt>
+                                        </p:tgtEl>
+                                        <p:attrNameLst>
+                                          <p:attrName>ppt_y</p:attrName>
+                                        </p:attrNameLst>
+                                      </p:cBhvr>
+                                      <p:tavLst>
+                                        <p:tav tm="0">
+                                          <p:val>
+                                            <p:strVal val="1+#ppt_h/2"/>
+                                          </p:val>
+                                        </p:tav>
+                                        <p:tav tm="100000">
+                                          <p:val>
+                                            <p:strVal val="#ppt_y"/>
+                                          </p:val>
+                                        </p:tav>
+                                      </p:tavLst>
+                                    </p:anim>
+                                  </p:childTnLst>
+                                </p:cTn>
+                              </p:par>
+                            </p:childTnLst>
+                          </p:cTn>
+                        </p:par>
+                      </p:childTnLst>
+                    </p:cTn>
+                  </p:par>
+                  <p:par>
+                    <p:cTn id="27" fill="hold">
+                      <p:stCondLst>
+                        <p:cond delay="indefinite"/>
+                      </p:stCondLst>
+                      <p:childTnLst>
+                        <p:par>
+                          <p:cTn id="28" fill="hold">
+                            <p:stCondLst>
+                              <p:cond delay="0"/>
+                            </p:stCondLst>
+                            <p:childTnLst>
+                              <p:par>
+                                <p:cTn id="29" presetID="2" presetClass="entr" presetSubtype="4" fill="hold" nodeType="clickEffect">
+                                  <p:stCondLst>
+                                    <p:cond delay="0"/>
+                                  </p:stCondLst>
+                                  <p:childTnLst>
+                                    <p:set>
+                                      <p:cBhvr>
+                                        <p:cTn id="30" dur="1" fill="hold">
+                                          <p:stCondLst>
+                                            <p:cond delay="0"/>
+                                          </p:stCondLst>
+                                        </p:cTn>
+                                        <p:tgtEl>
+                                          <p:spTgt spid="2">
+                                            <p:txEl>
+                                              <p:pRg st="8" end="8"/>
+                                            </p:txEl>
+                                          </p:spTgt>
+                                        </p:tgtEl>
+                                        <p:attrNameLst>
+                                          <p:attrName>style.visibility</p:attrName>
+                                        </p:attrNameLst>
+                                      </p:cBhvr>
+                                      <p:to>
+                                        <p:strVal val="visible"/>
+                                      </p:to>
+                                    </p:set>
+                                    <p:anim calcmode="lin" valueType="num">
+                                      <p:cBhvr additive="base">
+                                        <p:cTn id="31" dur="500" fill="hold"/>
+                                        <p:tgtEl>
+                                          <p:spTgt spid="2">
+                                            <p:txEl>
+                                              <p:pRg st="8" end="8"/>
+                                            </p:txEl>
+                                          </p:spTgt>
+                                        </p:tgtEl>
+                                        <p:attrNameLst>
+                                          <p:attrName>ppt_x</p:attrName>
+                                        </p:attrNameLst>
+                                      </p:cBhvr>
+                                      <p:tavLst>
+                                        <p:tav tm="0">
+                                          <p:val>
+                                            <p:strVal val="#ppt_x"/>
+                                          </p:val>
+                                        </p:tav>
+                                        <p:tav tm="100000">
+                                          <p:val>
+                                            <p:strVal val="#ppt_x"/>
+                                          </p:val>
+                                        </p:tav>
+                                      </p:tavLst>
+                                    </p:anim>
+                                    <p:anim calcmode="lin" valueType="num">
+                                      <p:cBhvr additive="base">
+                                        <p:cTn id="32" dur="500" fill="hold"/>
+                                        <p:tgtEl>
+                                          <p:spTgt spid="2">
+                                            <p:txEl>
+                                              <p:pRg st="8" end="8"/>
+                                            </p:txEl>
+                                          </p:spTgt>
+                                        </p:tgtEl>
+                                        <p:attrNameLst>
+                                          <p:attrName>ppt_y</p:attrName>
+                                        </p:attrNameLst>
+                                      </p:cBhvr>
+                                      <p:tavLst>
+                                        <p:tav tm="0">
+                                          <p:val>
+                                            <p:strVal val="1+#ppt_h/2"/>
+                                          </p:val>
+                                        </p:tav>
+                                        <p:tav tm="100000">
+                                          <p:val>
+                                            <p:strVal val="#ppt_y"/>
+                                          </p:val>
+                                        </p:tav>
+                                      </p:tavLst>
+                                    </p:anim>
+                                  </p:childTnLst>
+                                </p:cTn>
+                              </p:par>
+                            </p:childTnLst>
+                          </p:cTn>
+                        </p:par>
+                      </p:childTnLst>
+                    </p:cTn>
+                  </p:par>
+                </p:childTnLst>
+              </p:cTn>
+              <p:prevCondLst>
+                <p:cond evt="onPrev" delay="0">
+                  <p:tgtEl>
+                    <p:sldTgt/>
+                  </p:tgtEl>
+                </p:cond>
+              </p:prevCondLst>
+              <p:nextCondLst>
+                <p:cond evt="onNext" delay="0">
+                  <p:tgtEl>
+                    <p:sldTgt/>
+                  </p:tgtEl>
+                </p:cond>
+              </p:nextCondLst>
+            </p:seq>
+          </p:childTnLst>
+        </p:cTn>
       </p:par>
     </p:tnLst>
   </p:timing>
@@ -41573,7 +46277,12 @@
             <p:ph type="title"/>
           </p:nvPr>
         </p:nvSpPr>
-        <p:spPr/>
+        <p:spPr>
+          <a:xfrm>
+            <a:off x="946786" y="429273"/>
+            <a:ext cx="10311765" cy="601668"/>
+          </a:xfrm>
+        </p:spPr>
         <p:txBody>
           <a:bodyPr/>
           <a:lstStyle/>
@@ -41599,7 +46308,934 @@
   <p:timing>
     <p:tnLst>
       <p:par>
-        <p:cTn id="1" dur="indefinite" restart="never" nodeType="tmRoot"/>
+        <p:cTn id="1" dur="indefinite" restart="never" nodeType="tmRoot">
+          <p:childTnLst>
+            <p:seq concurrent="1" nextAc="seek">
+              <p:cTn id="2" dur="indefinite" nodeType="mainSeq">
+                <p:childTnLst>
+                  <p:par>
+                    <p:cTn id="3" fill="hold">
+                      <p:stCondLst>
+                        <p:cond delay="indefinite"/>
+                      </p:stCondLst>
+                      <p:childTnLst>
+                        <p:par>
+                          <p:cTn id="4" fill="hold">
+                            <p:stCondLst>
+                              <p:cond delay="0"/>
+                            </p:stCondLst>
+                            <p:childTnLst>
+                              <p:par>
+                                <p:cTn id="5" presetID="2" presetClass="entr" presetSubtype="4" fill="hold" nodeType="clickEffect">
+                                  <p:stCondLst>
+                                    <p:cond delay="0"/>
+                                  </p:stCondLst>
+                                  <p:childTnLst>
+                                    <p:set>
+                                      <p:cBhvr>
+                                        <p:cTn id="6" dur="1" fill="hold">
+                                          <p:stCondLst>
+                                            <p:cond delay="0"/>
+                                          </p:stCondLst>
+                                        </p:cTn>
+                                        <p:tgtEl>
+                                          <p:spTgt spid="2">
+                                            <p:txEl>
+                                              <p:pRg st="0" end="0"/>
+                                            </p:txEl>
+                                          </p:spTgt>
+                                        </p:tgtEl>
+                                        <p:attrNameLst>
+                                          <p:attrName>style.visibility</p:attrName>
+                                        </p:attrNameLst>
+                                      </p:cBhvr>
+                                      <p:to>
+                                        <p:strVal val="visible"/>
+                                      </p:to>
+                                    </p:set>
+                                    <p:anim calcmode="lin" valueType="num">
+                                      <p:cBhvr additive="base">
+                                        <p:cTn id="7" dur="500" fill="hold"/>
+                                        <p:tgtEl>
+                                          <p:spTgt spid="2">
+                                            <p:txEl>
+                                              <p:pRg st="0" end="0"/>
+                                            </p:txEl>
+                                          </p:spTgt>
+                                        </p:tgtEl>
+                                        <p:attrNameLst>
+                                          <p:attrName>ppt_x</p:attrName>
+                                        </p:attrNameLst>
+                                      </p:cBhvr>
+                                      <p:tavLst>
+                                        <p:tav tm="0">
+                                          <p:val>
+                                            <p:strVal val="#ppt_x"/>
+                                          </p:val>
+                                        </p:tav>
+                                        <p:tav tm="100000">
+                                          <p:val>
+                                            <p:strVal val="#ppt_x"/>
+                                          </p:val>
+                                        </p:tav>
+                                      </p:tavLst>
+                                    </p:anim>
+                                    <p:anim calcmode="lin" valueType="num">
+                                      <p:cBhvr additive="base">
+                                        <p:cTn id="8" dur="500" fill="hold"/>
+                                        <p:tgtEl>
+                                          <p:spTgt spid="2">
+                                            <p:txEl>
+                                              <p:pRg st="0" end="0"/>
+                                            </p:txEl>
+                                          </p:spTgt>
+                                        </p:tgtEl>
+                                        <p:attrNameLst>
+                                          <p:attrName>ppt_y</p:attrName>
+                                        </p:attrNameLst>
+                                      </p:cBhvr>
+                                      <p:tavLst>
+                                        <p:tav tm="0">
+                                          <p:val>
+                                            <p:strVal val="1+#ppt_h/2"/>
+                                          </p:val>
+                                        </p:tav>
+                                        <p:tav tm="100000">
+                                          <p:val>
+                                            <p:strVal val="#ppt_y"/>
+                                          </p:val>
+                                        </p:tav>
+                                      </p:tavLst>
+                                    </p:anim>
+                                  </p:childTnLst>
+                                </p:cTn>
+                              </p:par>
+                            </p:childTnLst>
+                          </p:cTn>
+                        </p:par>
+                      </p:childTnLst>
+                    </p:cTn>
+                  </p:par>
+                  <p:par>
+                    <p:cTn id="9" fill="hold">
+                      <p:stCondLst>
+                        <p:cond delay="indefinite"/>
+                      </p:stCondLst>
+                      <p:childTnLst>
+                        <p:par>
+                          <p:cTn id="10" fill="hold">
+                            <p:stCondLst>
+                              <p:cond delay="0"/>
+                            </p:stCondLst>
+                            <p:childTnLst>
+                              <p:par>
+                                <p:cTn id="11" presetID="2" presetClass="entr" presetSubtype="4" fill="hold" nodeType="clickEffect">
+                                  <p:stCondLst>
+                                    <p:cond delay="0"/>
+                                  </p:stCondLst>
+                                  <p:childTnLst>
+                                    <p:set>
+                                      <p:cBhvr>
+                                        <p:cTn id="12" dur="1" fill="hold">
+                                          <p:stCondLst>
+                                            <p:cond delay="0"/>
+                                          </p:stCondLst>
+                                        </p:cTn>
+                                        <p:tgtEl>
+                                          <p:spTgt spid="2">
+                                            <p:txEl>
+                                              <p:pRg st="1" end="1"/>
+                                            </p:txEl>
+                                          </p:spTgt>
+                                        </p:tgtEl>
+                                        <p:attrNameLst>
+                                          <p:attrName>style.visibility</p:attrName>
+                                        </p:attrNameLst>
+                                      </p:cBhvr>
+                                      <p:to>
+                                        <p:strVal val="visible"/>
+                                      </p:to>
+                                    </p:set>
+                                    <p:anim calcmode="lin" valueType="num">
+                                      <p:cBhvr additive="base">
+                                        <p:cTn id="13" dur="500" fill="hold"/>
+                                        <p:tgtEl>
+                                          <p:spTgt spid="2">
+                                            <p:txEl>
+                                              <p:pRg st="1" end="1"/>
+                                            </p:txEl>
+                                          </p:spTgt>
+                                        </p:tgtEl>
+                                        <p:attrNameLst>
+                                          <p:attrName>ppt_x</p:attrName>
+                                        </p:attrNameLst>
+                                      </p:cBhvr>
+                                      <p:tavLst>
+                                        <p:tav tm="0">
+                                          <p:val>
+                                            <p:strVal val="#ppt_x"/>
+                                          </p:val>
+                                        </p:tav>
+                                        <p:tav tm="100000">
+                                          <p:val>
+                                            <p:strVal val="#ppt_x"/>
+                                          </p:val>
+                                        </p:tav>
+                                      </p:tavLst>
+                                    </p:anim>
+                                    <p:anim calcmode="lin" valueType="num">
+                                      <p:cBhvr additive="base">
+                                        <p:cTn id="14" dur="500" fill="hold"/>
+                                        <p:tgtEl>
+                                          <p:spTgt spid="2">
+                                            <p:txEl>
+                                              <p:pRg st="1" end="1"/>
+                                            </p:txEl>
+                                          </p:spTgt>
+                                        </p:tgtEl>
+                                        <p:attrNameLst>
+                                          <p:attrName>ppt_y</p:attrName>
+                                        </p:attrNameLst>
+                                      </p:cBhvr>
+                                      <p:tavLst>
+                                        <p:tav tm="0">
+                                          <p:val>
+                                            <p:strVal val="1+#ppt_h/2"/>
+                                          </p:val>
+                                        </p:tav>
+                                        <p:tav tm="100000">
+                                          <p:val>
+                                            <p:strVal val="#ppt_y"/>
+                                          </p:val>
+                                        </p:tav>
+                                      </p:tavLst>
+                                    </p:anim>
+                                  </p:childTnLst>
+                                </p:cTn>
+                              </p:par>
+                              <p:par>
+                                <p:cTn id="15" presetID="2" presetClass="entr" presetSubtype="4" fill="hold" nodeType="withEffect">
+                                  <p:stCondLst>
+                                    <p:cond delay="0"/>
+                                  </p:stCondLst>
+                                  <p:childTnLst>
+                                    <p:set>
+                                      <p:cBhvr>
+                                        <p:cTn id="16" dur="1" fill="hold">
+                                          <p:stCondLst>
+                                            <p:cond delay="0"/>
+                                          </p:stCondLst>
+                                        </p:cTn>
+                                        <p:tgtEl>
+                                          <p:spTgt spid="2">
+                                            <p:txEl>
+                                              <p:pRg st="2" end="2"/>
+                                            </p:txEl>
+                                          </p:spTgt>
+                                        </p:tgtEl>
+                                        <p:attrNameLst>
+                                          <p:attrName>style.visibility</p:attrName>
+                                        </p:attrNameLst>
+                                      </p:cBhvr>
+                                      <p:to>
+                                        <p:strVal val="visible"/>
+                                      </p:to>
+                                    </p:set>
+                                    <p:anim calcmode="lin" valueType="num">
+                                      <p:cBhvr additive="base">
+                                        <p:cTn id="17" dur="500" fill="hold"/>
+                                        <p:tgtEl>
+                                          <p:spTgt spid="2">
+                                            <p:txEl>
+                                              <p:pRg st="2" end="2"/>
+                                            </p:txEl>
+                                          </p:spTgt>
+                                        </p:tgtEl>
+                                        <p:attrNameLst>
+                                          <p:attrName>ppt_x</p:attrName>
+                                        </p:attrNameLst>
+                                      </p:cBhvr>
+                                      <p:tavLst>
+                                        <p:tav tm="0">
+                                          <p:val>
+                                            <p:strVal val="#ppt_x"/>
+                                          </p:val>
+                                        </p:tav>
+                                        <p:tav tm="100000">
+                                          <p:val>
+                                            <p:strVal val="#ppt_x"/>
+                                          </p:val>
+                                        </p:tav>
+                                      </p:tavLst>
+                                    </p:anim>
+                                    <p:anim calcmode="lin" valueType="num">
+                                      <p:cBhvr additive="base">
+                                        <p:cTn id="18" dur="500" fill="hold"/>
+                                        <p:tgtEl>
+                                          <p:spTgt spid="2">
+                                            <p:txEl>
+                                              <p:pRg st="2" end="2"/>
+                                            </p:txEl>
+                                          </p:spTgt>
+                                        </p:tgtEl>
+                                        <p:attrNameLst>
+                                          <p:attrName>ppt_y</p:attrName>
+                                        </p:attrNameLst>
+                                      </p:cBhvr>
+                                      <p:tavLst>
+                                        <p:tav tm="0">
+                                          <p:val>
+                                            <p:strVal val="1+#ppt_h/2"/>
+                                          </p:val>
+                                        </p:tav>
+                                        <p:tav tm="100000">
+                                          <p:val>
+                                            <p:strVal val="#ppt_y"/>
+                                          </p:val>
+                                        </p:tav>
+                                      </p:tavLst>
+                                    </p:anim>
+                                  </p:childTnLst>
+                                </p:cTn>
+                              </p:par>
+                              <p:par>
+                                <p:cTn id="19" presetID="2" presetClass="entr" presetSubtype="4" fill="hold" nodeType="withEffect">
+                                  <p:stCondLst>
+                                    <p:cond delay="0"/>
+                                  </p:stCondLst>
+                                  <p:childTnLst>
+                                    <p:set>
+                                      <p:cBhvr>
+                                        <p:cTn id="20" dur="1" fill="hold">
+                                          <p:stCondLst>
+                                            <p:cond delay="0"/>
+                                          </p:stCondLst>
+                                        </p:cTn>
+                                        <p:tgtEl>
+                                          <p:spTgt spid="2">
+                                            <p:txEl>
+                                              <p:pRg st="3" end="3"/>
+                                            </p:txEl>
+                                          </p:spTgt>
+                                        </p:tgtEl>
+                                        <p:attrNameLst>
+                                          <p:attrName>style.visibility</p:attrName>
+                                        </p:attrNameLst>
+                                      </p:cBhvr>
+                                      <p:to>
+                                        <p:strVal val="visible"/>
+                                      </p:to>
+                                    </p:set>
+                                    <p:anim calcmode="lin" valueType="num">
+                                      <p:cBhvr additive="base">
+                                        <p:cTn id="21" dur="500" fill="hold"/>
+                                        <p:tgtEl>
+                                          <p:spTgt spid="2">
+                                            <p:txEl>
+                                              <p:pRg st="3" end="3"/>
+                                            </p:txEl>
+                                          </p:spTgt>
+                                        </p:tgtEl>
+                                        <p:attrNameLst>
+                                          <p:attrName>ppt_x</p:attrName>
+                                        </p:attrNameLst>
+                                      </p:cBhvr>
+                                      <p:tavLst>
+                                        <p:tav tm="0">
+                                          <p:val>
+                                            <p:strVal val="#ppt_x"/>
+                                          </p:val>
+                                        </p:tav>
+                                        <p:tav tm="100000">
+                                          <p:val>
+                                            <p:strVal val="#ppt_x"/>
+                                          </p:val>
+                                        </p:tav>
+                                      </p:tavLst>
+                                    </p:anim>
+                                    <p:anim calcmode="lin" valueType="num">
+                                      <p:cBhvr additive="base">
+                                        <p:cTn id="22" dur="500" fill="hold"/>
+                                        <p:tgtEl>
+                                          <p:spTgt spid="2">
+                                            <p:txEl>
+                                              <p:pRg st="3" end="3"/>
+                                            </p:txEl>
+                                          </p:spTgt>
+                                        </p:tgtEl>
+                                        <p:attrNameLst>
+                                          <p:attrName>ppt_y</p:attrName>
+                                        </p:attrNameLst>
+                                      </p:cBhvr>
+                                      <p:tavLst>
+                                        <p:tav tm="0">
+                                          <p:val>
+                                            <p:strVal val="1+#ppt_h/2"/>
+                                          </p:val>
+                                        </p:tav>
+                                        <p:tav tm="100000">
+                                          <p:val>
+                                            <p:strVal val="#ppt_y"/>
+                                          </p:val>
+                                        </p:tav>
+                                      </p:tavLst>
+                                    </p:anim>
+                                  </p:childTnLst>
+                                </p:cTn>
+                              </p:par>
+                              <p:par>
+                                <p:cTn id="23" presetID="2" presetClass="entr" presetSubtype="4" fill="hold" nodeType="withEffect">
+                                  <p:stCondLst>
+                                    <p:cond delay="0"/>
+                                  </p:stCondLst>
+                                  <p:childTnLst>
+                                    <p:set>
+                                      <p:cBhvr>
+                                        <p:cTn id="24" dur="1" fill="hold">
+                                          <p:stCondLst>
+                                            <p:cond delay="0"/>
+                                          </p:stCondLst>
+                                        </p:cTn>
+                                        <p:tgtEl>
+                                          <p:spTgt spid="2">
+                                            <p:txEl>
+                                              <p:pRg st="4" end="4"/>
+                                            </p:txEl>
+                                          </p:spTgt>
+                                        </p:tgtEl>
+                                        <p:attrNameLst>
+                                          <p:attrName>style.visibility</p:attrName>
+                                        </p:attrNameLst>
+                                      </p:cBhvr>
+                                      <p:to>
+                                        <p:strVal val="visible"/>
+                                      </p:to>
+                                    </p:set>
+                                    <p:anim calcmode="lin" valueType="num">
+                                      <p:cBhvr additive="base">
+                                        <p:cTn id="25" dur="500" fill="hold"/>
+                                        <p:tgtEl>
+                                          <p:spTgt spid="2">
+                                            <p:txEl>
+                                              <p:pRg st="4" end="4"/>
+                                            </p:txEl>
+                                          </p:spTgt>
+                                        </p:tgtEl>
+                                        <p:attrNameLst>
+                                          <p:attrName>ppt_x</p:attrName>
+                                        </p:attrNameLst>
+                                      </p:cBhvr>
+                                      <p:tavLst>
+                                        <p:tav tm="0">
+                                          <p:val>
+                                            <p:strVal val="#ppt_x"/>
+                                          </p:val>
+                                        </p:tav>
+                                        <p:tav tm="100000">
+                                          <p:val>
+                                            <p:strVal val="#ppt_x"/>
+                                          </p:val>
+                                        </p:tav>
+                                      </p:tavLst>
+                                    </p:anim>
+                                    <p:anim calcmode="lin" valueType="num">
+                                      <p:cBhvr additive="base">
+                                        <p:cTn id="26" dur="500" fill="hold"/>
+                                        <p:tgtEl>
+                                          <p:spTgt spid="2">
+                                            <p:txEl>
+                                              <p:pRg st="4" end="4"/>
+                                            </p:txEl>
+                                          </p:spTgt>
+                                        </p:tgtEl>
+                                        <p:attrNameLst>
+                                          <p:attrName>ppt_y</p:attrName>
+                                        </p:attrNameLst>
+                                      </p:cBhvr>
+                                      <p:tavLst>
+                                        <p:tav tm="0">
+                                          <p:val>
+                                            <p:strVal val="1+#ppt_h/2"/>
+                                          </p:val>
+                                        </p:tav>
+                                        <p:tav tm="100000">
+                                          <p:val>
+                                            <p:strVal val="#ppt_y"/>
+                                          </p:val>
+                                        </p:tav>
+                                      </p:tavLst>
+                                    </p:anim>
+                                  </p:childTnLst>
+                                </p:cTn>
+                              </p:par>
+                              <p:par>
+                                <p:cTn id="27" presetID="2" presetClass="entr" presetSubtype="4" fill="hold" nodeType="withEffect">
+                                  <p:stCondLst>
+                                    <p:cond delay="0"/>
+                                  </p:stCondLst>
+                                  <p:childTnLst>
+                                    <p:set>
+                                      <p:cBhvr>
+                                        <p:cTn id="28" dur="1" fill="hold">
+                                          <p:stCondLst>
+                                            <p:cond delay="0"/>
+                                          </p:stCondLst>
+                                        </p:cTn>
+                                        <p:tgtEl>
+                                          <p:spTgt spid="2">
+                                            <p:txEl>
+                                              <p:pRg st="5" end="5"/>
+                                            </p:txEl>
+                                          </p:spTgt>
+                                        </p:tgtEl>
+                                        <p:attrNameLst>
+                                          <p:attrName>style.visibility</p:attrName>
+                                        </p:attrNameLst>
+                                      </p:cBhvr>
+                                      <p:to>
+                                        <p:strVal val="visible"/>
+                                      </p:to>
+                                    </p:set>
+                                    <p:anim calcmode="lin" valueType="num">
+                                      <p:cBhvr additive="base">
+                                        <p:cTn id="29" dur="500" fill="hold"/>
+                                        <p:tgtEl>
+                                          <p:spTgt spid="2">
+                                            <p:txEl>
+                                              <p:pRg st="5" end="5"/>
+                                            </p:txEl>
+                                          </p:spTgt>
+                                        </p:tgtEl>
+                                        <p:attrNameLst>
+                                          <p:attrName>ppt_x</p:attrName>
+                                        </p:attrNameLst>
+                                      </p:cBhvr>
+                                      <p:tavLst>
+                                        <p:tav tm="0">
+                                          <p:val>
+                                            <p:strVal val="#ppt_x"/>
+                                          </p:val>
+                                        </p:tav>
+                                        <p:tav tm="100000">
+                                          <p:val>
+                                            <p:strVal val="#ppt_x"/>
+                                          </p:val>
+                                        </p:tav>
+                                      </p:tavLst>
+                                    </p:anim>
+                                    <p:anim calcmode="lin" valueType="num">
+                                      <p:cBhvr additive="base">
+                                        <p:cTn id="30" dur="500" fill="hold"/>
+                                        <p:tgtEl>
+                                          <p:spTgt spid="2">
+                                            <p:txEl>
+                                              <p:pRg st="5" end="5"/>
+                                            </p:txEl>
+                                          </p:spTgt>
+                                        </p:tgtEl>
+                                        <p:attrNameLst>
+                                          <p:attrName>ppt_y</p:attrName>
+                                        </p:attrNameLst>
+                                      </p:cBhvr>
+                                      <p:tavLst>
+                                        <p:tav tm="0">
+                                          <p:val>
+                                            <p:strVal val="1+#ppt_h/2"/>
+                                          </p:val>
+                                        </p:tav>
+                                        <p:tav tm="100000">
+                                          <p:val>
+                                            <p:strVal val="#ppt_y"/>
+                                          </p:val>
+                                        </p:tav>
+                                      </p:tavLst>
+                                    </p:anim>
+                                  </p:childTnLst>
+                                </p:cTn>
+                              </p:par>
+                              <p:par>
+                                <p:cTn id="31" presetID="2" presetClass="entr" presetSubtype="4" fill="hold" nodeType="withEffect">
+                                  <p:stCondLst>
+                                    <p:cond delay="0"/>
+                                  </p:stCondLst>
+                                  <p:childTnLst>
+                                    <p:set>
+                                      <p:cBhvr>
+                                        <p:cTn id="32" dur="1" fill="hold">
+                                          <p:stCondLst>
+                                            <p:cond delay="0"/>
+                                          </p:stCondLst>
+                                        </p:cTn>
+                                        <p:tgtEl>
+                                          <p:spTgt spid="2">
+                                            <p:txEl>
+                                              <p:pRg st="6" end="6"/>
+                                            </p:txEl>
+                                          </p:spTgt>
+                                        </p:tgtEl>
+                                        <p:attrNameLst>
+                                          <p:attrName>style.visibility</p:attrName>
+                                        </p:attrNameLst>
+                                      </p:cBhvr>
+                                      <p:to>
+                                        <p:strVal val="visible"/>
+                                      </p:to>
+                                    </p:set>
+                                    <p:anim calcmode="lin" valueType="num">
+                                      <p:cBhvr additive="base">
+                                        <p:cTn id="33" dur="500" fill="hold"/>
+                                        <p:tgtEl>
+                                          <p:spTgt spid="2">
+                                            <p:txEl>
+                                              <p:pRg st="6" end="6"/>
+                                            </p:txEl>
+                                          </p:spTgt>
+                                        </p:tgtEl>
+                                        <p:attrNameLst>
+                                          <p:attrName>ppt_x</p:attrName>
+                                        </p:attrNameLst>
+                                      </p:cBhvr>
+                                      <p:tavLst>
+                                        <p:tav tm="0">
+                                          <p:val>
+                                            <p:strVal val="#ppt_x"/>
+                                          </p:val>
+                                        </p:tav>
+                                        <p:tav tm="100000">
+                                          <p:val>
+                                            <p:strVal val="#ppt_x"/>
+                                          </p:val>
+                                        </p:tav>
+                                      </p:tavLst>
+                                    </p:anim>
+                                    <p:anim calcmode="lin" valueType="num">
+                                      <p:cBhvr additive="base">
+                                        <p:cTn id="34" dur="500" fill="hold"/>
+                                        <p:tgtEl>
+                                          <p:spTgt spid="2">
+                                            <p:txEl>
+                                              <p:pRg st="6" end="6"/>
+                                            </p:txEl>
+                                          </p:spTgt>
+                                        </p:tgtEl>
+                                        <p:attrNameLst>
+                                          <p:attrName>ppt_y</p:attrName>
+                                        </p:attrNameLst>
+                                      </p:cBhvr>
+                                      <p:tavLst>
+                                        <p:tav tm="0">
+                                          <p:val>
+                                            <p:strVal val="1+#ppt_h/2"/>
+                                          </p:val>
+                                        </p:tav>
+                                        <p:tav tm="100000">
+                                          <p:val>
+                                            <p:strVal val="#ppt_y"/>
+                                          </p:val>
+                                        </p:tav>
+                                      </p:tavLst>
+                                    </p:anim>
+                                  </p:childTnLst>
+                                </p:cTn>
+                              </p:par>
+                            </p:childTnLst>
+                          </p:cTn>
+                        </p:par>
+                      </p:childTnLst>
+                    </p:cTn>
+                  </p:par>
+                  <p:par>
+                    <p:cTn id="35" fill="hold">
+                      <p:stCondLst>
+                        <p:cond delay="indefinite"/>
+                      </p:stCondLst>
+                      <p:childTnLst>
+                        <p:par>
+                          <p:cTn id="36" fill="hold">
+                            <p:stCondLst>
+                              <p:cond delay="0"/>
+                            </p:stCondLst>
+                            <p:childTnLst>
+                              <p:par>
+                                <p:cTn id="37" presetID="2" presetClass="entr" presetSubtype="4" fill="hold" nodeType="clickEffect">
+                                  <p:stCondLst>
+                                    <p:cond delay="0"/>
+                                  </p:stCondLst>
+                                  <p:childTnLst>
+                                    <p:set>
+                                      <p:cBhvr>
+                                        <p:cTn id="38" dur="1" fill="hold">
+                                          <p:stCondLst>
+                                            <p:cond delay="0"/>
+                                          </p:stCondLst>
+                                        </p:cTn>
+                                        <p:tgtEl>
+                                          <p:spTgt spid="2">
+                                            <p:txEl>
+                                              <p:pRg st="8" end="8"/>
+                                            </p:txEl>
+                                          </p:spTgt>
+                                        </p:tgtEl>
+                                        <p:attrNameLst>
+                                          <p:attrName>style.visibility</p:attrName>
+                                        </p:attrNameLst>
+                                      </p:cBhvr>
+                                      <p:to>
+                                        <p:strVal val="visible"/>
+                                      </p:to>
+                                    </p:set>
+                                    <p:anim calcmode="lin" valueType="num">
+                                      <p:cBhvr additive="base">
+                                        <p:cTn id="39" dur="500" fill="hold"/>
+                                        <p:tgtEl>
+                                          <p:spTgt spid="2">
+                                            <p:txEl>
+                                              <p:pRg st="8" end="8"/>
+                                            </p:txEl>
+                                          </p:spTgt>
+                                        </p:tgtEl>
+                                        <p:attrNameLst>
+                                          <p:attrName>ppt_x</p:attrName>
+                                        </p:attrNameLst>
+                                      </p:cBhvr>
+                                      <p:tavLst>
+                                        <p:tav tm="0">
+                                          <p:val>
+                                            <p:strVal val="#ppt_x"/>
+                                          </p:val>
+                                        </p:tav>
+                                        <p:tav tm="100000">
+                                          <p:val>
+                                            <p:strVal val="#ppt_x"/>
+                                          </p:val>
+                                        </p:tav>
+                                      </p:tavLst>
+                                    </p:anim>
+                                    <p:anim calcmode="lin" valueType="num">
+                                      <p:cBhvr additive="base">
+                                        <p:cTn id="40" dur="500" fill="hold"/>
+                                        <p:tgtEl>
+                                          <p:spTgt spid="2">
+                                            <p:txEl>
+                                              <p:pRg st="8" end="8"/>
+                                            </p:txEl>
+                                          </p:spTgt>
+                                        </p:tgtEl>
+                                        <p:attrNameLst>
+                                          <p:attrName>ppt_y</p:attrName>
+                                        </p:attrNameLst>
+                                      </p:cBhvr>
+                                      <p:tavLst>
+                                        <p:tav tm="0">
+                                          <p:val>
+                                            <p:strVal val="1+#ppt_h/2"/>
+                                          </p:val>
+                                        </p:tav>
+                                        <p:tav tm="100000">
+                                          <p:val>
+                                            <p:strVal val="#ppt_y"/>
+                                          </p:val>
+                                        </p:tav>
+                                      </p:tavLst>
+                                    </p:anim>
+                                  </p:childTnLst>
+                                </p:cTn>
+                              </p:par>
+                              <p:par>
+                                <p:cTn id="41" presetID="2" presetClass="entr" presetSubtype="4" fill="hold" nodeType="withEffect">
+                                  <p:stCondLst>
+                                    <p:cond delay="0"/>
+                                  </p:stCondLst>
+                                  <p:childTnLst>
+                                    <p:set>
+                                      <p:cBhvr>
+                                        <p:cTn id="42" dur="1" fill="hold">
+                                          <p:stCondLst>
+                                            <p:cond delay="0"/>
+                                          </p:stCondLst>
+                                        </p:cTn>
+                                        <p:tgtEl>
+                                          <p:spTgt spid="2">
+                                            <p:txEl>
+                                              <p:pRg st="9" end="9"/>
+                                            </p:txEl>
+                                          </p:spTgt>
+                                        </p:tgtEl>
+                                        <p:attrNameLst>
+                                          <p:attrName>style.visibility</p:attrName>
+                                        </p:attrNameLst>
+                                      </p:cBhvr>
+                                      <p:to>
+                                        <p:strVal val="visible"/>
+                                      </p:to>
+                                    </p:set>
+                                    <p:anim calcmode="lin" valueType="num">
+                                      <p:cBhvr additive="base">
+                                        <p:cTn id="43" dur="500" fill="hold"/>
+                                        <p:tgtEl>
+                                          <p:spTgt spid="2">
+                                            <p:txEl>
+                                              <p:pRg st="9" end="9"/>
+                                            </p:txEl>
+                                          </p:spTgt>
+                                        </p:tgtEl>
+                                        <p:attrNameLst>
+                                          <p:attrName>ppt_x</p:attrName>
+                                        </p:attrNameLst>
+                                      </p:cBhvr>
+                                      <p:tavLst>
+                                        <p:tav tm="0">
+                                          <p:val>
+                                            <p:strVal val="#ppt_x"/>
+                                          </p:val>
+                                        </p:tav>
+                                        <p:tav tm="100000">
+                                          <p:val>
+                                            <p:strVal val="#ppt_x"/>
+                                          </p:val>
+                                        </p:tav>
+                                      </p:tavLst>
+                                    </p:anim>
+                                    <p:anim calcmode="lin" valueType="num">
+                                      <p:cBhvr additive="base">
+                                        <p:cTn id="44" dur="500" fill="hold"/>
+                                        <p:tgtEl>
+                                          <p:spTgt spid="2">
+                                            <p:txEl>
+                                              <p:pRg st="9" end="9"/>
+                                            </p:txEl>
+                                          </p:spTgt>
+                                        </p:tgtEl>
+                                        <p:attrNameLst>
+                                          <p:attrName>ppt_y</p:attrName>
+                                        </p:attrNameLst>
+                                      </p:cBhvr>
+                                      <p:tavLst>
+                                        <p:tav tm="0">
+                                          <p:val>
+                                            <p:strVal val="1+#ppt_h/2"/>
+                                          </p:val>
+                                        </p:tav>
+                                        <p:tav tm="100000">
+                                          <p:val>
+                                            <p:strVal val="#ppt_y"/>
+                                          </p:val>
+                                        </p:tav>
+                                      </p:tavLst>
+                                    </p:anim>
+                                  </p:childTnLst>
+                                </p:cTn>
+                              </p:par>
+                              <p:par>
+                                <p:cTn id="45" presetID="2" presetClass="entr" presetSubtype="4" fill="hold" nodeType="withEffect">
+                                  <p:stCondLst>
+                                    <p:cond delay="0"/>
+                                  </p:stCondLst>
+                                  <p:childTnLst>
+                                    <p:set>
+                                      <p:cBhvr>
+                                        <p:cTn id="46" dur="1" fill="hold">
+                                          <p:stCondLst>
+                                            <p:cond delay="0"/>
+                                          </p:stCondLst>
+                                        </p:cTn>
+                                        <p:tgtEl>
+                                          <p:spTgt spid="2">
+                                            <p:txEl>
+                                              <p:pRg st="10" end="10"/>
+                                            </p:txEl>
+                                          </p:spTgt>
+                                        </p:tgtEl>
+                                        <p:attrNameLst>
+                                          <p:attrName>style.visibility</p:attrName>
+                                        </p:attrNameLst>
+                                      </p:cBhvr>
+                                      <p:to>
+                                        <p:strVal val="visible"/>
+                                      </p:to>
+                                    </p:set>
+                                    <p:anim calcmode="lin" valueType="num">
+                                      <p:cBhvr additive="base">
+                                        <p:cTn id="47" dur="500" fill="hold"/>
+                                        <p:tgtEl>
+                                          <p:spTgt spid="2">
+                                            <p:txEl>
+                                              <p:pRg st="10" end="10"/>
+                                            </p:txEl>
+                                          </p:spTgt>
+                                        </p:tgtEl>
+                                        <p:attrNameLst>
+                                          <p:attrName>ppt_x</p:attrName>
+                                        </p:attrNameLst>
+                                      </p:cBhvr>
+                                      <p:tavLst>
+                                        <p:tav tm="0">
+                                          <p:val>
+                                            <p:strVal val="#ppt_x"/>
+                                          </p:val>
+                                        </p:tav>
+                                        <p:tav tm="100000">
+                                          <p:val>
+                                            <p:strVal val="#ppt_x"/>
+                                          </p:val>
+                                        </p:tav>
+                                      </p:tavLst>
+                                    </p:anim>
+                                    <p:anim calcmode="lin" valueType="num">
+                                      <p:cBhvr additive="base">
+                                        <p:cTn id="48" dur="500" fill="hold"/>
+                                        <p:tgtEl>
+                                          <p:spTgt spid="2">
+                                            <p:txEl>
+                                              <p:pRg st="10" end="10"/>
+                                            </p:txEl>
+                                          </p:spTgt>
+                                        </p:tgtEl>
+                                        <p:attrNameLst>
+                                          <p:attrName>ppt_y</p:attrName>
+                                        </p:attrNameLst>
+                                      </p:cBhvr>
+                                      <p:tavLst>
+                                        <p:tav tm="0">
+                                          <p:val>
+                                            <p:strVal val="1+#ppt_h/2"/>
+                                          </p:val>
+                                        </p:tav>
+                                        <p:tav tm="100000">
+                                          <p:val>
+                                            <p:strVal val="#ppt_y"/>
+                                          </p:val>
+                                        </p:tav>
+                                      </p:tavLst>
+                                    </p:anim>
+                                  </p:childTnLst>
+                                </p:cTn>
+                              </p:par>
+                            </p:childTnLst>
+                          </p:cTn>
+                        </p:par>
+                      </p:childTnLst>
+                    </p:cTn>
+                  </p:par>
+                </p:childTnLst>
+              </p:cTn>
+              <p:prevCondLst>
+                <p:cond evt="onPrev" delay="0">
+                  <p:tgtEl>
+                    <p:sldTgt/>
+                  </p:tgtEl>
+                </p:cond>
+              </p:prevCondLst>
+              <p:nextCondLst>
+                <p:cond evt="onNext" delay="0">
+                  <p:tgtEl>
+                    <p:sldTgt/>
+                  </p:tgtEl>
+                </p:cond>
+              </p:nextCondLst>
+            </p:seq>
+          </p:childTnLst>
+        </p:cTn>
       </p:par>
     </p:tnLst>
   </p:timing>
